--- a/Lectures/Lecture10-ModelSelection2.pptx
+++ b/Lectures/Lecture10-ModelSelection2.pptx
@@ -5,48 +5,47 @@
     <p:sldMasterId id="2147483648" r:id="rId1"/>
   </p:sldMasterIdLst>
   <p:notesMasterIdLst>
-    <p:notesMasterId r:id="rId41"/>
+    <p:notesMasterId r:id="rId40"/>
   </p:notesMasterIdLst>
   <p:sldIdLst>
     <p:sldId id="256" r:id="rId2"/>
-    <p:sldId id="497" r:id="rId3"/>
-    <p:sldId id="498" r:id="rId4"/>
-    <p:sldId id="318" r:id="rId5"/>
-    <p:sldId id="323" r:id="rId6"/>
-    <p:sldId id="428" r:id="rId7"/>
-    <p:sldId id="500" r:id="rId8"/>
-    <p:sldId id="286" r:id="rId9"/>
-    <p:sldId id="273" r:id="rId10"/>
-    <p:sldId id="287" r:id="rId11"/>
-    <p:sldId id="288" r:id="rId12"/>
-    <p:sldId id="468" r:id="rId13"/>
-    <p:sldId id="463" r:id="rId14"/>
-    <p:sldId id="464" r:id="rId15"/>
-    <p:sldId id="284" r:id="rId16"/>
-    <p:sldId id="474" r:id="rId17"/>
-    <p:sldId id="475" r:id="rId18"/>
-    <p:sldId id="476" r:id="rId19"/>
-    <p:sldId id="477" r:id="rId20"/>
-    <p:sldId id="478" r:id="rId21"/>
-    <p:sldId id="486" r:id="rId22"/>
-    <p:sldId id="484" r:id="rId23"/>
-    <p:sldId id="488" r:id="rId24"/>
-    <p:sldId id="489" r:id="rId25"/>
-    <p:sldId id="490" r:id="rId26"/>
-    <p:sldId id="491" r:id="rId27"/>
-    <p:sldId id="492" r:id="rId28"/>
-    <p:sldId id="493" r:id="rId29"/>
-    <p:sldId id="494" r:id="rId30"/>
-    <p:sldId id="495" r:id="rId31"/>
-    <p:sldId id="487" r:id="rId32"/>
-    <p:sldId id="485" r:id="rId33"/>
-    <p:sldId id="496" r:id="rId34"/>
-    <p:sldId id="473" r:id="rId35"/>
-    <p:sldId id="479" r:id="rId36"/>
-    <p:sldId id="481" r:id="rId37"/>
-    <p:sldId id="480" r:id="rId38"/>
-    <p:sldId id="482" r:id="rId39"/>
-    <p:sldId id="499" r:id="rId40"/>
+    <p:sldId id="431" r:id="rId3"/>
+    <p:sldId id="323" r:id="rId4"/>
+    <p:sldId id="428" r:id="rId5"/>
+    <p:sldId id="286" r:id="rId6"/>
+    <p:sldId id="273" r:id="rId7"/>
+    <p:sldId id="287" r:id="rId8"/>
+    <p:sldId id="288" r:id="rId9"/>
+    <p:sldId id="468" r:id="rId10"/>
+    <p:sldId id="463" r:id="rId11"/>
+    <p:sldId id="464" r:id="rId12"/>
+    <p:sldId id="284" r:id="rId13"/>
+    <p:sldId id="503" r:id="rId14"/>
+    <p:sldId id="502" r:id="rId15"/>
+    <p:sldId id="474" r:id="rId16"/>
+    <p:sldId id="475" r:id="rId17"/>
+    <p:sldId id="476" r:id="rId18"/>
+    <p:sldId id="477" r:id="rId19"/>
+    <p:sldId id="478" r:id="rId20"/>
+    <p:sldId id="486" r:id="rId21"/>
+    <p:sldId id="484" r:id="rId22"/>
+    <p:sldId id="488" r:id="rId23"/>
+    <p:sldId id="489" r:id="rId24"/>
+    <p:sldId id="490" r:id="rId25"/>
+    <p:sldId id="491" r:id="rId26"/>
+    <p:sldId id="492" r:id="rId27"/>
+    <p:sldId id="493" r:id="rId28"/>
+    <p:sldId id="494" r:id="rId29"/>
+    <p:sldId id="495" r:id="rId30"/>
+    <p:sldId id="487" r:id="rId31"/>
+    <p:sldId id="485" r:id="rId32"/>
+    <p:sldId id="496" r:id="rId33"/>
+    <p:sldId id="473" r:id="rId34"/>
+    <p:sldId id="479" r:id="rId35"/>
+    <p:sldId id="481" r:id="rId36"/>
+    <p:sldId id="480" r:id="rId37"/>
+    <p:sldId id="482" r:id="rId38"/>
+    <p:sldId id="501" r:id="rId39"/>
   </p:sldIdLst>
   <p:sldSz cx="12192000" cy="6858000"/>
   <p:notesSz cx="6858000" cy="9144000"/>
@@ -284,7 +283,7 @@
       <p15:sldGuideLst xmlns:p15="http://schemas.microsoft.com/office/powerpoint/2012/main"/>
     </p:ext>
     <p:ext uri="http://customooxmlschemas.google.com/">
-      <go:slidesCustomData xmlns:go="http://customooxmlschemas.google.com/" xmlns:p15="http://schemas.microsoft.com/office/powerpoint/2012/main" xmlns:p14="http://schemas.microsoft.com/office/powerpoint/2010/main" xmlns:com="http://schemas.openxmlformats.org/drawingml/2006/compatibility" xmlns:pvml="urn:schemas-microsoft-com:office:powerpoint" xmlns:v="urn:schemas-microsoft-com:vml" xmlns:o="urn:schemas-microsoft-com:office:office" xmlns:dgm="http://schemas.openxmlformats.org/drawingml/2006/diagram" xmlns:c="http://schemas.openxmlformats.org/drawingml/2006/chart" xmlns:mv="urn:schemas-microsoft-com:mac:vml" xmlns:mc="http://schemas.openxmlformats.org/markup-compatibility/2006" xmlns="" r:id="rId54" roundtripDataSignature="AMtx7mjFyVUGRZWio+dc9dxzYsimUxNJbg=="/>
+      <go:slidesCustomData xmlns="" xmlns:mc="http://schemas.openxmlformats.org/markup-compatibility/2006" xmlns:mv="urn:schemas-microsoft-com:mac:vml" xmlns:c="http://schemas.openxmlformats.org/drawingml/2006/chart" xmlns:dgm="http://schemas.openxmlformats.org/drawingml/2006/diagram" xmlns:o="urn:schemas-microsoft-com:office:office" xmlns:v="urn:schemas-microsoft-com:vml" xmlns:pvml="urn:schemas-microsoft-com:office:powerpoint" xmlns:com="http://schemas.openxmlformats.org/drawingml/2006/compatibility" xmlns:p14="http://schemas.microsoft.com/office/powerpoint/2010/main" xmlns:p15="http://schemas.microsoft.com/office/powerpoint/2012/main" xmlns:go="http://customooxmlschemas.google.com/" r:id="rId54" roundtripDataSignature="AMtx7mjFyVUGRZWio+dc9dxzYsimUxNJbg=="/>
     </p:ext>
   </p:extLst>
 </p:presentation>
@@ -7761,10 +7760,10 @@
           </a:ln>
           <a:extLst>
             <a:ext uri="{FAA26D3D-D897-4be2-8F04-BA451C77F1D7}">
-              <ma14:placeholderFlag xmlns:ma14="http://schemas.microsoft.com/office/mac/drawingml/2011/main" xmlns="" val="1"/>
+              <ma14:placeholderFlag xmlns="" xmlns:ma14="http://schemas.microsoft.com/office/mac/drawingml/2011/main" val="1"/>
             </a:ext>
             <a:ext uri="{909E8E84-426E-40dd-AFC4-6F175D3DCCD1}">
-              <a14:hiddenFill xmlns="" xmlns:a14="http://schemas.microsoft.com/office/drawing/2010/main">
+              <a14:hiddenFill xmlns:a14="http://schemas.microsoft.com/office/drawing/2010/main" xmlns="">
                 <a:solidFill>
                   <a:srgbClr val="FFFFFF"/>
                 </a:solidFill>
@@ -7787,17 +7786,17 @@
           <a:noFill/>
           <a:extLst>
             <a:ext uri="{FAA26D3D-D897-4be2-8F04-BA451C77F1D7}">
-              <ma14:placeholderFlag xmlns:ma14="http://schemas.microsoft.com/office/mac/drawingml/2011/main" xmlns="" val="1"/>
+              <ma14:placeholderFlag xmlns="" xmlns:ma14="http://schemas.microsoft.com/office/mac/drawingml/2011/main" val="1"/>
             </a:ext>
             <a:ext uri="{909E8E84-426E-40dd-AFC4-6F175D3DCCD1}">
-              <a14:hiddenFill xmlns="" xmlns:a14="http://schemas.microsoft.com/office/drawing/2010/main">
+              <a14:hiddenFill xmlns:a14="http://schemas.microsoft.com/office/drawing/2010/main" xmlns="">
                 <a:solidFill>
                   <a:srgbClr val="FFFFFF"/>
                 </a:solidFill>
               </a14:hiddenFill>
             </a:ext>
             <a:ext uri="{91240B29-F687-4f45-9708-019B960494DF}">
-              <a14:hiddenLine xmlns="" xmlns:a14="http://schemas.microsoft.com/office/drawing/2010/main" w="9525">
+              <a14:hiddenLine xmlns:a14="http://schemas.microsoft.com/office/drawing/2010/main" xmlns="" w="9525">
                 <a:solidFill>
                   <a:srgbClr val="000000"/>
                 </a:solidFill>
@@ -8001,7 +8000,7 @@
                 <a:tabLst/>
                 <a:defRPr/>
               </a:pPr>
-              <a:t>9</a:t>
+              <a:t>6</a:t>
             </a:fld>
             <a:endParaRPr kumimoji="0" lang="en-US" sz="1200" b="0" i="0" u="none" strike="noStrike" kern="1200" cap="none" spc="0" normalizeH="0" baseline="0" noProof="0">
               <a:ln>
@@ -10946,6 +10945,285 @@
     <p:extLst>
       <p:ext uri="{BB962C8B-B14F-4D97-AF65-F5344CB8AC3E}">
         <p14:creationId xmlns:p14="http://schemas.microsoft.com/office/powerpoint/2010/main" val="1009718145"/>
+      </p:ext>
+    </p:extLst>
+  </p:cSld>
+  <p:clrMapOvr>
+    <a:masterClrMapping/>
+  </p:clrMapOvr>
+</p:sldLayout>
+</file>
+
+<file path=ppt/slideLayouts/slideLayout7.xml><?xml version="1.0" encoding="utf-8"?>
+<p:sldLayout xmlns:a="http://schemas.openxmlformats.org/drawingml/2006/main" xmlns:r="http://schemas.openxmlformats.org/officeDocument/2006/relationships" xmlns:p="http://schemas.openxmlformats.org/presentationml/2006/main" matchingName="1_Title and Content">
+  <p:cSld name="1_Title and Content">
+    <p:spTree>
+      <p:nvGrpSpPr>
+        <p:cNvPr id="1" name="Shape 62"/>
+        <p:cNvGrpSpPr/>
+        <p:nvPr/>
+      </p:nvGrpSpPr>
+      <p:grpSpPr>
+        <a:xfrm>
+          <a:off x="0" y="0"/>
+          <a:ext cx="0" cy="0"/>
+          <a:chOff x="0" y="0"/>
+          <a:chExt cx="0" cy="0"/>
+        </a:xfrm>
+      </p:grpSpPr>
+      <p:sp>
+        <p:nvSpPr>
+          <p:cNvPr id="63" name="Google Shape;63;g6dad9273e7_0_53"/>
+          <p:cNvSpPr txBox="1">
+            <a:spLocks noGrp="1"/>
+          </p:cNvSpPr>
+          <p:nvPr>
+            <p:ph type="body" idx="1"/>
+          </p:nvPr>
+        </p:nvSpPr>
+        <p:spPr>
+          <a:xfrm>
+            <a:off x="268210" y="1588503"/>
+            <a:ext cx="11666400" cy="4954500"/>
+          </a:xfrm>
+          <a:prstGeom prst="rect">
+            <a:avLst/>
+          </a:prstGeom>
+          <a:noFill/>
+          <a:ln>
+            <a:noFill/>
+          </a:ln>
+        </p:spPr>
+        <p:txBody>
+          <a:bodyPr spcFirstLastPara="1" wrap="square" lIns="91425" tIns="45700" rIns="91425" bIns="45700" anchor="t" anchorCtr="0">
+            <a:noAutofit/>
+          </a:bodyPr>
+          <a:lstStyle>
+            <a:lvl1pPr marL="457200" lvl="0" indent="-342900" algn="l" rtl="0">
+              <a:spcBef>
+                <a:spcPts val="360"/>
+              </a:spcBef>
+              <a:spcAft>
+                <a:spcPts val="0"/>
+              </a:spcAft>
+              <a:buClr>
+                <a:schemeClr val="dk1"/>
+              </a:buClr>
+              <a:buSzPts val="1800"/>
+              <a:buChar char="●"/>
+              <a:defRPr/>
+            </a:lvl1pPr>
+            <a:lvl2pPr marL="914400" lvl="1" indent="-342900" algn="l" rtl="0">
+              <a:spcBef>
+                <a:spcPts val="360"/>
+              </a:spcBef>
+              <a:spcAft>
+                <a:spcPts val="0"/>
+              </a:spcAft>
+              <a:buClr>
+                <a:schemeClr val="dk1"/>
+              </a:buClr>
+              <a:buSzPts val="1800"/>
+              <a:buChar char="○"/>
+              <a:defRPr/>
+            </a:lvl2pPr>
+            <a:lvl3pPr marL="1371600" lvl="2" indent="-342900" algn="l" rtl="0">
+              <a:spcBef>
+                <a:spcPts val="360"/>
+              </a:spcBef>
+              <a:spcAft>
+                <a:spcPts val="0"/>
+              </a:spcAft>
+              <a:buClr>
+                <a:schemeClr val="dk1"/>
+              </a:buClr>
+              <a:buSzPts val="1800"/>
+              <a:buChar char="■"/>
+              <a:defRPr/>
+            </a:lvl3pPr>
+            <a:lvl4pPr marL="1828800" lvl="3" indent="-342900" algn="l" rtl="0">
+              <a:spcBef>
+                <a:spcPts val="360"/>
+              </a:spcBef>
+              <a:spcAft>
+                <a:spcPts val="0"/>
+              </a:spcAft>
+              <a:buClr>
+                <a:schemeClr val="dk1"/>
+              </a:buClr>
+              <a:buSzPts val="1800"/>
+              <a:buChar char="●"/>
+              <a:defRPr/>
+            </a:lvl4pPr>
+            <a:lvl5pPr marL="2286000" lvl="4" indent="-342900" algn="l" rtl="0">
+              <a:spcBef>
+                <a:spcPts val="360"/>
+              </a:spcBef>
+              <a:spcAft>
+                <a:spcPts val="0"/>
+              </a:spcAft>
+              <a:buClr>
+                <a:schemeClr val="dk1"/>
+              </a:buClr>
+              <a:buSzPts val="1800"/>
+              <a:buChar char="○"/>
+              <a:defRPr/>
+            </a:lvl5pPr>
+            <a:lvl6pPr marL="2743200" lvl="5" indent="-342900" algn="l" rtl="0">
+              <a:spcBef>
+                <a:spcPts val="360"/>
+              </a:spcBef>
+              <a:spcAft>
+                <a:spcPts val="0"/>
+              </a:spcAft>
+              <a:buClr>
+                <a:schemeClr val="dk1"/>
+              </a:buClr>
+              <a:buSzPts val="1800"/>
+              <a:buChar char="■"/>
+              <a:defRPr/>
+            </a:lvl6pPr>
+            <a:lvl7pPr marL="3200400" lvl="6" indent="-342900" algn="l" rtl="0">
+              <a:spcBef>
+                <a:spcPts val="2100"/>
+              </a:spcBef>
+              <a:spcAft>
+                <a:spcPts val="0"/>
+              </a:spcAft>
+              <a:buClr>
+                <a:schemeClr val="dk1"/>
+              </a:buClr>
+              <a:buSzPts val="1800"/>
+              <a:buChar char="●"/>
+              <a:defRPr/>
+            </a:lvl7pPr>
+            <a:lvl8pPr marL="3657600" lvl="7" indent="-342900" algn="l" rtl="0">
+              <a:spcBef>
+                <a:spcPts val="2100"/>
+              </a:spcBef>
+              <a:spcAft>
+                <a:spcPts val="0"/>
+              </a:spcAft>
+              <a:buClr>
+                <a:schemeClr val="dk1"/>
+              </a:buClr>
+              <a:buSzPts val="1800"/>
+              <a:buChar char="○"/>
+              <a:defRPr/>
+            </a:lvl8pPr>
+            <a:lvl9pPr marL="4114800" lvl="8" indent="-342900" algn="l" rtl="0">
+              <a:spcBef>
+                <a:spcPts val="2100"/>
+              </a:spcBef>
+              <a:spcAft>
+                <a:spcPts val="2100"/>
+              </a:spcAft>
+              <a:buClr>
+                <a:schemeClr val="dk1"/>
+              </a:buClr>
+              <a:buSzPts val="1800"/>
+              <a:buChar char="■"/>
+              <a:defRPr/>
+            </a:lvl9pPr>
+          </a:lstStyle>
+          <a:p>
+            <a:endParaRPr dirty="0"/>
+          </a:p>
+        </p:txBody>
+      </p:sp>
+      <p:sp>
+        <p:nvSpPr>
+          <p:cNvPr id="64" name="Google Shape;64;g6dad9273e7_0_53"/>
+          <p:cNvSpPr txBox="1"/>
+          <p:nvPr/>
+        </p:nvSpPr>
+        <p:spPr>
+          <a:xfrm>
+            <a:off x="5410" y="11929"/>
+            <a:ext cx="12192000" cy="1353806"/>
+          </a:xfrm>
+          <a:prstGeom prst="rect">
+            <a:avLst/>
+          </a:prstGeom>
+          <a:solidFill>
+            <a:srgbClr val="800000"/>
+          </a:solidFill>
+          <a:ln>
+            <a:noFill/>
+          </a:ln>
+        </p:spPr>
+        <p:txBody>
+          <a:bodyPr spcFirstLastPara="1" wrap="square" lIns="121900" tIns="60950" rIns="121900" bIns="60950" anchor="ctr" anchorCtr="0">
+            <a:noAutofit/>
+          </a:bodyPr>
+          <a:lstStyle/>
+          <a:p>
+            <a:pPr marL="0" marR="0" lvl="0" indent="0" algn="ctr" rtl="0">
+              <a:spcBef>
+                <a:spcPts val="0"/>
+              </a:spcBef>
+              <a:spcAft>
+                <a:spcPts val="0"/>
+              </a:spcAft>
+              <a:buNone/>
+            </a:pPr>
+            <a:endParaRPr sz="3300" b="0" i="0" u="none" strike="noStrike" cap="none" dirty="0">
+              <a:solidFill>
+                <a:schemeClr val="bg1"/>
+              </a:solidFill>
+              <a:latin typeface="Calibri"/>
+              <a:ea typeface="Calibri"/>
+              <a:cs typeface="Calibri"/>
+              <a:sym typeface="Calibri"/>
+            </a:endParaRPr>
+          </a:p>
+        </p:txBody>
+      </p:sp>
+      <p:sp>
+        <p:nvSpPr>
+          <p:cNvPr id="2" name="Title 1">
+            <a:extLst>
+              <a:ext uri="{FF2B5EF4-FFF2-40B4-BE49-F238E27FC236}">
+                <a16:creationId xmlns:a16="http://schemas.microsoft.com/office/drawing/2014/main" id="{FB058E15-DEBE-0941-A587-4DF3467F6618}"/>
+              </a:ext>
+            </a:extLst>
+          </p:cNvPr>
+          <p:cNvSpPr>
+            <a:spLocks noGrp="1"/>
+          </p:cNvSpPr>
+          <p:nvPr>
+            <p:ph type="title"/>
+          </p:nvPr>
+        </p:nvSpPr>
+        <p:spPr>
+          <a:xfrm>
+            <a:off x="130558" y="418466"/>
+            <a:ext cx="11360700" cy="763500"/>
+          </a:xfrm>
+        </p:spPr>
+        <p:txBody>
+          <a:bodyPr/>
+          <a:lstStyle>
+            <a:lvl1pPr>
+              <a:defRPr>
+                <a:solidFill>
+                  <a:schemeClr val="bg1"/>
+                </a:solidFill>
+              </a:defRPr>
+            </a:lvl1pPr>
+          </a:lstStyle>
+          <a:p>
+            <a:r>
+              <a:rPr lang="en-US"/>
+              <a:t>Click to edit Master title style</a:t>
+            </a:r>
+          </a:p>
+        </p:txBody>
+      </p:sp>
+    </p:spTree>
+    <p:extLst>
+      <p:ext uri="{BB962C8B-B14F-4D97-AF65-F5344CB8AC3E}">
+        <p14:creationId xmlns:p14="http://schemas.microsoft.com/office/powerpoint/2010/main" val="2791553242"/>
       </p:ext>
     </p:extLst>
   </p:cSld>
@@ -11528,6 +11806,7 @@
     <p:sldLayoutId id="2147483652" r:id="rId4"/>
     <p:sldLayoutId id="2147483659" r:id="rId5"/>
     <p:sldLayoutId id="2147483670" r:id="rId6"/>
+    <p:sldLayoutId id="2147483671" r:id="rId7"/>
   </p:sldLayoutIdLst>
   <p:hf sldNum="0" hdr="0" ftr="0" dt="0"/>
   <p:txStyles>
@@ -12494,331 +12773,6 @@
           <a:p>
             <a:r>
               <a:rPr lang="en-US" dirty="0"/>
-              <a:t>Why do we need to do model selection?</a:t>
-            </a:r>
-          </a:p>
-        </p:txBody>
-      </p:sp>
-      <p:sp>
-        <p:nvSpPr>
-          <p:cNvPr id="2" name="Content Placeholder 1"/>
-          <p:cNvSpPr>
-            <a:spLocks noGrp="1"/>
-          </p:cNvSpPr>
-          <p:nvPr>
-            <p:ph type="body" idx="1"/>
-          </p:nvPr>
-        </p:nvSpPr>
-        <p:spPr/>
-        <p:txBody>
-          <a:bodyPr/>
-          <a:lstStyle/>
-          <a:p>
-            <a:r>
-              <a:rPr lang="en-US" sz="2800" dirty="0"/>
-              <a:t>You’ve run a large number of different types of models varying …</a:t>
-            </a:r>
-          </a:p>
-          <a:p>
-            <a:endParaRPr lang="en-US" sz="2800" dirty="0"/>
-          </a:p>
-          <a:p>
-            <a:r>
-              <a:rPr lang="en-US" sz="2800" dirty="0"/>
-              <a:t>You need to understand what types of models are effective under what circumstances, </a:t>
-            </a:r>
-            <a:r>
-              <a:rPr lang="en-US" sz="2800" b="1" dirty="0"/>
-              <a:t>and</a:t>
-            </a:r>
-          </a:p>
-          <a:p>
-            <a:endParaRPr lang="en-US" sz="2800" b="1" dirty="0"/>
-          </a:p>
-          <a:p>
-            <a:r>
-              <a:rPr lang="en-US" sz="2800" dirty="0"/>
-              <a:t>You need to decide which one(s) to use in the </a:t>
-            </a:r>
-            <a:r>
-              <a:rPr lang="en-US" sz="2800" b="1" dirty="0"/>
-              <a:t>future</a:t>
-            </a:r>
-          </a:p>
-        </p:txBody>
-      </p:sp>
-    </p:spTree>
-    <p:extLst>
-      <p:ext uri="{BB962C8B-B14F-4D97-AF65-F5344CB8AC3E}">
-        <p14:creationId xmlns:p14="http://schemas.microsoft.com/office/powerpoint/2010/main" val="473448969"/>
-      </p:ext>
-    </p:extLst>
-  </p:cSld>
-  <p:clrMapOvr>
-    <a:masterClrMapping/>
-  </p:clrMapOvr>
-</p:sld>
-</file>
-
-<file path=ppt/slides/slide11.xml><?xml version="1.0" encoding="utf-8"?>
-<p:sld xmlns:a="http://schemas.openxmlformats.org/drawingml/2006/main" xmlns:r="http://schemas.openxmlformats.org/officeDocument/2006/relationships" xmlns:p="http://schemas.openxmlformats.org/presentationml/2006/main" show="0">
-  <p:cSld>
-    <p:spTree>
-      <p:nvGrpSpPr>
-        <p:cNvPr id="1" name=""/>
-        <p:cNvGrpSpPr/>
-        <p:nvPr/>
-      </p:nvGrpSpPr>
-      <p:grpSpPr>
-        <a:xfrm>
-          <a:off x="0" y="0"/>
-          <a:ext cx="0" cy="0"/>
-          <a:chOff x="0" y="0"/>
-          <a:chExt cx="0" cy="0"/>
-        </a:xfrm>
-      </p:grpSpPr>
-      <p:sp>
-        <p:nvSpPr>
-          <p:cNvPr id="3" name="Title 2"/>
-          <p:cNvSpPr>
-            <a:spLocks noGrp="1"/>
-          </p:cNvSpPr>
-          <p:nvPr>
-            <p:ph type="title"/>
-          </p:nvPr>
-        </p:nvSpPr>
-        <p:spPr/>
-        <p:txBody>
-          <a:bodyPr/>
-          <a:lstStyle/>
-          <a:p>
-            <a:r>
-              <a:rPr lang="en-US" dirty="0"/>
-              <a:t>What do we to perform model selection</a:t>
-            </a:r>
-          </a:p>
-        </p:txBody>
-      </p:sp>
-      <p:sp>
-        <p:nvSpPr>
-          <p:cNvPr id="2" name="Content Placeholder 1"/>
-          <p:cNvSpPr>
-            <a:spLocks noGrp="1"/>
-          </p:cNvSpPr>
-          <p:nvPr>
-            <p:ph type="body" idx="1"/>
-          </p:nvPr>
-        </p:nvSpPr>
-        <p:spPr/>
-        <p:txBody>
-          <a:bodyPr/>
-          <a:lstStyle/>
-          <a:p>
-            <a:r>
-              <a:rPr lang="en-US" dirty="0"/>
-              <a:t>Deployment scenario</a:t>
-            </a:r>
-          </a:p>
-          <a:p>
-            <a:pPr lvl="1"/>
-            <a:r>
-              <a:rPr lang="en-US" dirty="0"/>
-              <a:t>Model selection Methodology</a:t>
-            </a:r>
-          </a:p>
-          <a:p>
-            <a:pPr lvl="1"/>
-            <a:r>
-              <a:rPr lang="en-US" dirty="0"/>
-              <a:t>Metric(s) (need to match your policy goals)</a:t>
-            </a:r>
-          </a:p>
-          <a:p>
-            <a:endParaRPr lang="en-US" dirty="0"/>
-          </a:p>
-          <a:p>
-            <a:r>
-              <a:rPr lang="en-US" dirty="0"/>
-              <a:t>Comparison with baselines (to know if you’re effective)</a:t>
-            </a:r>
-          </a:p>
-        </p:txBody>
-      </p:sp>
-    </p:spTree>
-    <p:extLst>
-      <p:ext uri="{BB962C8B-B14F-4D97-AF65-F5344CB8AC3E}">
-        <p14:creationId xmlns:p14="http://schemas.microsoft.com/office/powerpoint/2010/main" val="483603774"/>
-      </p:ext>
-    </p:extLst>
-  </p:cSld>
-  <p:clrMapOvr>
-    <a:masterClrMapping/>
-  </p:clrMapOvr>
-</p:sld>
-</file>
-
-<file path=ppt/slides/slide12.xml><?xml version="1.0" encoding="utf-8"?>
-<p:sld xmlns:a="http://schemas.openxmlformats.org/drawingml/2006/main" xmlns:r="http://schemas.openxmlformats.org/officeDocument/2006/relationships" xmlns:p="http://schemas.openxmlformats.org/presentationml/2006/main" show="0">
-  <p:cSld>
-    <p:spTree>
-      <p:nvGrpSpPr>
-        <p:cNvPr id="1" name=""/>
-        <p:cNvGrpSpPr/>
-        <p:nvPr/>
-      </p:nvGrpSpPr>
-      <p:grpSpPr>
-        <a:xfrm>
-          <a:off x="0" y="0"/>
-          <a:ext cx="0" cy="0"/>
-          <a:chOff x="0" y="0"/>
-          <a:chExt cx="0" cy="0"/>
-        </a:xfrm>
-      </p:grpSpPr>
-      <p:sp>
-        <p:nvSpPr>
-          <p:cNvPr id="4" name="Title 3">
-            <a:extLst>
-              <a:ext uri="{FF2B5EF4-FFF2-40B4-BE49-F238E27FC236}">
-                <a16:creationId xmlns:a16="http://schemas.microsoft.com/office/drawing/2014/main" id="{30C2C959-72F2-EF4D-80DA-F48A29D0F3C4}"/>
-              </a:ext>
-            </a:extLst>
-          </p:cNvPr>
-          <p:cNvSpPr>
-            <a:spLocks noGrp="1"/>
-          </p:cNvSpPr>
-          <p:nvPr>
-            <p:ph type="title"/>
-          </p:nvPr>
-        </p:nvSpPr>
-        <p:spPr/>
-        <p:txBody>
-          <a:bodyPr/>
-          <a:lstStyle/>
-          <a:p>
-            <a:r>
-              <a:rPr lang="en-US" dirty="0"/>
-              <a:t>What do we need our selected model to do?</a:t>
-            </a:r>
-          </a:p>
-        </p:txBody>
-      </p:sp>
-      <p:sp>
-        <p:nvSpPr>
-          <p:cNvPr id="5" name="Text Placeholder 4">
-            <a:extLst>
-              <a:ext uri="{FF2B5EF4-FFF2-40B4-BE49-F238E27FC236}">
-                <a16:creationId xmlns:a16="http://schemas.microsoft.com/office/drawing/2014/main" id="{24A75FF1-9EFE-0F41-92F5-3E749CFB2EB5}"/>
-              </a:ext>
-            </a:extLst>
-          </p:cNvPr>
-          <p:cNvSpPr>
-            <a:spLocks noGrp="1"/>
-          </p:cNvSpPr>
-          <p:nvPr>
-            <p:ph type="body" idx="1"/>
-          </p:nvPr>
-        </p:nvSpPr>
-        <p:spPr/>
-        <p:txBody>
-          <a:bodyPr/>
-          <a:lstStyle/>
-          <a:p>
-            <a:r>
-              <a:rPr lang="en-US" dirty="0"/>
-              <a:t>Perform well</a:t>
-            </a:r>
-          </a:p>
-          <a:p>
-            <a:pPr lvl="1"/>
-            <a:r>
-              <a:rPr lang="en-US" dirty="0"/>
-              <a:t>What metric?</a:t>
-            </a:r>
-          </a:p>
-          <a:p>
-            <a:pPr lvl="1"/>
-            <a:r>
-              <a:rPr lang="en-US" dirty="0"/>
-              <a:t>Compared to what?</a:t>
-            </a:r>
-          </a:p>
-          <a:p>
-            <a:endParaRPr lang="en-US" dirty="0"/>
-          </a:p>
-          <a:p>
-            <a:r>
-              <a:rPr lang="en-US" dirty="0"/>
-              <a:t>Generalize</a:t>
-            </a:r>
-          </a:p>
-          <a:p>
-            <a:pPr lvl="1"/>
-            <a:r>
-              <a:rPr lang="en-US" dirty="0"/>
-              <a:t>Over what dimension?</a:t>
-            </a:r>
-          </a:p>
-        </p:txBody>
-      </p:sp>
-    </p:spTree>
-    <p:extLst>
-      <p:ext uri="{BB962C8B-B14F-4D97-AF65-F5344CB8AC3E}">
-        <p14:creationId xmlns:p14="http://schemas.microsoft.com/office/powerpoint/2010/main" val="2958666708"/>
-      </p:ext>
-    </p:extLst>
-  </p:cSld>
-  <p:clrMapOvr>
-    <a:masterClrMapping/>
-  </p:clrMapOvr>
-  <mc:AlternateContent xmlns:mc="http://schemas.openxmlformats.org/markup-compatibility/2006" xmlns:p14="http://schemas.microsoft.com/office/powerpoint/2010/main">
-    <mc:Choice Requires="p14">
-      <p:transition spd="med" p14:dur="700">
-        <p:fade/>
-      </p:transition>
-    </mc:Choice>
-    <mc:Fallback xmlns="">
-      <p:transition spd="med">
-        <p:fade/>
-      </p:transition>
-    </mc:Fallback>
-  </mc:AlternateContent>
-</p:sld>
-</file>
-
-<file path=ppt/slides/slide13.xml><?xml version="1.0" encoding="utf-8"?>
-<p:sld xmlns:a="http://schemas.openxmlformats.org/drawingml/2006/main" xmlns:r="http://schemas.openxmlformats.org/officeDocument/2006/relationships" xmlns:p="http://schemas.openxmlformats.org/presentationml/2006/main">
-  <p:cSld>
-    <p:spTree>
-      <p:nvGrpSpPr>
-        <p:cNvPr id="1" name=""/>
-        <p:cNvGrpSpPr/>
-        <p:nvPr/>
-      </p:nvGrpSpPr>
-      <p:grpSpPr>
-        <a:xfrm>
-          <a:off x="0" y="0"/>
-          <a:ext cx="0" cy="0"/>
-          <a:chOff x="0" y="0"/>
-          <a:chExt cx="0" cy="0"/>
-        </a:xfrm>
-      </p:grpSpPr>
-      <p:sp>
-        <p:nvSpPr>
-          <p:cNvPr id="3" name="Title 2"/>
-          <p:cNvSpPr>
-            <a:spLocks noGrp="1"/>
-          </p:cNvSpPr>
-          <p:nvPr>
-            <p:ph type="title"/>
-          </p:nvPr>
-        </p:nvSpPr>
-        <p:spPr/>
-        <p:txBody>
-          <a:bodyPr/>
-          <a:lstStyle/>
-          <a:p>
-            <a:r>
-              <a:rPr lang="en-US" dirty="0"/>
               <a:t>The wonderful for loop</a:t>
             </a:r>
           </a:p>
@@ -12911,7 +12865,7 @@
 </p:sld>
 </file>
 
-<file path=ppt/slides/slide14.xml><?xml version="1.0" encoding="utf-8"?>
+<file path=ppt/slides/slide11.xml><?xml version="1.0" encoding="utf-8"?>
 <p:sld xmlns:a="http://schemas.openxmlformats.org/drawingml/2006/main" xmlns:r="http://schemas.openxmlformats.org/officeDocument/2006/relationships" xmlns:p="http://schemas.openxmlformats.org/presentationml/2006/main">
   <p:cSld>
     <p:spTree>
@@ -14045,7 +13999,7 @@
 </p:sld>
 </file>
 
-<file path=ppt/slides/slide15.xml><?xml version="1.0" encoding="utf-8"?>
+<file path=ppt/slides/slide12.xml><?xml version="1.0" encoding="utf-8"?>
 <p:sld xmlns:a="http://schemas.openxmlformats.org/drawingml/2006/main" xmlns:r="http://schemas.openxmlformats.org/officeDocument/2006/relationships" xmlns:p="http://schemas.openxmlformats.org/presentationml/2006/main">
   <p:cSld>
     <p:spTree>
@@ -14086,7 +14040,13 @@
       </p:sp>
       <p:sp>
         <p:nvSpPr>
-          <p:cNvPr id="2" name="Content Placeholder 1"/>
+          <p:cNvPr id="5" name="Text Placeholder 4">
+            <a:extLst>
+              <a:ext uri="{FF2B5EF4-FFF2-40B4-BE49-F238E27FC236}">
+                <a16:creationId xmlns:a16="http://schemas.microsoft.com/office/drawing/2014/main" id="{3B884D03-6A41-D04E-9DF0-C24B1C779A3B}"/>
+              </a:ext>
+            </a:extLst>
+          </p:cNvPr>
           <p:cNvSpPr>
             <a:spLocks noGrp="1"/>
           </p:cNvSpPr>
@@ -14094,75 +14054,404 @@
             <p:ph type="body" idx="1"/>
           </p:nvPr>
         </p:nvSpPr>
-        <p:spPr/>
+        <p:spPr>
+          <a:xfrm>
+            <a:off x="415600" y="1450134"/>
+            <a:ext cx="5515643" cy="4555200"/>
+          </a:xfrm>
+        </p:spPr>
         <p:txBody>
           <a:bodyPr/>
           <a:lstStyle/>
           <a:p>
+            <a:pPr marL="76200" indent="0">
+              <a:buNone/>
+            </a:pPr>
             <a:r>
+              <a:rPr lang="en-US" sz="3200" b="1" dirty="0">
+                <a:solidFill>
+                  <a:srgbClr val="A62A21"/>
+                </a:solidFill>
+              </a:rPr>
+              <a:t>K Fold CV</a:t>
+            </a:r>
+            <a:br>
               <a:rPr lang="en-US" dirty="0"/>
-              <a:t>Which approaches work best?</a:t>
+            </a:br>
+            <a:endParaRPr lang="en-US" dirty="0"/>
+          </a:p>
+          <a:p>
+            <a:pPr marL="76200" indent="0">
+              <a:buNone/>
+            </a:pPr>
+            <a:endParaRPr lang="en-US" dirty="0"/>
+          </a:p>
+          <a:p>
+            <a:pPr marL="76200" indent="0">
+              <a:buNone/>
+            </a:pPr>
+            <a:r>
+              <a:rPr lang="en-US" sz="8000" dirty="0"/>
+              <a:t>		 ?</a:t>
             </a:r>
-          </a:p>
-          <a:p>
-            <a:pPr lvl="1"/>
-            <a:r>
-              <a:rPr lang="en-US" dirty="0"/>
-              <a:t>Which classifiers?</a:t>
-            </a:r>
-          </a:p>
-          <a:p>
-            <a:pPr lvl="1"/>
-            <a:r>
-              <a:rPr lang="en-US" dirty="0"/>
-              <a:t>Which parameters?</a:t>
-            </a:r>
-          </a:p>
-          <a:p>
-            <a:pPr lvl="1"/>
-            <a:r>
-              <a:rPr lang="en-US" dirty="0"/>
-              <a:t>Over which metrics?</a:t>
-            </a:r>
-          </a:p>
-          <a:p>
-            <a:r>
-              <a:rPr lang="en-US" dirty="0"/>
-              <a:t>Value of different features/feature sets?</a:t>
-            </a:r>
-          </a:p>
-          <a:p>
-            <a:r>
-              <a:rPr lang="en-US" dirty="0"/>
-              <a:t>Variance in performance over time?</a:t>
-            </a:r>
-          </a:p>
-          <a:p>
-            <a:pPr lvl="1"/>
-            <a:r>
-              <a:rPr lang="en-US" dirty="0"/>
-              <a:t>Highest average?</a:t>
-            </a:r>
-          </a:p>
-          <a:p>
-            <a:pPr lvl="1"/>
-            <a:r>
-              <a:rPr lang="en-US" dirty="0"/>
-              <a:t>Lowest variance?</a:t>
-            </a:r>
-          </a:p>
-          <a:p>
-            <a:pPr lvl="1"/>
-            <a:r>
-              <a:rPr lang="en-US" dirty="0"/>
-              <a:t>Getting better over time?</a:t>
-            </a:r>
-          </a:p>
-          <a:p>
-            <a:endParaRPr lang="en-US" dirty="0"/>
           </a:p>
         </p:txBody>
       </p:sp>
+      <p:sp>
+        <p:nvSpPr>
+          <p:cNvPr id="6" name="Text Placeholder 4">
+            <a:extLst>
+              <a:ext uri="{FF2B5EF4-FFF2-40B4-BE49-F238E27FC236}">
+                <a16:creationId xmlns:a16="http://schemas.microsoft.com/office/drawing/2014/main" id="{B8686A0C-C497-6D4E-80B3-4E0F27B35374}"/>
+              </a:ext>
+            </a:extLst>
+          </p:cNvPr>
+          <p:cNvSpPr txBox="1">
+            <a:spLocks/>
+          </p:cNvSpPr>
+          <p:nvPr/>
+        </p:nvSpPr>
+        <p:spPr>
+          <a:xfrm>
+            <a:off x="6260759" y="1450134"/>
+            <a:ext cx="5515643" cy="4555200"/>
+          </a:xfrm>
+          <a:prstGeom prst="rect">
+            <a:avLst/>
+          </a:prstGeom>
+          <a:noFill/>
+          <a:ln>
+            <a:noFill/>
+          </a:ln>
+        </p:spPr>
+        <p:txBody>
+          <a:bodyPr spcFirstLastPara="1" wrap="square" lIns="121900" tIns="121900" rIns="121900" bIns="121900" anchor="t" anchorCtr="0">
+            <a:noAutofit/>
+          </a:bodyPr>
+          <a:lstStyle>
+            <a:defPPr marR="0" lvl="0" algn="l" rtl="0">
+              <a:lnSpc>
+                <a:spcPct val="100000"/>
+              </a:lnSpc>
+              <a:spcBef>
+                <a:spcPts val="0"/>
+              </a:spcBef>
+              <a:spcAft>
+                <a:spcPts val="0"/>
+              </a:spcAft>
+            </a:defPPr>
+            <a:lvl1pPr marL="457200" marR="0" lvl="0" indent="-381000" algn="l" rtl="0">
+              <a:lnSpc>
+                <a:spcPct val="115000"/>
+              </a:lnSpc>
+              <a:spcBef>
+                <a:spcPts val="0"/>
+              </a:spcBef>
+              <a:spcAft>
+                <a:spcPts val="0"/>
+              </a:spcAft>
+              <a:buClr>
+                <a:srgbClr val="434343"/>
+              </a:buClr>
+              <a:buSzPts val="2400"/>
+              <a:buFont typeface="Arial"/>
+              <a:buChar char="●"/>
+              <a:defRPr sz="2400" b="0" i="0" u="none" strike="noStrike" cap="none">
+                <a:solidFill>
+                  <a:srgbClr val="434343"/>
+                </a:solidFill>
+                <a:latin typeface="Arial"/>
+                <a:ea typeface="Arial"/>
+                <a:cs typeface="Arial"/>
+                <a:sym typeface="Arial"/>
+              </a:defRPr>
+            </a:lvl1pPr>
+            <a:lvl2pPr marL="914400" marR="0" lvl="1" indent="-349250" algn="l" rtl="0">
+              <a:lnSpc>
+                <a:spcPct val="115000"/>
+              </a:lnSpc>
+              <a:spcBef>
+                <a:spcPts val="2100"/>
+              </a:spcBef>
+              <a:spcAft>
+                <a:spcPts val="0"/>
+              </a:spcAft>
+              <a:buClr>
+                <a:srgbClr val="434343"/>
+              </a:buClr>
+              <a:buSzPts val="1900"/>
+              <a:buFont typeface="Arial"/>
+              <a:buChar char="○"/>
+              <a:defRPr sz="1900" b="0" i="0" u="none" strike="noStrike" cap="none">
+                <a:solidFill>
+                  <a:srgbClr val="434343"/>
+                </a:solidFill>
+                <a:latin typeface="Arial"/>
+                <a:ea typeface="Arial"/>
+                <a:cs typeface="Arial"/>
+                <a:sym typeface="Arial"/>
+              </a:defRPr>
+            </a:lvl2pPr>
+            <a:lvl3pPr marL="1371600" marR="0" lvl="2" indent="-349250" algn="l" rtl="0">
+              <a:lnSpc>
+                <a:spcPct val="115000"/>
+              </a:lnSpc>
+              <a:spcBef>
+                <a:spcPts val="2100"/>
+              </a:spcBef>
+              <a:spcAft>
+                <a:spcPts val="0"/>
+              </a:spcAft>
+              <a:buClr>
+                <a:srgbClr val="434343"/>
+              </a:buClr>
+              <a:buSzPts val="1900"/>
+              <a:buFont typeface="Arial"/>
+              <a:buChar char="■"/>
+              <a:defRPr sz="1900" b="0" i="0" u="none" strike="noStrike" cap="none">
+                <a:solidFill>
+                  <a:srgbClr val="434343"/>
+                </a:solidFill>
+                <a:latin typeface="Arial"/>
+                <a:ea typeface="Arial"/>
+                <a:cs typeface="Arial"/>
+                <a:sym typeface="Arial"/>
+              </a:defRPr>
+            </a:lvl3pPr>
+            <a:lvl4pPr marL="1828800" marR="0" lvl="3" indent="-349250" algn="l" rtl="0">
+              <a:lnSpc>
+                <a:spcPct val="115000"/>
+              </a:lnSpc>
+              <a:spcBef>
+                <a:spcPts val="2100"/>
+              </a:spcBef>
+              <a:spcAft>
+                <a:spcPts val="0"/>
+              </a:spcAft>
+              <a:buClr>
+                <a:srgbClr val="434343"/>
+              </a:buClr>
+              <a:buSzPts val="1900"/>
+              <a:buFont typeface="Arial"/>
+              <a:buChar char="●"/>
+              <a:defRPr sz="1900" b="0" i="0" u="none" strike="noStrike" cap="none">
+                <a:solidFill>
+                  <a:srgbClr val="434343"/>
+                </a:solidFill>
+                <a:latin typeface="Arial"/>
+                <a:ea typeface="Arial"/>
+                <a:cs typeface="Arial"/>
+                <a:sym typeface="Arial"/>
+              </a:defRPr>
+            </a:lvl4pPr>
+            <a:lvl5pPr marL="2286000" marR="0" lvl="4" indent="-349250" algn="l" rtl="0">
+              <a:lnSpc>
+                <a:spcPct val="115000"/>
+              </a:lnSpc>
+              <a:spcBef>
+                <a:spcPts val="2100"/>
+              </a:spcBef>
+              <a:spcAft>
+                <a:spcPts val="0"/>
+              </a:spcAft>
+              <a:buClr>
+                <a:srgbClr val="434343"/>
+              </a:buClr>
+              <a:buSzPts val="1900"/>
+              <a:buFont typeface="Arial"/>
+              <a:buChar char="○"/>
+              <a:defRPr sz="1900" b="0" i="0" u="none" strike="noStrike" cap="none">
+                <a:solidFill>
+                  <a:srgbClr val="434343"/>
+                </a:solidFill>
+                <a:latin typeface="Arial"/>
+                <a:ea typeface="Arial"/>
+                <a:cs typeface="Arial"/>
+                <a:sym typeface="Arial"/>
+              </a:defRPr>
+            </a:lvl5pPr>
+            <a:lvl6pPr marL="2743200" marR="0" lvl="5" indent="-349250" algn="l" rtl="0">
+              <a:lnSpc>
+                <a:spcPct val="115000"/>
+              </a:lnSpc>
+              <a:spcBef>
+                <a:spcPts val="2100"/>
+              </a:spcBef>
+              <a:spcAft>
+                <a:spcPts val="0"/>
+              </a:spcAft>
+              <a:buClr>
+                <a:srgbClr val="434343"/>
+              </a:buClr>
+              <a:buSzPts val="1900"/>
+              <a:buFont typeface="Arial"/>
+              <a:buChar char="■"/>
+              <a:defRPr sz="1900" b="0" i="0" u="none" strike="noStrike" cap="none">
+                <a:solidFill>
+                  <a:srgbClr val="434343"/>
+                </a:solidFill>
+                <a:latin typeface="Arial"/>
+                <a:ea typeface="Arial"/>
+                <a:cs typeface="Arial"/>
+                <a:sym typeface="Arial"/>
+              </a:defRPr>
+            </a:lvl6pPr>
+            <a:lvl7pPr marL="3200400" marR="0" lvl="6" indent="-349250" algn="l" rtl="0">
+              <a:lnSpc>
+                <a:spcPct val="115000"/>
+              </a:lnSpc>
+              <a:spcBef>
+                <a:spcPts val="2100"/>
+              </a:spcBef>
+              <a:spcAft>
+                <a:spcPts val="0"/>
+              </a:spcAft>
+              <a:buClr>
+                <a:srgbClr val="434343"/>
+              </a:buClr>
+              <a:buSzPts val="1900"/>
+              <a:buFont typeface="Arial"/>
+              <a:buChar char="●"/>
+              <a:defRPr sz="1900" b="0" i="0" u="none" strike="noStrike" cap="none">
+                <a:solidFill>
+                  <a:srgbClr val="434343"/>
+                </a:solidFill>
+                <a:latin typeface="Arial"/>
+                <a:ea typeface="Arial"/>
+                <a:cs typeface="Arial"/>
+                <a:sym typeface="Arial"/>
+              </a:defRPr>
+            </a:lvl7pPr>
+            <a:lvl8pPr marL="3657600" marR="0" lvl="7" indent="-349250" algn="l" rtl="0">
+              <a:lnSpc>
+                <a:spcPct val="115000"/>
+              </a:lnSpc>
+              <a:spcBef>
+                <a:spcPts val="2100"/>
+              </a:spcBef>
+              <a:spcAft>
+                <a:spcPts val="0"/>
+              </a:spcAft>
+              <a:buClr>
+                <a:srgbClr val="434343"/>
+              </a:buClr>
+              <a:buSzPts val="1900"/>
+              <a:buFont typeface="Arial"/>
+              <a:buChar char="○"/>
+              <a:defRPr sz="1900" b="0" i="0" u="none" strike="noStrike" cap="none">
+                <a:solidFill>
+                  <a:srgbClr val="434343"/>
+                </a:solidFill>
+                <a:latin typeface="Arial"/>
+                <a:ea typeface="Arial"/>
+                <a:cs typeface="Arial"/>
+                <a:sym typeface="Arial"/>
+              </a:defRPr>
+            </a:lvl8pPr>
+            <a:lvl9pPr marL="4114800" marR="0" lvl="8" indent="-349250" algn="l" rtl="0">
+              <a:lnSpc>
+                <a:spcPct val="115000"/>
+              </a:lnSpc>
+              <a:spcBef>
+                <a:spcPts val="2100"/>
+              </a:spcBef>
+              <a:spcAft>
+                <a:spcPts val="2100"/>
+              </a:spcAft>
+              <a:buClr>
+                <a:srgbClr val="434343"/>
+              </a:buClr>
+              <a:buSzPts val="1900"/>
+              <a:buFont typeface="Arial"/>
+              <a:buChar char="■"/>
+              <a:defRPr sz="1900" b="0" i="0" u="none" strike="noStrike" cap="none">
+                <a:solidFill>
+                  <a:srgbClr val="434343"/>
+                </a:solidFill>
+                <a:latin typeface="Arial"/>
+                <a:ea typeface="Arial"/>
+                <a:cs typeface="Arial"/>
+                <a:sym typeface="Arial"/>
+              </a:defRPr>
+            </a:lvl9pPr>
+          </a:lstStyle>
+          <a:p>
+            <a:pPr marL="76200" indent="0">
+              <a:buFont typeface="Arial"/>
+              <a:buNone/>
+            </a:pPr>
+            <a:r>
+              <a:rPr lang="en-US" sz="3200" b="1" dirty="0">
+                <a:solidFill>
+                  <a:srgbClr val="A62A21"/>
+                </a:solidFill>
+              </a:rPr>
+              <a:t>Temporal</a:t>
+            </a:r>
+            <a:br>
+              <a:rPr lang="en-US" dirty="0"/>
+            </a:br>
+            <a:endParaRPr lang="en-US" dirty="0"/>
+          </a:p>
+          <a:p>
+            <a:pPr marL="76200" indent="0">
+              <a:buFont typeface="Arial"/>
+              <a:buNone/>
+            </a:pPr>
+            <a:endParaRPr lang="en-US" dirty="0"/>
+          </a:p>
+          <a:p>
+            <a:pPr marL="76200" indent="0">
+              <a:buNone/>
+            </a:pPr>
+            <a:r>
+              <a:rPr lang="en-US" sz="8000" dirty="0"/>
+              <a:t>			?</a:t>
+            </a:r>
+          </a:p>
+        </p:txBody>
+      </p:sp>
+      <p:cxnSp>
+        <p:nvCxnSpPr>
+          <p:cNvPr id="8" name="Straight Connector 7">
+            <a:extLst>
+              <a:ext uri="{FF2B5EF4-FFF2-40B4-BE49-F238E27FC236}">
+                <a16:creationId xmlns:a16="http://schemas.microsoft.com/office/drawing/2014/main" id="{A5398BD9-3FCB-6244-9B60-4A8045D867B8}"/>
+              </a:ext>
+            </a:extLst>
+          </p:cNvPr>
+          <p:cNvCxnSpPr/>
+          <p:nvPr/>
+        </p:nvCxnSpPr>
+        <p:spPr>
+          <a:xfrm>
+            <a:off x="5696465" y="1536633"/>
+            <a:ext cx="0" cy="4802383"/>
+          </a:xfrm>
+          <a:prstGeom prst="line">
+            <a:avLst/>
+          </a:prstGeom>
+          <a:ln w="19050">
+            <a:solidFill>
+              <a:srgbClr val="811E17"/>
+            </a:solidFill>
+          </a:ln>
+        </p:spPr>
+        <p:style>
+          <a:lnRef idx="1">
+            <a:schemeClr val="accent1"/>
+          </a:lnRef>
+          <a:fillRef idx="0">
+            <a:schemeClr val="accent1"/>
+          </a:fillRef>
+          <a:effectRef idx="0">
+            <a:schemeClr val="accent1"/>
+          </a:effectRef>
+          <a:fontRef idx="minor">
+            <a:schemeClr val="tx1"/>
+          </a:fontRef>
+        </p:style>
+      </p:cxnSp>
     </p:spTree>
     <p:extLst>
       <p:ext uri="{BB962C8B-B14F-4D97-AF65-F5344CB8AC3E}">
@@ -14176,7 +14465,641 @@
 </p:sld>
 </file>
 
-<file path=ppt/slides/slide16.xml><?xml version="1.0" encoding="utf-8"?>
+<file path=ppt/slides/slide13.xml><?xml version="1.0" encoding="utf-8"?>
+<p:sld xmlns:a="http://schemas.openxmlformats.org/drawingml/2006/main" xmlns:r="http://schemas.openxmlformats.org/officeDocument/2006/relationships" xmlns:p="http://schemas.openxmlformats.org/presentationml/2006/main">
+  <p:cSld>
+    <p:spTree>
+      <p:nvGrpSpPr>
+        <p:cNvPr id="1" name=""/>
+        <p:cNvGrpSpPr/>
+        <p:nvPr/>
+      </p:nvGrpSpPr>
+      <p:grpSpPr>
+        <a:xfrm>
+          <a:off x="0" y="0"/>
+          <a:ext cx="0" cy="0"/>
+          <a:chOff x="0" y="0"/>
+          <a:chExt cx="0" cy="0"/>
+        </a:xfrm>
+      </p:grpSpPr>
+      <p:sp>
+        <p:nvSpPr>
+          <p:cNvPr id="3" name="Title 2"/>
+          <p:cNvSpPr>
+            <a:spLocks noGrp="1"/>
+          </p:cNvSpPr>
+          <p:nvPr>
+            <p:ph type="title"/>
+          </p:nvPr>
+        </p:nvSpPr>
+        <p:spPr/>
+        <p:txBody>
+          <a:bodyPr/>
+          <a:lstStyle/>
+          <a:p>
+            <a:r>
+              <a:rPr lang="en-US" dirty="0"/>
+              <a:t>Analyzing the results</a:t>
+            </a:r>
+          </a:p>
+        </p:txBody>
+      </p:sp>
+      <p:sp>
+        <p:nvSpPr>
+          <p:cNvPr id="5" name="Text Placeholder 4">
+            <a:extLst>
+              <a:ext uri="{FF2B5EF4-FFF2-40B4-BE49-F238E27FC236}">
+                <a16:creationId xmlns:a16="http://schemas.microsoft.com/office/drawing/2014/main" id="{3B884D03-6A41-D04E-9DF0-C24B1C779A3B}"/>
+              </a:ext>
+            </a:extLst>
+          </p:cNvPr>
+          <p:cNvSpPr>
+            <a:spLocks noGrp="1"/>
+          </p:cNvSpPr>
+          <p:nvPr>
+            <p:ph type="body" idx="1"/>
+          </p:nvPr>
+        </p:nvSpPr>
+        <p:spPr>
+          <a:xfrm>
+            <a:off x="415600" y="1450134"/>
+            <a:ext cx="5515643" cy="4555200"/>
+          </a:xfrm>
+        </p:spPr>
+        <p:txBody>
+          <a:bodyPr/>
+          <a:lstStyle/>
+          <a:p>
+            <a:pPr marL="76200" indent="0">
+              <a:buNone/>
+            </a:pPr>
+            <a:r>
+              <a:rPr lang="en-US" sz="3200" b="1" dirty="0">
+                <a:solidFill>
+                  <a:srgbClr val="A62A21"/>
+                </a:solidFill>
+              </a:rPr>
+              <a:t>K Fold CV</a:t>
+            </a:r>
+            <a:br>
+              <a:rPr lang="en-US" dirty="0"/>
+            </a:br>
+            <a:endParaRPr lang="en-US" dirty="0"/>
+          </a:p>
+          <a:p>
+            <a:r>
+              <a:rPr lang="en-US" dirty="0"/>
+              <a:t>Average metric value?</a:t>
+            </a:r>
+            <a:br>
+              <a:rPr lang="en-US" dirty="0"/>
+            </a:br>
+            <a:endParaRPr lang="en-US" dirty="0"/>
+          </a:p>
+          <a:p>
+            <a:r>
+              <a:rPr lang="en-US" dirty="0"/>
+              <a:t>Equal weight to all validation examples</a:t>
+            </a:r>
+            <a:br>
+              <a:rPr lang="en-US" dirty="0"/>
+            </a:br>
+            <a:endParaRPr lang="en-US" dirty="0"/>
+          </a:p>
+          <a:p>
+            <a:r>
+              <a:rPr lang="en-US" dirty="0"/>
+              <a:t>Maybe look at variance?</a:t>
+            </a:r>
+          </a:p>
+          <a:p>
+            <a:endParaRPr lang="en-US" dirty="0"/>
+          </a:p>
+        </p:txBody>
+      </p:sp>
+      <p:sp>
+        <p:nvSpPr>
+          <p:cNvPr id="6" name="Text Placeholder 4">
+            <a:extLst>
+              <a:ext uri="{FF2B5EF4-FFF2-40B4-BE49-F238E27FC236}">
+                <a16:creationId xmlns:a16="http://schemas.microsoft.com/office/drawing/2014/main" id="{B8686A0C-C497-6D4E-80B3-4E0F27B35374}"/>
+              </a:ext>
+            </a:extLst>
+          </p:cNvPr>
+          <p:cNvSpPr txBox="1">
+            <a:spLocks/>
+          </p:cNvSpPr>
+          <p:nvPr/>
+        </p:nvSpPr>
+        <p:spPr>
+          <a:xfrm>
+            <a:off x="6260759" y="1450134"/>
+            <a:ext cx="5515643" cy="4555200"/>
+          </a:xfrm>
+          <a:prstGeom prst="rect">
+            <a:avLst/>
+          </a:prstGeom>
+          <a:noFill/>
+          <a:ln>
+            <a:noFill/>
+          </a:ln>
+        </p:spPr>
+        <p:txBody>
+          <a:bodyPr spcFirstLastPara="1" wrap="square" lIns="121900" tIns="121900" rIns="121900" bIns="121900" anchor="t" anchorCtr="0">
+            <a:noAutofit/>
+          </a:bodyPr>
+          <a:lstStyle>
+            <a:defPPr marR="0" lvl="0" algn="l" rtl="0">
+              <a:lnSpc>
+                <a:spcPct val="100000"/>
+              </a:lnSpc>
+              <a:spcBef>
+                <a:spcPts val="0"/>
+              </a:spcBef>
+              <a:spcAft>
+                <a:spcPts val="0"/>
+              </a:spcAft>
+            </a:defPPr>
+            <a:lvl1pPr marL="457200" marR="0" lvl="0" indent="-381000" algn="l" rtl="0">
+              <a:lnSpc>
+                <a:spcPct val="115000"/>
+              </a:lnSpc>
+              <a:spcBef>
+                <a:spcPts val="0"/>
+              </a:spcBef>
+              <a:spcAft>
+                <a:spcPts val="0"/>
+              </a:spcAft>
+              <a:buClr>
+                <a:srgbClr val="434343"/>
+              </a:buClr>
+              <a:buSzPts val="2400"/>
+              <a:buFont typeface="Arial"/>
+              <a:buChar char="●"/>
+              <a:defRPr sz="2400" b="0" i="0" u="none" strike="noStrike" cap="none">
+                <a:solidFill>
+                  <a:srgbClr val="434343"/>
+                </a:solidFill>
+                <a:latin typeface="Arial"/>
+                <a:ea typeface="Arial"/>
+                <a:cs typeface="Arial"/>
+                <a:sym typeface="Arial"/>
+              </a:defRPr>
+            </a:lvl1pPr>
+            <a:lvl2pPr marL="914400" marR="0" lvl="1" indent="-349250" algn="l" rtl="0">
+              <a:lnSpc>
+                <a:spcPct val="115000"/>
+              </a:lnSpc>
+              <a:spcBef>
+                <a:spcPts val="2100"/>
+              </a:spcBef>
+              <a:spcAft>
+                <a:spcPts val="0"/>
+              </a:spcAft>
+              <a:buClr>
+                <a:srgbClr val="434343"/>
+              </a:buClr>
+              <a:buSzPts val="1900"/>
+              <a:buFont typeface="Arial"/>
+              <a:buChar char="○"/>
+              <a:defRPr sz="1900" b="0" i="0" u="none" strike="noStrike" cap="none">
+                <a:solidFill>
+                  <a:srgbClr val="434343"/>
+                </a:solidFill>
+                <a:latin typeface="Arial"/>
+                <a:ea typeface="Arial"/>
+                <a:cs typeface="Arial"/>
+                <a:sym typeface="Arial"/>
+              </a:defRPr>
+            </a:lvl2pPr>
+            <a:lvl3pPr marL="1371600" marR="0" lvl="2" indent="-349250" algn="l" rtl="0">
+              <a:lnSpc>
+                <a:spcPct val="115000"/>
+              </a:lnSpc>
+              <a:spcBef>
+                <a:spcPts val="2100"/>
+              </a:spcBef>
+              <a:spcAft>
+                <a:spcPts val="0"/>
+              </a:spcAft>
+              <a:buClr>
+                <a:srgbClr val="434343"/>
+              </a:buClr>
+              <a:buSzPts val="1900"/>
+              <a:buFont typeface="Arial"/>
+              <a:buChar char="■"/>
+              <a:defRPr sz="1900" b="0" i="0" u="none" strike="noStrike" cap="none">
+                <a:solidFill>
+                  <a:srgbClr val="434343"/>
+                </a:solidFill>
+                <a:latin typeface="Arial"/>
+                <a:ea typeface="Arial"/>
+                <a:cs typeface="Arial"/>
+                <a:sym typeface="Arial"/>
+              </a:defRPr>
+            </a:lvl3pPr>
+            <a:lvl4pPr marL="1828800" marR="0" lvl="3" indent="-349250" algn="l" rtl="0">
+              <a:lnSpc>
+                <a:spcPct val="115000"/>
+              </a:lnSpc>
+              <a:spcBef>
+                <a:spcPts val="2100"/>
+              </a:spcBef>
+              <a:spcAft>
+                <a:spcPts val="0"/>
+              </a:spcAft>
+              <a:buClr>
+                <a:srgbClr val="434343"/>
+              </a:buClr>
+              <a:buSzPts val="1900"/>
+              <a:buFont typeface="Arial"/>
+              <a:buChar char="●"/>
+              <a:defRPr sz="1900" b="0" i="0" u="none" strike="noStrike" cap="none">
+                <a:solidFill>
+                  <a:srgbClr val="434343"/>
+                </a:solidFill>
+                <a:latin typeface="Arial"/>
+                <a:ea typeface="Arial"/>
+                <a:cs typeface="Arial"/>
+                <a:sym typeface="Arial"/>
+              </a:defRPr>
+            </a:lvl4pPr>
+            <a:lvl5pPr marL="2286000" marR="0" lvl="4" indent="-349250" algn="l" rtl="0">
+              <a:lnSpc>
+                <a:spcPct val="115000"/>
+              </a:lnSpc>
+              <a:spcBef>
+                <a:spcPts val="2100"/>
+              </a:spcBef>
+              <a:spcAft>
+                <a:spcPts val="0"/>
+              </a:spcAft>
+              <a:buClr>
+                <a:srgbClr val="434343"/>
+              </a:buClr>
+              <a:buSzPts val="1900"/>
+              <a:buFont typeface="Arial"/>
+              <a:buChar char="○"/>
+              <a:defRPr sz="1900" b="0" i="0" u="none" strike="noStrike" cap="none">
+                <a:solidFill>
+                  <a:srgbClr val="434343"/>
+                </a:solidFill>
+                <a:latin typeface="Arial"/>
+                <a:ea typeface="Arial"/>
+                <a:cs typeface="Arial"/>
+                <a:sym typeface="Arial"/>
+              </a:defRPr>
+            </a:lvl5pPr>
+            <a:lvl6pPr marL="2743200" marR="0" lvl="5" indent="-349250" algn="l" rtl="0">
+              <a:lnSpc>
+                <a:spcPct val="115000"/>
+              </a:lnSpc>
+              <a:spcBef>
+                <a:spcPts val="2100"/>
+              </a:spcBef>
+              <a:spcAft>
+                <a:spcPts val="0"/>
+              </a:spcAft>
+              <a:buClr>
+                <a:srgbClr val="434343"/>
+              </a:buClr>
+              <a:buSzPts val="1900"/>
+              <a:buFont typeface="Arial"/>
+              <a:buChar char="■"/>
+              <a:defRPr sz="1900" b="0" i="0" u="none" strike="noStrike" cap="none">
+                <a:solidFill>
+                  <a:srgbClr val="434343"/>
+                </a:solidFill>
+                <a:latin typeface="Arial"/>
+                <a:ea typeface="Arial"/>
+                <a:cs typeface="Arial"/>
+                <a:sym typeface="Arial"/>
+              </a:defRPr>
+            </a:lvl6pPr>
+            <a:lvl7pPr marL="3200400" marR="0" lvl="6" indent="-349250" algn="l" rtl="0">
+              <a:lnSpc>
+                <a:spcPct val="115000"/>
+              </a:lnSpc>
+              <a:spcBef>
+                <a:spcPts val="2100"/>
+              </a:spcBef>
+              <a:spcAft>
+                <a:spcPts val="0"/>
+              </a:spcAft>
+              <a:buClr>
+                <a:srgbClr val="434343"/>
+              </a:buClr>
+              <a:buSzPts val="1900"/>
+              <a:buFont typeface="Arial"/>
+              <a:buChar char="●"/>
+              <a:defRPr sz="1900" b="0" i="0" u="none" strike="noStrike" cap="none">
+                <a:solidFill>
+                  <a:srgbClr val="434343"/>
+                </a:solidFill>
+                <a:latin typeface="Arial"/>
+                <a:ea typeface="Arial"/>
+                <a:cs typeface="Arial"/>
+                <a:sym typeface="Arial"/>
+              </a:defRPr>
+            </a:lvl7pPr>
+            <a:lvl8pPr marL="3657600" marR="0" lvl="7" indent="-349250" algn="l" rtl="0">
+              <a:lnSpc>
+                <a:spcPct val="115000"/>
+              </a:lnSpc>
+              <a:spcBef>
+                <a:spcPts val="2100"/>
+              </a:spcBef>
+              <a:spcAft>
+                <a:spcPts val="0"/>
+              </a:spcAft>
+              <a:buClr>
+                <a:srgbClr val="434343"/>
+              </a:buClr>
+              <a:buSzPts val="1900"/>
+              <a:buFont typeface="Arial"/>
+              <a:buChar char="○"/>
+              <a:defRPr sz="1900" b="0" i="0" u="none" strike="noStrike" cap="none">
+                <a:solidFill>
+                  <a:srgbClr val="434343"/>
+                </a:solidFill>
+                <a:latin typeface="Arial"/>
+                <a:ea typeface="Arial"/>
+                <a:cs typeface="Arial"/>
+                <a:sym typeface="Arial"/>
+              </a:defRPr>
+            </a:lvl8pPr>
+            <a:lvl9pPr marL="4114800" marR="0" lvl="8" indent="-349250" algn="l" rtl="0">
+              <a:lnSpc>
+                <a:spcPct val="115000"/>
+              </a:lnSpc>
+              <a:spcBef>
+                <a:spcPts val="2100"/>
+              </a:spcBef>
+              <a:spcAft>
+                <a:spcPts val="2100"/>
+              </a:spcAft>
+              <a:buClr>
+                <a:srgbClr val="434343"/>
+              </a:buClr>
+              <a:buSzPts val="1900"/>
+              <a:buFont typeface="Arial"/>
+              <a:buChar char="■"/>
+              <a:defRPr sz="1900" b="0" i="0" u="none" strike="noStrike" cap="none">
+                <a:solidFill>
+                  <a:srgbClr val="434343"/>
+                </a:solidFill>
+                <a:latin typeface="Arial"/>
+                <a:ea typeface="Arial"/>
+                <a:cs typeface="Arial"/>
+                <a:sym typeface="Arial"/>
+              </a:defRPr>
+            </a:lvl9pPr>
+          </a:lstStyle>
+          <a:p>
+            <a:pPr marL="76200" indent="0">
+              <a:buFont typeface="Arial"/>
+              <a:buNone/>
+            </a:pPr>
+            <a:r>
+              <a:rPr lang="en-US" sz="3200" b="1" dirty="0">
+                <a:solidFill>
+                  <a:srgbClr val="A62A21"/>
+                </a:solidFill>
+              </a:rPr>
+              <a:t>Temporal</a:t>
+            </a:r>
+            <a:br>
+              <a:rPr lang="en-US" dirty="0"/>
+            </a:br>
+            <a:endParaRPr lang="en-US" dirty="0"/>
+          </a:p>
+          <a:p>
+            <a:r>
+              <a:rPr lang="en-US" dirty="0"/>
+              <a:t>Average metric value?</a:t>
+            </a:r>
+            <a:br>
+              <a:rPr lang="en-US" dirty="0"/>
+            </a:br>
+            <a:endParaRPr lang="en-US" dirty="0"/>
+          </a:p>
+          <a:p>
+            <a:r>
+              <a:rPr lang="en-US" dirty="0"/>
+              <a:t>Robustness to distribution shifts?</a:t>
+            </a:r>
+            <a:br>
+              <a:rPr lang="en-US" dirty="0"/>
+            </a:br>
+            <a:endParaRPr lang="en-US" dirty="0"/>
+          </a:p>
+          <a:p>
+            <a:r>
+              <a:rPr lang="en-US" dirty="0"/>
+              <a:t>Care about recency more? How much more?</a:t>
+            </a:r>
+            <a:br>
+              <a:rPr lang="en-US" dirty="0"/>
+            </a:br>
+            <a:endParaRPr lang="en-US" dirty="0"/>
+          </a:p>
+          <a:p>
+            <a:r>
+              <a:rPr lang="en-US" dirty="0"/>
+              <a:t>May not weigh every validation example equally</a:t>
+            </a:r>
+          </a:p>
+          <a:p>
+            <a:endParaRPr lang="en-US" dirty="0"/>
+          </a:p>
+        </p:txBody>
+      </p:sp>
+      <p:cxnSp>
+        <p:nvCxnSpPr>
+          <p:cNvPr id="8" name="Straight Connector 7">
+            <a:extLst>
+              <a:ext uri="{FF2B5EF4-FFF2-40B4-BE49-F238E27FC236}">
+                <a16:creationId xmlns:a16="http://schemas.microsoft.com/office/drawing/2014/main" id="{A5398BD9-3FCB-6244-9B60-4A8045D867B8}"/>
+              </a:ext>
+            </a:extLst>
+          </p:cNvPr>
+          <p:cNvCxnSpPr/>
+          <p:nvPr/>
+        </p:nvCxnSpPr>
+        <p:spPr>
+          <a:xfrm>
+            <a:off x="5696465" y="1536633"/>
+            <a:ext cx="0" cy="4802383"/>
+          </a:xfrm>
+          <a:prstGeom prst="line">
+            <a:avLst/>
+          </a:prstGeom>
+          <a:ln w="19050">
+            <a:solidFill>
+              <a:srgbClr val="811E17"/>
+            </a:solidFill>
+          </a:ln>
+        </p:spPr>
+        <p:style>
+          <a:lnRef idx="1">
+            <a:schemeClr val="accent1"/>
+          </a:lnRef>
+          <a:fillRef idx="0">
+            <a:schemeClr val="accent1"/>
+          </a:fillRef>
+          <a:effectRef idx="0">
+            <a:schemeClr val="accent1"/>
+          </a:effectRef>
+          <a:fontRef idx="minor">
+            <a:schemeClr val="tx1"/>
+          </a:fontRef>
+        </p:style>
+      </p:cxnSp>
+    </p:spTree>
+    <p:extLst>
+      <p:ext uri="{BB962C8B-B14F-4D97-AF65-F5344CB8AC3E}">
+        <p14:creationId xmlns:p14="http://schemas.microsoft.com/office/powerpoint/2010/main" val="3270154151"/>
+      </p:ext>
+    </p:extLst>
+  </p:cSld>
+  <p:clrMapOvr>
+    <a:masterClrMapping/>
+  </p:clrMapOvr>
+</p:sld>
+</file>
+
+<file path=ppt/slides/slide14.xml><?xml version="1.0" encoding="utf-8"?>
+<p:sld xmlns:a="http://schemas.openxmlformats.org/drawingml/2006/main" xmlns:r="http://schemas.openxmlformats.org/officeDocument/2006/relationships" xmlns:p="http://schemas.openxmlformats.org/presentationml/2006/main">
+  <p:cSld>
+    <p:spTree>
+      <p:nvGrpSpPr>
+        <p:cNvPr id="1" name=""/>
+        <p:cNvGrpSpPr/>
+        <p:nvPr/>
+      </p:nvGrpSpPr>
+      <p:grpSpPr>
+        <a:xfrm>
+          <a:off x="0" y="0"/>
+          <a:ext cx="0" cy="0"/>
+          <a:chOff x="0" y="0"/>
+          <a:chExt cx="0" cy="0"/>
+        </a:xfrm>
+      </p:grpSpPr>
+      <p:sp>
+        <p:nvSpPr>
+          <p:cNvPr id="3" name="Title 2"/>
+          <p:cNvSpPr>
+            <a:spLocks noGrp="1"/>
+          </p:cNvSpPr>
+          <p:nvPr>
+            <p:ph type="title"/>
+          </p:nvPr>
+        </p:nvSpPr>
+        <p:spPr/>
+        <p:txBody>
+          <a:bodyPr/>
+          <a:lstStyle/>
+          <a:p>
+            <a:r>
+              <a:rPr lang="en-US" dirty="0"/>
+              <a:t>Analyzing the results</a:t>
+            </a:r>
+          </a:p>
+        </p:txBody>
+      </p:sp>
+      <p:sp>
+        <p:nvSpPr>
+          <p:cNvPr id="2" name="Content Placeholder 1"/>
+          <p:cNvSpPr>
+            <a:spLocks noGrp="1"/>
+          </p:cNvSpPr>
+          <p:nvPr>
+            <p:ph type="body" idx="1"/>
+          </p:nvPr>
+        </p:nvSpPr>
+        <p:spPr/>
+        <p:txBody>
+          <a:bodyPr/>
+          <a:lstStyle/>
+          <a:p>
+            <a:r>
+              <a:rPr lang="en-US" dirty="0"/>
+              <a:t>Which approaches work best?</a:t>
+            </a:r>
+          </a:p>
+          <a:p>
+            <a:pPr lvl="1"/>
+            <a:r>
+              <a:rPr lang="en-US" dirty="0"/>
+              <a:t>Which classifiers?</a:t>
+            </a:r>
+          </a:p>
+          <a:p>
+            <a:pPr lvl="1"/>
+            <a:r>
+              <a:rPr lang="en-US" dirty="0"/>
+              <a:t>Which parameters?</a:t>
+            </a:r>
+          </a:p>
+          <a:p>
+            <a:pPr lvl="1"/>
+            <a:r>
+              <a:rPr lang="en-US" dirty="0"/>
+              <a:t>Over which metrics?</a:t>
+            </a:r>
+          </a:p>
+          <a:p>
+            <a:r>
+              <a:rPr lang="en-US" dirty="0"/>
+              <a:t>Value of different features/feature sets?</a:t>
+            </a:r>
+          </a:p>
+          <a:p>
+            <a:r>
+              <a:rPr lang="en-US" dirty="0"/>
+              <a:t>Variance in performance over time?</a:t>
+            </a:r>
+          </a:p>
+          <a:p>
+            <a:pPr lvl="1"/>
+            <a:r>
+              <a:rPr lang="en-US" dirty="0"/>
+              <a:t>Highest average?</a:t>
+            </a:r>
+          </a:p>
+          <a:p>
+            <a:pPr lvl="1"/>
+            <a:r>
+              <a:rPr lang="en-US" dirty="0"/>
+              <a:t>Lowest variance?</a:t>
+            </a:r>
+          </a:p>
+          <a:p>
+            <a:pPr lvl="1"/>
+            <a:r>
+              <a:rPr lang="en-US" dirty="0"/>
+              <a:t>Getting better over time?</a:t>
+            </a:r>
+          </a:p>
+          <a:p>
+            <a:endParaRPr lang="en-US" dirty="0"/>
+          </a:p>
+        </p:txBody>
+      </p:sp>
+    </p:spTree>
+    <p:extLst>
+      <p:ext uri="{BB962C8B-B14F-4D97-AF65-F5344CB8AC3E}">
+        <p14:creationId xmlns:p14="http://schemas.microsoft.com/office/powerpoint/2010/main" val="4172809465"/>
+      </p:ext>
+    </p:extLst>
+  </p:cSld>
+  <p:clrMapOvr>
+    <a:masterClrMapping/>
+  </p:clrMapOvr>
+</p:sld>
+</file>
+
+<file path=ppt/slides/slide15.xml><?xml version="1.0" encoding="utf-8"?>
 <p:sld xmlns:a="http://schemas.openxmlformats.org/drawingml/2006/main" xmlns:r="http://schemas.openxmlformats.org/officeDocument/2006/relationships" xmlns:p="http://schemas.openxmlformats.org/presentationml/2006/main">
   <p:cSld>
     <p:spTree>
@@ -14233,18 +15156,17 @@
           <p:cNvPicPr preferRelativeResize="0"/>
           <p:nvPr/>
         </p:nvPicPr>
-        <p:blipFill>
+        <p:blipFill rotWithShape="1">
           <a:blip r:embed="rId3">
             <a:alphaModFix/>
           </a:blip>
-          <a:stretch>
-            <a:fillRect/>
-          </a:stretch>
+          <a:srcRect l="9045"/>
+          <a:stretch/>
         </p:blipFill>
         <p:spPr>
           <a:xfrm>
-            <a:off x="2094533" y="1165266"/>
-            <a:ext cx="7991856" cy="5120640"/>
+            <a:off x="2817341" y="1165266"/>
+            <a:ext cx="7269048" cy="5120640"/>
           </a:xfrm>
           <a:prstGeom prst="rect">
             <a:avLst/>
@@ -14255,6 +15177,48 @@
           </a:ln>
         </p:spPr>
       </p:pic>
+      <p:sp>
+        <p:nvSpPr>
+          <p:cNvPr id="2" name="TextBox 1">
+            <a:extLst>
+              <a:ext uri="{FF2B5EF4-FFF2-40B4-BE49-F238E27FC236}">
+                <a16:creationId xmlns:a16="http://schemas.microsoft.com/office/drawing/2014/main" id="{4BC0E0BB-5D9E-5249-8D0B-971A4EDFDB45}"/>
+              </a:ext>
+            </a:extLst>
+          </p:cNvPr>
+          <p:cNvSpPr txBox="1"/>
+          <p:nvPr/>
+        </p:nvSpPr>
+        <p:spPr>
+          <a:xfrm rot="16200000">
+            <a:off x="1728741" y="3198167"/>
+            <a:ext cx="1715534" cy="461665"/>
+          </a:xfrm>
+          <a:prstGeom prst="rect">
+            <a:avLst/>
+          </a:prstGeom>
+          <a:noFill/>
+        </p:spPr>
+        <p:txBody>
+          <a:bodyPr wrap="none" rtlCol="0">
+            <a:spAutoFit/>
+          </a:bodyPr>
+          <a:lstStyle/>
+          <a:p>
+            <a:r>
+              <a:rPr lang="en-US" sz="2400" dirty="0" err="1">
+                <a:latin typeface="Calibri Light" panose="020F0302020204030204" pitchFamily="34" charset="0"/>
+                <a:cs typeface="Calibri Light" panose="020F0302020204030204" pitchFamily="34" charset="0"/>
+              </a:rPr>
+              <a:t>Precision@k</a:t>
+            </a:r>
+            <a:endParaRPr lang="en-US" sz="2400" dirty="0">
+              <a:latin typeface="Calibri Light" panose="020F0302020204030204" pitchFamily="34" charset="0"/>
+              <a:cs typeface="Calibri Light" panose="020F0302020204030204" pitchFamily="34" charset="0"/>
+            </a:endParaRPr>
+          </a:p>
+        </p:txBody>
+      </p:sp>
     </p:spTree>
     <p:extLst>
       <p:ext uri="{BB962C8B-B14F-4D97-AF65-F5344CB8AC3E}">
@@ -14268,7 +15232,7 @@
 </p:sld>
 </file>
 
-<file path=ppt/slides/slide17.xml><?xml version="1.0" encoding="utf-8"?>
+<file path=ppt/slides/slide16.xml><?xml version="1.0" encoding="utf-8"?>
 <p:sld xmlns:a="http://schemas.openxmlformats.org/drawingml/2006/main" xmlns:r="http://schemas.openxmlformats.org/officeDocument/2006/relationships" xmlns:p="http://schemas.openxmlformats.org/presentationml/2006/main">
   <p:cSld>
     <p:spTree>
@@ -14325,18 +15289,17 @@
           <p:cNvPicPr preferRelativeResize="0"/>
           <p:nvPr/>
         </p:nvPicPr>
-        <p:blipFill>
+        <p:blipFill rotWithShape="1">
           <a:blip r:embed="rId3">
             <a:alphaModFix/>
           </a:blip>
-          <a:stretch>
-            <a:fillRect/>
-          </a:stretch>
+          <a:srcRect l="8510"/>
+          <a:stretch/>
         </p:blipFill>
         <p:spPr>
           <a:xfrm>
-            <a:off x="2100151" y="1173417"/>
-            <a:ext cx="7991700" cy="5120767"/>
+            <a:off x="2780269" y="1173417"/>
+            <a:ext cx="7311581" cy="5120767"/>
           </a:xfrm>
           <a:prstGeom prst="rect">
             <a:avLst/>
@@ -14347,6 +15310,48 @@
           </a:ln>
         </p:spPr>
       </p:pic>
+      <p:sp>
+        <p:nvSpPr>
+          <p:cNvPr id="4" name="TextBox 3">
+            <a:extLst>
+              <a:ext uri="{FF2B5EF4-FFF2-40B4-BE49-F238E27FC236}">
+                <a16:creationId xmlns:a16="http://schemas.microsoft.com/office/drawing/2014/main" id="{98857777-CC7E-CD40-8F87-5372576C69AC}"/>
+              </a:ext>
+            </a:extLst>
+          </p:cNvPr>
+          <p:cNvSpPr txBox="1"/>
+          <p:nvPr/>
+        </p:nvSpPr>
+        <p:spPr>
+          <a:xfrm rot="16200000">
+            <a:off x="1728741" y="3198167"/>
+            <a:ext cx="1715534" cy="461665"/>
+          </a:xfrm>
+          <a:prstGeom prst="rect">
+            <a:avLst/>
+          </a:prstGeom>
+          <a:noFill/>
+        </p:spPr>
+        <p:txBody>
+          <a:bodyPr wrap="none" rtlCol="0">
+            <a:spAutoFit/>
+          </a:bodyPr>
+          <a:lstStyle/>
+          <a:p>
+            <a:r>
+              <a:rPr lang="en-US" sz="2400" dirty="0" err="1">
+                <a:latin typeface="Calibri Light" panose="020F0302020204030204" pitchFamily="34" charset="0"/>
+                <a:cs typeface="Calibri Light" panose="020F0302020204030204" pitchFamily="34" charset="0"/>
+              </a:rPr>
+              <a:t>Precision@k</a:t>
+            </a:r>
+            <a:endParaRPr lang="en-US" sz="2400" dirty="0">
+              <a:latin typeface="Calibri Light" panose="020F0302020204030204" pitchFamily="34" charset="0"/>
+              <a:cs typeface="Calibri Light" panose="020F0302020204030204" pitchFamily="34" charset="0"/>
+            </a:endParaRPr>
+          </a:p>
+        </p:txBody>
+      </p:sp>
     </p:spTree>
     <p:extLst>
       <p:ext uri="{BB962C8B-B14F-4D97-AF65-F5344CB8AC3E}">
@@ -14360,7 +15365,7 @@
 </p:sld>
 </file>
 
-<file path=ppt/slides/slide18.xml><?xml version="1.0" encoding="utf-8"?>
+<file path=ppt/slides/slide17.xml><?xml version="1.0" encoding="utf-8"?>
 <p:sld xmlns:a="http://schemas.openxmlformats.org/drawingml/2006/main" xmlns:r="http://schemas.openxmlformats.org/officeDocument/2006/relationships" xmlns:p="http://schemas.openxmlformats.org/presentationml/2006/main">
   <p:cSld>
     <p:spTree>
@@ -14417,18 +15422,17 @@
           <p:cNvPicPr preferRelativeResize="0"/>
           <p:nvPr/>
         </p:nvPicPr>
-        <p:blipFill>
+        <p:blipFill rotWithShape="1">
           <a:blip r:embed="rId3">
             <a:alphaModFix/>
           </a:blip>
-          <a:stretch>
-            <a:fillRect/>
-          </a:stretch>
+          <a:srcRect l="8649"/>
+          <a:stretch/>
         </p:blipFill>
         <p:spPr>
           <a:xfrm>
-            <a:off x="2101685" y="1174400"/>
-            <a:ext cx="7988633" cy="5118800"/>
+            <a:off x="2792627" y="1174400"/>
+            <a:ext cx="7297691" cy="5118800"/>
           </a:xfrm>
           <a:prstGeom prst="rect">
             <a:avLst/>
@@ -14439,6 +15443,48 @@
           </a:ln>
         </p:spPr>
       </p:pic>
+      <p:sp>
+        <p:nvSpPr>
+          <p:cNvPr id="4" name="TextBox 3">
+            <a:extLst>
+              <a:ext uri="{FF2B5EF4-FFF2-40B4-BE49-F238E27FC236}">
+                <a16:creationId xmlns:a16="http://schemas.microsoft.com/office/drawing/2014/main" id="{F067F513-F626-6048-A2FA-73E09BA8395F}"/>
+              </a:ext>
+            </a:extLst>
+          </p:cNvPr>
+          <p:cNvSpPr txBox="1"/>
+          <p:nvPr/>
+        </p:nvSpPr>
+        <p:spPr>
+          <a:xfrm rot="16200000">
+            <a:off x="1728741" y="3198167"/>
+            <a:ext cx="1715534" cy="461665"/>
+          </a:xfrm>
+          <a:prstGeom prst="rect">
+            <a:avLst/>
+          </a:prstGeom>
+          <a:noFill/>
+        </p:spPr>
+        <p:txBody>
+          <a:bodyPr wrap="none" rtlCol="0">
+            <a:spAutoFit/>
+          </a:bodyPr>
+          <a:lstStyle/>
+          <a:p>
+            <a:r>
+              <a:rPr lang="en-US" sz="2400" dirty="0" err="1">
+                <a:latin typeface="Calibri Light" panose="020F0302020204030204" pitchFamily="34" charset="0"/>
+                <a:cs typeface="Calibri Light" panose="020F0302020204030204" pitchFamily="34" charset="0"/>
+              </a:rPr>
+              <a:t>Precision@k</a:t>
+            </a:r>
+            <a:endParaRPr lang="en-US" sz="2400" dirty="0">
+              <a:latin typeface="Calibri Light" panose="020F0302020204030204" pitchFamily="34" charset="0"/>
+              <a:cs typeface="Calibri Light" panose="020F0302020204030204" pitchFamily="34" charset="0"/>
+            </a:endParaRPr>
+          </a:p>
+        </p:txBody>
+      </p:sp>
     </p:spTree>
     <p:extLst>
       <p:ext uri="{BB962C8B-B14F-4D97-AF65-F5344CB8AC3E}">
@@ -14452,7 +15498,7 @@
 </p:sld>
 </file>
 
-<file path=ppt/slides/slide19.xml><?xml version="1.0" encoding="utf-8"?>
+<file path=ppt/slides/slide18.xml><?xml version="1.0" encoding="utf-8"?>
 <p:sld xmlns:a="http://schemas.openxmlformats.org/drawingml/2006/main" xmlns:r="http://schemas.openxmlformats.org/officeDocument/2006/relationships" xmlns:p="http://schemas.openxmlformats.org/presentationml/2006/main">
   <p:cSld>
     <p:spTree>
@@ -14544,6 +15590,185 @@
 </p:sld>
 </file>
 
+<file path=ppt/slides/slide19.xml><?xml version="1.0" encoding="utf-8"?>
+<p:sld xmlns:a="http://schemas.openxmlformats.org/drawingml/2006/main" xmlns:r="http://schemas.openxmlformats.org/officeDocument/2006/relationships" xmlns:p="http://schemas.openxmlformats.org/presentationml/2006/main">
+  <p:cSld>
+    <p:spTree>
+      <p:nvGrpSpPr>
+        <p:cNvPr id="1" name="Shape 454"/>
+        <p:cNvGrpSpPr/>
+        <p:nvPr/>
+      </p:nvGrpSpPr>
+      <p:grpSpPr>
+        <a:xfrm>
+          <a:off x="0" y="0"/>
+          <a:ext cx="0" cy="0"/>
+          <a:chOff x="0" y="0"/>
+          <a:chExt cx="0" cy="0"/>
+        </a:xfrm>
+      </p:grpSpPr>
+      <p:sp>
+        <p:nvSpPr>
+          <p:cNvPr id="455" name="Google Shape;455;p43"/>
+          <p:cNvSpPr txBox="1">
+            <a:spLocks noGrp="1"/>
+          </p:cNvSpPr>
+          <p:nvPr>
+            <p:ph type="title"/>
+          </p:nvPr>
+        </p:nvSpPr>
+        <p:spPr>
+          <a:prstGeom prst="rect">
+            <a:avLst/>
+          </a:prstGeom>
+        </p:spPr>
+        <p:txBody>
+          <a:bodyPr spcFirstLastPara="1" wrap="square" lIns="121900" tIns="60933" rIns="121900" bIns="60933" anchor="ctr" anchorCtr="0">
+            <a:noAutofit/>
+          </a:bodyPr>
+          <a:lstStyle/>
+          <a:p>
+            <a:r>
+              <a:rPr lang="en" dirty="0"/>
+              <a:t>Model Selection</a:t>
+            </a:r>
+            <a:endParaRPr sz="4000" b="1" dirty="0">
+              <a:latin typeface="Roboto"/>
+              <a:ea typeface="Roboto"/>
+              <a:cs typeface="Roboto"/>
+              <a:sym typeface="Roboto"/>
+            </a:endParaRPr>
+          </a:p>
+        </p:txBody>
+      </p:sp>
+      <p:sp>
+        <p:nvSpPr>
+          <p:cNvPr id="456" name="Google Shape;456;p43"/>
+          <p:cNvSpPr txBox="1">
+            <a:spLocks noGrp="1"/>
+          </p:cNvSpPr>
+          <p:nvPr>
+            <p:ph type="body" idx="1"/>
+          </p:nvPr>
+        </p:nvSpPr>
+        <p:spPr>
+          <a:xfrm>
+            <a:off x="415600" y="1536632"/>
+            <a:ext cx="11360700" cy="4787967"/>
+          </a:xfrm>
+          <a:prstGeom prst="rect">
+            <a:avLst/>
+          </a:prstGeom>
+        </p:spPr>
+        <p:txBody>
+          <a:bodyPr spcFirstLastPara="1" wrap="square" lIns="121900" tIns="60933" rIns="121900" bIns="60933" anchor="t" anchorCtr="0">
+            <a:noAutofit/>
+          </a:bodyPr>
+          <a:lstStyle/>
+          <a:p>
+            <a:pPr indent="-474121">
+              <a:buSzPts val="2000"/>
+            </a:pPr>
+            <a:r>
+              <a:rPr lang="en" sz="2667" dirty="0"/>
+              <a:t>How can you narrow hundreds or thousands of model specifications down to a handful of the best-performing ones?</a:t>
+            </a:r>
+            <a:br>
+              <a:rPr lang="en" sz="2667" dirty="0"/>
+            </a:br>
+            <a:endParaRPr sz="2667" dirty="0"/>
+          </a:p>
+          <a:p>
+            <a:pPr indent="-474121">
+              <a:spcBef>
+                <a:spcPts val="0"/>
+              </a:spcBef>
+              <a:buSzPts val="2000"/>
+            </a:pPr>
+            <a:r>
+              <a:rPr lang="en" sz="2667" dirty="0"/>
+              <a:t>How do you balance performance and stability?</a:t>
+            </a:r>
+            <a:endParaRPr sz="2667" dirty="0"/>
+          </a:p>
+          <a:p>
+            <a:pPr lvl="1" indent="-474121">
+              <a:spcBef>
+                <a:spcPts val="0"/>
+              </a:spcBef>
+              <a:buSzPts val="2000"/>
+            </a:pPr>
+            <a:r>
+              <a:rPr lang="en" sz="2667" dirty="0"/>
+              <a:t>mean performance?</a:t>
+            </a:r>
+            <a:endParaRPr sz="2667" dirty="0"/>
+          </a:p>
+          <a:p>
+            <a:pPr lvl="1" indent="-474121">
+              <a:spcBef>
+                <a:spcPts val="0"/>
+              </a:spcBef>
+              <a:buSzPts val="2000"/>
+            </a:pPr>
+            <a:r>
+              <a:rPr lang="en" sz="2667" dirty="0"/>
+              <a:t>balancing mean and variance?</a:t>
+            </a:r>
+            <a:endParaRPr sz="2667" dirty="0"/>
+          </a:p>
+          <a:p>
+            <a:pPr lvl="1" indent="-474121">
+              <a:spcBef>
+                <a:spcPts val="0"/>
+              </a:spcBef>
+              <a:buSzPts val="2000"/>
+            </a:pPr>
+            <a:r>
+              <a:rPr lang="en" sz="2667" dirty="0"/>
+              <a:t>recency-weighted mean?</a:t>
+            </a:r>
+            <a:br>
+              <a:rPr lang="en" sz="2667" dirty="0"/>
+            </a:br>
+            <a:endParaRPr sz="2667" dirty="0"/>
+          </a:p>
+          <a:p>
+            <a:pPr indent="-474121">
+              <a:spcBef>
+                <a:spcPts val="0"/>
+              </a:spcBef>
+              <a:buSzPts val="2000"/>
+            </a:pPr>
+            <a:r>
+              <a:rPr lang="en" sz="2667" dirty="0"/>
+              <a:t>W</a:t>
+            </a:r>
+            <a:r>
+              <a:rPr lang="en-US" sz="2667" dirty="0"/>
+              <a:t>h</a:t>
+            </a:r>
+            <a:r>
+              <a:rPr lang="en" sz="2667" dirty="0"/>
+              <a:t>at is the “regret” in subsequent time periods from using different strategies for choosing a model to deploy?</a:t>
+            </a:r>
+            <a:endParaRPr sz="2667" dirty="0"/>
+          </a:p>
+        </p:txBody>
+      </p:sp>
+    </p:spTree>
+    <p:extLst>
+      <p:ext uri="{BB962C8B-B14F-4D97-AF65-F5344CB8AC3E}">
+        <p14:creationId xmlns:p14="http://schemas.microsoft.com/office/powerpoint/2010/main" val="1094637480"/>
+      </p:ext>
+    </p:extLst>
+  </p:cSld>
+  <p:clrMapOvr>
+    <a:masterClrMapping/>
+  </p:clrMapOvr>
+</p:sld>
+</file>
+
 <file path=ppt/slides/slide2.xml><?xml version="1.0" encoding="utf-8"?>
 <p:sld xmlns:a="http://schemas.openxmlformats.org/drawingml/2006/main" xmlns:r="http://schemas.openxmlformats.org/officeDocument/2006/relationships" xmlns:p="http://schemas.openxmlformats.org/presentationml/2006/main">
   <p:cSld>
@@ -14563,36 +15788,143 @@
       </p:grpSpPr>
       <p:sp>
         <p:nvSpPr>
-          <p:cNvPr id="4" name="Text Placeholder 3">
-            <a:extLst>
-              <a:ext uri="{FF2B5EF4-FFF2-40B4-BE49-F238E27FC236}">
-                <a16:creationId xmlns:a16="http://schemas.microsoft.com/office/drawing/2014/main" id="{5E600BA7-FA45-884F-9820-9E5F2CB7AA48}"/>
-              </a:ext>
-            </a:extLst>
-          </p:cNvPr>
+          <p:cNvPr id="2" name="Content Placeholder 1"/>
           <p:cNvSpPr>
             <a:spLocks noGrp="1"/>
           </p:cNvSpPr>
           <p:nvPr>
-            <p:ph type="body" idx="4294967295"/>
+            <p:ph type="body" idx="1"/>
+          </p:nvPr>
+        </p:nvSpPr>
+        <p:spPr/>
+        <p:txBody>
+          <a:bodyPr/>
+          <a:lstStyle/>
+          <a:p>
+            <a:pPr marL="114300" indent="0">
+              <a:buNone/>
+            </a:pPr>
+            <a:endParaRPr lang="en-US" dirty="0">
+              <a:solidFill>
+                <a:schemeClr val="tx1"/>
+              </a:solidFill>
+            </a:endParaRPr>
+          </a:p>
+          <a:p>
+            <a:pPr marL="114300" indent="0">
+              <a:buNone/>
+            </a:pPr>
+            <a:r>
+              <a:rPr lang="en-US" b="1" dirty="0">
+                <a:solidFill>
+                  <a:schemeClr val="tx1"/>
+                </a:solidFill>
+              </a:rPr>
+              <a:t>Coming Up Next Week:</a:t>
+            </a:r>
+          </a:p>
+          <a:p>
+            <a:r>
+              <a:rPr lang="en-US" dirty="0">
+                <a:solidFill>
+                  <a:schemeClr val="tx1"/>
+                </a:solidFill>
+              </a:rPr>
+              <a:t>Monday: Modeling Results Update Assignment (posted on canvas)</a:t>
+            </a:r>
+          </a:p>
+          <a:p>
+            <a:r>
+              <a:rPr lang="en-US" dirty="0">
+                <a:solidFill>
+                  <a:schemeClr val="tx1"/>
+                </a:solidFill>
+              </a:rPr>
+              <a:t>Tuesday: Weekly Feedback Form and Readings</a:t>
+            </a:r>
+          </a:p>
+          <a:p>
+            <a:r>
+              <a:rPr lang="en-US" dirty="0">
+                <a:solidFill>
+                  <a:schemeClr val="tx1"/>
+                </a:solidFill>
+              </a:rPr>
+              <a:t>Midterm:</a:t>
+            </a:r>
+          </a:p>
+          <a:p>
+            <a:pPr lvl="1"/>
+            <a:r>
+              <a:rPr lang="en-US" sz="2200" dirty="0">
+                <a:solidFill>
+                  <a:schemeClr val="tx1"/>
+                </a:solidFill>
+              </a:rPr>
+              <a:t>Take Home</a:t>
+            </a:r>
+          </a:p>
+          <a:p>
+            <a:pPr lvl="1"/>
+            <a:r>
+              <a:rPr lang="en-US" sz="2200" dirty="0">
+                <a:solidFill>
+                  <a:schemeClr val="tx1"/>
+                </a:solidFill>
+              </a:rPr>
+              <a:t>No class on Thursday</a:t>
+            </a:r>
+          </a:p>
+          <a:p>
+            <a:pPr lvl="1"/>
+            <a:r>
+              <a:rPr lang="en-US" sz="2200" dirty="0">
+                <a:solidFill>
+                  <a:schemeClr val="tx1"/>
+                </a:solidFill>
+              </a:rPr>
+              <a:t>Due Friday (Canvas)</a:t>
+            </a:r>
+            <a:br>
+              <a:rPr lang="en-US" dirty="0"/>
+            </a:br>
+            <a:endParaRPr lang="en-US" dirty="0"/>
+          </a:p>
+          <a:p>
+            <a:pPr marL="114300" indent="0">
+              <a:buNone/>
+            </a:pPr>
+            <a:endParaRPr lang="en-US" dirty="0"/>
+          </a:p>
+        </p:txBody>
+      </p:sp>
+      <p:sp>
+        <p:nvSpPr>
+          <p:cNvPr id="3" name="Title 2"/>
+          <p:cNvSpPr>
+            <a:spLocks noGrp="1"/>
+          </p:cNvSpPr>
+          <p:nvPr>
+            <p:ph type="title"/>
           </p:nvPr>
         </p:nvSpPr>
         <p:spPr>
           <a:xfrm>
-            <a:off x="0" y="2724150"/>
-            <a:ext cx="11360150" cy="1409700"/>
+            <a:off x="0" y="325028"/>
+            <a:ext cx="12192000" cy="1143000"/>
           </a:xfrm>
         </p:spPr>
         <p:txBody>
           <a:bodyPr/>
           <a:lstStyle/>
           <a:p>
-            <a:pPr marL="76200" indent="0" algn="ctr">
-              <a:buNone/>
-            </a:pPr>
             <a:r>
-              <a:rPr lang="en-US" sz="4800" dirty="0"/>
-              <a:t>Short Quiz</a:t>
+              <a:rPr lang="en-US" dirty="0">
+                <a:solidFill>
+                  <a:schemeClr val="bg1"/>
+                </a:solidFill>
+              </a:rPr>
+              <a:t>Things to remember</a:t>
             </a:r>
           </a:p>
         </p:txBody>
@@ -14600,7 +15932,7 @@
     </p:spTree>
     <p:extLst>
       <p:ext uri="{BB962C8B-B14F-4D97-AF65-F5344CB8AC3E}">
-        <p14:creationId xmlns:p14="http://schemas.microsoft.com/office/powerpoint/2010/main" val="16011483"/>
+        <p14:creationId xmlns:p14="http://schemas.microsoft.com/office/powerpoint/2010/main" val="3128043502"/>
       </p:ext>
     </p:extLst>
   </p:cSld>
@@ -14686,185 +16018,6 @@
           </a:bodyPr>
           <a:lstStyle/>
           <a:p>
-            <a:pPr indent="-474121">
-              <a:buSzPts val="2000"/>
-            </a:pPr>
-            <a:r>
-              <a:rPr lang="en" sz="2667" dirty="0"/>
-              <a:t>How can you narrow hundreds or thousands of model specifications down to a handful of the best-performing ones?</a:t>
-            </a:r>
-            <a:br>
-              <a:rPr lang="en" sz="2667" dirty="0"/>
-            </a:br>
-            <a:endParaRPr sz="2667" dirty="0"/>
-          </a:p>
-          <a:p>
-            <a:pPr indent="-474121">
-              <a:spcBef>
-                <a:spcPts val="0"/>
-              </a:spcBef>
-              <a:buSzPts val="2000"/>
-            </a:pPr>
-            <a:r>
-              <a:rPr lang="en" sz="2667" dirty="0"/>
-              <a:t>How do you balance performance and stability?</a:t>
-            </a:r>
-            <a:endParaRPr sz="2667" dirty="0"/>
-          </a:p>
-          <a:p>
-            <a:pPr lvl="1" indent="-474121">
-              <a:spcBef>
-                <a:spcPts val="0"/>
-              </a:spcBef>
-              <a:buSzPts val="2000"/>
-            </a:pPr>
-            <a:r>
-              <a:rPr lang="en" sz="2667" dirty="0"/>
-              <a:t>mean performance?</a:t>
-            </a:r>
-            <a:endParaRPr sz="2667" dirty="0"/>
-          </a:p>
-          <a:p>
-            <a:pPr lvl="1" indent="-474121">
-              <a:spcBef>
-                <a:spcPts val="0"/>
-              </a:spcBef>
-              <a:buSzPts val="2000"/>
-            </a:pPr>
-            <a:r>
-              <a:rPr lang="en" sz="2667" dirty="0"/>
-              <a:t>balancing mean and variance?</a:t>
-            </a:r>
-            <a:endParaRPr sz="2667" dirty="0"/>
-          </a:p>
-          <a:p>
-            <a:pPr lvl="1" indent="-474121">
-              <a:spcBef>
-                <a:spcPts val="0"/>
-              </a:spcBef>
-              <a:buSzPts val="2000"/>
-            </a:pPr>
-            <a:r>
-              <a:rPr lang="en" sz="2667" dirty="0"/>
-              <a:t>recency-weighted mean?</a:t>
-            </a:r>
-            <a:br>
-              <a:rPr lang="en" sz="2667" dirty="0"/>
-            </a:br>
-            <a:endParaRPr sz="2667" dirty="0"/>
-          </a:p>
-          <a:p>
-            <a:pPr indent="-474121">
-              <a:spcBef>
-                <a:spcPts val="0"/>
-              </a:spcBef>
-              <a:buSzPts val="2000"/>
-            </a:pPr>
-            <a:r>
-              <a:rPr lang="en" sz="2667" dirty="0"/>
-              <a:t>W</a:t>
-            </a:r>
-            <a:r>
-              <a:rPr lang="en-US" sz="2667" dirty="0"/>
-              <a:t>h</a:t>
-            </a:r>
-            <a:r>
-              <a:rPr lang="en" sz="2667" dirty="0"/>
-              <a:t>at is the “regret” in subsequent time periods from using different strategies for choosing a model to deploy?</a:t>
-            </a:r>
-            <a:endParaRPr sz="2667" dirty="0"/>
-          </a:p>
-        </p:txBody>
-      </p:sp>
-    </p:spTree>
-    <p:extLst>
-      <p:ext uri="{BB962C8B-B14F-4D97-AF65-F5344CB8AC3E}">
-        <p14:creationId xmlns:p14="http://schemas.microsoft.com/office/powerpoint/2010/main" val="1094637480"/>
-      </p:ext>
-    </p:extLst>
-  </p:cSld>
-  <p:clrMapOvr>
-    <a:masterClrMapping/>
-  </p:clrMapOvr>
-</p:sld>
-</file>
-
-<file path=ppt/slides/slide21.xml><?xml version="1.0" encoding="utf-8"?>
-<p:sld xmlns:a="http://schemas.openxmlformats.org/drawingml/2006/main" xmlns:r="http://schemas.openxmlformats.org/officeDocument/2006/relationships" xmlns:p="http://schemas.openxmlformats.org/presentationml/2006/main">
-  <p:cSld>
-    <p:spTree>
-      <p:nvGrpSpPr>
-        <p:cNvPr id="1" name="Shape 454"/>
-        <p:cNvGrpSpPr/>
-        <p:nvPr/>
-      </p:nvGrpSpPr>
-      <p:grpSpPr>
-        <a:xfrm>
-          <a:off x="0" y="0"/>
-          <a:ext cx="0" cy="0"/>
-          <a:chOff x="0" y="0"/>
-          <a:chExt cx="0" cy="0"/>
-        </a:xfrm>
-      </p:grpSpPr>
-      <p:sp>
-        <p:nvSpPr>
-          <p:cNvPr id="455" name="Google Shape;455;p43"/>
-          <p:cNvSpPr txBox="1">
-            <a:spLocks noGrp="1"/>
-          </p:cNvSpPr>
-          <p:nvPr>
-            <p:ph type="title"/>
-          </p:nvPr>
-        </p:nvSpPr>
-        <p:spPr>
-          <a:prstGeom prst="rect">
-            <a:avLst/>
-          </a:prstGeom>
-        </p:spPr>
-        <p:txBody>
-          <a:bodyPr spcFirstLastPara="1" wrap="square" lIns="121900" tIns="60933" rIns="121900" bIns="60933" anchor="ctr" anchorCtr="0">
-            <a:noAutofit/>
-          </a:bodyPr>
-          <a:lstStyle/>
-          <a:p>
-            <a:r>
-              <a:rPr lang="en" dirty="0"/>
-              <a:t>Model Selection</a:t>
-            </a:r>
-            <a:endParaRPr sz="4000" b="1" dirty="0">
-              <a:latin typeface="Roboto"/>
-              <a:ea typeface="Roboto"/>
-              <a:cs typeface="Roboto"/>
-              <a:sym typeface="Roboto"/>
-            </a:endParaRPr>
-          </a:p>
-        </p:txBody>
-      </p:sp>
-      <p:sp>
-        <p:nvSpPr>
-          <p:cNvPr id="456" name="Google Shape;456;p43"/>
-          <p:cNvSpPr txBox="1">
-            <a:spLocks noGrp="1"/>
-          </p:cNvSpPr>
-          <p:nvPr>
-            <p:ph type="body" idx="1"/>
-          </p:nvPr>
-        </p:nvSpPr>
-        <p:spPr>
-          <a:xfrm>
-            <a:off x="415600" y="1536632"/>
-            <a:ext cx="11360700" cy="4787967"/>
-          </a:xfrm>
-          <a:prstGeom prst="rect">
-            <a:avLst/>
-          </a:prstGeom>
-        </p:spPr>
-        <p:txBody>
-          <a:bodyPr spcFirstLastPara="1" wrap="square" lIns="121900" tIns="60933" rIns="121900" bIns="60933" anchor="t" anchorCtr="0">
-            <a:noAutofit/>
-          </a:bodyPr>
-          <a:lstStyle/>
-          <a:p>
             <a:pPr marL="0" indent="0">
               <a:buSzPts val="2000"/>
               <a:buNone/>
@@ -14937,7 +16090,7 @@
 </p:sld>
 </file>
 
-<file path=ppt/slides/slide22.xml><?xml version="1.0" encoding="utf-8"?>
+<file path=ppt/slides/slide21.xml><?xml version="1.0" encoding="utf-8"?>
 <p:sld xmlns:a="http://schemas.openxmlformats.org/drawingml/2006/main" xmlns:r="http://schemas.openxmlformats.org/officeDocument/2006/relationships" xmlns:p="http://schemas.openxmlformats.org/presentationml/2006/main">
   <p:cSld>
     <p:spTree>
@@ -15139,7 +16292,7 @@
 </p:sld>
 </file>
 
-<file path=ppt/slides/slide23.xml><?xml version="1.0" encoding="utf-8"?>
+<file path=ppt/slides/slide22.xml><?xml version="1.0" encoding="utf-8"?>
 <p:sld xmlns:a="http://schemas.openxmlformats.org/drawingml/2006/main" xmlns:r="http://schemas.openxmlformats.org/officeDocument/2006/relationships" xmlns:p="http://schemas.openxmlformats.org/presentationml/2006/main">
   <p:cSld>
     <p:spTree>
@@ -15358,7 +16511,7 @@
 </p:sld>
 </file>
 
-<file path=ppt/slides/slide24.xml><?xml version="1.0" encoding="utf-8"?>
+<file path=ppt/slides/slide23.xml><?xml version="1.0" encoding="utf-8"?>
 <p:sld xmlns:a="http://schemas.openxmlformats.org/drawingml/2006/main" xmlns:r="http://schemas.openxmlformats.org/officeDocument/2006/relationships" xmlns:p="http://schemas.openxmlformats.org/presentationml/2006/main">
   <p:cSld>
     <p:spTree>
@@ -15818,7 +16971,7 @@
 </p:sld>
 </file>
 
-<file path=ppt/slides/slide25.xml><?xml version="1.0" encoding="utf-8"?>
+<file path=ppt/slides/slide24.xml><?xml version="1.0" encoding="utf-8"?>
 <p:sld xmlns:a="http://schemas.openxmlformats.org/drawingml/2006/main" xmlns:r="http://schemas.openxmlformats.org/officeDocument/2006/relationships" xmlns:p="http://schemas.openxmlformats.org/presentationml/2006/main">
   <p:cSld>
     <p:spTree>
@@ -16084,7 +17237,7 @@
 </p:sld>
 </file>
 
-<file path=ppt/slides/slide26.xml><?xml version="1.0" encoding="utf-8"?>
+<file path=ppt/slides/slide25.xml><?xml version="1.0" encoding="utf-8"?>
 <p:sld xmlns:a="http://schemas.openxmlformats.org/drawingml/2006/main" xmlns:r="http://schemas.openxmlformats.org/officeDocument/2006/relationships" xmlns:p="http://schemas.openxmlformats.org/presentationml/2006/main">
   <p:cSld>
     <p:spTree>
@@ -16395,7 +17548,7 @@
 </p:sld>
 </file>
 
-<file path=ppt/slides/slide27.xml><?xml version="1.0" encoding="utf-8"?>
+<file path=ppt/slides/slide26.xml><?xml version="1.0" encoding="utf-8"?>
 <p:sld xmlns:a="http://schemas.openxmlformats.org/drawingml/2006/main" xmlns:r="http://schemas.openxmlformats.org/officeDocument/2006/relationships" xmlns:p="http://schemas.openxmlformats.org/presentationml/2006/main">
   <p:cSld>
     <p:spTree>
@@ -16723,7 +17876,7 @@
 </p:sld>
 </file>
 
-<file path=ppt/slides/slide28.xml><?xml version="1.0" encoding="utf-8"?>
+<file path=ppt/slides/slide27.xml><?xml version="1.0" encoding="utf-8"?>
 <p:sld xmlns:a="http://schemas.openxmlformats.org/drawingml/2006/main" xmlns:r="http://schemas.openxmlformats.org/officeDocument/2006/relationships" xmlns:p="http://schemas.openxmlformats.org/presentationml/2006/main">
   <p:cSld>
     <p:spTree>
@@ -17048,7 +18201,7 @@
 </p:sld>
 </file>
 
-<file path=ppt/slides/slide29.xml><?xml version="1.0" encoding="utf-8"?>
+<file path=ppt/slides/slide28.xml><?xml version="1.0" encoding="utf-8"?>
 <p:sld xmlns:a="http://schemas.openxmlformats.org/drawingml/2006/main" xmlns:r="http://schemas.openxmlformats.org/officeDocument/2006/relationships" xmlns:p="http://schemas.openxmlformats.org/presentationml/2006/main">
   <p:cSld>
     <p:spTree>
@@ -17534,180 +18687,7 @@
 </p:sld>
 </file>
 
-<file path=ppt/slides/slide3.xml><?xml version="1.0" encoding="utf-8"?>
-<p:sld xmlns:a="http://schemas.openxmlformats.org/drawingml/2006/main" xmlns:r="http://schemas.openxmlformats.org/officeDocument/2006/relationships" xmlns:p="http://schemas.openxmlformats.org/presentationml/2006/main">
-  <p:cSld>
-    <p:spTree>
-      <p:nvGrpSpPr>
-        <p:cNvPr id="1" name=""/>
-        <p:cNvGrpSpPr/>
-        <p:nvPr/>
-      </p:nvGrpSpPr>
-      <p:grpSpPr>
-        <a:xfrm>
-          <a:off x="0" y="0"/>
-          <a:ext cx="0" cy="0"/>
-          <a:chOff x="0" y="0"/>
-          <a:chExt cx="0" cy="0"/>
-        </a:xfrm>
-      </p:grpSpPr>
-      <p:sp>
-        <p:nvSpPr>
-          <p:cNvPr id="3" name="Title 2">
-            <a:extLst>
-              <a:ext uri="{FF2B5EF4-FFF2-40B4-BE49-F238E27FC236}">
-                <a16:creationId xmlns:a16="http://schemas.microsoft.com/office/drawing/2014/main" id="{9323871C-7CA8-1448-8FFC-1AE6E1838941}"/>
-              </a:ext>
-            </a:extLst>
-          </p:cNvPr>
-          <p:cNvSpPr>
-            <a:spLocks noGrp="1"/>
-          </p:cNvSpPr>
-          <p:nvPr>
-            <p:ph type="title"/>
-          </p:nvPr>
-        </p:nvSpPr>
-        <p:spPr/>
-        <p:txBody>
-          <a:bodyPr/>
-          <a:lstStyle/>
-          <a:p>
-            <a:r>
-              <a:rPr lang="en-US" dirty="0"/>
-              <a:t>Reminders</a:t>
-            </a:r>
-          </a:p>
-        </p:txBody>
-      </p:sp>
-      <p:sp>
-        <p:nvSpPr>
-          <p:cNvPr id="5" name="Text Placeholder 4">
-            <a:extLst>
-              <a:ext uri="{FF2B5EF4-FFF2-40B4-BE49-F238E27FC236}">
-                <a16:creationId xmlns:a16="http://schemas.microsoft.com/office/drawing/2014/main" id="{F4E0A5F0-1D89-954D-91FB-596CD9E690F2}"/>
-              </a:ext>
-            </a:extLst>
-          </p:cNvPr>
-          <p:cNvSpPr>
-            <a:spLocks noGrp="1"/>
-          </p:cNvSpPr>
-          <p:nvPr>
-            <p:ph type="body" idx="1"/>
-          </p:nvPr>
-        </p:nvSpPr>
-        <p:spPr/>
-        <p:txBody>
-          <a:bodyPr/>
-          <a:lstStyle/>
-          <a:p>
-            <a:pPr marL="76200" indent="0">
-              <a:buNone/>
-            </a:pPr>
-            <a:r>
-              <a:rPr lang="en-US" b="1" dirty="0"/>
-              <a:t>This week:</a:t>
-            </a:r>
-            <a:endParaRPr lang="en-US" dirty="0"/>
-          </a:p>
-          <a:p>
-            <a:r>
-              <a:rPr lang="en-US" dirty="0"/>
-              <a:t>Project check-in on Wednesday</a:t>
-            </a:r>
-          </a:p>
-          <a:p>
-            <a:r>
-              <a:rPr lang="en-US" dirty="0"/>
-              <a:t>Group work on Thursday</a:t>
-            </a:r>
-          </a:p>
-          <a:p>
-            <a:pPr marL="76200" indent="0">
-              <a:buNone/>
-            </a:pPr>
-            <a:endParaRPr lang="en-US" dirty="0"/>
-          </a:p>
-          <a:p>
-            <a:pPr marL="76200" indent="0">
-              <a:buNone/>
-            </a:pPr>
-            <a:r>
-              <a:rPr lang="en-US" b="1" dirty="0"/>
-              <a:t>Coming up next week:</a:t>
-            </a:r>
-          </a:p>
-          <a:p>
-            <a:r>
-              <a:rPr lang="en-US" dirty="0"/>
-              <a:t>Due </a:t>
-            </a:r>
-            <a:r>
-              <a:rPr lang="en-US" b="1" dirty="0"/>
-              <a:t>Monday</a:t>
-            </a:r>
-            <a:r>
-              <a:rPr lang="en-US" dirty="0"/>
-              <a:t>: </a:t>
-            </a:r>
-            <a:r>
-              <a:rPr lang="en-US" dirty="0">
-                <a:hlinkClick r:id="rId2"/>
-              </a:rPr>
-              <a:t>update assignment</a:t>
-            </a:r>
-            <a:r>
-              <a:rPr lang="en-US" dirty="0"/>
-              <a:t> (and revisions from last week)</a:t>
-            </a:r>
-          </a:p>
-          <a:p>
-            <a:r>
-              <a:rPr lang="en-US" dirty="0"/>
-              <a:t>Reading for Tuesday</a:t>
-            </a:r>
-          </a:p>
-          <a:p>
-            <a:pPr marL="76200" indent="0">
-              <a:buNone/>
-            </a:pPr>
-            <a:endParaRPr lang="en-US" dirty="0"/>
-          </a:p>
-          <a:p>
-            <a:pPr marL="76200" indent="0">
-              <a:buNone/>
-            </a:pPr>
-            <a:r>
-              <a:rPr lang="en-US" b="1" dirty="0"/>
-              <a:t>Coming up the following week:</a:t>
-            </a:r>
-          </a:p>
-          <a:p>
-            <a:r>
-              <a:rPr lang="en-US" dirty="0"/>
-              <a:t>Midterm Project Progress Presentations (Live </a:t>
-            </a:r>
-            <a:r>
-              <a:rPr lang="en-US"/>
-              <a:t>or Recorded?)</a:t>
-            </a:r>
-            <a:endParaRPr lang="en-US" dirty="0"/>
-          </a:p>
-        </p:txBody>
-      </p:sp>
-    </p:spTree>
-    <p:extLst>
-      <p:ext uri="{BB962C8B-B14F-4D97-AF65-F5344CB8AC3E}">
-        <p14:creationId xmlns:p14="http://schemas.microsoft.com/office/powerpoint/2010/main" val="1533227703"/>
-      </p:ext>
-    </p:extLst>
-  </p:cSld>
-  <p:clrMapOvr>
-    <a:masterClrMapping/>
-  </p:clrMapOvr>
-</p:sld>
-</file>
-
-<file path=ppt/slides/slide30.xml><?xml version="1.0" encoding="utf-8"?>
+<file path=ppt/slides/slide29.xml><?xml version="1.0" encoding="utf-8"?>
 <p:sld xmlns:a="http://schemas.openxmlformats.org/drawingml/2006/main" xmlns:r="http://schemas.openxmlformats.org/officeDocument/2006/relationships" xmlns:p="http://schemas.openxmlformats.org/presentationml/2006/main">
   <p:cSld>
     <p:spTree>
@@ -18239,1254 +19219,7 @@
 </p:sld>
 </file>
 
-<file path=ppt/slides/slide31.xml><?xml version="1.0" encoding="utf-8"?>
-<p:sld xmlns:a="http://schemas.openxmlformats.org/drawingml/2006/main" xmlns:r="http://schemas.openxmlformats.org/officeDocument/2006/relationships" xmlns:p="http://schemas.openxmlformats.org/presentationml/2006/main">
-  <p:cSld>
-    <p:spTree>
-      <p:nvGrpSpPr>
-        <p:cNvPr id="1" name="Shape 448"/>
-        <p:cNvGrpSpPr/>
-        <p:nvPr/>
-      </p:nvGrpSpPr>
-      <p:grpSpPr>
-        <a:xfrm>
-          <a:off x="0" y="0"/>
-          <a:ext cx="0" cy="0"/>
-          <a:chOff x="0" y="0"/>
-          <a:chExt cx="0" cy="0"/>
-        </a:xfrm>
-      </p:grpSpPr>
-      <p:sp>
-        <p:nvSpPr>
-          <p:cNvPr id="449" name="Google Shape;449;p42"/>
-          <p:cNvSpPr txBox="1">
-            <a:spLocks noGrp="1"/>
-          </p:cNvSpPr>
-          <p:nvPr>
-            <p:ph type="title"/>
-          </p:nvPr>
-        </p:nvSpPr>
-        <p:spPr>
-          <a:prstGeom prst="rect">
-            <a:avLst/>
-          </a:prstGeom>
-        </p:spPr>
-        <p:txBody>
-          <a:bodyPr spcFirstLastPara="1" wrap="square" lIns="121900" tIns="60933" rIns="121900" bIns="60933" anchor="ctr" anchorCtr="0">
-            <a:noAutofit/>
-          </a:bodyPr>
-          <a:lstStyle/>
-          <a:p>
-            <a:r>
-              <a:rPr lang="en" dirty="0"/>
-              <a:t>Model Selection</a:t>
-            </a:r>
-            <a:endParaRPr sz="4000" b="1" dirty="0">
-              <a:latin typeface="Roboto"/>
-              <a:ea typeface="Roboto"/>
-              <a:cs typeface="Roboto"/>
-              <a:sym typeface="Roboto"/>
-            </a:endParaRPr>
-          </a:p>
-        </p:txBody>
-      </p:sp>
-      <p:pic>
-        <p:nvPicPr>
-          <p:cNvPr id="5" name="Picture 4">
-            <a:extLst>
-              <a:ext uri="{FF2B5EF4-FFF2-40B4-BE49-F238E27FC236}">
-                <a16:creationId xmlns:a16="http://schemas.microsoft.com/office/drawing/2014/main" id="{53338CC3-6BEE-A749-BCD5-ABD29A667234}"/>
-              </a:ext>
-            </a:extLst>
-          </p:cNvPr>
-          <p:cNvPicPr>
-            <a:picLocks noChangeAspect="1"/>
-          </p:cNvPicPr>
-          <p:nvPr/>
-        </p:nvPicPr>
-        <p:blipFill>
-          <a:blip r:embed="rId3"/>
-          <a:stretch>
-            <a:fillRect/>
-          </a:stretch>
-        </p:blipFill>
-        <p:spPr>
-          <a:xfrm>
-            <a:off x="1479500" y="1244600"/>
-            <a:ext cx="9232900" cy="5130800"/>
-          </a:xfrm>
-          <a:prstGeom prst="rect">
-            <a:avLst/>
-          </a:prstGeom>
-        </p:spPr>
-      </p:pic>
-    </p:spTree>
-    <p:extLst>
-      <p:ext uri="{BB962C8B-B14F-4D97-AF65-F5344CB8AC3E}">
-        <p14:creationId xmlns:p14="http://schemas.microsoft.com/office/powerpoint/2010/main" val="639890484"/>
-      </p:ext>
-    </p:extLst>
-  </p:cSld>
-  <p:clrMapOvr>
-    <a:masterClrMapping/>
-  </p:clrMapOvr>
-</p:sld>
-</file>
-
-<file path=ppt/slides/slide32.xml><?xml version="1.0" encoding="utf-8"?>
-<p:sld xmlns:a="http://schemas.openxmlformats.org/drawingml/2006/main" xmlns:r="http://schemas.openxmlformats.org/officeDocument/2006/relationships" xmlns:p="http://schemas.openxmlformats.org/presentationml/2006/main">
-  <p:cSld>
-    <p:spTree>
-      <p:nvGrpSpPr>
-        <p:cNvPr id="1" name="Shape 448"/>
-        <p:cNvGrpSpPr/>
-        <p:nvPr/>
-      </p:nvGrpSpPr>
-      <p:grpSpPr>
-        <a:xfrm>
-          <a:off x="0" y="0"/>
-          <a:ext cx="0" cy="0"/>
-          <a:chOff x="0" y="0"/>
-          <a:chExt cx="0" cy="0"/>
-        </a:xfrm>
-      </p:grpSpPr>
-      <p:sp>
-        <p:nvSpPr>
-          <p:cNvPr id="449" name="Google Shape;449;p42"/>
-          <p:cNvSpPr txBox="1">
-            <a:spLocks noGrp="1"/>
-          </p:cNvSpPr>
-          <p:nvPr>
-            <p:ph type="title"/>
-          </p:nvPr>
-        </p:nvSpPr>
-        <p:spPr>
-          <a:prstGeom prst="rect">
-            <a:avLst/>
-          </a:prstGeom>
-        </p:spPr>
-        <p:txBody>
-          <a:bodyPr spcFirstLastPara="1" wrap="square" lIns="121900" tIns="60933" rIns="121900" bIns="60933" anchor="ctr" anchorCtr="0">
-            <a:noAutofit/>
-          </a:bodyPr>
-          <a:lstStyle/>
-          <a:p>
-            <a:r>
-              <a:rPr lang="en" dirty="0"/>
-              <a:t>Model Selection</a:t>
-            </a:r>
-            <a:endParaRPr sz="4000" b="1" dirty="0">
-              <a:latin typeface="Roboto"/>
-              <a:ea typeface="Roboto"/>
-              <a:cs typeface="Roboto"/>
-              <a:sym typeface="Roboto"/>
-            </a:endParaRPr>
-          </a:p>
-        </p:txBody>
-      </p:sp>
-      <p:pic>
-        <p:nvPicPr>
-          <p:cNvPr id="6" name="Picture 5">
-            <a:extLst>
-              <a:ext uri="{FF2B5EF4-FFF2-40B4-BE49-F238E27FC236}">
-                <a16:creationId xmlns:a16="http://schemas.microsoft.com/office/drawing/2014/main" id="{32C95DA2-D7F5-B749-BD59-C217AF31861D}"/>
-              </a:ext>
-            </a:extLst>
-          </p:cNvPr>
-          <p:cNvPicPr>
-            <a:picLocks noChangeAspect="1"/>
-          </p:cNvPicPr>
-          <p:nvPr/>
-        </p:nvPicPr>
-        <p:blipFill>
-          <a:blip r:embed="rId3"/>
-          <a:stretch>
-            <a:fillRect/>
-          </a:stretch>
-        </p:blipFill>
-        <p:spPr>
-          <a:xfrm>
-            <a:off x="3048000" y="1530928"/>
-            <a:ext cx="6096000" cy="4572000"/>
-          </a:xfrm>
-          <a:prstGeom prst="rect">
-            <a:avLst/>
-          </a:prstGeom>
-        </p:spPr>
-      </p:pic>
-    </p:spTree>
-    <p:extLst>
-      <p:ext uri="{BB962C8B-B14F-4D97-AF65-F5344CB8AC3E}">
-        <p14:creationId xmlns:p14="http://schemas.microsoft.com/office/powerpoint/2010/main" val="2635062933"/>
-      </p:ext>
-    </p:extLst>
-  </p:cSld>
-  <p:clrMapOvr>
-    <a:masterClrMapping/>
-  </p:clrMapOvr>
-</p:sld>
-</file>
-
-<file path=ppt/slides/slide33.xml><?xml version="1.0" encoding="utf-8"?>
-<p:sld xmlns:a="http://schemas.openxmlformats.org/drawingml/2006/main" xmlns:r="http://schemas.openxmlformats.org/officeDocument/2006/relationships" xmlns:p="http://schemas.openxmlformats.org/presentationml/2006/main">
-  <p:cSld>
-    <p:spTree>
-      <p:nvGrpSpPr>
-        <p:cNvPr id="1" name="Shape 448"/>
-        <p:cNvGrpSpPr/>
-        <p:nvPr/>
-      </p:nvGrpSpPr>
-      <p:grpSpPr>
-        <a:xfrm>
-          <a:off x="0" y="0"/>
-          <a:ext cx="0" cy="0"/>
-          <a:chOff x="0" y="0"/>
-          <a:chExt cx="0" cy="0"/>
-        </a:xfrm>
-      </p:grpSpPr>
-      <p:sp>
-        <p:nvSpPr>
-          <p:cNvPr id="449" name="Google Shape;449;p42"/>
-          <p:cNvSpPr txBox="1">
-            <a:spLocks noGrp="1"/>
-          </p:cNvSpPr>
-          <p:nvPr>
-            <p:ph type="title"/>
-          </p:nvPr>
-        </p:nvSpPr>
-        <p:spPr>
-          <a:prstGeom prst="rect">
-            <a:avLst/>
-          </a:prstGeom>
-        </p:spPr>
-        <p:txBody>
-          <a:bodyPr spcFirstLastPara="1" wrap="square" lIns="121900" tIns="60933" rIns="121900" bIns="60933" anchor="ctr" anchorCtr="0">
-            <a:noAutofit/>
-          </a:bodyPr>
-          <a:lstStyle/>
-          <a:p>
-            <a:r>
-              <a:rPr lang="en" dirty="0"/>
-              <a:t>Model Selection</a:t>
-            </a:r>
-            <a:endParaRPr sz="4000" b="1" dirty="0">
-              <a:latin typeface="Roboto"/>
-              <a:ea typeface="Roboto"/>
-              <a:cs typeface="Roboto"/>
-              <a:sym typeface="Roboto"/>
-            </a:endParaRPr>
-          </a:p>
-        </p:txBody>
-      </p:sp>
-      <p:pic>
-        <p:nvPicPr>
-          <p:cNvPr id="2" name="Picture 1">
-            <a:extLst>
-              <a:ext uri="{FF2B5EF4-FFF2-40B4-BE49-F238E27FC236}">
-                <a16:creationId xmlns:a16="http://schemas.microsoft.com/office/drawing/2014/main" id="{FFF52808-3577-AE47-8BC1-F03230A0569A}"/>
-              </a:ext>
-            </a:extLst>
-          </p:cNvPr>
-          <p:cNvPicPr>
-            <a:picLocks noChangeAspect="1"/>
-          </p:cNvPicPr>
-          <p:nvPr/>
-        </p:nvPicPr>
-        <p:blipFill>
-          <a:blip r:embed="rId3"/>
-          <a:stretch>
-            <a:fillRect/>
-          </a:stretch>
-        </p:blipFill>
-        <p:spPr>
-          <a:xfrm>
-            <a:off x="6791435" y="1579418"/>
-            <a:ext cx="4984865" cy="4895850"/>
-          </a:xfrm>
-          <a:prstGeom prst="rect">
-            <a:avLst/>
-          </a:prstGeom>
-        </p:spPr>
-      </p:pic>
-      <p:sp>
-        <p:nvSpPr>
-          <p:cNvPr id="7" name="Google Shape;456;p43">
-            <a:extLst>
-              <a:ext uri="{FF2B5EF4-FFF2-40B4-BE49-F238E27FC236}">
-                <a16:creationId xmlns:a16="http://schemas.microsoft.com/office/drawing/2014/main" id="{B4064D34-B361-0E4D-8737-66CD434AB320}"/>
-              </a:ext>
-            </a:extLst>
-          </p:cNvPr>
-          <p:cNvSpPr txBox="1">
-            <a:spLocks noGrp="1"/>
-          </p:cNvSpPr>
-          <p:nvPr>
-            <p:ph type="body" idx="1"/>
-          </p:nvPr>
-        </p:nvSpPr>
-        <p:spPr>
-          <a:xfrm>
-            <a:off x="415600" y="1260768"/>
-            <a:ext cx="6375835" cy="5174672"/>
-          </a:xfrm>
-          <a:prstGeom prst="rect">
-            <a:avLst/>
-          </a:prstGeom>
-        </p:spPr>
-        <p:txBody>
-          <a:bodyPr spcFirstLastPara="1" wrap="square" lIns="121900" tIns="60933" rIns="121900" bIns="60933" anchor="t" anchorCtr="0">
-            <a:noAutofit/>
-          </a:bodyPr>
-          <a:lstStyle/>
-          <a:p>
-            <a:pPr indent="-474121">
-              <a:buSzPts val="2000"/>
-            </a:pPr>
-            <a:r>
-              <a:rPr lang="en" sz="2667" dirty="0"/>
-              <a:t>May not be obvious which strategy / model specification is “best”</a:t>
-            </a:r>
-            <a:br>
-              <a:rPr lang="en" sz="2667" dirty="0"/>
-            </a:br>
-            <a:endParaRPr lang="en" sz="2667" dirty="0"/>
-          </a:p>
-          <a:p>
-            <a:pPr indent="-474121">
-              <a:buSzPts val="2000"/>
-            </a:pPr>
-            <a:r>
-              <a:rPr lang="en-US" sz="2667" dirty="0"/>
-              <a:t>Among good candidates, may be instructive to ask how similar or different the lists each strategy would produce are</a:t>
-            </a:r>
-            <a:br>
-              <a:rPr lang="en-US" sz="2667" dirty="0"/>
-            </a:br>
-            <a:endParaRPr lang="en-US" sz="2667" dirty="0"/>
-          </a:p>
-          <a:p>
-            <a:pPr indent="-474121">
-              <a:buSzPts val="2000"/>
-            </a:pPr>
-            <a:r>
-              <a:rPr lang="en-US" sz="2667" dirty="0"/>
-              <a:t>May ultimately want to deploy (or at least test) a strategy that combines across several specifications</a:t>
-            </a:r>
-            <a:endParaRPr sz="2667" dirty="0"/>
-          </a:p>
-        </p:txBody>
-      </p:sp>
-    </p:spTree>
-    <p:extLst>
-      <p:ext uri="{BB962C8B-B14F-4D97-AF65-F5344CB8AC3E}">
-        <p14:creationId xmlns:p14="http://schemas.microsoft.com/office/powerpoint/2010/main" val="1168641203"/>
-      </p:ext>
-    </p:extLst>
-  </p:cSld>
-  <p:clrMapOvr>
-    <a:masterClrMapping/>
-  </p:clrMapOvr>
-</p:sld>
-</file>
-
-<file path=ppt/slides/slide34.xml><?xml version="1.0" encoding="utf-8"?>
-<p:sld xmlns:a="http://schemas.openxmlformats.org/drawingml/2006/main" xmlns:r="http://schemas.openxmlformats.org/officeDocument/2006/relationships" xmlns:p="http://schemas.openxmlformats.org/presentationml/2006/main">
-  <p:cSld>
-    <p:spTree>
-      <p:nvGrpSpPr>
-        <p:cNvPr id="1" name=""/>
-        <p:cNvGrpSpPr/>
-        <p:nvPr/>
-      </p:nvGrpSpPr>
-      <p:grpSpPr>
-        <a:xfrm>
-          <a:off x="0" y="0"/>
-          <a:ext cx="0" cy="0"/>
-          <a:chOff x="0" y="0"/>
-          <a:chExt cx="0" cy="0"/>
-        </a:xfrm>
-      </p:grpSpPr>
-      <p:sp>
-        <p:nvSpPr>
-          <p:cNvPr id="3" name="Title 2">
-            <a:extLst>
-              <a:ext uri="{FF2B5EF4-FFF2-40B4-BE49-F238E27FC236}">
-                <a16:creationId xmlns:a16="http://schemas.microsoft.com/office/drawing/2014/main" id="{9323871C-7CA8-1448-8FFC-1AE6E1838941}"/>
-              </a:ext>
-            </a:extLst>
-          </p:cNvPr>
-          <p:cNvSpPr>
-            <a:spLocks noGrp="1"/>
-          </p:cNvSpPr>
-          <p:nvPr>
-            <p:ph type="title"/>
-          </p:nvPr>
-        </p:nvSpPr>
-        <p:spPr/>
-        <p:txBody>
-          <a:bodyPr/>
-          <a:lstStyle/>
-          <a:p>
-            <a:r>
-              <a:rPr lang="en-US" dirty="0"/>
-              <a:t>Some Open Research Questions</a:t>
-            </a:r>
-          </a:p>
-        </p:txBody>
-      </p:sp>
-      <p:sp>
-        <p:nvSpPr>
-          <p:cNvPr id="4" name="Text Placeholder 3">
-            <a:extLst>
-              <a:ext uri="{FF2B5EF4-FFF2-40B4-BE49-F238E27FC236}">
-                <a16:creationId xmlns:a16="http://schemas.microsoft.com/office/drawing/2014/main" id="{5E600BA7-FA45-884F-9820-9E5F2CB7AA48}"/>
-              </a:ext>
-            </a:extLst>
-          </p:cNvPr>
-          <p:cNvSpPr>
-            <a:spLocks noGrp="1"/>
-          </p:cNvSpPr>
-          <p:nvPr>
-            <p:ph type="body" idx="1"/>
-          </p:nvPr>
-        </p:nvSpPr>
-        <p:spPr/>
-        <p:txBody>
-          <a:bodyPr/>
-          <a:lstStyle/>
-          <a:p>
-            <a:r>
-              <a:rPr lang="en-US" dirty="0"/>
-              <a:t>What are the conditions under which temporal validation out-performs traditional cross-validation? By how much?</a:t>
-            </a:r>
-            <a:br>
-              <a:rPr lang="en-US" dirty="0"/>
-            </a:br>
-            <a:endParaRPr lang="en-US" dirty="0"/>
-          </a:p>
-          <a:p>
-            <a:r>
-              <a:rPr lang="en-US" dirty="0"/>
-              <a:t>Likewise, what can we learn about how well certain strategies perform in terms of regret under different real-world conditions?</a:t>
-            </a:r>
-            <a:br>
-              <a:rPr lang="en-US" dirty="0"/>
-            </a:br>
-            <a:endParaRPr lang="en-US" dirty="0"/>
-          </a:p>
-          <a:p>
-            <a:r>
-              <a:rPr lang="en-US" dirty="0"/>
-              <a:t>Many problems in policy settings involve resource constraints that require optimization at the top of the list, but few methods optimize for this directly.</a:t>
-            </a:r>
-          </a:p>
-          <a:p>
-            <a:pPr lvl="1"/>
-            <a:r>
-              <a:rPr lang="en-US" dirty="0"/>
-              <a:t>e.g., </a:t>
-            </a:r>
-            <a:r>
-              <a:rPr lang="en-US" dirty="0" err="1"/>
-              <a:t>Transductive</a:t>
-            </a:r>
-            <a:r>
-              <a:rPr lang="en-US" dirty="0"/>
-              <a:t> Top k</a:t>
-            </a:r>
-          </a:p>
-        </p:txBody>
-      </p:sp>
-    </p:spTree>
-    <p:extLst>
-      <p:ext uri="{BB962C8B-B14F-4D97-AF65-F5344CB8AC3E}">
-        <p14:creationId xmlns:p14="http://schemas.microsoft.com/office/powerpoint/2010/main" val="136932352"/>
-      </p:ext>
-    </p:extLst>
-  </p:cSld>
-  <p:clrMapOvr>
-    <a:masterClrMapping/>
-  </p:clrMapOvr>
-</p:sld>
-</file>
-
-<file path=ppt/slides/slide35.xml><?xml version="1.0" encoding="utf-8"?>
-<p:sld xmlns:a="http://schemas.openxmlformats.org/drawingml/2006/main" xmlns:r="http://schemas.openxmlformats.org/officeDocument/2006/relationships" xmlns:p="http://schemas.openxmlformats.org/presentationml/2006/main">
-  <p:cSld>
-    <p:spTree>
-      <p:nvGrpSpPr>
-        <p:cNvPr id="1" name=""/>
-        <p:cNvGrpSpPr/>
-        <p:nvPr/>
-      </p:nvGrpSpPr>
-      <p:grpSpPr>
-        <a:xfrm>
-          <a:off x="0" y="0"/>
-          <a:ext cx="0" cy="0"/>
-          <a:chOff x="0" y="0"/>
-          <a:chExt cx="0" cy="0"/>
-        </a:xfrm>
-      </p:grpSpPr>
-      <p:sp>
-        <p:nvSpPr>
-          <p:cNvPr id="3" name="Title 2">
-            <a:extLst>
-              <a:ext uri="{FF2B5EF4-FFF2-40B4-BE49-F238E27FC236}">
-                <a16:creationId xmlns:a16="http://schemas.microsoft.com/office/drawing/2014/main" id="{9323871C-7CA8-1448-8FFC-1AE6E1838941}"/>
-              </a:ext>
-            </a:extLst>
-          </p:cNvPr>
-          <p:cNvSpPr>
-            <a:spLocks noGrp="1"/>
-          </p:cNvSpPr>
-          <p:nvPr>
-            <p:ph type="title"/>
-          </p:nvPr>
-        </p:nvSpPr>
-        <p:spPr/>
-        <p:txBody>
-          <a:bodyPr/>
-          <a:lstStyle/>
-          <a:p>
-            <a:r>
-              <a:rPr lang="en-US" dirty="0"/>
-              <a:t>Some Open Research Questions</a:t>
-            </a:r>
-          </a:p>
-        </p:txBody>
-      </p:sp>
-      <p:pic>
-        <p:nvPicPr>
-          <p:cNvPr id="6" name="Picture 5">
-            <a:extLst>
-              <a:ext uri="{FF2B5EF4-FFF2-40B4-BE49-F238E27FC236}">
-                <a16:creationId xmlns:a16="http://schemas.microsoft.com/office/drawing/2014/main" id="{4B9B5C17-6333-3542-BF92-961541BDC881}"/>
-              </a:ext>
-            </a:extLst>
-          </p:cNvPr>
-          <p:cNvPicPr>
-            <a:picLocks noChangeAspect="1"/>
-          </p:cNvPicPr>
-          <p:nvPr/>
-        </p:nvPicPr>
-        <p:blipFill>
-          <a:blip r:embed="rId2"/>
-          <a:stretch>
-            <a:fillRect/>
-          </a:stretch>
-        </p:blipFill>
-        <p:spPr>
-          <a:xfrm>
-            <a:off x="1169439" y="1257300"/>
-            <a:ext cx="9853121" cy="5023746"/>
-          </a:xfrm>
-          <a:prstGeom prst="rect">
-            <a:avLst/>
-          </a:prstGeom>
-        </p:spPr>
-      </p:pic>
-    </p:spTree>
-    <p:extLst>
-      <p:ext uri="{BB962C8B-B14F-4D97-AF65-F5344CB8AC3E}">
-        <p14:creationId xmlns:p14="http://schemas.microsoft.com/office/powerpoint/2010/main" val="1478637945"/>
-      </p:ext>
-    </p:extLst>
-  </p:cSld>
-  <p:clrMapOvr>
-    <a:masterClrMapping/>
-  </p:clrMapOvr>
-</p:sld>
-</file>
-
-<file path=ppt/slides/slide36.xml><?xml version="1.0" encoding="utf-8"?>
-<p:sld xmlns:a="http://schemas.openxmlformats.org/drawingml/2006/main" xmlns:r="http://schemas.openxmlformats.org/officeDocument/2006/relationships" xmlns:p="http://schemas.openxmlformats.org/presentationml/2006/main">
-  <p:cSld>
-    <p:spTree>
-      <p:nvGrpSpPr>
-        <p:cNvPr id="1" name=""/>
-        <p:cNvGrpSpPr/>
-        <p:nvPr/>
-      </p:nvGrpSpPr>
-      <p:grpSpPr>
-        <a:xfrm>
-          <a:off x="0" y="0"/>
-          <a:ext cx="0" cy="0"/>
-          <a:chOff x="0" y="0"/>
-          <a:chExt cx="0" cy="0"/>
-        </a:xfrm>
-      </p:grpSpPr>
-      <p:sp>
-        <p:nvSpPr>
-          <p:cNvPr id="3" name="Title 2">
-            <a:extLst>
-              <a:ext uri="{FF2B5EF4-FFF2-40B4-BE49-F238E27FC236}">
-                <a16:creationId xmlns:a16="http://schemas.microsoft.com/office/drawing/2014/main" id="{9323871C-7CA8-1448-8FFC-1AE6E1838941}"/>
-              </a:ext>
-            </a:extLst>
-          </p:cNvPr>
-          <p:cNvSpPr>
-            <a:spLocks noGrp="1"/>
-          </p:cNvSpPr>
-          <p:nvPr>
-            <p:ph type="title"/>
-          </p:nvPr>
-        </p:nvSpPr>
-        <p:spPr/>
-        <p:txBody>
-          <a:bodyPr/>
-          <a:lstStyle/>
-          <a:p>
-            <a:r>
-              <a:rPr lang="en-US" dirty="0"/>
-              <a:t>Some Open Research Questions</a:t>
-            </a:r>
-          </a:p>
-        </p:txBody>
-      </p:sp>
-      <p:sp>
-        <p:nvSpPr>
-          <p:cNvPr id="4" name="Text Placeholder 3">
-            <a:extLst>
-              <a:ext uri="{FF2B5EF4-FFF2-40B4-BE49-F238E27FC236}">
-                <a16:creationId xmlns:a16="http://schemas.microsoft.com/office/drawing/2014/main" id="{5E600BA7-FA45-884F-9820-9E5F2CB7AA48}"/>
-              </a:ext>
-            </a:extLst>
-          </p:cNvPr>
-          <p:cNvSpPr>
-            <a:spLocks noGrp="1"/>
-          </p:cNvSpPr>
-          <p:nvPr>
-            <p:ph type="body" idx="1"/>
-          </p:nvPr>
-        </p:nvSpPr>
-        <p:spPr/>
-        <p:txBody>
-          <a:bodyPr/>
-          <a:lstStyle/>
-          <a:p>
-            <a:r>
-              <a:rPr lang="en-US" dirty="0"/>
-              <a:t>The SVM loss function will find the “best” separating hyperplane overall, but perhaps we could draw a better hyperplane to separate just </a:t>
-            </a:r>
-            <a:r>
-              <a:rPr lang="en-US" i="1" dirty="0"/>
-              <a:t>k</a:t>
-            </a:r>
-            <a:r>
-              <a:rPr lang="en-US" dirty="0"/>
-              <a:t> positive examples?</a:t>
-            </a:r>
-            <a:br>
-              <a:rPr lang="en-US" dirty="0"/>
-            </a:br>
-            <a:endParaRPr lang="en-US" dirty="0"/>
-          </a:p>
-          <a:p>
-            <a:r>
-              <a:rPr lang="en-US" i="1" dirty="0" err="1"/>
-              <a:t>Transductive</a:t>
-            </a:r>
-            <a:r>
-              <a:rPr lang="en-US" dirty="0"/>
-              <a:t> method: needs to be aware of the test set </a:t>
-            </a:r>
-            <a:r>
-              <a:rPr lang="en-US" b="1" dirty="0"/>
-              <a:t>without labels</a:t>
-            </a:r>
-            <a:r>
-              <a:rPr lang="en-US" dirty="0"/>
-              <a:t> to select just </a:t>
-            </a:r>
-            <a:r>
-              <a:rPr lang="en-US" i="1" dirty="0"/>
-              <a:t>k</a:t>
-            </a:r>
-            <a:r>
-              <a:rPr lang="en-US" dirty="0"/>
-              <a:t> test examples.</a:t>
-            </a:r>
-            <a:br>
-              <a:rPr lang="en-US" dirty="0"/>
-            </a:br>
-            <a:endParaRPr lang="en-US" dirty="0"/>
-          </a:p>
-          <a:p>
-            <a:r>
-              <a:rPr lang="en-US" dirty="0"/>
-              <a:t>Modified gradient descent procedure to project gradient direction for L2-regularized SVM loss onto a “feasible solution cone” such that </a:t>
-            </a:r>
-            <a:r>
-              <a:rPr lang="en-US" u="sng" dirty="0"/>
-              <a:t>no more than</a:t>
-            </a:r>
-            <a:r>
-              <a:rPr lang="en-US" dirty="0"/>
-              <a:t> </a:t>
-            </a:r>
-            <a:r>
-              <a:rPr lang="en-US" i="1" dirty="0"/>
-              <a:t>k</a:t>
-            </a:r>
-            <a:r>
-              <a:rPr lang="en-US" dirty="0"/>
-              <a:t> test examples will be predicted positive after the step.</a:t>
-            </a:r>
-          </a:p>
-        </p:txBody>
-      </p:sp>
-    </p:spTree>
-    <p:extLst>
-      <p:ext uri="{BB962C8B-B14F-4D97-AF65-F5344CB8AC3E}">
-        <p14:creationId xmlns:p14="http://schemas.microsoft.com/office/powerpoint/2010/main" val="94907443"/>
-      </p:ext>
-    </p:extLst>
-  </p:cSld>
-  <p:clrMapOvr>
-    <a:masterClrMapping/>
-  </p:clrMapOvr>
-</p:sld>
-</file>
-
-<file path=ppt/slides/slide37.xml><?xml version="1.0" encoding="utf-8"?>
-<p:sld xmlns:a="http://schemas.openxmlformats.org/drawingml/2006/main" xmlns:r="http://schemas.openxmlformats.org/officeDocument/2006/relationships" xmlns:p="http://schemas.openxmlformats.org/presentationml/2006/main">
-  <p:cSld>
-    <p:spTree>
-      <p:nvGrpSpPr>
-        <p:cNvPr id="1" name=""/>
-        <p:cNvGrpSpPr/>
-        <p:nvPr/>
-      </p:nvGrpSpPr>
-      <p:grpSpPr>
-        <a:xfrm>
-          <a:off x="0" y="0"/>
-          <a:ext cx="0" cy="0"/>
-          <a:chOff x="0" y="0"/>
-          <a:chExt cx="0" cy="0"/>
-        </a:xfrm>
-      </p:grpSpPr>
-      <p:sp>
-        <p:nvSpPr>
-          <p:cNvPr id="3" name="Title 2">
-            <a:extLst>
-              <a:ext uri="{FF2B5EF4-FFF2-40B4-BE49-F238E27FC236}">
-                <a16:creationId xmlns:a16="http://schemas.microsoft.com/office/drawing/2014/main" id="{9323871C-7CA8-1448-8FFC-1AE6E1838941}"/>
-              </a:ext>
-            </a:extLst>
-          </p:cNvPr>
-          <p:cNvSpPr>
-            <a:spLocks noGrp="1"/>
-          </p:cNvSpPr>
-          <p:nvPr>
-            <p:ph type="title"/>
-          </p:nvPr>
-        </p:nvSpPr>
-        <p:spPr/>
-        <p:txBody>
-          <a:bodyPr/>
-          <a:lstStyle/>
-          <a:p>
-            <a:r>
-              <a:rPr lang="en-US" dirty="0"/>
-              <a:t>Some Open Research Questions</a:t>
-            </a:r>
-          </a:p>
-        </p:txBody>
-      </p:sp>
-      <p:pic>
-        <p:nvPicPr>
-          <p:cNvPr id="2" name="Picture 1">
-            <a:extLst>
-              <a:ext uri="{FF2B5EF4-FFF2-40B4-BE49-F238E27FC236}">
-                <a16:creationId xmlns:a16="http://schemas.microsoft.com/office/drawing/2014/main" id="{23F8960D-806C-F441-9A23-1578C38467D8}"/>
-              </a:ext>
-            </a:extLst>
-          </p:cNvPr>
-          <p:cNvPicPr>
-            <a:picLocks noChangeAspect="1"/>
-          </p:cNvPicPr>
-          <p:nvPr/>
-        </p:nvPicPr>
-        <p:blipFill>
-          <a:blip r:embed="rId2"/>
-          <a:stretch>
-            <a:fillRect/>
-          </a:stretch>
-        </p:blipFill>
-        <p:spPr>
-          <a:xfrm>
-            <a:off x="2749550" y="1371600"/>
-            <a:ext cx="6692900" cy="4114800"/>
-          </a:xfrm>
-          <a:prstGeom prst="rect">
-            <a:avLst/>
-          </a:prstGeom>
-        </p:spPr>
-      </p:pic>
-    </p:spTree>
-    <p:extLst>
-      <p:ext uri="{BB962C8B-B14F-4D97-AF65-F5344CB8AC3E}">
-        <p14:creationId xmlns:p14="http://schemas.microsoft.com/office/powerpoint/2010/main" val="1715242992"/>
-      </p:ext>
-    </p:extLst>
-  </p:cSld>
-  <p:clrMapOvr>
-    <a:masterClrMapping/>
-  </p:clrMapOvr>
-</p:sld>
-</file>
-
-<file path=ppt/slides/slide38.xml><?xml version="1.0" encoding="utf-8"?>
-<p:sld xmlns:a="http://schemas.openxmlformats.org/drawingml/2006/main" xmlns:r="http://schemas.openxmlformats.org/officeDocument/2006/relationships" xmlns:p="http://schemas.openxmlformats.org/presentationml/2006/main">
-  <p:cSld>
-    <p:spTree>
-      <p:nvGrpSpPr>
-        <p:cNvPr id="1" name=""/>
-        <p:cNvGrpSpPr/>
-        <p:nvPr/>
-      </p:nvGrpSpPr>
-      <p:grpSpPr>
-        <a:xfrm>
-          <a:off x="0" y="0"/>
-          <a:ext cx="0" cy="0"/>
-          <a:chOff x="0" y="0"/>
-          <a:chExt cx="0" cy="0"/>
-        </a:xfrm>
-      </p:grpSpPr>
-      <p:sp>
-        <p:nvSpPr>
-          <p:cNvPr id="3" name="Title 2">
-            <a:extLst>
-              <a:ext uri="{FF2B5EF4-FFF2-40B4-BE49-F238E27FC236}">
-                <a16:creationId xmlns:a16="http://schemas.microsoft.com/office/drawing/2014/main" id="{9323871C-7CA8-1448-8FFC-1AE6E1838941}"/>
-              </a:ext>
-            </a:extLst>
-          </p:cNvPr>
-          <p:cNvSpPr>
-            <a:spLocks noGrp="1"/>
-          </p:cNvSpPr>
-          <p:nvPr>
-            <p:ph type="title"/>
-          </p:nvPr>
-        </p:nvSpPr>
-        <p:spPr/>
-        <p:txBody>
-          <a:bodyPr/>
-          <a:lstStyle/>
-          <a:p>
-            <a:r>
-              <a:rPr lang="en-US" dirty="0"/>
-              <a:t>Some Open Research Questions</a:t>
-            </a:r>
-          </a:p>
-        </p:txBody>
-      </p:sp>
-      <p:sp>
-        <p:nvSpPr>
-          <p:cNvPr id="4" name="Text Placeholder 3">
-            <a:extLst>
-              <a:ext uri="{FF2B5EF4-FFF2-40B4-BE49-F238E27FC236}">
-                <a16:creationId xmlns:a16="http://schemas.microsoft.com/office/drawing/2014/main" id="{5E600BA7-FA45-884F-9820-9E5F2CB7AA48}"/>
-              </a:ext>
-            </a:extLst>
-          </p:cNvPr>
-          <p:cNvSpPr>
-            <a:spLocks noGrp="1"/>
-          </p:cNvSpPr>
-          <p:nvPr>
-            <p:ph type="body" idx="1"/>
-          </p:nvPr>
-        </p:nvSpPr>
-        <p:spPr>
-          <a:xfrm>
-            <a:off x="415600" y="1219133"/>
-            <a:ext cx="11360700" cy="5234804"/>
-          </a:xfrm>
-        </p:spPr>
-        <p:txBody>
-          <a:bodyPr/>
-          <a:lstStyle/>
-          <a:p>
-            <a:pPr marL="76200" indent="0">
-              <a:buNone/>
-            </a:pPr>
-            <a:r>
-              <a:rPr lang="en-US" dirty="0"/>
-              <a:t>Paper shows improvements on synthetic examples and some “standard” datasets, but still more to investigate:</a:t>
-            </a:r>
-            <a:br>
-              <a:rPr lang="en-US" dirty="0"/>
-            </a:br>
-            <a:endParaRPr lang="en-US" dirty="0"/>
-          </a:p>
-          <a:p>
-            <a:r>
-              <a:rPr lang="en-US" dirty="0"/>
-              <a:t>Can be slow to converge on larger datasets</a:t>
-            </a:r>
-            <a:br>
-              <a:rPr lang="en-US" dirty="0"/>
-            </a:br>
-            <a:endParaRPr lang="en-US" dirty="0"/>
-          </a:p>
-          <a:p>
-            <a:r>
-              <a:rPr lang="en-US" dirty="0"/>
-              <a:t>“At most” </a:t>
-            </a:r>
-            <a:r>
-              <a:rPr lang="en-US" i="1" dirty="0"/>
-              <a:t>k</a:t>
-            </a:r>
-            <a:r>
-              <a:rPr lang="en-US" dirty="0"/>
-              <a:t> examples can yield many fewer than the desired </a:t>
-            </a:r>
-            <a:r>
-              <a:rPr lang="en-US" i="1" dirty="0"/>
-              <a:t>k</a:t>
-            </a:r>
-            <a:r>
-              <a:rPr lang="en-US" dirty="0"/>
-              <a:t>, particularly for rare events (why doesn’t the algorithm target </a:t>
-            </a:r>
-            <a:r>
-              <a:rPr lang="en-US" i="1" dirty="0"/>
-              <a:t>exactly k</a:t>
-            </a:r>
-            <a:r>
-              <a:rPr lang="en-US" dirty="0"/>
-              <a:t>?)</a:t>
-            </a:r>
-            <a:br>
-              <a:rPr lang="en-US" dirty="0"/>
-            </a:br>
-            <a:endParaRPr lang="en-US" dirty="0"/>
-          </a:p>
-          <a:p>
-            <a:r>
-              <a:rPr lang="en-US" dirty="0"/>
-              <a:t> Although creating a “top k” boundary, still penalizes false positives and false negatives equally during optimization</a:t>
-            </a:r>
-            <a:br>
-              <a:rPr lang="en-US" dirty="0"/>
-            </a:br>
-            <a:endParaRPr lang="en-US" dirty="0"/>
-          </a:p>
-          <a:p>
-            <a:r>
-              <a:rPr lang="en-US" dirty="0"/>
-              <a:t>Can we do better at the top, even if we don’t have access to the test list?</a:t>
-            </a:r>
-          </a:p>
-        </p:txBody>
-      </p:sp>
-    </p:spTree>
-    <p:extLst>
-      <p:ext uri="{BB962C8B-B14F-4D97-AF65-F5344CB8AC3E}">
-        <p14:creationId xmlns:p14="http://schemas.microsoft.com/office/powerpoint/2010/main" val="4118118316"/>
-      </p:ext>
-    </p:extLst>
-  </p:cSld>
-  <p:clrMapOvr>
-    <a:masterClrMapping/>
-  </p:clrMapOvr>
-</p:sld>
-</file>
-
-<file path=ppt/slides/slide39.xml><?xml version="1.0" encoding="utf-8"?>
-<p:sld xmlns:a="http://schemas.openxmlformats.org/drawingml/2006/main" xmlns:r="http://schemas.openxmlformats.org/officeDocument/2006/relationships" xmlns:p="http://schemas.openxmlformats.org/presentationml/2006/main">
-  <p:cSld>
-    <p:spTree>
-      <p:nvGrpSpPr>
-        <p:cNvPr id="1" name=""/>
-        <p:cNvGrpSpPr/>
-        <p:nvPr/>
-      </p:nvGrpSpPr>
-      <p:grpSpPr>
-        <a:xfrm>
-          <a:off x="0" y="0"/>
-          <a:ext cx="0" cy="0"/>
-          <a:chOff x="0" y="0"/>
-          <a:chExt cx="0" cy="0"/>
-        </a:xfrm>
-      </p:grpSpPr>
-      <p:sp>
-        <p:nvSpPr>
-          <p:cNvPr id="3" name="Title 2">
-            <a:extLst>
-              <a:ext uri="{FF2B5EF4-FFF2-40B4-BE49-F238E27FC236}">
-                <a16:creationId xmlns:a16="http://schemas.microsoft.com/office/drawing/2014/main" id="{9323871C-7CA8-1448-8FFC-1AE6E1838941}"/>
-              </a:ext>
-            </a:extLst>
-          </p:cNvPr>
-          <p:cNvSpPr>
-            <a:spLocks noGrp="1"/>
-          </p:cNvSpPr>
-          <p:nvPr>
-            <p:ph type="title"/>
-          </p:nvPr>
-        </p:nvSpPr>
-        <p:spPr/>
-        <p:txBody>
-          <a:bodyPr/>
-          <a:lstStyle/>
-          <a:p>
-            <a:r>
-              <a:rPr lang="en-US" dirty="0"/>
-              <a:t>Reminders</a:t>
-            </a:r>
-          </a:p>
-        </p:txBody>
-      </p:sp>
-      <p:sp>
-        <p:nvSpPr>
-          <p:cNvPr id="5" name="Text Placeholder 4">
-            <a:extLst>
-              <a:ext uri="{FF2B5EF4-FFF2-40B4-BE49-F238E27FC236}">
-                <a16:creationId xmlns:a16="http://schemas.microsoft.com/office/drawing/2014/main" id="{F4E0A5F0-1D89-954D-91FB-596CD9E690F2}"/>
-              </a:ext>
-            </a:extLst>
-          </p:cNvPr>
-          <p:cNvSpPr>
-            <a:spLocks noGrp="1"/>
-          </p:cNvSpPr>
-          <p:nvPr>
-            <p:ph type="body" idx="1"/>
-          </p:nvPr>
-        </p:nvSpPr>
-        <p:spPr/>
-        <p:txBody>
-          <a:bodyPr/>
-          <a:lstStyle/>
-          <a:p>
-            <a:pPr marL="76200" indent="0">
-              <a:buNone/>
-            </a:pPr>
-            <a:r>
-              <a:rPr lang="en-US" b="1" dirty="0"/>
-              <a:t>This week:</a:t>
-            </a:r>
-            <a:endParaRPr lang="en-US" dirty="0"/>
-          </a:p>
-          <a:p>
-            <a:r>
-              <a:rPr lang="en-US" dirty="0"/>
-              <a:t>Project check-in on Wednesday</a:t>
-            </a:r>
-          </a:p>
-          <a:p>
-            <a:r>
-              <a:rPr lang="en-US" dirty="0"/>
-              <a:t>Group work on Thursday</a:t>
-            </a:r>
-          </a:p>
-          <a:p>
-            <a:pPr marL="76200" indent="0">
-              <a:buNone/>
-            </a:pPr>
-            <a:endParaRPr lang="en-US" dirty="0"/>
-          </a:p>
-          <a:p>
-            <a:pPr marL="76200" indent="0">
-              <a:buNone/>
-            </a:pPr>
-            <a:r>
-              <a:rPr lang="en-US" b="1" dirty="0"/>
-              <a:t>Coming up next week:</a:t>
-            </a:r>
-          </a:p>
-          <a:p>
-            <a:r>
-              <a:rPr lang="en-US" dirty="0"/>
-              <a:t>Due </a:t>
-            </a:r>
-            <a:r>
-              <a:rPr lang="en-US" b="1" dirty="0"/>
-              <a:t>Monday</a:t>
-            </a:r>
-            <a:r>
-              <a:rPr lang="en-US" dirty="0"/>
-              <a:t>: </a:t>
-            </a:r>
-            <a:r>
-              <a:rPr lang="en-US" dirty="0">
-                <a:hlinkClick r:id="rId2"/>
-              </a:rPr>
-              <a:t>update assignment</a:t>
-            </a:r>
-            <a:r>
-              <a:rPr lang="en-US" dirty="0"/>
-              <a:t> (and revisions from last week)</a:t>
-            </a:r>
-          </a:p>
-          <a:p>
-            <a:r>
-              <a:rPr lang="en-US" dirty="0"/>
-              <a:t>Reading for Tuesday</a:t>
-            </a:r>
-          </a:p>
-          <a:p>
-            <a:pPr marL="76200" indent="0">
-              <a:buNone/>
-            </a:pPr>
-            <a:endParaRPr lang="en-US" dirty="0"/>
-          </a:p>
-          <a:p>
-            <a:pPr marL="76200" indent="0">
-              <a:buNone/>
-            </a:pPr>
-            <a:r>
-              <a:rPr lang="en-US" b="1" dirty="0"/>
-              <a:t>Coming up the following week:</a:t>
-            </a:r>
-          </a:p>
-          <a:p>
-            <a:r>
-              <a:rPr lang="en-US" dirty="0"/>
-              <a:t>Midterm Project Progress Presentations</a:t>
-            </a:r>
-          </a:p>
-        </p:txBody>
-      </p:sp>
-    </p:spTree>
-    <p:extLst>
-      <p:ext uri="{BB962C8B-B14F-4D97-AF65-F5344CB8AC3E}">
-        <p14:creationId xmlns:p14="http://schemas.microsoft.com/office/powerpoint/2010/main" val="3654034958"/>
-      </p:ext>
-    </p:extLst>
-  </p:cSld>
-  <p:clrMapOvr>
-    <a:masterClrMapping/>
-  </p:clrMapOvr>
-</p:sld>
-</file>
-
-<file path=ppt/slides/slide4.xml><?xml version="1.0" encoding="utf-8"?>
-<p:sld xmlns:a="http://schemas.openxmlformats.org/drawingml/2006/main" xmlns:r="http://schemas.openxmlformats.org/officeDocument/2006/relationships" xmlns:p="http://schemas.openxmlformats.org/presentationml/2006/main">
-  <p:cSld>
-    <p:spTree>
-      <p:nvGrpSpPr>
-        <p:cNvPr id="1" name=""/>
-        <p:cNvGrpSpPr/>
-        <p:nvPr/>
-      </p:nvGrpSpPr>
-      <p:grpSpPr>
-        <a:xfrm>
-          <a:off x="0" y="0"/>
-          <a:ext cx="0" cy="0"/>
-          <a:chOff x="0" y="0"/>
-          <a:chExt cx="0" cy="0"/>
-        </a:xfrm>
-      </p:grpSpPr>
-      <p:sp>
-        <p:nvSpPr>
-          <p:cNvPr id="2" name="Title 1">
-            <a:extLst>
-              <a:ext uri="{FF2B5EF4-FFF2-40B4-BE49-F238E27FC236}">
-                <a16:creationId xmlns:a16="http://schemas.microsoft.com/office/drawing/2014/main" id="{A073B702-ED77-884E-88F7-92D73313F38D}"/>
-              </a:ext>
-            </a:extLst>
-          </p:cNvPr>
-          <p:cNvSpPr>
-            <a:spLocks noGrp="1"/>
-          </p:cNvSpPr>
-          <p:nvPr>
-            <p:ph type="title"/>
-          </p:nvPr>
-        </p:nvSpPr>
-        <p:spPr/>
-        <p:txBody>
-          <a:bodyPr/>
-          <a:lstStyle/>
-          <a:p>
-            <a:r>
-              <a:rPr lang="en-US" dirty="0"/>
-              <a:t>Plan for the week</a:t>
-            </a:r>
-          </a:p>
-        </p:txBody>
-      </p:sp>
-      <p:sp>
-        <p:nvSpPr>
-          <p:cNvPr id="3" name="Text Placeholder 2">
-            <a:extLst>
-              <a:ext uri="{FF2B5EF4-FFF2-40B4-BE49-F238E27FC236}">
-                <a16:creationId xmlns:a16="http://schemas.microsoft.com/office/drawing/2014/main" id="{7861BAD4-F7FB-1D48-9D37-2273592A75CE}"/>
-              </a:ext>
-            </a:extLst>
-          </p:cNvPr>
-          <p:cNvSpPr>
-            <a:spLocks noGrp="1"/>
-          </p:cNvSpPr>
-          <p:nvPr>
-            <p:ph type="body" idx="1"/>
-          </p:nvPr>
-        </p:nvSpPr>
-        <p:spPr/>
-        <p:txBody>
-          <a:bodyPr/>
-          <a:lstStyle/>
-          <a:p>
-            <a:r>
-              <a:rPr lang="en-US" dirty="0"/>
-              <a:t>What you should be discussing this week within your team</a:t>
-            </a:r>
-          </a:p>
-          <a:p>
-            <a:pPr lvl="1"/>
-            <a:r>
-              <a:rPr lang="en-US" dirty="0"/>
-              <a:t>Refining pipeline structure</a:t>
-            </a:r>
-          </a:p>
-          <a:p>
-            <a:pPr lvl="1"/>
-            <a:r>
-              <a:rPr lang="en-US" dirty="0"/>
-              <a:t>Features you want to build</a:t>
-            </a:r>
-          </a:p>
-          <a:p>
-            <a:pPr lvl="1"/>
-            <a:endParaRPr lang="en-US" dirty="0"/>
-          </a:p>
-          <a:p>
-            <a:r>
-              <a:rPr lang="en-US" dirty="0"/>
-              <a:t>What you should be building this week</a:t>
-            </a:r>
-          </a:p>
-          <a:p>
-            <a:pPr lvl="1"/>
-            <a:r>
-              <a:rPr lang="en-US" dirty="0"/>
-              <a:t>Pipeline updates based on feedback from Wednesday</a:t>
-            </a:r>
-          </a:p>
-          <a:p>
-            <a:pPr lvl="1"/>
-            <a:r>
-              <a:rPr lang="en-US" dirty="0"/>
-              <a:t>Iterating on code for validation splits, model grid, feature sets</a:t>
-            </a:r>
-          </a:p>
-        </p:txBody>
-      </p:sp>
-    </p:spTree>
-    <p:extLst>
-      <p:ext uri="{BB962C8B-B14F-4D97-AF65-F5344CB8AC3E}">
-        <p14:creationId xmlns:p14="http://schemas.microsoft.com/office/powerpoint/2010/main" val="4125266482"/>
-      </p:ext>
-    </p:extLst>
-  </p:cSld>
-  <p:clrMapOvr>
-    <a:masterClrMapping/>
-  </p:clrMapOvr>
-</p:sld>
-</file>
-
-<file path=ppt/slides/slide5.xml><?xml version="1.0" encoding="utf-8"?>
+<file path=ppt/slides/slide3.xml><?xml version="1.0" encoding="utf-8"?>
 <p:sld xmlns:a="http://schemas.openxmlformats.org/drawingml/2006/main" xmlns:r="http://schemas.openxmlformats.org/officeDocument/2006/relationships" xmlns:p="http://schemas.openxmlformats.org/presentationml/2006/main">
   <p:cSld>
     <p:spTree>
@@ -19615,7 +19348,1135 @@
 </p:sld>
 </file>
 
-<file path=ppt/slides/slide6.xml><?xml version="1.0" encoding="utf-8"?>
+<file path=ppt/slides/slide30.xml><?xml version="1.0" encoding="utf-8"?>
+<p:sld xmlns:a="http://schemas.openxmlformats.org/drawingml/2006/main" xmlns:r="http://schemas.openxmlformats.org/officeDocument/2006/relationships" xmlns:p="http://schemas.openxmlformats.org/presentationml/2006/main">
+  <p:cSld>
+    <p:spTree>
+      <p:nvGrpSpPr>
+        <p:cNvPr id="1" name="Shape 448"/>
+        <p:cNvGrpSpPr/>
+        <p:nvPr/>
+      </p:nvGrpSpPr>
+      <p:grpSpPr>
+        <a:xfrm>
+          <a:off x="0" y="0"/>
+          <a:ext cx="0" cy="0"/>
+          <a:chOff x="0" y="0"/>
+          <a:chExt cx="0" cy="0"/>
+        </a:xfrm>
+      </p:grpSpPr>
+      <p:sp>
+        <p:nvSpPr>
+          <p:cNvPr id="449" name="Google Shape;449;p42"/>
+          <p:cNvSpPr txBox="1">
+            <a:spLocks noGrp="1"/>
+          </p:cNvSpPr>
+          <p:nvPr>
+            <p:ph type="title"/>
+          </p:nvPr>
+        </p:nvSpPr>
+        <p:spPr>
+          <a:prstGeom prst="rect">
+            <a:avLst/>
+          </a:prstGeom>
+        </p:spPr>
+        <p:txBody>
+          <a:bodyPr spcFirstLastPara="1" wrap="square" lIns="121900" tIns="60933" rIns="121900" bIns="60933" anchor="ctr" anchorCtr="0">
+            <a:noAutofit/>
+          </a:bodyPr>
+          <a:lstStyle/>
+          <a:p>
+            <a:r>
+              <a:rPr lang="en" dirty="0"/>
+              <a:t>Model Selection</a:t>
+            </a:r>
+            <a:endParaRPr sz="4000" b="1" dirty="0">
+              <a:latin typeface="Roboto"/>
+              <a:ea typeface="Roboto"/>
+              <a:cs typeface="Roboto"/>
+              <a:sym typeface="Roboto"/>
+            </a:endParaRPr>
+          </a:p>
+        </p:txBody>
+      </p:sp>
+      <p:pic>
+        <p:nvPicPr>
+          <p:cNvPr id="5" name="Picture 4">
+            <a:extLst>
+              <a:ext uri="{FF2B5EF4-FFF2-40B4-BE49-F238E27FC236}">
+                <a16:creationId xmlns:a16="http://schemas.microsoft.com/office/drawing/2014/main" id="{53338CC3-6BEE-A749-BCD5-ABD29A667234}"/>
+              </a:ext>
+            </a:extLst>
+          </p:cNvPr>
+          <p:cNvPicPr>
+            <a:picLocks noChangeAspect="1"/>
+          </p:cNvPicPr>
+          <p:nvPr/>
+        </p:nvPicPr>
+        <p:blipFill>
+          <a:blip r:embed="rId3"/>
+          <a:stretch>
+            <a:fillRect/>
+          </a:stretch>
+        </p:blipFill>
+        <p:spPr>
+          <a:xfrm>
+            <a:off x="1479500" y="1244600"/>
+            <a:ext cx="9232900" cy="5130800"/>
+          </a:xfrm>
+          <a:prstGeom prst="rect">
+            <a:avLst/>
+          </a:prstGeom>
+        </p:spPr>
+      </p:pic>
+    </p:spTree>
+    <p:extLst>
+      <p:ext uri="{BB962C8B-B14F-4D97-AF65-F5344CB8AC3E}">
+        <p14:creationId xmlns:p14="http://schemas.microsoft.com/office/powerpoint/2010/main" val="639890484"/>
+      </p:ext>
+    </p:extLst>
+  </p:cSld>
+  <p:clrMapOvr>
+    <a:masterClrMapping/>
+  </p:clrMapOvr>
+</p:sld>
+</file>
+
+<file path=ppt/slides/slide31.xml><?xml version="1.0" encoding="utf-8"?>
+<p:sld xmlns:a="http://schemas.openxmlformats.org/drawingml/2006/main" xmlns:r="http://schemas.openxmlformats.org/officeDocument/2006/relationships" xmlns:p="http://schemas.openxmlformats.org/presentationml/2006/main">
+  <p:cSld>
+    <p:spTree>
+      <p:nvGrpSpPr>
+        <p:cNvPr id="1" name="Shape 448"/>
+        <p:cNvGrpSpPr/>
+        <p:nvPr/>
+      </p:nvGrpSpPr>
+      <p:grpSpPr>
+        <a:xfrm>
+          <a:off x="0" y="0"/>
+          <a:ext cx="0" cy="0"/>
+          <a:chOff x="0" y="0"/>
+          <a:chExt cx="0" cy="0"/>
+        </a:xfrm>
+      </p:grpSpPr>
+      <p:sp>
+        <p:nvSpPr>
+          <p:cNvPr id="449" name="Google Shape;449;p42"/>
+          <p:cNvSpPr txBox="1">
+            <a:spLocks noGrp="1"/>
+          </p:cNvSpPr>
+          <p:nvPr>
+            <p:ph type="title"/>
+          </p:nvPr>
+        </p:nvSpPr>
+        <p:spPr>
+          <a:prstGeom prst="rect">
+            <a:avLst/>
+          </a:prstGeom>
+        </p:spPr>
+        <p:txBody>
+          <a:bodyPr spcFirstLastPara="1" wrap="square" lIns="121900" tIns="60933" rIns="121900" bIns="60933" anchor="ctr" anchorCtr="0">
+            <a:noAutofit/>
+          </a:bodyPr>
+          <a:lstStyle/>
+          <a:p>
+            <a:r>
+              <a:rPr lang="en" dirty="0"/>
+              <a:t>Model Selection</a:t>
+            </a:r>
+            <a:endParaRPr sz="4000" b="1" dirty="0">
+              <a:latin typeface="Roboto"/>
+              <a:ea typeface="Roboto"/>
+              <a:cs typeface="Roboto"/>
+              <a:sym typeface="Roboto"/>
+            </a:endParaRPr>
+          </a:p>
+        </p:txBody>
+      </p:sp>
+      <p:pic>
+        <p:nvPicPr>
+          <p:cNvPr id="6" name="Picture 5">
+            <a:extLst>
+              <a:ext uri="{FF2B5EF4-FFF2-40B4-BE49-F238E27FC236}">
+                <a16:creationId xmlns:a16="http://schemas.microsoft.com/office/drawing/2014/main" id="{32C95DA2-D7F5-B749-BD59-C217AF31861D}"/>
+              </a:ext>
+            </a:extLst>
+          </p:cNvPr>
+          <p:cNvPicPr>
+            <a:picLocks noChangeAspect="1"/>
+          </p:cNvPicPr>
+          <p:nvPr/>
+        </p:nvPicPr>
+        <p:blipFill>
+          <a:blip r:embed="rId3"/>
+          <a:stretch>
+            <a:fillRect/>
+          </a:stretch>
+        </p:blipFill>
+        <p:spPr>
+          <a:xfrm>
+            <a:off x="3048000" y="1530928"/>
+            <a:ext cx="6096000" cy="4572000"/>
+          </a:xfrm>
+          <a:prstGeom prst="rect">
+            <a:avLst/>
+          </a:prstGeom>
+        </p:spPr>
+      </p:pic>
+    </p:spTree>
+    <p:extLst>
+      <p:ext uri="{BB962C8B-B14F-4D97-AF65-F5344CB8AC3E}">
+        <p14:creationId xmlns:p14="http://schemas.microsoft.com/office/powerpoint/2010/main" val="2635062933"/>
+      </p:ext>
+    </p:extLst>
+  </p:cSld>
+  <p:clrMapOvr>
+    <a:masterClrMapping/>
+  </p:clrMapOvr>
+</p:sld>
+</file>
+
+<file path=ppt/slides/slide32.xml><?xml version="1.0" encoding="utf-8"?>
+<p:sld xmlns:a="http://schemas.openxmlformats.org/drawingml/2006/main" xmlns:r="http://schemas.openxmlformats.org/officeDocument/2006/relationships" xmlns:p="http://schemas.openxmlformats.org/presentationml/2006/main">
+  <p:cSld>
+    <p:spTree>
+      <p:nvGrpSpPr>
+        <p:cNvPr id="1" name="Shape 448"/>
+        <p:cNvGrpSpPr/>
+        <p:nvPr/>
+      </p:nvGrpSpPr>
+      <p:grpSpPr>
+        <a:xfrm>
+          <a:off x="0" y="0"/>
+          <a:ext cx="0" cy="0"/>
+          <a:chOff x="0" y="0"/>
+          <a:chExt cx="0" cy="0"/>
+        </a:xfrm>
+      </p:grpSpPr>
+      <p:sp>
+        <p:nvSpPr>
+          <p:cNvPr id="449" name="Google Shape;449;p42"/>
+          <p:cNvSpPr txBox="1">
+            <a:spLocks noGrp="1"/>
+          </p:cNvSpPr>
+          <p:nvPr>
+            <p:ph type="title"/>
+          </p:nvPr>
+        </p:nvSpPr>
+        <p:spPr>
+          <a:prstGeom prst="rect">
+            <a:avLst/>
+          </a:prstGeom>
+        </p:spPr>
+        <p:txBody>
+          <a:bodyPr spcFirstLastPara="1" wrap="square" lIns="121900" tIns="60933" rIns="121900" bIns="60933" anchor="ctr" anchorCtr="0">
+            <a:noAutofit/>
+          </a:bodyPr>
+          <a:lstStyle/>
+          <a:p>
+            <a:r>
+              <a:rPr lang="en" dirty="0"/>
+              <a:t>Model Selection</a:t>
+            </a:r>
+            <a:endParaRPr sz="4000" b="1" dirty="0">
+              <a:latin typeface="Roboto"/>
+              <a:ea typeface="Roboto"/>
+              <a:cs typeface="Roboto"/>
+              <a:sym typeface="Roboto"/>
+            </a:endParaRPr>
+          </a:p>
+        </p:txBody>
+      </p:sp>
+      <p:pic>
+        <p:nvPicPr>
+          <p:cNvPr id="2" name="Picture 1">
+            <a:extLst>
+              <a:ext uri="{FF2B5EF4-FFF2-40B4-BE49-F238E27FC236}">
+                <a16:creationId xmlns:a16="http://schemas.microsoft.com/office/drawing/2014/main" id="{FFF52808-3577-AE47-8BC1-F03230A0569A}"/>
+              </a:ext>
+            </a:extLst>
+          </p:cNvPr>
+          <p:cNvPicPr>
+            <a:picLocks noChangeAspect="1"/>
+          </p:cNvPicPr>
+          <p:nvPr/>
+        </p:nvPicPr>
+        <p:blipFill>
+          <a:blip r:embed="rId3"/>
+          <a:stretch>
+            <a:fillRect/>
+          </a:stretch>
+        </p:blipFill>
+        <p:spPr>
+          <a:xfrm>
+            <a:off x="6791435" y="1579418"/>
+            <a:ext cx="4984865" cy="4895850"/>
+          </a:xfrm>
+          <a:prstGeom prst="rect">
+            <a:avLst/>
+          </a:prstGeom>
+        </p:spPr>
+      </p:pic>
+      <p:sp>
+        <p:nvSpPr>
+          <p:cNvPr id="7" name="Google Shape;456;p43">
+            <a:extLst>
+              <a:ext uri="{FF2B5EF4-FFF2-40B4-BE49-F238E27FC236}">
+                <a16:creationId xmlns:a16="http://schemas.microsoft.com/office/drawing/2014/main" id="{B4064D34-B361-0E4D-8737-66CD434AB320}"/>
+              </a:ext>
+            </a:extLst>
+          </p:cNvPr>
+          <p:cNvSpPr txBox="1">
+            <a:spLocks noGrp="1"/>
+          </p:cNvSpPr>
+          <p:nvPr>
+            <p:ph type="body" idx="1"/>
+          </p:nvPr>
+        </p:nvSpPr>
+        <p:spPr>
+          <a:xfrm>
+            <a:off x="415600" y="1260768"/>
+            <a:ext cx="6375835" cy="5174672"/>
+          </a:xfrm>
+          <a:prstGeom prst="rect">
+            <a:avLst/>
+          </a:prstGeom>
+        </p:spPr>
+        <p:txBody>
+          <a:bodyPr spcFirstLastPara="1" wrap="square" lIns="121900" tIns="60933" rIns="121900" bIns="60933" anchor="t" anchorCtr="0">
+            <a:noAutofit/>
+          </a:bodyPr>
+          <a:lstStyle/>
+          <a:p>
+            <a:pPr indent="-474121">
+              <a:buSzPts val="2000"/>
+            </a:pPr>
+            <a:r>
+              <a:rPr lang="en" sz="2667" dirty="0"/>
+              <a:t>May not be obvious which strategy / model specification is “best”</a:t>
+            </a:r>
+            <a:br>
+              <a:rPr lang="en" sz="2667" dirty="0"/>
+            </a:br>
+            <a:endParaRPr lang="en" sz="2667" dirty="0"/>
+          </a:p>
+          <a:p>
+            <a:pPr indent="-474121">
+              <a:buSzPts val="2000"/>
+            </a:pPr>
+            <a:r>
+              <a:rPr lang="en-US" sz="2667" dirty="0"/>
+              <a:t>Among good candidates, may be instructive to ask how similar or different the lists each strategy would produce are</a:t>
+            </a:r>
+            <a:br>
+              <a:rPr lang="en-US" sz="2667" dirty="0"/>
+            </a:br>
+            <a:endParaRPr lang="en-US" sz="2667" dirty="0"/>
+          </a:p>
+          <a:p>
+            <a:pPr indent="-474121">
+              <a:buSzPts val="2000"/>
+            </a:pPr>
+            <a:r>
+              <a:rPr lang="en-US" sz="2667" dirty="0"/>
+              <a:t>May ultimately want to deploy (or at least test) a strategy that combines across several specifications</a:t>
+            </a:r>
+            <a:endParaRPr sz="2667" dirty="0"/>
+          </a:p>
+        </p:txBody>
+      </p:sp>
+    </p:spTree>
+    <p:extLst>
+      <p:ext uri="{BB962C8B-B14F-4D97-AF65-F5344CB8AC3E}">
+        <p14:creationId xmlns:p14="http://schemas.microsoft.com/office/powerpoint/2010/main" val="1168641203"/>
+      </p:ext>
+    </p:extLst>
+  </p:cSld>
+  <p:clrMapOvr>
+    <a:masterClrMapping/>
+  </p:clrMapOvr>
+</p:sld>
+</file>
+
+<file path=ppt/slides/slide33.xml><?xml version="1.0" encoding="utf-8"?>
+<p:sld xmlns:a="http://schemas.openxmlformats.org/drawingml/2006/main" xmlns:r="http://schemas.openxmlformats.org/officeDocument/2006/relationships" xmlns:p="http://schemas.openxmlformats.org/presentationml/2006/main">
+  <p:cSld>
+    <p:spTree>
+      <p:nvGrpSpPr>
+        <p:cNvPr id="1" name=""/>
+        <p:cNvGrpSpPr/>
+        <p:nvPr/>
+      </p:nvGrpSpPr>
+      <p:grpSpPr>
+        <a:xfrm>
+          <a:off x="0" y="0"/>
+          <a:ext cx="0" cy="0"/>
+          <a:chOff x="0" y="0"/>
+          <a:chExt cx="0" cy="0"/>
+        </a:xfrm>
+      </p:grpSpPr>
+      <p:sp>
+        <p:nvSpPr>
+          <p:cNvPr id="3" name="Title 2">
+            <a:extLst>
+              <a:ext uri="{FF2B5EF4-FFF2-40B4-BE49-F238E27FC236}">
+                <a16:creationId xmlns:a16="http://schemas.microsoft.com/office/drawing/2014/main" id="{9323871C-7CA8-1448-8FFC-1AE6E1838941}"/>
+              </a:ext>
+            </a:extLst>
+          </p:cNvPr>
+          <p:cNvSpPr>
+            <a:spLocks noGrp="1"/>
+          </p:cNvSpPr>
+          <p:nvPr>
+            <p:ph type="title"/>
+          </p:nvPr>
+        </p:nvSpPr>
+        <p:spPr/>
+        <p:txBody>
+          <a:bodyPr/>
+          <a:lstStyle/>
+          <a:p>
+            <a:r>
+              <a:rPr lang="en-US" dirty="0"/>
+              <a:t>Some Open Research Questions</a:t>
+            </a:r>
+          </a:p>
+        </p:txBody>
+      </p:sp>
+      <p:sp>
+        <p:nvSpPr>
+          <p:cNvPr id="4" name="Text Placeholder 3">
+            <a:extLst>
+              <a:ext uri="{FF2B5EF4-FFF2-40B4-BE49-F238E27FC236}">
+                <a16:creationId xmlns:a16="http://schemas.microsoft.com/office/drawing/2014/main" id="{5E600BA7-FA45-884F-9820-9E5F2CB7AA48}"/>
+              </a:ext>
+            </a:extLst>
+          </p:cNvPr>
+          <p:cNvSpPr>
+            <a:spLocks noGrp="1"/>
+          </p:cNvSpPr>
+          <p:nvPr>
+            <p:ph type="body" idx="1"/>
+          </p:nvPr>
+        </p:nvSpPr>
+        <p:spPr/>
+        <p:txBody>
+          <a:bodyPr/>
+          <a:lstStyle/>
+          <a:p>
+            <a:r>
+              <a:rPr lang="en-US" dirty="0"/>
+              <a:t>What are the conditions under which temporal validation out-performs traditional cross-validation? By how much?</a:t>
+            </a:r>
+            <a:br>
+              <a:rPr lang="en-US" dirty="0"/>
+            </a:br>
+            <a:endParaRPr lang="en-US" dirty="0"/>
+          </a:p>
+          <a:p>
+            <a:r>
+              <a:rPr lang="en-US" dirty="0"/>
+              <a:t>Likewise, what can we learn about how well certain strategies perform in terms of regret under different real-world conditions?</a:t>
+            </a:r>
+            <a:br>
+              <a:rPr lang="en-US" dirty="0"/>
+            </a:br>
+            <a:endParaRPr lang="en-US" dirty="0"/>
+          </a:p>
+          <a:p>
+            <a:r>
+              <a:rPr lang="en-US" dirty="0"/>
+              <a:t>Many problems in policy settings involve resource constraints that require optimization at the top of the list, but few methods optimize for this directly.</a:t>
+            </a:r>
+          </a:p>
+          <a:p>
+            <a:pPr lvl="1"/>
+            <a:r>
+              <a:rPr lang="en-US" dirty="0"/>
+              <a:t>e.g., </a:t>
+            </a:r>
+            <a:r>
+              <a:rPr lang="en-US" dirty="0" err="1"/>
+              <a:t>Transductive</a:t>
+            </a:r>
+            <a:r>
+              <a:rPr lang="en-US" dirty="0"/>
+              <a:t> Top k</a:t>
+            </a:r>
+          </a:p>
+        </p:txBody>
+      </p:sp>
+    </p:spTree>
+    <p:extLst>
+      <p:ext uri="{BB962C8B-B14F-4D97-AF65-F5344CB8AC3E}">
+        <p14:creationId xmlns:p14="http://schemas.microsoft.com/office/powerpoint/2010/main" val="136932352"/>
+      </p:ext>
+    </p:extLst>
+  </p:cSld>
+  <p:clrMapOvr>
+    <a:masterClrMapping/>
+  </p:clrMapOvr>
+</p:sld>
+</file>
+
+<file path=ppt/slides/slide34.xml><?xml version="1.0" encoding="utf-8"?>
+<p:sld xmlns:a="http://schemas.openxmlformats.org/drawingml/2006/main" xmlns:r="http://schemas.openxmlformats.org/officeDocument/2006/relationships" xmlns:p="http://schemas.openxmlformats.org/presentationml/2006/main">
+  <p:cSld>
+    <p:spTree>
+      <p:nvGrpSpPr>
+        <p:cNvPr id="1" name=""/>
+        <p:cNvGrpSpPr/>
+        <p:nvPr/>
+      </p:nvGrpSpPr>
+      <p:grpSpPr>
+        <a:xfrm>
+          <a:off x="0" y="0"/>
+          <a:ext cx="0" cy="0"/>
+          <a:chOff x="0" y="0"/>
+          <a:chExt cx="0" cy="0"/>
+        </a:xfrm>
+      </p:grpSpPr>
+      <p:sp>
+        <p:nvSpPr>
+          <p:cNvPr id="3" name="Title 2">
+            <a:extLst>
+              <a:ext uri="{FF2B5EF4-FFF2-40B4-BE49-F238E27FC236}">
+                <a16:creationId xmlns:a16="http://schemas.microsoft.com/office/drawing/2014/main" id="{9323871C-7CA8-1448-8FFC-1AE6E1838941}"/>
+              </a:ext>
+            </a:extLst>
+          </p:cNvPr>
+          <p:cNvSpPr>
+            <a:spLocks noGrp="1"/>
+          </p:cNvSpPr>
+          <p:nvPr>
+            <p:ph type="title"/>
+          </p:nvPr>
+        </p:nvSpPr>
+        <p:spPr/>
+        <p:txBody>
+          <a:bodyPr/>
+          <a:lstStyle/>
+          <a:p>
+            <a:r>
+              <a:rPr lang="en-US" dirty="0"/>
+              <a:t>Some Open Research Questions</a:t>
+            </a:r>
+          </a:p>
+        </p:txBody>
+      </p:sp>
+      <p:pic>
+        <p:nvPicPr>
+          <p:cNvPr id="6" name="Picture 5">
+            <a:extLst>
+              <a:ext uri="{FF2B5EF4-FFF2-40B4-BE49-F238E27FC236}">
+                <a16:creationId xmlns:a16="http://schemas.microsoft.com/office/drawing/2014/main" id="{4B9B5C17-6333-3542-BF92-961541BDC881}"/>
+              </a:ext>
+            </a:extLst>
+          </p:cNvPr>
+          <p:cNvPicPr>
+            <a:picLocks noChangeAspect="1"/>
+          </p:cNvPicPr>
+          <p:nvPr/>
+        </p:nvPicPr>
+        <p:blipFill>
+          <a:blip r:embed="rId2"/>
+          <a:stretch>
+            <a:fillRect/>
+          </a:stretch>
+        </p:blipFill>
+        <p:spPr>
+          <a:xfrm>
+            <a:off x="1169439" y="1257300"/>
+            <a:ext cx="9853121" cy="5023746"/>
+          </a:xfrm>
+          <a:prstGeom prst="rect">
+            <a:avLst/>
+          </a:prstGeom>
+        </p:spPr>
+      </p:pic>
+    </p:spTree>
+    <p:extLst>
+      <p:ext uri="{BB962C8B-B14F-4D97-AF65-F5344CB8AC3E}">
+        <p14:creationId xmlns:p14="http://schemas.microsoft.com/office/powerpoint/2010/main" val="1478637945"/>
+      </p:ext>
+    </p:extLst>
+  </p:cSld>
+  <p:clrMapOvr>
+    <a:masterClrMapping/>
+  </p:clrMapOvr>
+</p:sld>
+</file>
+
+<file path=ppt/slides/slide35.xml><?xml version="1.0" encoding="utf-8"?>
+<p:sld xmlns:a="http://schemas.openxmlformats.org/drawingml/2006/main" xmlns:r="http://schemas.openxmlformats.org/officeDocument/2006/relationships" xmlns:p="http://schemas.openxmlformats.org/presentationml/2006/main">
+  <p:cSld>
+    <p:spTree>
+      <p:nvGrpSpPr>
+        <p:cNvPr id="1" name=""/>
+        <p:cNvGrpSpPr/>
+        <p:nvPr/>
+      </p:nvGrpSpPr>
+      <p:grpSpPr>
+        <a:xfrm>
+          <a:off x="0" y="0"/>
+          <a:ext cx="0" cy="0"/>
+          <a:chOff x="0" y="0"/>
+          <a:chExt cx="0" cy="0"/>
+        </a:xfrm>
+      </p:grpSpPr>
+      <p:sp>
+        <p:nvSpPr>
+          <p:cNvPr id="3" name="Title 2">
+            <a:extLst>
+              <a:ext uri="{FF2B5EF4-FFF2-40B4-BE49-F238E27FC236}">
+                <a16:creationId xmlns:a16="http://schemas.microsoft.com/office/drawing/2014/main" id="{9323871C-7CA8-1448-8FFC-1AE6E1838941}"/>
+              </a:ext>
+            </a:extLst>
+          </p:cNvPr>
+          <p:cNvSpPr>
+            <a:spLocks noGrp="1"/>
+          </p:cNvSpPr>
+          <p:nvPr>
+            <p:ph type="title"/>
+          </p:nvPr>
+        </p:nvSpPr>
+        <p:spPr/>
+        <p:txBody>
+          <a:bodyPr/>
+          <a:lstStyle/>
+          <a:p>
+            <a:r>
+              <a:rPr lang="en-US" dirty="0"/>
+              <a:t>Some Open Research Questions</a:t>
+            </a:r>
+          </a:p>
+        </p:txBody>
+      </p:sp>
+      <p:sp>
+        <p:nvSpPr>
+          <p:cNvPr id="4" name="Text Placeholder 3">
+            <a:extLst>
+              <a:ext uri="{FF2B5EF4-FFF2-40B4-BE49-F238E27FC236}">
+                <a16:creationId xmlns:a16="http://schemas.microsoft.com/office/drawing/2014/main" id="{5E600BA7-FA45-884F-9820-9E5F2CB7AA48}"/>
+              </a:ext>
+            </a:extLst>
+          </p:cNvPr>
+          <p:cNvSpPr>
+            <a:spLocks noGrp="1"/>
+          </p:cNvSpPr>
+          <p:nvPr>
+            <p:ph type="body" idx="1"/>
+          </p:nvPr>
+        </p:nvSpPr>
+        <p:spPr/>
+        <p:txBody>
+          <a:bodyPr/>
+          <a:lstStyle/>
+          <a:p>
+            <a:r>
+              <a:rPr lang="en-US" dirty="0"/>
+              <a:t>The SVM loss function will find the “best” separating hyperplane overall, but perhaps we could draw a better hyperplane to separate just </a:t>
+            </a:r>
+            <a:r>
+              <a:rPr lang="en-US" i="1" dirty="0"/>
+              <a:t>k</a:t>
+            </a:r>
+            <a:r>
+              <a:rPr lang="en-US" dirty="0"/>
+              <a:t> positive examples?</a:t>
+            </a:r>
+            <a:br>
+              <a:rPr lang="en-US" dirty="0"/>
+            </a:br>
+            <a:endParaRPr lang="en-US" dirty="0"/>
+          </a:p>
+          <a:p>
+            <a:r>
+              <a:rPr lang="en-US" i="1" dirty="0" err="1"/>
+              <a:t>Transductive</a:t>
+            </a:r>
+            <a:r>
+              <a:rPr lang="en-US" dirty="0"/>
+              <a:t> method: needs to be aware of the test set </a:t>
+            </a:r>
+            <a:r>
+              <a:rPr lang="en-US" b="1" dirty="0"/>
+              <a:t>without labels</a:t>
+            </a:r>
+            <a:r>
+              <a:rPr lang="en-US" dirty="0"/>
+              <a:t> to select just </a:t>
+            </a:r>
+            <a:r>
+              <a:rPr lang="en-US" i="1" dirty="0"/>
+              <a:t>k</a:t>
+            </a:r>
+            <a:r>
+              <a:rPr lang="en-US" dirty="0"/>
+              <a:t> test examples.</a:t>
+            </a:r>
+            <a:br>
+              <a:rPr lang="en-US" dirty="0"/>
+            </a:br>
+            <a:endParaRPr lang="en-US" dirty="0"/>
+          </a:p>
+          <a:p>
+            <a:r>
+              <a:rPr lang="en-US" dirty="0"/>
+              <a:t>Modified gradient descent procedure to project gradient direction for L2-regularized SVM loss onto a “feasible solution cone” such that </a:t>
+            </a:r>
+            <a:r>
+              <a:rPr lang="en-US" u="sng" dirty="0"/>
+              <a:t>no more than</a:t>
+            </a:r>
+            <a:r>
+              <a:rPr lang="en-US" dirty="0"/>
+              <a:t> </a:t>
+            </a:r>
+            <a:r>
+              <a:rPr lang="en-US" i="1" dirty="0"/>
+              <a:t>k</a:t>
+            </a:r>
+            <a:r>
+              <a:rPr lang="en-US" dirty="0"/>
+              <a:t> test examples will be predicted positive after the step.</a:t>
+            </a:r>
+          </a:p>
+        </p:txBody>
+      </p:sp>
+    </p:spTree>
+    <p:extLst>
+      <p:ext uri="{BB962C8B-B14F-4D97-AF65-F5344CB8AC3E}">
+        <p14:creationId xmlns:p14="http://schemas.microsoft.com/office/powerpoint/2010/main" val="94907443"/>
+      </p:ext>
+    </p:extLst>
+  </p:cSld>
+  <p:clrMapOvr>
+    <a:masterClrMapping/>
+  </p:clrMapOvr>
+</p:sld>
+</file>
+
+<file path=ppt/slides/slide36.xml><?xml version="1.0" encoding="utf-8"?>
+<p:sld xmlns:a="http://schemas.openxmlformats.org/drawingml/2006/main" xmlns:r="http://schemas.openxmlformats.org/officeDocument/2006/relationships" xmlns:p="http://schemas.openxmlformats.org/presentationml/2006/main">
+  <p:cSld>
+    <p:spTree>
+      <p:nvGrpSpPr>
+        <p:cNvPr id="1" name=""/>
+        <p:cNvGrpSpPr/>
+        <p:nvPr/>
+      </p:nvGrpSpPr>
+      <p:grpSpPr>
+        <a:xfrm>
+          <a:off x="0" y="0"/>
+          <a:ext cx="0" cy="0"/>
+          <a:chOff x="0" y="0"/>
+          <a:chExt cx="0" cy="0"/>
+        </a:xfrm>
+      </p:grpSpPr>
+      <p:sp>
+        <p:nvSpPr>
+          <p:cNvPr id="3" name="Title 2">
+            <a:extLst>
+              <a:ext uri="{FF2B5EF4-FFF2-40B4-BE49-F238E27FC236}">
+                <a16:creationId xmlns:a16="http://schemas.microsoft.com/office/drawing/2014/main" id="{9323871C-7CA8-1448-8FFC-1AE6E1838941}"/>
+              </a:ext>
+            </a:extLst>
+          </p:cNvPr>
+          <p:cNvSpPr>
+            <a:spLocks noGrp="1"/>
+          </p:cNvSpPr>
+          <p:nvPr>
+            <p:ph type="title"/>
+          </p:nvPr>
+        </p:nvSpPr>
+        <p:spPr/>
+        <p:txBody>
+          <a:bodyPr/>
+          <a:lstStyle/>
+          <a:p>
+            <a:r>
+              <a:rPr lang="en-US" dirty="0"/>
+              <a:t>Some Open Research Questions</a:t>
+            </a:r>
+          </a:p>
+        </p:txBody>
+      </p:sp>
+      <p:pic>
+        <p:nvPicPr>
+          <p:cNvPr id="2" name="Picture 1">
+            <a:extLst>
+              <a:ext uri="{FF2B5EF4-FFF2-40B4-BE49-F238E27FC236}">
+                <a16:creationId xmlns:a16="http://schemas.microsoft.com/office/drawing/2014/main" id="{23F8960D-806C-F441-9A23-1578C38467D8}"/>
+              </a:ext>
+            </a:extLst>
+          </p:cNvPr>
+          <p:cNvPicPr>
+            <a:picLocks noChangeAspect="1"/>
+          </p:cNvPicPr>
+          <p:nvPr/>
+        </p:nvPicPr>
+        <p:blipFill>
+          <a:blip r:embed="rId2"/>
+          <a:stretch>
+            <a:fillRect/>
+          </a:stretch>
+        </p:blipFill>
+        <p:spPr>
+          <a:xfrm>
+            <a:off x="2749550" y="1371600"/>
+            <a:ext cx="6692900" cy="4114800"/>
+          </a:xfrm>
+          <a:prstGeom prst="rect">
+            <a:avLst/>
+          </a:prstGeom>
+        </p:spPr>
+      </p:pic>
+    </p:spTree>
+    <p:extLst>
+      <p:ext uri="{BB962C8B-B14F-4D97-AF65-F5344CB8AC3E}">
+        <p14:creationId xmlns:p14="http://schemas.microsoft.com/office/powerpoint/2010/main" val="1715242992"/>
+      </p:ext>
+    </p:extLst>
+  </p:cSld>
+  <p:clrMapOvr>
+    <a:masterClrMapping/>
+  </p:clrMapOvr>
+</p:sld>
+</file>
+
+<file path=ppt/slides/slide37.xml><?xml version="1.0" encoding="utf-8"?>
+<p:sld xmlns:a="http://schemas.openxmlformats.org/drawingml/2006/main" xmlns:r="http://schemas.openxmlformats.org/officeDocument/2006/relationships" xmlns:p="http://schemas.openxmlformats.org/presentationml/2006/main">
+  <p:cSld>
+    <p:spTree>
+      <p:nvGrpSpPr>
+        <p:cNvPr id="1" name=""/>
+        <p:cNvGrpSpPr/>
+        <p:nvPr/>
+      </p:nvGrpSpPr>
+      <p:grpSpPr>
+        <a:xfrm>
+          <a:off x="0" y="0"/>
+          <a:ext cx="0" cy="0"/>
+          <a:chOff x="0" y="0"/>
+          <a:chExt cx="0" cy="0"/>
+        </a:xfrm>
+      </p:grpSpPr>
+      <p:sp>
+        <p:nvSpPr>
+          <p:cNvPr id="3" name="Title 2">
+            <a:extLst>
+              <a:ext uri="{FF2B5EF4-FFF2-40B4-BE49-F238E27FC236}">
+                <a16:creationId xmlns:a16="http://schemas.microsoft.com/office/drawing/2014/main" id="{9323871C-7CA8-1448-8FFC-1AE6E1838941}"/>
+              </a:ext>
+            </a:extLst>
+          </p:cNvPr>
+          <p:cNvSpPr>
+            <a:spLocks noGrp="1"/>
+          </p:cNvSpPr>
+          <p:nvPr>
+            <p:ph type="title"/>
+          </p:nvPr>
+        </p:nvSpPr>
+        <p:spPr/>
+        <p:txBody>
+          <a:bodyPr/>
+          <a:lstStyle/>
+          <a:p>
+            <a:r>
+              <a:rPr lang="en-US" dirty="0"/>
+              <a:t>Some Open Research Questions</a:t>
+            </a:r>
+          </a:p>
+        </p:txBody>
+      </p:sp>
+      <p:sp>
+        <p:nvSpPr>
+          <p:cNvPr id="4" name="Text Placeholder 3">
+            <a:extLst>
+              <a:ext uri="{FF2B5EF4-FFF2-40B4-BE49-F238E27FC236}">
+                <a16:creationId xmlns:a16="http://schemas.microsoft.com/office/drawing/2014/main" id="{5E600BA7-FA45-884F-9820-9E5F2CB7AA48}"/>
+              </a:ext>
+            </a:extLst>
+          </p:cNvPr>
+          <p:cNvSpPr>
+            <a:spLocks noGrp="1"/>
+          </p:cNvSpPr>
+          <p:nvPr>
+            <p:ph type="body" idx="1"/>
+          </p:nvPr>
+        </p:nvSpPr>
+        <p:spPr>
+          <a:xfrm>
+            <a:off x="415600" y="1219133"/>
+            <a:ext cx="11360700" cy="5234804"/>
+          </a:xfrm>
+        </p:spPr>
+        <p:txBody>
+          <a:bodyPr/>
+          <a:lstStyle/>
+          <a:p>
+            <a:pPr marL="76200" indent="0">
+              <a:buNone/>
+            </a:pPr>
+            <a:r>
+              <a:rPr lang="en-US" dirty="0"/>
+              <a:t>Paper shows improvements on synthetic examples and some “standard” datasets, but still more to investigate:</a:t>
+            </a:r>
+            <a:br>
+              <a:rPr lang="en-US" dirty="0"/>
+            </a:br>
+            <a:endParaRPr lang="en-US" dirty="0"/>
+          </a:p>
+          <a:p>
+            <a:r>
+              <a:rPr lang="en-US" dirty="0"/>
+              <a:t>Can be slow to converge on larger datasets</a:t>
+            </a:r>
+            <a:br>
+              <a:rPr lang="en-US" dirty="0"/>
+            </a:br>
+            <a:endParaRPr lang="en-US" dirty="0"/>
+          </a:p>
+          <a:p>
+            <a:r>
+              <a:rPr lang="en-US" dirty="0"/>
+              <a:t>“At most” </a:t>
+            </a:r>
+            <a:r>
+              <a:rPr lang="en-US" i="1" dirty="0"/>
+              <a:t>k</a:t>
+            </a:r>
+            <a:r>
+              <a:rPr lang="en-US" dirty="0"/>
+              <a:t> examples can yield many fewer than the desired </a:t>
+            </a:r>
+            <a:r>
+              <a:rPr lang="en-US" i="1" dirty="0"/>
+              <a:t>k</a:t>
+            </a:r>
+            <a:r>
+              <a:rPr lang="en-US" dirty="0"/>
+              <a:t>, particularly for rare events (why doesn’t the algorithm target </a:t>
+            </a:r>
+            <a:r>
+              <a:rPr lang="en-US" i="1" dirty="0"/>
+              <a:t>exactly k</a:t>
+            </a:r>
+            <a:r>
+              <a:rPr lang="en-US" dirty="0"/>
+              <a:t>?)</a:t>
+            </a:r>
+            <a:br>
+              <a:rPr lang="en-US" dirty="0"/>
+            </a:br>
+            <a:endParaRPr lang="en-US" dirty="0"/>
+          </a:p>
+          <a:p>
+            <a:r>
+              <a:rPr lang="en-US" dirty="0"/>
+              <a:t> Although creating a “top k” boundary, still penalizes false positives and false negatives equally during optimization</a:t>
+            </a:r>
+            <a:br>
+              <a:rPr lang="en-US" dirty="0"/>
+            </a:br>
+            <a:endParaRPr lang="en-US" dirty="0"/>
+          </a:p>
+          <a:p>
+            <a:r>
+              <a:rPr lang="en-US" dirty="0"/>
+              <a:t>Can we do better at the top, even if we don’t have access to the test list?</a:t>
+            </a:r>
+          </a:p>
+        </p:txBody>
+      </p:sp>
+    </p:spTree>
+    <p:extLst>
+      <p:ext uri="{BB962C8B-B14F-4D97-AF65-F5344CB8AC3E}">
+        <p14:creationId xmlns:p14="http://schemas.microsoft.com/office/powerpoint/2010/main" val="4118118316"/>
+      </p:ext>
+    </p:extLst>
+  </p:cSld>
+  <p:clrMapOvr>
+    <a:masterClrMapping/>
+  </p:clrMapOvr>
+</p:sld>
+</file>
+
+<file path=ppt/slides/slide38.xml><?xml version="1.0" encoding="utf-8"?>
+<p:sld xmlns:a="http://schemas.openxmlformats.org/drawingml/2006/main" xmlns:r="http://schemas.openxmlformats.org/officeDocument/2006/relationships" xmlns:p="http://schemas.openxmlformats.org/presentationml/2006/main">
+  <p:cSld>
+    <p:spTree>
+      <p:nvGrpSpPr>
+        <p:cNvPr id="1" name=""/>
+        <p:cNvGrpSpPr/>
+        <p:nvPr/>
+      </p:nvGrpSpPr>
+      <p:grpSpPr>
+        <a:xfrm>
+          <a:off x="0" y="0"/>
+          <a:ext cx="0" cy="0"/>
+          <a:chOff x="0" y="0"/>
+          <a:chExt cx="0" cy="0"/>
+        </a:xfrm>
+      </p:grpSpPr>
+      <p:sp>
+        <p:nvSpPr>
+          <p:cNvPr id="2" name="Content Placeholder 1"/>
+          <p:cNvSpPr>
+            <a:spLocks noGrp="1"/>
+          </p:cNvSpPr>
+          <p:nvPr>
+            <p:ph type="body" idx="1"/>
+          </p:nvPr>
+        </p:nvSpPr>
+        <p:spPr/>
+        <p:txBody>
+          <a:bodyPr/>
+          <a:lstStyle/>
+          <a:p>
+            <a:pPr marL="114300" indent="0">
+              <a:buNone/>
+            </a:pPr>
+            <a:endParaRPr lang="en-US" dirty="0">
+              <a:solidFill>
+                <a:schemeClr val="tx1"/>
+              </a:solidFill>
+            </a:endParaRPr>
+          </a:p>
+          <a:p>
+            <a:pPr marL="114300" indent="0">
+              <a:buNone/>
+            </a:pPr>
+            <a:r>
+              <a:rPr lang="en-US" b="1" dirty="0">
+                <a:solidFill>
+                  <a:schemeClr val="tx1"/>
+                </a:solidFill>
+              </a:rPr>
+              <a:t>Coming Up Next Week:</a:t>
+            </a:r>
+          </a:p>
+          <a:p>
+            <a:r>
+              <a:rPr lang="en-US" dirty="0">
+                <a:solidFill>
+                  <a:schemeClr val="tx1"/>
+                </a:solidFill>
+              </a:rPr>
+              <a:t>Monday: Modeling Results Update Assignment (posted on canvas)</a:t>
+            </a:r>
+          </a:p>
+          <a:p>
+            <a:r>
+              <a:rPr lang="en-US" dirty="0">
+                <a:solidFill>
+                  <a:schemeClr val="tx1"/>
+                </a:solidFill>
+              </a:rPr>
+              <a:t>Tuesday: Weekly Feedback Form and Readings</a:t>
+            </a:r>
+          </a:p>
+          <a:p>
+            <a:r>
+              <a:rPr lang="en-US" dirty="0">
+                <a:solidFill>
+                  <a:schemeClr val="tx1"/>
+                </a:solidFill>
+              </a:rPr>
+              <a:t>Midterm:</a:t>
+            </a:r>
+          </a:p>
+          <a:p>
+            <a:pPr lvl="1"/>
+            <a:r>
+              <a:rPr lang="en-US" sz="2200" dirty="0">
+                <a:solidFill>
+                  <a:schemeClr val="tx1"/>
+                </a:solidFill>
+              </a:rPr>
+              <a:t>Take Home</a:t>
+            </a:r>
+          </a:p>
+          <a:p>
+            <a:pPr lvl="1"/>
+            <a:r>
+              <a:rPr lang="en-US" sz="2200" dirty="0">
+                <a:solidFill>
+                  <a:schemeClr val="tx1"/>
+                </a:solidFill>
+              </a:rPr>
+              <a:t>No class on Thursday</a:t>
+            </a:r>
+          </a:p>
+          <a:p>
+            <a:pPr lvl="1"/>
+            <a:r>
+              <a:rPr lang="en-US" sz="2200" dirty="0">
+                <a:solidFill>
+                  <a:schemeClr val="tx1"/>
+                </a:solidFill>
+              </a:rPr>
+              <a:t>Due Friday (Canvas)</a:t>
+            </a:r>
+            <a:br>
+              <a:rPr lang="en-US" dirty="0"/>
+            </a:br>
+            <a:endParaRPr lang="en-US" dirty="0"/>
+          </a:p>
+          <a:p>
+            <a:pPr marL="114300" indent="0">
+              <a:buNone/>
+            </a:pPr>
+            <a:endParaRPr lang="en-US" dirty="0"/>
+          </a:p>
+        </p:txBody>
+      </p:sp>
+      <p:sp>
+        <p:nvSpPr>
+          <p:cNvPr id="3" name="Title 2"/>
+          <p:cNvSpPr>
+            <a:spLocks noGrp="1"/>
+          </p:cNvSpPr>
+          <p:nvPr>
+            <p:ph type="title"/>
+          </p:nvPr>
+        </p:nvSpPr>
+        <p:spPr>
+          <a:xfrm>
+            <a:off x="0" y="325028"/>
+            <a:ext cx="12192000" cy="1143000"/>
+          </a:xfrm>
+        </p:spPr>
+        <p:txBody>
+          <a:bodyPr/>
+          <a:lstStyle/>
+          <a:p>
+            <a:r>
+              <a:rPr lang="en-US" dirty="0">
+                <a:solidFill>
+                  <a:schemeClr val="bg1"/>
+                </a:solidFill>
+              </a:rPr>
+              <a:t>Things to remember</a:t>
+            </a:r>
+          </a:p>
+        </p:txBody>
+      </p:sp>
+    </p:spTree>
+    <p:extLst>
+      <p:ext uri="{BB962C8B-B14F-4D97-AF65-F5344CB8AC3E}">
+        <p14:creationId xmlns:p14="http://schemas.microsoft.com/office/powerpoint/2010/main" val="410149578"/>
+      </p:ext>
+    </p:extLst>
+  </p:cSld>
+  <p:clrMapOvr>
+    <a:masterClrMapping/>
+  </p:clrMapOvr>
+</p:sld>
+</file>
+
+<file path=ppt/slides/slide4.xml><?xml version="1.0" encoding="utf-8"?>
 <p:sld xmlns:a="http://schemas.openxmlformats.org/drawingml/2006/main" xmlns:r="http://schemas.openxmlformats.org/officeDocument/2006/relationships" xmlns:p="http://schemas.openxmlformats.org/presentationml/2006/main">
   <p:cSld>
     <p:spTree>
@@ -20181,65 +21042,7 @@
 </p:sld>
 </file>
 
-<file path=ppt/slides/slide7.xml><?xml version="1.0" encoding="utf-8"?>
-<p:sld xmlns:a="http://schemas.openxmlformats.org/drawingml/2006/main" xmlns:r="http://schemas.openxmlformats.org/officeDocument/2006/relationships" xmlns:p="http://schemas.openxmlformats.org/presentationml/2006/main">
-  <p:cSld>
-    <p:spTree>
-      <p:nvGrpSpPr>
-        <p:cNvPr id="1" name=""/>
-        <p:cNvGrpSpPr/>
-        <p:nvPr/>
-      </p:nvGrpSpPr>
-      <p:grpSpPr>
-        <a:xfrm>
-          <a:off x="0" y="0"/>
-          <a:ext cx="0" cy="0"/>
-          <a:chOff x="0" y="0"/>
-          <a:chExt cx="0" cy="0"/>
-        </a:xfrm>
-      </p:grpSpPr>
-      <p:sp>
-        <p:nvSpPr>
-          <p:cNvPr id="2" name="Title 1">
-            <a:extLst>
-              <a:ext uri="{FF2B5EF4-FFF2-40B4-BE49-F238E27FC236}">
-                <a16:creationId xmlns:a16="http://schemas.microsoft.com/office/drawing/2014/main" id="{A073B702-ED77-884E-88F7-92D73313F38D}"/>
-              </a:ext>
-            </a:extLst>
-          </p:cNvPr>
-          <p:cNvSpPr>
-            <a:spLocks noGrp="1"/>
-          </p:cNvSpPr>
-          <p:nvPr>
-            <p:ph type="title"/>
-          </p:nvPr>
-        </p:nvSpPr>
-        <p:spPr/>
-        <p:txBody>
-          <a:bodyPr/>
-          <a:lstStyle/>
-          <a:p>
-            <a:r>
-              <a:rPr lang="en-US" dirty="0"/>
-              <a:t>Any questions from the video lecture?</a:t>
-            </a:r>
-          </a:p>
-        </p:txBody>
-      </p:sp>
-    </p:spTree>
-    <p:extLst>
-      <p:ext uri="{BB962C8B-B14F-4D97-AF65-F5344CB8AC3E}">
-        <p14:creationId xmlns:p14="http://schemas.microsoft.com/office/powerpoint/2010/main" val="3400151117"/>
-      </p:ext>
-    </p:extLst>
-  </p:cSld>
-  <p:clrMapOvr>
-    <a:masterClrMapping/>
-  </p:clrMapOvr>
-</p:sld>
-</file>
-
-<file path=ppt/slides/slide8.xml><?xml version="1.0" encoding="utf-8"?>
+<file path=ppt/slides/slide5.xml><?xml version="1.0" encoding="utf-8"?>
 <p:sld xmlns:a="http://schemas.openxmlformats.org/drawingml/2006/main" xmlns:r="http://schemas.openxmlformats.org/officeDocument/2006/relationships" xmlns:p="http://schemas.openxmlformats.org/presentationml/2006/main">
   <p:cSld>
     <p:spTree>
@@ -20349,8 +21152,8 @@
 </p:sld>
 </file>
 
-<file path=ppt/slides/slide9.xml><?xml version="1.0" encoding="utf-8"?>
-<p:sld xmlns:a="http://schemas.openxmlformats.org/drawingml/2006/main" xmlns:r="http://schemas.openxmlformats.org/officeDocument/2006/relationships" xmlns:p="http://schemas.openxmlformats.org/presentationml/2006/main">
+<file path=ppt/slides/slide6.xml><?xml version="1.0" encoding="utf-8"?>
+<p:sld xmlns:a="http://schemas.openxmlformats.org/drawingml/2006/main" xmlns:r="http://schemas.openxmlformats.org/officeDocument/2006/relationships" xmlns:p="http://schemas.openxmlformats.org/presentationml/2006/main" show="0">
   <p:cSld>
     <p:spTree>
       <p:nvGrpSpPr>
@@ -20481,14 +21284,14 @@
           </a:ln>
           <a:extLst>
             <a:ext uri="{909E8E84-426E-40dd-AFC4-6F175D3DCCD1}">
-              <a14:hiddenFill xmlns="" xmlns:a14="http://schemas.microsoft.com/office/drawing/2010/main">
+              <a14:hiddenFill xmlns:a14="http://schemas.microsoft.com/office/drawing/2010/main" xmlns="">
                 <a:solidFill>
                   <a:srgbClr val="FFFFFF"/>
                 </a:solidFill>
               </a14:hiddenFill>
             </a:ext>
             <a:ext uri="{91240B29-F687-4f45-9708-019B960494DF}">
-              <a14:hiddenLine xmlns="" xmlns:a14="http://schemas.microsoft.com/office/drawing/2010/main" w="9525">
+              <a14:hiddenLine xmlns:a14="http://schemas.microsoft.com/office/drawing/2010/main" xmlns="" w="9525">
                 <a:solidFill>
                   <a:srgbClr val="000000"/>
                 </a:solidFill>
@@ -20715,14 +21518,14 @@
             </a:ln>
             <a:extLst>
               <a:ext uri="{909E8E84-426E-40dd-AFC4-6F175D3DCCD1}">
-                <a14:hiddenFill xmlns="" xmlns:a14="http://schemas.microsoft.com/office/drawing/2010/main">
+                <a14:hiddenFill xmlns:a14="http://schemas.microsoft.com/office/drawing/2010/main" xmlns="">
                   <a:solidFill>
                     <a:srgbClr val="FFFFFF"/>
                   </a:solidFill>
                 </a14:hiddenFill>
               </a:ext>
               <a:ext uri="{91240B29-F687-4f45-9708-019B960494DF}">
-                <a14:hiddenLine xmlns="" xmlns:a14="http://schemas.microsoft.com/office/drawing/2010/main" w="9525">
+                <a14:hiddenLine xmlns:a14="http://schemas.microsoft.com/office/drawing/2010/main" xmlns="" w="9525">
                   <a:solidFill>
                     <a:srgbClr val="000000"/>
                   </a:solidFill>
@@ -21211,14 +22014,14 @@
           </a:ln>
           <a:extLst>
             <a:ext uri="{909E8E84-426E-40dd-AFC4-6F175D3DCCD1}">
-              <a14:hiddenFill xmlns="" xmlns:a14="http://schemas.microsoft.com/office/drawing/2010/main">
+              <a14:hiddenFill xmlns:a14="http://schemas.microsoft.com/office/drawing/2010/main" xmlns="">
                 <a:solidFill>
                   <a:srgbClr val="FFFFFF"/>
                 </a:solidFill>
               </a14:hiddenFill>
             </a:ext>
             <a:ext uri="{91240B29-F687-4f45-9708-019B960494DF}">
-              <a14:hiddenLine xmlns="" xmlns:a14="http://schemas.microsoft.com/office/drawing/2010/main" w="9525">
+              <a14:hiddenLine xmlns:a14="http://schemas.microsoft.com/office/drawing/2010/main" xmlns="" w="9525">
                 <a:solidFill>
                   <a:srgbClr val="000000"/>
                 </a:solidFill>
@@ -21382,14 +22185,14 @@
             </a:ln>
             <a:extLst>
               <a:ext uri="{909E8E84-426E-40dd-AFC4-6F175D3DCCD1}">
-                <a14:hiddenFill xmlns="" xmlns:a14="http://schemas.microsoft.com/office/drawing/2010/main">
+                <a14:hiddenFill xmlns:a14="http://schemas.microsoft.com/office/drawing/2010/main" xmlns="">
                   <a:solidFill>
                     <a:srgbClr val="FFFFFF"/>
                   </a:solidFill>
                 </a14:hiddenFill>
               </a:ext>
               <a:ext uri="{91240B29-F687-4f45-9708-019B960494DF}">
-                <a14:hiddenLine xmlns="" xmlns:a14="http://schemas.microsoft.com/office/drawing/2010/main" w="9525">
+                <a14:hiddenLine xmlns:a14="http://schemas.microsoft.com/office/drawing/2010/main" xmlns="" w="9525">
                   <a:solidFill>
                     <a:srgbClr val="000000"/>
                   </a:solidFill>
@@ -21980,6 +22783,331 @@
   <p:clrMapOvr>
     <a:masterClrMapping/>
   </p:clrMapOvr>
+</p:sld>
+</file>
+
+<file path=ppt/slides/slide7.xml><?xml version="1.0" encoding="utf-8"?>
+<p:sld xmlns:a="http://schemas.openxmlformats.org/drawingml/2006/main" xmlns:r="http://schemas.openxmlformats.org/officeDocument/2006/relationships" xmlns:p="http://schemas.openxmlformats.org/presentationml/2006/main">
+  <p:cSld>
+    <p:spTree>
+      <p:nvGrpSpPr>
+        <p:cNvPr id="1" name=""/>
+        <p:cNvGrpSpPr/>
+        <p:nvPr/>
+      </p:nvGrpSpPr>
+      <p:grpSpPr>
+        <a:xfrm>
+          <a:off x="0" y="0"/>
+          <a:ext cx="0" cy="0"/>
+          <a:chOff x="0" y="0"/>
+          <a:chExt cx="0" cy="0"/>
+        </a:xfrm>
+      </p:grpSpPr>
+      <p:sp>
+        <p:nvSpPr>
+          <p:cNvPr id="3" name="Title 2"/>
+          <p:cNvSpPr>
+            <a:spLocks noGrp="1"/>
+          </p:cNvSpPr>
+          <p:nvPr>
+            <p:ph type="title"/>
+          </p:nvPr>
+        </p:nvSpPr>
+        <p:spPr/>
+        <p:txBody>
+          <a:bodyPr/>
+          <a:lstStyle/>
+          <a:p>
+            <a:r>
+              <a:rPr lang="en-US" dirty="0"/>
+              <a:t>Why do we need to do model selection?</a:t>
+            </a:r>
+          </a:p>
+        </p:txBody>
+      </p:sp>
+      <p:sp>
+        <p:nvSpPr>
+          <p:cNvPr id="2" name="Content Placeholder 1"/>
+          <p:cNvSpPr>
+            <a:spLocks noGrp="1"/>
+          </p:cNvSpPr>
+          <p:nvPr>
+            <p:ph type="body" idx="1"/>
+          </p:nvPr>
+        </p:nvSpPr>
+        <p:spPr/>
+        <p:txBody>
+          <a:bodyPr/>
+          <a:lstStyle/>
+          <a:p>
+            <a:r>
+              <a:rPr lang="en-US" sz="2800" dirty="0"/>
+              <a:t>You’ve run a large number of different types of models varying …</a:t>
+            </a:r>
+          </a:p>
+          <a:p>
+            <a:endParaRPr lang="en-US" sz="2800" dirty="0"/>
+          </a:p>
+          <a:p>
+            <a:r>
+              <a:rPr lang="en-US" sz="2800" dirty="0"/>
+              <a:t>You need to understand what types of models are effective under what circumstances, </a:t>
+            </a:r>
+            <a:r>
+              <a:rPr lang="en-US" sz="2800" b="1" dirty="0"/>
+              <a:t>and</a:t>
+            </a:r>
+          </a:p>
+          <a:p>
+            <a:endParaRPr lang="en-US" sz="2800" b="1" dirty="0"/>
+          </a:p>
+          <a:p>
+            <a:r>
+              <a:rPr lang="en-US" sz="2800" dirty="0"/>
+              <a:t>You need to decide which one(s) to use in the </a:t>
+            </a:r>
+            <a:r>
+              <a:rPr lang="en-US" sz="2800" b="1" dirty="0"/>
+              <a:t>future</a:t>
+            </a:r>
+          </a:p>
+        </p:txBody>
+      </p:sp>
+    </p:spTree>
+    <p:extLst>
+      <p:ext uri="{BB962C8B-B14F-4D97-AF65-F5344CB8AC3E}">
+        <p14:creationId xmlns:p14="http://schemas.microsoft.com/office/powerpoint/2010/main" val="473448969"/>
+      </p:ext>
+    </p:extLst>
+  </p:cSld>
+  <p:clrMapOvr>
+    <a:masterClrMapping/>
+  </p:clrMapOvr>
+</p:sld>
+</file>
+
+<file path=ppt/slides/slide8.xml><?xml version="1.0" encoding="utf-8"?>
+<p:sld xmlns:a="http://schemas.openxmlformats.org/drawingml/2006/main" xmlns:r="http://schemas.openxmlformats.org/officeDocument/2006/relationships" xmlns:p="http://schemas.openxmlformats.org/presentationml/2006/main" show="0">
+  <p:cSld>
+    <p:spTree>
+      <p:nvGrpSpPr>
+        <p:cNvPr id="1" name=""/>
+        <p:cNvGrpSpPr/>
+        <p:nvPr/>
+      </p:nvGrpSpPr>
+      <p:grpSpPr>
+        <a:xfrm>
+          <a:off x="0" y="0"/>
+          <a:ext cx="0" cy="0"/>
+          <a:chOff x="0" y="0"/>
+          <a:chExt cx="0" cy="0"/>
+        </a:xfrm>
+      </p:grpSpPr>
+      <p:sp>
+        <p:nvSpPr>
+          <p:cNvPr id="3" name="Title 2"/>
+          <p:cNvSpPr>
+            <a:spLocks noGrp="1"/>
+          </p:cNvSpPr>
+          <p:nvPr>
+            <p:ph type="title"/>
+          </p:nvPr>
+        </p:nvSpPr>
+        <p:spPr/>
+        <p:txBody>
+          <a:bodyPr/>
+          <a:lstStyle/>
+          <a:p>
+            <a:r>
+              <a:rPr lang="en-US" dirty="0"/>
+              <a:t>What do we to perform model selection</a:t>
+            </a:r>
+          </a:p>
+        </p:txBody>
+      </p:sp>
+      <p:sp>
+        <p:nvSpPr>
+          <p:cNvPr id="2" name="Content Placeholder 1"/>
+          <p:cNvSpPr>
+            <a:spLocks noGrp="1"/>
+          </p:cNvSpPr>
+          <p:nvPr>
+            <p:ph type="body" idx="1"/>
+          </p:nvPr>
+        </p:nvSpPr>
+        <p:spPr/>
+        <p:txBody>
+          <a:bodyPr/>
+          <a:lstStyle/>
+          <a:p>
+            <a:r>
+              <a:rPr lang="en-US" dirty="0"/>
+              <a:t>Deployment scenario</a:t>
+            </a:r>
+          </a:p>
+          <a:p>
+            <a:pPr lvl="1"/>
+            <a:r>
+              <a:rPr lang="en-US" dirty="0"/>
+              <a:t>Model selection Methodology</a:t>
+            </a:r>
+          </a:p>
+          <a:p>
+            <a:pPr lvl="1"/>
+            <a:r>
+              <a:rPr lang="en-US" dirty="0"/>
+              <a:t>Metric(s) (need to match your policy goals)</a:t>
+            </a:r>
+          </a:p>
+          <a:p>
+            <a:endParaRPr lang="en-US" dirty="0"/>
+          </a:p>
+          <a:p>
+            <a:r>
+              <a:rPr lang="en-US" dirty="0"/>
+              <a:t>Comparison with baselines (to know if you’re effective)</a:t>
+            </a:r>
+          </a:p>
+        </p:txBody>
+      </p:sp>
+    </p:spTree>
+    <p:extLst>
+      <p:ext uri="{BB962C8B-B14F-4D97-AF65-F5344CB8AC3E}">
+        <p14:creationId xmlns:p14="http://schemas.microsoft.com/office/powerpoint/2010/main" val="483603774"/>
+      </p:ext>
+    </p:extLst>
+  </p:cSld>
+  <p:clrMapOvr>
+    <a:masterClrMapping/>
+  </p:clrMapOvr>
+</p:sld>
+</file>
+
+<file path=ppt/slides/slide9.xml><?xml version="1.0" encoding="utf-8"?>
+<p:sld xmlns:a="http://schemas.openxmlformats.org/drawingml/2006/main" xmlns:r="http://schemas.openxmlformats.org/officeDocument/2006/relationships" xmlns:p="http://schemas.openxmlformats.org/presentationml/2006/main" show="0">
+  <p:cSld>
+    <p:spTree>
+      <p:nvGrpSpPr>
+        <p:cNvPr id="1" name=""/>
+        <p:cNvGrpSpPr/>
+        <p:nvPr/>
+      </p:nvGrpSpPr>
+      <p:grpSpPr>
+        <a:xfrm>
+          <a:off x="0" y="0"/>
+          <a:ext cx="0" cy="0"/>
+          <a:chOff x="0" y="0"/>
+          <a:chExt cx="0" cy="0"/>
+        </a:xfrm>
+      </p:grpSpPr>
+      <p:sp>
+        <p:nvSpPr>
+          <p:cNvPr id="4" name="Title 3">
+            <a:extLst>
+              <a:ext uri="{FF2B5EF4-FFF2-40B4-BE49-F238E27FC236}">
+                <a16:creationId xmlns:a16="http://schemas.microsoft.com/office/drawing/2014/main" id="{30C2C959-72F2-EF4D-80DA-F48A29D0F3C4}"/>
+              </a:ext>
+            </a:extLst>
+          </p:cNvPr>
+          <p:cNvSpPr>
+            <a:spLocks noGrp="1"/>
+          </p:cNvSpPr>
+          <p:nvPr>
+            <p:ph type="title"/>
+          </p:nvPr>
+        </p:nvSpPr>
+        <p:spPr/>
+        <p:txBody>
+          <a:bodyPr/>
+          <a:lstStyle/>
+          <a:p>
+            <a:r>
+              <a:rPr lang="en-US" dirty="0"/>
+              <a:t>What do we need our selected model to do?</a:t>
+            </a:r>
+          </a:p>
+        </p:txBody>
+      </p:sp>
+      <p:sp>
+        <p:nvSpPr>
+          <p:cNvPr id="5" name="Text Placeholder 4">
+            <a:extLst>
+              <a:ext uri="{FF2B5EF4-FFF2-40B4-BE49-F238E27FC236}">
+                <a16:creationId xmlns:a16="http://schemas.microsoft.com/office/drawing/2014/main" id="{24A75FF1-9EFE-0F41-92F5-3E749CFB2EB5}"/>
+              </a:ext>
+            </a:extLst>
+          </p:cNvPr>
+          <p:cNvSpPr>
+            <a:spLocks noGrp="1"/>
+          </p:cNvSpPr>
+          <p:nvPr>
+            <p:ph type="body" idx="1"/>
+          </p:nvPr>
+        </p:nvSpPr>
+        <p:spPr/>
+        <p:txBody>
+          <a:bodyPr/>
+          <a:lstStyle/>
+          <a:p>
+            <a:r>
+              <a:rPr lang="en-US" dirty="0"/>
+              <a:t>Perform well</a:t>
+            </a:r>
+          </a:p>
+          <a:p>
+            <a:pPr lvl="1"/>
+            <a:r>
+              <a:rPr lang="en-US" dirty="0"/>
+              <a:t>What metric?</a:t>
+            </a:r>
+          </a:p>
+          <a:p>
+            <a:pPr lvl="1"/>
+            <a:r>
+              <a:rPr lang="en-US" dirty="0"/>
+              <a:t>Compared to what?</a:t>
+            </a:r>
+          </a:p>
+          <a:p>
+            <a:endParaRPr lang="en-US" dirty="0"/>
+          </a:p>
+          <a:p>
+            <a:r>
+              <a:rPr lang="en-US" dirty="0"/>
+              <a:t>Generalize</a:t>
+            </a:r>
+          </a:p>
+          <a:p>
+            <a:pPr lvl="1"/>
+            <a:r>
+              <a:rPr lang="en-US" dirty="0"/>
+              <a:t>Over what dimension?</a:t>
+            </a:r>
+          </a:p>
+        </p:txBody>
+      </p:sp>
+    </p:spTree>
+    <p:extLst>
+      <p:ext uri="{BB962C8B-B14F-4D97-AF65-F5344CB8AC3E}">
+        <p14:creationId xmlns:p14="http://schemas.microsoft.com/office/powerpoint/2010/main" val="2958666708"/>
+      </p:ext>
+    </p:extLst>
+  </p:cSld>
+  <p:clrMapOvr>
+    <a:masterClrMapping/>
+  </p:clrMapOvr>
+  <mc:AlternateContent xmlns:mc="http://schemas.openxmlformats.org/markup-compatibility/2006" xmlns:p14="http://schemas.microsoft.com/office/powerpoint/2010/main">
+    <mc:Choice Requires="p14">
+      <p:transition spd="med" p14:dur="700">
+        <p:fade/>
+      </p:transition>
+    </mc:Choice>
+    <mc:Fallback xmlns="">
+      <p:transition spd="med">
+        <p:fade/>
+      </p:transition>
+    </mc:Fallback>
+  </mc:AlternateContent>
 </p:sld>
 </file>
 

--- a/Lectures/Lecture10-ModelSelection2.pptx
+++ b/Lectures/Lecture10-ModelSelection2.pptx
@@ -283,7 +283,7 @@
       <p15:sldGuideLst xmlns:p15="http://schemas.microsoft.com/office/powerpoint/2012/main"/>
     </p:ext>
     <p:ext uri="http://customooxmlschemas.google.com/">
-      <go:slidesCustomData xmlns="" xmlns:mc="http://schemas.openxmlformats.org/markup-compatibility/2006" xmlns:mv="urn:schemas-microsoft-com:mac:vml" xmlns:c="http://schemas.openxmlformats.org/drawingml/2006/chart" xmlns:dgm="http://schemas.openxmlformats.org/drawingml/2006/diagram" xmlns:o="urn:schemas-microsoft-com:office:office" xmlns:v="urn:schemas-microsoft-com:vml" xmlns:pvml="urn:schemas-microsoft-com:office:powerpoint" xmlns:com="http://schemas.openxmlformats.org/drawingml/2006/compatibility" xmlns:p14="http://schemas.microsoft.com/office/powerpoint/2010/main" xmlns:p15="http://schemas.microsoft.com/office/powerpoint/2012/main" xmlns:go="http://customooxmlschemas.google.com/" r:id="rId54" roundtripDataSignature="AMtx7mjFyVUGRZWio+dc9dxzYsimUxNJbg=="/>
+      <go:slidesCustomData xmlns:go="http://customooxmlschemas.google.com/" xmlns:p15="http://schemas.microsoft.com/office/powerpoint/2012/main" xmlns:p14="http://schemas.microsoft.com/office/powerpoint/2010/main" xmlns:com="http://schemas.openxmlformats.org/drawingml/2006/compatibility" xmlns:pvml="urn:schemas-microsoft-com:office:powerpoint" xmlns:v="urn:schemas-microsoft-com:vml" xmlns:o="urn:schemas-microsoft-com:office:office" xmlns:dgm="http://schemas.openxmlformats.org/drawingml/2006/diagram" xmlns:c="http://schemas.openxmlformats.org/drawingml/2006/chart" xmlns:mv="urn:schemas-microsoft-com:mac:vml" xmlns:mc="http://schemas.openxmlformats.org/markup-compatibility/2006" xmlns="" r:id="rId54" roundtripDataSignature="AMtx7mjFyVUGRZWio+dc9dxzYsimUxNJbg=="/>
     </p:ext>
   </p:extLst>
 </p:presentation>
@@ -7760,10 +7760,10 @@
           </a:ln>
           <a:extLst>
             <a:ext uri="{FAA26D3D-D897-4be2-8F04-BA451C77F1D7}">
-              <ma14:placeholderFlag xmlns="" xmlns:ma14="http://schemas.microsoft.com/office/mac/drawingml/2011/main" val="1"/>
+              <ma14:placeholderFlag xmlns:ma14="http://schemas.microsoft.com/office/mac/drawingml/2011/main" xmlns="" val="1"/>
             </a:ext>
             <a:ext uri="{909E8E84-426E-40dd-AFC4-6F175D3DCCD1}">
-              <a14:hiddenFill xmlns:a14="http://schemas.microsoft.com/office/drawing/2010/main" xmlns="">
+              <a14:hiddenFill xmlns="" xmlns:a14="http://schemas.microsoft.com/office/drawing/2010/main">
                 <a:solidFill>
                   <a:srgbClr val="FFFFFF"/>
                 </a:solidFill>
@@ -7786,17 +7786,17 @@
           <a:noFill/>
           <a:extLst>
             <a:ext uri="{FAA26D3D-D897-4be2-8F04-BA451C77F1D7}">
-              <ma14:placeholderFlag xmlns="" xmlns:ma14="http://schemas.microsoft.com/office/mac/drawingml/2011/main" val="1"/>
+              <ma14:placeholderFlag xmlns:ma14="http://schemas.microsoft.com/office/mac/drawingml/2011/main" xmlns="" val="1"/>
             </a:ext>
             <a:ext uri="{909E8E84-426E-40dd-AFC4-6F175D3DCCD1}">
-              <a14:hiddenFill xmlns:a14="http://schemas.microsoft.com/office/drawing/2010/main" xmlns="">
+              <a14:hiddenFill xmlns="" xmlns:a14="http://schemas.microsoft.com/office/drawing/2010/main">
                 <a:solidFill>
                   <a:srgbClr val="FFFFFF"/>
                 </a:solidFill>
               </a14:hiddenFill>
             </a:ext>
             <a:ext uri="{91240B29-F687-4f45-9708-019B960494DF}">
-              <a14:hiddenLine xmlns:a14="http://schemas.microsoft.com/office/drawing/2010/main" xmlns="" w="9525">
+              <a14:hiddenLine xmlns="" xmlns:a14="http://schemas.microsoft.com/office/drawing/2010/main" w="9525">
                 <a:solidFill>
                   <a:srgbClr val="000000"/>
                 </a:solidFill>
@@ -12791,7 +12791,7 @@
         <p:spPr/>
         <p:txBody>
           <a:bodyPr>
-            <a:normAutofit fontScale="92500" lnSpcReduction="20000"/>
+            <a:normAutofit fontScale="85000" lnSpcReduction="20000"/>
           </a:bodyPr>
           <a:lstStyle/>
           <a:p>
@@ -12840,14 +12840,38 @@
             <a:pPr lvl="4"/>
             <a:r>
               <a:rPr lang="en-US" sz="2800" dirty="0"/>
-              <a:t>Predict</a:t>
+              <a:t>Predict (</a:t>
+            </a:r>
+            <a:r>
+              <a:rPr lang="en-US" sz="2800" dirty="0" err="1"/>
+              <a:t>predict_proba</a:t>
+            </a:r>
+            <a:r>
+              <a:rPr lang="en-US" sz="2800" dirty="0"/>
+              <a:t> for the </a:t>
+            </a:r>
+            <a:r>
+              <a:rPr lang="en-US" sz="2800" dirty="0" err="1"/>
+              <a:t>sklearners</a:t>
+            </a:r>
+            <a:r>
+              <a:rPr lang="en-US" sz="2800" dirty="0"/>
+              <a:t> and no argmax for the </a:t>
+            </a:r>
+            <a:r>
+              <a:rPr lang="en-US" sz="2800" dirty="0" err="1"/>
+              <a:t>NNers</a:t>
+            </a:r>
+            <a:r>
+              <a:rPr lang="en-US" sz="2800" dirty="0"/>
+              <a:t>)</a:t>
             </a:r>
           </a:p>
           <a:p>
             <a:pPr lvl="4"/>
             <a:r>
               <a:rPr lang="en-US" sz="2800" dirty="0"/>
-              <a:t>Evaluate</a:t>
+              <a:t>Evaluate (remember the thresholds)</a:t>
             </a:r>
           </a:p>
         </p:txBody>
@@ -21284,14 +21308,14 @@
           </a:ln>
           <a:extLst>
             <a:ext uri="{909E8E84-426E-40dd-AFC4-6F175D3DCCD1}">
-              <a14:hiddenFill xmlns:a14="http://schemas.microsoft.com/office/drawing/2010/main" xmlns="">
+              <a14:hiddenFill xmlns="" xmlns:a14="http://schemas.microsoft.com/office/drawing/2010/main">
                 <a:solidFill>
                   <a:srgbClr val="FFFFFF"/>
                 </a:solidFill>
               </a14:hiddenFill>
             </a:ext>
             <a:ext uri="{91240B29-F687-4f45-9708-019B960494DF}">
-              <a14:hiddenLine xmlns:a14="http://schemas.microsoft.com/office/drawing/2010/main" xmlns="" w="9525">
+              <a14:hiddenLine xmlns="" xmlns:a14="http://schemas.microsoft.com/office/drawing/2010/main" w="9525">
                 <a:solidFill>
                   <a:srgbClr val="000000"/>
                 </a:solidFill>
@@ -21518,14 +21542,14 @@
             </a:ln>
             <a:extLst>
               <a:ext uri="{909E8E84-426E-40dd-AFC4-6F175D3DCCD1}">
-                <a14:hiddenFill xmlns:a14="http://schemas.microsoft.com/office/drawing/2010/main" xmlns="">
+                <a14:hiddenFill xmlns="" xmlns:a14="http://schemas.microsoft.com/office/drawing/2010/main">
                   <a:solidFill>
                     <a:srgbClr val="FFFFFF"/>
                   </a:solidFill>
                 </a14:hiddenFill>
               </a:ext>
               <a:ext uri="{91240B29-F687-4f45-9708-019B960494DF}">
-                <a14:hiddenLine xmlns:a14="http://schemas.microsoft.com/office/drawing/2010/main" xmlns="" w="9525">
+                <a14:hiddenLine xmlns="" xmlns:a14="http://schemas.microsoft.com/office/drawing/2010/main" w="9525">
                   <a:solidFill>
                     <a:srgbClr val="000000"/>
                   </a:solidFill>
@@ -22014,14 +22038,14 @@
           </a:ln>
           <a:extLst>
             <a:ext uri="{909E8E84-426E-40dd-AFC4-6F175D3DCCD1}">
-              <a14:hiddenFill xmlns:a14="http://schemas.microsoft.com/office/drawing/2010/main" xmlns="">
+              <a14:hiddenFill xmlns="" xmlns:a14="http://schemas.microsoft.com/office/drawing/2010/main">
                 <a:solidFill>
                   <a:srgbClr val="FFFFFF"/>
                 </a:solidFill>
               </a14:hiddenFill>
             </a:ext>
             <a:ext uri="{91240B29-F687-4f45-9708-019B960494DF}">
-              <a14:hiddenLine xmlns:a14="http://schemas.microsoft.com/office/drawing/2010/main" xmlns="" w="9525">
+              <a14:hiddenLine xmlns="" xmlns:a14="http://schemas.microsoft.com/office/drawing/2010/main" w="9525">
                 <a:solidFill>
                   <a:srgbClr val="000000"/>
                 </a:solidFill>
@@ -22185,14 +22209,14 @@
             </a:ln>
             <a:extLst>
               <a:ext uri="{909E8E84-426E-40dd-AFC4-6F175D3DCCD1}">
-                <a14:hiddenFill xmlns:a14="http://schemas.microsoft.com/office/drawing/2010/main" xmlns="">
+                <a14:hiddenFill xmlns="" xmlns:a14="http://schemas.microsoft.com/office/drawing/2010/main">
                   <a:solidFill>
                     <a:srgbClr val="FFFFFF"/>
                   </a:solidFill>
                 </a14:hiddenFill>
               </a:ext>
               <a:ext uri="{91240B29-F687-4f45-9708-019B960494DF}">
-                <a14:hiddenLine xmlns:a14="http://schemas.microsoft.com/office/drawing/2010/main" xmlns="" w="9525">
+                <a14:hiddenLine xmlns="" xmlns:a14="http://schemas.microsoft.com/office/drawing/2010/main" w="9525">
                   <a:solidFill>
                     <a:srgbClr val="000000"/>
                   </a:solidFill>

--- a/Lectures/Lecture10-ModelSelection2.pptx
+++ b/Lectures/Lecture10-ModelSelection2.pptx
@@ -5,47 +5,48 @@
     <p:sldMasterId id="2147483648" r:id="rId1"/>
   </p:sldMasterIdLst>
   <p:notesMasterIdLst>
-    <p:notesMasterId r:id="rId40"/>
+    <p:notesMasterId r:id="rId41"/>
   </p:notesMasterIdLst>
   <p:sldIdLst>
     <p:sldId id="256" r:id="rId2"/>
     <p:sldId id="431" r:id="rId3"/>
-    <p:sldId id="323" r:id="rId4"/>
-    <p:sldId id="428" r:id="rId5"/>
-    <p:sldId id="286" r:id="rId6"/>
-    <p:sldId id="273" r:id="rId7"/>
-    <p:sldId id="287" r:id="rId8"/>
-    <p:sldId id="288" r:id="rId9"/>
-    <p:sldId id="468" r:id="rId10"/>
-    <p:sldId id="463" r:id="rId11"/>
-    <p:sldId id="464" r:id="rId12"/>
-    <p:sldId id="284" r:id="rId13"/>
-    <p:sldId id="503" r:id="rId14"/>
-    <p:sldId id="502" r:id="rId15"/>
-    <p:sldId id="474" r:id="rId16"/>
-    <p:sldId id="475" r:id="rId17"/>
-    <p:sldId id="476" r:id="rId18"/>
-    <p:sldId id="477" r:id="rId19"/>
-    <p:sldId id="478" r:id="rId20"/>
-    <p:sldId id="486" r:id="rId21"/>
-    <p:sldId id="484" r:id="rId22"/>
-    <p:sldId id="488" r:id="rId23"/>
-    <p:sldId id="489" r:id="rId24"/>
-    <p:sldId id="490" r:id="rId25"/>
-    <p:sldId id="491" r:id="rId26"/>
-    <p:sldId id="492" r:id="rId27"/>
-    <p:sldId id="493" r:id="rId28"/>
-    <p:sldId id="494" r:id="rId29"/>
-    <p:sldId id="495" r:id="rId30"/>
-    <p:sldId id="487" r:id="rId31"/>
-    <p:sldId id="485" r:id="rId32"/>
-    <p:sldId id="496" r:id="rId33"/>
-    <p:sldId id="473" r:id="rId34"/>
-    <p:sldId id="479" r:id="rId35"/>
-    <p:sldId id="481" r:id="rId36"/>
-    <p:sldId id="480" r:id="rId37"/>
-    <p:sldId id="482" r:id="rId38"/>
-    <p:sldId id="501" r:id="rId39"/>
+    <p:sldId id="504" r:id="rId4"/>
+    <p:sldId id="323" r:id="rId5"/>
+    <p:sldId id="428" r:id="rId6"/>
+    <p:sldId id="286" r:id="rId7"/>
+    <p:sldId id="273" r:id="rId8"/>
+    <p:sldId id="287" r:id="rId9"/>
+    <p:sldId id="288" r:id="rId10"/>
+    <p:sldId id="468" r:id="rId11"/>
+    <p:sldId id="463" r:id="rId12"/>
+    <p:sldId id="464" r:id="rId13"/>
+    <p:sldId id="284" r:id="rId14"/>
+    <p:sldId id="503" r:id="rId15"/>
+    <p:sldId id="502" r:id="rId16"/>
+    <p:sldId id="474" r:id="rId17"/>
+    <p:sldId id="475" r:id="rId18"/>
+    <p:sldId id="476" r:id="rId19"/>
+    <p:sldId id="477" r:id="rId20"/>
+    <p:sldId id="478" r:id="rId21"/>
+    <p:sldId id="486" r:id="rId22"/>
+    <p:sldId id="484" r:id="rId23"/>
+    <p:sldId id="488" r:id="rId24"/>
+    <p:sldId id="489" r:id="rId25"/>
+    <p:sldId id="490" r:id="rId26"/>
+    <p:sldId id="491" r:id="rId27"/>
+    <p:sldId id="492" r:id="rId28"/>
+    <p:sldId id="493" r:id="rId29"/>
+    <p:sldId id="494" r:id="rId30"/>
+    <p:sldId id="495" r:id="rId31"/>
+    <p:sldId id="487" r:id="rId32"/>
+    <p:sldId id="485" r:id="rId33"/>
+    <p:sldId id="496" r:id="rId34"/>
+    <p:sldId id="473" r:id="rId35"/>
+    <p:sldId id="479" r:id="rId36"/>
+    <p:sldId id="481" r:id="rId37"/>
+    <p:sldId id="480" r:id="rId38"/>
+    <p:sldId id="482" r:id="rId39"/>
+    <p:sldId id="501" r:id="rId40"/>
   </p:sldIdLst>
   <p:sldSz cx="12192000" cy="6858000"/>
   <p:notesSz cx="6858000" cy="9144000"/>
@@ -283,7 +284,7 @@
       <p15:sldGuideLst xmlns:p15="http://schemas.microsoft.com/office/powerpoint/2012/main"/>
     </p:ext>
     <p:ext uri="http://customooxmlschemas.google.com/">
-      <go:slidesCustomData xmlns:go="http://customooxmlschemas.google.com/" xmlns:p15="http://schemas.microsoft.com/office/powerpoint/2012/main" xmlns:p14="http://schemas.microsoft.com/office/powerpoint/2010/main" xmlns:com="http://schemas.openxmlformats.org/drawingml/2006/compatibility" xmlns:pvml="urn:schemas-microsoft-com:office:powerpoint" xmlns:v="urn:schemas-microsoft-com:vml" xmlns:o="urn:schemas-microsoft-com:office:office" xmlns:dgm="http://schemas.openxmlformats.org/drawingml/2006/diagram" xmlns:c="http://schemas.openxmlformats.org/drawingml/2006/chart" xmlns:mv="urn:schemas-microsoft-com:mac:vml" xmlns:mc="http://schemas.openxmlformats.org/markup-compatibility/2006" xmlns="" r:id="rId54" roundtripDataSignature="AMtx7mjFyVUGRZWio+dc9dxzYsimUxNJbg=="/>
+      <go:slidesCustomData xmlns="" xmlns:mc="http://schemas.openxmlformats.org/markup-compatibility/2006" xmlns:mv="urn:schemas-microsoft-com:mac:vml" xmlns:c="http://schemas.openxmlformats.org/drawingml/2006/chart" xmlns:dgm="http://schemas.openxmlformats.org/drawingml/2006/diagram" xmlns:o="urn:schemas-microsoft-com:office:office" xmlns:v="urn:schemas-microsoft-com:vml" xmlns:pvml="urn:schemas-microsoft-com:office:powerpoint" xmlns:com="http://schemas.openxmlformats.org/drawingml/2006/compatibility" xmlns:p14="http://schemas.microsoft.com/office/powerpoint/2010/main" xmlns:p15="http://schemas.microsoft.com/office/powerpoint/2012/main" xmlns:go="http://customooxmlschemas.google.com/" r:id="rId54" roundtripDataSignature="AMtx7mjFyVUGRZWio+dc9dxzYsimUxNJbg=="/>
     </p:ext>
   </p:extLst>
 </p:presentation>
@@ -7760,10 +7761,10 @@
           </a:ln>
           <a:extLst>
             <a:ext uri="{FAA26D3D-D897-4be2-8F04-BA451C77F1D7}">
-              <ma14:placeholderFlag xmlns:ma14="http://schemas.microsoft.com/office/mac/drawingml/2011/main" xmlns="" val="1"/>
+              <ma14:placeholderFlag xmlns="" xmlns:ma14="http://schemas.microsoft.com/office/mac/drawingml/2011/main" val="1"/>
             </a:ext>
             <a:ext uri="{909E8E84-426E-40dd-AFC4-6F175D3DCCD1}">
-              <a14:hiddenFill xmlns="" xmlns:a14="http://schemas.microsoft.com/office/drawing/2010/main">
+              <a14:hiddenFill xmlns:a14="http://schemas.microsoft.com/office/drawing/2010/main" xmlns="">
                 <a:solidFill>
                   <a:srgbClr val="FFFFFF"/>
                 </a:solidFill>
@@ -7786,17 +7787,17 @@
           <a:noFill/>
           <a:extLst>
             <a:ext uri="{FAA26D3D-D897-4be2-8F04-BA451C77F1D7}">
-              <ma14:placeholderFlag xmlns:ma14="http://schemas.microsoft.com/office/mac/drawingml/2011/main" xmlns="" val="1"/>
+              <ma14:placeholderFlag xmlns="" xmlns:ma14="http://schemas.microsoft.com/office/mac/drawingml/2011/main" val="1"/>
             </a:ext>
             <a:ext uri="{909E8E84-426E-40dd-AFC4-6F175D3DCCD1}">
-              <a14:hiddenFill xmlns="" xmlns:a14="http://schemas.microsoft.com/office/drawing/2010/main">
+              <a14:hiddenFill xmlns:a14="http://schemas.microsoft.com/office/drawing/2010/main" xmlns="">
                 <a:solidFill>
                   <a:srgbClr val="FFFFFF"/>
                 </a:solidFill>
               </a14:hiddenFill>
             </a:ext>
             <a:ext uri="{91240B29-F687-4f45-9708-019B960494DF}">
-              <a14:hiddenLine xmlns="" xmlns:a14="http://schemas.microsoft.com/office/drawing/2010/main" w="9525">
+              <a14:hiddenLine xmlns:a14="http://schemas.microsoft.com/office/drawing/2010/main" xmlns="" w="9525">
                 <a:solidFill>
                   <a:srgbClr val="000000"/>
                 </a:solidFill>
@@ -8000,7 +8001,7 @@
                 <a:tabLst/>
                 <a:defRPr/>
               </a:pPr>
-              <a:t>6</a:t>
+              <a:t>7</a:t>
             </a:fld>
             <a:endParaRPr kumimoji="0" lang="en-US" sz="1200" b="0" i="0" u="none" strike="noStrike" kern="1200" cap="none" spc="0" normalizeH="0" baseline="0" noProof="0">
               <a:ln>
@@ -12740,6 +12741,134 @@
 </file>
 
 <file path=ppt/slides/slide10.xml><?xml version="1.0" encoding="utf-8"?>
+<p:sld xmlns:a="http://schemas.openxmlformats.org/drawingml/2006/main" xmlns:r="http://schemas.openxmlformats.org/officeDocument/2006/relationships" xmlns:p="http://schemas.openxmlformats.org/presentationml/2006/main" show="0">
+  <p:cSld>
+    <p:spTree>
+      <p:nvGrpSpPr>
+        <p:cNvPr id="1" name=""/>
+        <p:cNvGrpSpPr/>
+        <p:nvPr/>
+      </p:nvGrpSpPr>
+      <p:grpSpPr>
+        <a:xfrm>
+          <a:off x="0" y="0"/>
+          <a:ext cx="0" cy="0"/>
+          <a:chOff x="0" y="0"/>
+          <a:chExt cx="0" cy="0"/>
+        </a:xfrm>
+      </p:grpSpPr>
+      <p:sp>
+        <p:nvSpPr>
+          <p:cNvPr id="4" name="Title 3">
+            <a:extLst>
+              <a:ext uri="{FF2B5EF4-FFF2-40B4-BE49-F238E27FC236}">
+                <a16:creationId xmlns:a16="http://schemas.microsoft.com/office/drawing/2014/main" id="{30C2C959-72F2-EF4D-80DA-F48A29D0F3C4}"/>
+              </a:ext>
+            </a:extLst>
+          </p:cNvPr>
+          <p:cNvSpPr>
+            <a:spLocks noGrp="1"/>
+          </p:cNvSpPr>
+          <p:nvPr>
+            <p:ph type="title"/>
+          </p:nvPr>
+        </p:nvSpPr>
+        <p:spPr/>
+        <p:txBody>
+          <a:bodyPr/>
+          <a:lstStyle/>
+          <a:p>
+            <a:r>
+              <a:rPr lang="en-US" dirty="0"/>
+              <a:t>What do we need our selected model to do?</a:t>
+            </a:r>
+          </a:p>
+        </p:txBody>
+      </p:sp>
+      <p:sp>
+        <p:nvSpPr>
+          <p:cNvPr id="5" name="Text Placeholder 4">
+            <a:extLst>
+              <a:ext uri="{FF2B5EF4-FFF2-40B4-BE49-F238E27FC236}">
+                <a16:creationId xmlns:a16="http://schemas.microsoft.com/office/drawing/2014/main" id="{24A75FF1-9EFE-0F41-92F5-3E749CFB2EB5}"/>
+              </a:ext>
+            </a:extLst>
+          </p:cNvPr>
+          <p:cNvSpPr>
+            <a:spLocks noGrp="1"/>
+          </p:cNvSpPr>
+          <p:nvPr>
+            <p:ph type="body" idx="1"/>
+          </p:nvPr>
+        </p:nvSpPr>
+        <p:spPr/>
+        <p:txBody>
+          <a:bodyPr/>
+          <a:lstStyle/>
+          <a:p>
+            <a:r>
+              <a:rPr lang="en-US" dirty="0"/>
+              <a:t>Perform well</a:t>
+            </a:r>
+          </a:p>
+          <a:p>
+            <a:pPr lvl="1"/>
+            <a:r>
+              <a:rPr lang="en-US" dirty="0"/>
+              <a:t>What metric?</a:t>
+            </a:r>
+          </a:p>
+          <a:p>
+            <a:pPr lvl="1"/>
+            <a:r>
+              <a:rPr lang="en-US" dirty="0"/>
+              <a:t>Compared to what?</a:t>
+            </a:r>
+          </a:p>
+          <a:p>
+            <a:endParaRPr lang="en-US" dirty="0"/>
+          </a:p>
+          <a:p>
+            <a:r>
+              <a:rPr lang="en-US" dirty="0"/>
+              <a:t>Generalize</a:t>
+            </a:r>
+          </a:p>
+          <a:p>
+            <a:pPr lvl="1"/>
+            <a:r>
+              <a:rPr lang="en-US" dirty="0"/>
+              <a:t>Over what dimension?</a:t>
+            </a:r>
+          </a:p>
+        </p:txBody>
+      </p:sp>
+    </p:spTree>
+    <p:extLst>
+      <p:ext uri="{BB962C8B-B14F-4D97-AF65-F5344CB8AC3E}">
+        <p14:creationId xmlns:p14="http://schemas.microsoft.com/office/powerpoint/2010/main" val="2958666708"/>
+      </p:ext>
+    </p:extLst>
+  </p:cSld>
+  <p:clrMapOvr>
+    <a:masterClrMapping/>
+  </p:clrMapOvr>
+  <mc:AlternateContent xmlns:mc="http://schemas.openxmlformats.org/markup-compatibility/2006" xmlns:p14="http://schemas.microsoft.com/office/powerpoint/2010/main">
+    <mc:Choice Requires="p14">
+      <p:transition spd="med" p14:dur="700">
+        <p:fade/>
+      </p:transition>
+    </mc:Choice>
+    <mc:Fallback xmlns="">
+      <p:transition spd="med">
+        <p:fade/>
+      </p:transition>
+    </mc:Fallback>
+  </mc:AlternateContent>
+</p:sld>
+</file>
+
+<file path=ppt/slides/slide11.xml><?xml version="1.0" encoding="utf-8"?>
 <p:sld xmlns:a="http://schemas.openxmlformats.org/drawingml/2006/main" xmlns:r="http://schemas.openxmlformats.org/officeDocument/2006/relationships" xmlns:p="http://schemas.openxmlformats.org/presentationml/2006/main">
   <p:cSld>
     <p:spTree>
@@ -12889,7 +13018,7 @@
 </p:sld>
 </file>
 
-<file path=ppt/slides/slide11.xml><?xml version="1.0" encoding="utf-8"?>
+<file path=ppt/slides/slide12.xml><?xml version="1.0" encoding="utf-8"?>
 <p:sld xmlns:a="http://schemas.openxmlformats.org/drawingml/2006/main" xmlns:r="http://schemas.openxmlformats.org/officeDocument/2006/relationships" xmlns:p="http://schemas.openxmlformats.org/presentationml/2006/main">
   <p:cSld>
     <p:spTree>
@@ -14023,7 +14152,7 @@
 </p:sld>
 </file>
 
-<file path=ppt/slides/slide12.xml><?xml version="1.0" encoding="utf-8"?>
+<file path=ppt/slides/slide13.xml><?xml version="1.0" encoding="utf-8"?>
 <p:sld xmlns:a="http://schemas.openxmlformats.org/drawingml/2006/main" xmlns:r="http://schemas.openxmlformats.org/officeDocument/2006/relationships" xmlns:p="http://schemas.openxmlformats.org/presentationml/2006/main">
   <p:cSld>
     <p:spTree>
@@ -14489,7 +14618,7 @@
 </p:sld>
 </file>
 
-<file path=ppt/slides/slide13.xml><?xml version="1.0" encoding="utf-8"?>
+<file path=ppt/slides/slide14.xml><?xml version="1.0" encoding="utf-8"?>
 <p:sld xmlns:a="http://schemas.openxmlformats.org/drawingml/2006/main" xmlns:r="http://schemas.openxmlformats.org/officeDocument/2006/relationships" xmlns:p="http://schemas.openxmlformats.org/presentationml/2006/main">
   <p:cSld>
     <p:spTree>
@@ -14992,7 +15121,7 @@
 </p:sld>
 </file>
 
-<file path=ppt/slides/slide14.xml><?xml version="1.0" encoding="utf-8"?>
+<file path=ppt/slides/slide15.xml><?xml version="1.0" encoding="utf-8"?>
 <p:sld xmlns:a="http://schemas.openxmlformats.org/drawingml/2006/main" xmlns:r="http://schemas.openxmlformats.org/officeDocument/2006/relationships" xmlns:p="http://schemas.openxmlformats.org/presentationml/2006/main">
   <p:cSld>
     <p:spTree>
@@ -15123,7 +15252,7 @@
 </p:sld>
 </file>
 
-<file path=ppt/slides/slide15.xml><?xml version="1.0" encoding="utf-8"?>
+<file path=ppt/slides/slide16.xml><?xml version="1.0" encoding="utf-8"?>
 <p:sld xmlns:a="http://schemas.openxmlformats.org/drawingml/2006/main" xmlns:r="http://schemas.openxmlformats.org/officeDocument/2006/relationships" xmlns:p="http://schemas.openxmlformats.org/presentationml/2006/main">
   <p:cSld>
     <p:spTree>
@@ -15256,7 +15385,7 @@
 </p:sld>
 </file>
 
-<file path=ppt/slides/slide16.xml><?xml version="1.0" encoding="utf-8"?>
+<file path=ppt/slides/slide17.xml><?xml version="1.0" encoding="utf-8"?>
 <p:sld xmlns:a="http://schemas.openxmlformats.org/drawingml/2006/main" xmlns:r="http://schemas.openxmlformats.org/officeDocument/2006/relationships" xmlns:p="http://schemas.openxmlformats.org/presentationml/2006/main">
   <p:cSld>
     <p:spTree>
@@ -15389,7 +15518,7 @@
 </p:sld>
 </file>
 
-<file path=ppt/slides/slide17.xml><?xml version="1.0" encoding="utf-8"?>
+<file path=ppt/slides/slide18.xml><?xml version="1.0" encoding="utf-8"?>
 <p:sld xmlns:a="http://schemas.openxmlformats.org/drawingml/2006/main" xmlns:r="http://schemas.openxmlformats.org/officeDocument/2006/relationships" xmlns:p="http://schemas.openxmlformats.org/presentationml/2006/main">
   <p:cSld>
     <p:spTree>
@@ -15522,7 +15651,7 @@
 </p:sld>
 </file>
 
-<file path=ppt/slides/slide18.xml><?xml version="1.0" encoding="utf-8"?>
+<file path=ppt/slides/slide19.xml><?xml version="1.0" encoding="utf-8"?>
 <p:sld xmlns:a="http://schemas.openxmlformats.org/drawingml/2006/main" xmlns:r="http://schemas.openxmlformats.org/officeDocument/2006/relationships" xmlns:p="http://schemas.openxmlformats.org/presentationml/2006/main">
   <p:cSld>
     <p:spTree>
@@ -15614,187 +15743,8 @@
 </p:sld>
 </file>
 
-<file path=ppt/slides/slide19.xml><?xml version="1.0" encoding="utf-8"?>
-<p:sld xmlns:a="http://schemas.openxmlformats.org/drawingml/2006/main" xmlns:r="http://schemas.openxmlformats.org/officeDocument/2006/relationships" xmlns:p="http://schemas.openxmlformats.org/presentationml/2006/main">
-  <p:cSld>
-    <p:spTree>
-      <p:nvGrpSpPr>
-        <p:cNvPr id="1" name="Shape 454"/>
-        <p:cNvGrpSpPr/>
-        <p:nvPr/>
-      </p:nvGrpSpPr>
-      <p:grpSpPr>
-        <a:xfrm>
-          <a:off x="0" y="0"/>
-          <a:ext cx="0" cy="0"/>
-          <a:chOff x="0" y="0"/>
-          <a:chExt cx="0" cy="0"/>
-        </a:xfrm>
-      </p:grpSpPr>
-      <p:sp>
-        <p:nvSpPr>
-          <p:cNvPr id="455" name="Google Shape;455;p43"/>
-          <p:cNvSpPr txBox="1">
-            <a:spLocks noGrp="1"/>
-          </p:cNvSpPr>
-          <p:nvPr>
-            <p:ph type="title"/>
-          </p:nvPr>
-        </p:nvSpPr>
-        <p:spPr>
-          <a:prstGeom prst="rect">
-            <a:avLst/>
-          </a:prstGeom>
-        </p:spPr>
-        <p:txBody>
-          <a:bodyPr spcFirstLastPara="1" wrap="square" lIns="121900" tIns="60933" rIns="121900" bIns="60933" anchor="ctr" anchorCtr="0">
-            <a:noAutofit/>
-          </a:bodyPr>
-          <a:lstStyle/>
-          <a:p>
-            <a:r>
-              <a:rPr lang="en" dirty="0"/>
-              <a:t>Model Selection</a:t>
-            </a:r>
-            <a:endParaRPr sz="4000" b="1" dirty="0">
-              <a:latin typeface="Roboto"/>
-              <a:ea typeface="Roboto"/>
-              <a:cs typeface="Roboto"/>
-              <a:sym typeface="Roboto"/>
-            </a:endParaRPr>
-          </a:p>
-        </p:txBody>
-      </p:sp>
-      <p:sp>
-        <p:nvSpPr>
-          <p:cNvPr id="456" name="Google Shape;456;p43"/>
-          <p:cNvSpPr txBox="1">
-            <a:spLocks noGrp="1"/>
-          </p:cNvSpPr>
-          <p:nvPr>
-            <p:ph type="body" idx="1"/>
-          </p:nvPr>
-        </p:nvSpPr>
-        <p:spPr>
-          <a:xfrm>
-            <a:off x="415600" y="1536632"/>
-            <a:ext cx="11360700" cy="4787967"/>
-          </a:xfrm>
-          <a:prstGeom prst="rect">
-            <a:avLst/>
-          </a:prstGeom>
-        </p:spPr>
-        <p:txBody>
-          <a:bodyPr spcFirstLastPara="1" wrap="square" lIns="121900" tIns="60933" rIns="121900" bIns="60933" anchor="t" anchorCtr="0">
-            <a:noAutofit/>
-          </a:bodyPr>
-          <a:lstStyle/>
-          <a:p>
-            <a:pPr indent="-474121">
-              <a:buSzPts val="2000"/>
-            </a:pPr>
-            <a:r>
-              <a:rPr lang="en" sz="2667" dirty="0"/>
-              <a:t>How can you narrow hundreds or thousands of model specifications down to a handful of the best-performing ones?</a:t>
-            </a:r>
-            <a:br>
-              <a:rPr lang="en" sz="2667" dirty="0"/>
-            </a:br>
-            <a:endParaRPr sz="2667" dirty="0"/>
-          </a:p>
-          <a:p>
-            <a:pPr indent="-474121">
-              <a:spcBef>
-                <a:spcPts val="0"/>
-              </a:spcBef>
-              <a:buSzPts val="2000"/>
-            </a:pPr>
-            <a:r>
-              <a:rPr lang="en" sz="2667" dirty="0"/>
-              <a:t>How do you balance performance and stability?</a:t>
-            </a:r>
-            <a:endParaRPr sz="2667" dirty="0"/>
-          </a:p>
-          <a:p>
-            <a:pPr lvl="1" indent="-474121">
-              <a:spcBef>
-                <a:spcPts val="0"/>
-              </a:spcBef>
-              <a:buSzPts val="2000"/>
-            </a:pPr>
-            <a:r>
-              <a:rPr lang="en" sz="2667" dirty="0"/>
-              <a:t>mean performance?</a:t>
-            </a:r>
-            <a:endParaRPr sz="2667" dirty="0"/>
-          </a:p>
-          <a:p>
-            <a:pPr lvl="1" indent="-474121">
-              <a:spcBef>
-                <a:spcPts val="0"/>
-              </a:spcBef>
-              <a:buSzPts val="2000"/>
-            </a:pPr>
-            <a:r>
-              <a:rPr lang="en" sz="2667" dirty="0"/>
-              <a:t>balancing mean and variance?</a:t>
-            </a:r>
-            <a:endParaRPr sz="2667" dirty="0"/>
-          </a:p>
-          <a:p>
-            <a:pPr lvl="1" indent="-474121">
-              <a:spcBef>
-                <a:spcPts val="0"/>
-              </a:spcBef>
-              <a:buSzPts val="2000"/>
-            </a:pPr>
-            <a:r>
-              <a:rPr lang="en" sz="2667" dirty="0"/>
-              <a:t>recency-weighted mean?</a:t>
-            </a:r>
-            <a:br>
-              <a:rPr lang="en" sz="2667" dirty="0"/>
-            </a:br>
-            <a:endParaRPr sz="2667" dirty="0"/>
-          </a:p>
-          <a:p>
-            <a:pPr indent="-474121">
-              <a:spcBef>
-                <a:spcPts val="0"/>
-              </a:spcBef>
-              <a:buSzPts val="2000"/>
-            </a:pPr>
-            <a:r>
-              <a:rPr lang="en" sz="2667" dirty="0"/>
-              <a:t>W</a:t>
-            </a:r>
-            <a:r>
-              <a:rPr lang="en-US" sz="2667" dirty="0"/>
-              <a:t>h</a:t>
-            </a:r>
-            <a:r>
-              <a:rPr lang="en" sz="2667" dirty="0"/>
-              <a:t>at is the “regret” in subsequent time periods from using different strategies for choosing a model to deploy?</a:t>
-            </a:r>
-            <a:endParaRPr sz="2667" dirty="0"/>
-          </a:p>
-        </p:txBody>
-      </p:sp>
-    </p:spTree>
-    <p:extLst>
-      <p:ext uri="{BB962C8B-B14F-4D97-AF65-F5344CB8AC3E}">
-        <p14:creationId xmlns:p14="http://schemas.microsoft.com/office/powerpoint/2010/main" val="1094637480"/>
-      </p:ext>
-    </p:extLst>
-  </p:cSld>
-  <p:clrMapOvr>
-    <a:masterClrMapping/>
-  </p:clrMapOvr>
-</p:sld>
-</file>
-
 <file path=ppt/slides/slide2.xml><?xml version="1.0" encoding="utf-8"?>
-<p:sld xmlns:a="http://schemas.openxmlformats.org/drawingml/2006/main" xmlns:r="http://schemas.openxmlformats.org/officeDocument/2006/relationships" xmlns:p="http://schemas.openxmlformats.org/presentationml/2006/main">
+<p:sld xmlns:a="http://schemas.openxmlformats.org/drawingml/2006/main" xmlns:r="http://schemas.openxmlformats.org/officeDocument/2006/relationships" xmlns:p="http://schemas.openxmlformats.org/presentationml/2006/main" show="0">
   <p:cSld>
     <p:spTree>
       <p:nvGrpSpPr>
@@ -15864,7 +15814,7 @@
                   <a:schemeClr val="tx1"/>
                 </a:solidFill>
               </a:rPr>
-              <a:t>Tuesday: Weekly Feedback Form and Readings</a:t>
+              <a:t>Tuesday: Weekly Feedback Form</a:t>
             </a:r>
           </a:p>
           <a:p>
@@ -16042,6 +15992,185 @@
           </a:bodyPr>
           <a:lstStyle/>
           <a:p>
+            <a:pPr indent="-474121">
+              <a:buSzPts val="2000"/>
+            </a:pPr>
+            <a:r>
+              <a:rPr lang="en" sz="2667" dirty="0"/>
+              <a:t>How can you narrow hundreds or thousands of model specifications down to a handful of the best-performing ones?</a:t>
+            </a:r>
+            <a:br>
+              <a:rPr lang="en" sz="2667" dirty="0"/>
+            </a:br>
+            <a:endParaRPr sz="2667" dirty="0"/>
+          </a:p>
+          <a:p>
+            <a:pPr indent="-474121">
+              <a:spcBef>
+                <a:spcPts val="0"/>
+              </a:spcBef>
+              <a:buSzPts val="2000"/>
+            </a:pPr>
+            <a:r>
+              <a:rPr lang="en" sz="2667" dirty="0"/>
+              <a:t>How do you balance performance and stability?</a:t>
+            </a:r>
+            <a:endParaRPr sz="2667" dirty="0"/>
+          </a:p>
+          <a:p>
+            <a:pPr lvl="1" indent="-474121">
+              <a:spcBef>
+                <a:spcPts val="0"/>
+              </a:spcBef>
+              <a:buSzPts val="2000"/>
+            </a:pPr>
+            <a:r>
+              <a:rPr lang="en" sz="2667" dirty="0"/>
+              <a:t>mean performance?</a:t>
+            </a:r>
+            <a:endParaRPr sz="2667" dirty="0"/>
+          </a:p>
+          <a:p>
+            <a:pPr lvl="1" indent="-474121">
+              <a:spcBef>
+                <a:spcPts val="0"/>
+              </a:spcBef>
+              <a:buSzPts val="2000"/>
+            </a:pPr>
+            <a:r>
+              <a:rPr lang="en" sz="2667" dirty="0"/>
+              <a:t>balancing mean and variance?</a:t>
+            </a:r>
+            <a:endParaRPr sz="2667" dirty="0"/>
+          </a:p>
+          <a:p>
+            <a:pPr lvl="1" indent="-474121">
+              <a:spcBef>
+                <a:spcPts val="0"/>
+              </a:spcBef>
+              <a:buSzPts val="2000"/>
+            </a:pPr>
+            <a:r>
+              <a:rPr lang="en" sz="2667" dirty="0"/>
+              <a:t>recency-weighted mean?</a:t>
+            </a:r>
+            <a:br>
+              <a:rPr lang="en" sz="2667" dirty="0"/>
+            </a:br>
+            <a:endParaRPr sz="2667" dirty="0"/>
+          </a:p>
+          <a:p>
+            <a:pPr indent="-474121">
+              <a:spcBef>
+                <a:spcPts val="0"/>
+              </a:spcBef>
+              <a:buSzPts val="2000"/>
+            </a:pPr>
+            <a:r>
+              <a:rPr lang="en" sz="2667" dirty="0"/>
+              <a:t>W</a:t>
+            </a:r>
+            <a:r>
+              <a:rPr lang="en-US" sz="2667" dirty="0"/>
+              <a:t>h</a:t>
+            </a:r>
+            <a:r>
+              <a:rPr lang="en" sz="2667" dirty="0"/>
+              <a:t>at is the “regret” in subsequent time periods from using different strategies for choosing a model to deploy?</a:t>
+            </a:r>
+            <a:endParaRPr sz="2667" dirty="0"/>
+          </a:p>
+        </p:txBody>
+      </p:sp>
+    </p:spTree>
+    <p:extLst>
+      <p:ext uri="{BB962C8B-B14F-4D97-AF65-F5344CB8AC3E}">
+        <p14:creationId xmlns:p14="http://schemas.microsoft.com/office/powerpoint/2010/main" val="1094637480"/>
+      </p:ext>
+    </p:extLst>
+  </p:cSld>
+  <p:clrMapOvr>
+    <a:masterClrMapping/>
+  </p:clrMapOvr>
+</p:sld>
+</file>
+
+<file path=ppt/slides/slide21.xml><?xml version="1.0" encoding="utf-8"?>
+<p:sld xmlns:a="http://schemas.openxmlformats.org/drawingml/2006/main" xmlns:r="http://schemas.openxmlformats.org/officeDocument/2006/relationships" xmlns:p="http://schemas.openxmlformats.org/presentationml/2006/main">
+  <p:cSld>
+    <p:spTree>
+      <p:nvGrpSpPr>
+        <p:cNvPr id="1" name="Shape 454"/>
+        <p:cNvGrpSpPr/>
+        <p:nvPr/>
+      </p:nvGrpSpPr>
+      <p:grpSpPr>
+        <a:xfrm>
+          <a:off x="0" y="0"/>
+          <a:ext cx="0" cy="0"/>
+          <a:chOff x="0" y="0"/>
+          <a:chExt cx="0" cy="0"/>
+        </a:xfrm>
+      </p:grpSpPr>
+      <p:sp>
+        <p:nvSpPr>
+          <p:cNvPr id="455" name="Google Shape;455;p43"/>
+          <p:cNvSpPr txBox="1">
+            <a:spLocks noGrp="1"/>
+          </p:cNvSpPr>
+          <p:nvPr>
+            <p:ph type="title"/>
+          </p:nvPr>
+        </p:nvSpPr>
+        <p:spPr>
+          <a:prstGeom prst="rect">
+            <a:avLst/>
+          </a:prstGeom>
+        </p:spPr>
+        <p:txBody>
+          <a:bodyPr spcFirstLastPara="1" wrap="square" lIns="121900" tIns="60933" rIns="121900" bIns="60933" anchor="ctr" anchorCtr="0">
+            <a:noAutofit/>
+          </a:bodyPr>
+          <a:lstStyle/>
+          <a:p>
+            <a:r>
+              <a:rPr lang="en" dirty="0"/>
+              <a:t>Model Selection</a:t>
+            </a:r>
+            <a:endParaRPr sz="4000" b="1" dirty="0">
+              <a:latin typeface="Roboto"/>
+              <a:ea typeface="Roboto"/>
+              <a:cs typeface="Roboto"/>
+              <a:sym typeface="Roboto"/>
+            </a:endParaRPr>
+          </a:p>
+        </p:txBody>
+      </p:sp>
+      <p:sp>
+        <p:nvSpPr>
+          <p:cNvPr id="456" name="Google Shape;456;p43"/>
+          <p:cNvSpPr txBox="1">
+            <a:spLocks noGrp="1"/>
+          </p:cNvSpPr>
+          <p:nvPr>
+            <p:ph type="body" idx="1"/>
+          </p:nvPr>
+        </p:nvSpPr>
+        <p:spPr>
+          <a:xfrm>
+            <a:off x="415600" y="1536632"/>
+            <a:ext cx="11360700" cy="4787967"/>
+          </a:xfrm>
+          <a:prstGeom prst="rect">
+            <a:avLst/>
+          </a:prstGeom>
+        </p:spPr>
+        <p:txBody>
+          <a:bodyPr spcFirstLastPara="1" wrap="square" lIns="121900" tIns="60933" rIns="121900" bIns="60933" anchor="t" anchorCtr="0">
+            <a:noAutofit/>
+          </a:bodyPr>
+          <a:lstStyle/>
+          <a:p>
             <a:pPr marL="0" indent="0">
               <a:buSzPts val="2000"/>
               <a:buNone/>
@@ -16114,7 +16243,7 @@
 </p:sld>
 </file>
 
-<file path=ppt/slides/slide21.xml><?xml version="1.0" encoding="utf-8"?>
+<file path=ppt/slides/slide22.xml><?xml version="1.0" encoding="utf-8"?>
 <p:sld xmlns:a="http://schemas.openxmlformats.org/drawingml/2006/main" xmlns:r="http://schemas.openxmlformats.org/officeDocument/2006/relationships" xmlns:p="http://schemas.openxmlformats.org/presentationml/2006/main">
   <p:cSld>
     <p:spTree>
@@ -16316,7 +16445,7 @@
 </p:sld>
 </file>
 
-<file path=ppt/slides/slide22.xml><?xml version="1.0" encoding="utf-8"?>
+<file path=ppt/slides/slide23.xml><?xml version="1.0" encoding="utf-8"?>
 <p:sld xmlns:a="http://schemas.openxmlformats.org/drawingml/2006/main" xmlns:r="http://schemas.openxmlformats.org/officeDocument/2006/relationships" xmlns:p="http://schemas.openxmlformats.org/presentationml/2006/main">
   <p:cSld>
     <p:spTree>
@@ -16535,7 +16664,7 @@
 </p:sld>
 </file>
 
-<file path=ppt/slides/slide23.xml><?xml version="1.0" encoding="utf-8"?>
+<file path=ppt/slides/slide24.xml><?xml version="1.0" encoding="utf-8"?>
 <p:sld xmlns:a="http://schemas.openxmlformats.org/drawingml/2006/main" xmlns:r="http://schemas.openxmlformats.org/officeDocument/2006/relationships" xmlns:p="http://schemas.openxmlformats.org/presentationml/2006/main">
   <p:cSld>
     <p:spTree>
@@ -16995,7 +17124,7 @@
 </p:sld>
 </file>
 
-<file path=ppt/slides/slide24.xml><?xml version="1.0" encoding="utf-8"?>
+<file path=ppt/slides/slide25.xml><?xml version="1.0" encoding="utf-8"?>
 <p:sld xmlns:a="http://schemas.openxmlformats.org/drawingml/2006/main" xmlns:r="http://schemas.openxmlformats.org/officeDocument/2006/relationships" xmlns:p="http://schemas.openxmlformats.org/presentationml/2006/main">
   <p:cSld>
     <p:spTree>
@@ -17261,7 +17390,7 @@
 </p:sld>
 </file>
 
-<file path=ppt/slides/slide25.xml><?xml version="1.0" encoding="utf-8"?>
+<file path=ppt/slides/slide26.xml><?xml version="1.0" encoding="utf-8"?>
 <p:sld xmlns:a="http://schemas.openxmlformats.org/drawingml/2006/main" xmlns:r="http://schemas.openxmlformats.org/officeDocument/2006/relationships" xmlns:p="http://schemas.openxmlformats.org/presentationml/2006/main">
   <p:cSld>
     <p:spTree>
@@ -17572,7 +17701,7 @@
 </p:sld>
 </file>
 
-<file path=ppt/slides/slide26.xml><?xml version="1.0" encoding="utf-8"?>
+<file path=ppt/slides/slide27.xml><?xml version="1.0" encoding="utf-8"?>
 <p:sld xmlns:a="http://schemas.openxmlformats.org/drawingml/2006/main" xmlns:r="http://schemas.openxmlformats.org/officeDocument/2006/relationships" xmlns:p="http://schemas.openxmlformats.org/presentationml/2006/main">
   <p:cSld>
     <p:spTree>
@@ -17900,7 +18029,7 @@
 </p:sld>
 </file>
 
-<file path=ppt/slides/slide27.xml><?xml version="1.0" encoding="utf-8"?>
+<file path=ppt/slides/slide28.xml><?xml version="1.0" encoding="utf-8"?>
 <p:sld xmlns:a="http://schemas.openxmlformats.org/drawingml/2006/main" xmlns:r="http://schemas.openxmlformats.org/officeDocument/2006/relationships" xmlns:p="http://schemas.openxmlformats.org/presentationml/2006/main">
   <p:cSld>
     <p:spTree>
@@ -18225,7 +18354,7 @@
 </p:sld>
 </file>
 
-<file path=ppt/slides/slide28.xml><?xml version="1.0" encoding="utf-8"?>
+<file path=ppt/slides/slide29.xml><?xml version="1.0" encoding="utf-8"?>
 <p:sld xmlns:a="http://schemas.openxmlformats.org/drawingml/2006/main" xmlns:r="http://schemas.openxmlformats.org/officeDocument/2006/relationships" xmlns:p="http://schemas.openxmlformats.org/presentationml/2006/main">
   <p:cSld>
     <p:spTree>
@@ -18711,7 +18840,465 @@
 </p:sld>
 </file>
 
-<file path=ppt/slides/slide29.xml><?xml version="1.0" encoding="utf-8"?>
+<file path=ppt/slides/slide3.xml><?xml version="1.0" encoding="utf-8"?>
+<p:sld xmlns:a="http://schemas.openxmlformats.org/drawingml/2006/main" xmlns:r="http://schemas.openxmlformats.org/officeDocument/2006/relationships" xmlns:p="http://schemas.openxmlformats.org/presentationml/2006/main">
+  <p:cSld>
+    <p:spTree>
+      <p:nvGrpSpPr>
+        <p:cNvPr id="1" name=""/>
+        <p:cNvGrpSpPr/>
+        <p:nvPr/>
+      </p:nvGrpSpPr>
+      <p:grpSpPr>
+        <a:xfrm>
+          <a:off x="0" y="0"/>
+          <a:ext cx="0" cy="0"/>
+          <a:chOff x="0" y="0"/>
+          <a:chExt cx="0" cy="0"/>
+        </a:xfrm>
+      </p:grpSpPr>
+      <p:sp>
+        <p:nvSpPr>
+          <p:cNvPr id="3" name="Title 2"/>
+          <p:cNvSpPr>
+            <a:spLocks noGrp="1"/>
+          </p:cNvSpPr>
+          <p:nvPr>
+            <p:ph type="title"/>
+          </p:nvPr>
+        </p:nvSpPr>
+        <p:spPr>
+          <a:xfrm>
+            <a:off x="111210" y="231532"/>
+            <a:ext cx="12080789" cy="763500"/>
+          </a:xfrm>
+        </p:spPr>
+        <p:txBody>
+          <a:bodyPr/>
+          <a:lstStyle/>
+          <a:p>
+            <a:r>
+              <a:rPr lang="en-US" dirty="0"/>
+              <a:t>Recap: Models and Parameters</a:t>
+            </a:r>
+          </a:p>
+        </p:txBody>
+      </p:sp>
+      <p:sp>
+        <p:nvSpPr>
+          <p:cNvPr id="2" name="Content Placeholder 1"/>
+          <p:cNvSpPr>
+            <a:spLocks noGrp="1"/>
+          </p:cNvSpPr>
+          <p:nvPr>
+            <p:ph type="body" idx="1"/>
+          </p:nvPr>
+        </p:nvSpPr>
+        <p:spPr>
+          <a:xfrm>
+            <a:off x="489946" y="995032"/>
+            <a:ext cx="11212108" cy="969692"/>
+          </a:xfrm>
+        </p:spPr>
+        <p:txBody>
+          <a:bodyPr/>
+          <a:lstStyle/>
+          <a:p>
+            <a:pPr marL="76200" indent="0">
+              <a:buNone/>
+            </a:pPr>
+            <a:r>
+              <a:rPr lang="en-US" sz="3600" dirty="0"/>
+              <a:t>Which lines would you give feedback on?</a:t>
+            </a:r>
+          </a:p>
+        </p:txBody>
+      </p:sp>
+      <p:sp>
+        <p:nvSpPr>
+          <p:cNvPr id="4" name="Content Placeholder 1">
+            <a:extLst>
+              <a:ext uri="{FF2B5EF4-FFF2-40B4-BE49-F238E27FC236}">
+                <a16:creationId xmlns:a16="http://schemas.microsoft.com/office/drawing/2014/main" id="{14BBE1C8-D8BC-2A41-A04B-7C6439BF19C4}"/>
+              </a:ext>
+            </a:extLst>
+          </p:cNvPr>
+          <p:cNvSpPr txBox="1">
+            <a:spLocks/>
+          </p:cNvSpPr>
+          <p:nvPr/>
+        </p:nvSpPr>
+        <p:spPr>
+          <a:xfrm>
+            <a:off x="3780129" y="4745991"/>
+            <a:ext cx="4235913" cy="3542027"/>
+          </a:xfrm>
+          <a:prstGeom prst="rect">
+            <a:avLst/>
+          </a:prstGeom>
+          <a:noFill/>
+          <a:ln>
+            <a:noFill/>
+          </a:ln>
+        </p:spPr>
+        <p:txBody>
+          <a:bodyPr spcFirstLastPara="1" wrap="square" lIns="121900" tIns="121900" rIns="121900" bIns="121900" anchor="t" anchorCtr="0">
+            <a:noAutofit/>
+          </a:bodyPr>
+          <a:lstStyle>
+            <a:defPPr marR="0" lvl="0" algn="l" rtl="0">
+              <a:lnSpc>
+                <a:spcPct val="100000"/>
+              </a:lnSpc>
+              <a:spcBef>
+                <a:spcPts val="0"/>
+              </a:spcBef>
+              <a:spcAft>
+                <a:spcPts val="0"/>
+              </a:spcAft>
+            </a:defPPr>
+            <a:lvl1pPr marL="457200" marR="0" lvl="0" indent="-381000" algn="l" rtl="0">
+              <a:lnSpc>
+                <a:spcPct val="115000"/>
+              </a:lnSpc>
+              <a:spcBef>
+                <a:spcPts val="0"/>
+              </a:spcBef>
+              <a:spcAft>
+                <a:spcPts val="0"/>
+              </a:spcAft>
+              <a:buClr>
+                <a:srgbClr val="434343"/>
+              </a:buClr>
+              <a:buSzPts val="2400"/>
+              <a:buFont typeface="Arial"/>
+              <a:buChar char="●"/>
+              <a:defRPr sz="2400" b="0" i="0" u="none" strike="noStrike" cap="none">
+                <a:solidFill>
+                  <a:srgbClr val="434343"/>
+                </a:solidFill>
+                <a:latin typeface="Arial"/>
+                <a:ea typeface="Arial"/>
+                <a:cs typeface="Arial"/>
+                <a:sym typeface="Arial"/>
+              </a:defRPr>
+            </a:lvl1pPr>
+            <a:lvl2pPr marL="914400" marR="0" lvl="1" indent="-349250" algn="l" rtl="0">
+              <a:lnSpc>
+                <a:spcPct val="115000"/>
+              </a:lnSpc>
+              <a:spcBef>
+                <a:spcPts val="2100"/>
+              </a:spcBef>
+              <a:spcAft>
+                <a:spcPts val="0"/>
+              </a:spcAft>
+              <a:buClr>
+                <a:srgbClr val="434343"/>
+              </a:buClr>
+              <a:buSzPts val="1900"/>
+              <a:buFont typeface="Arial"/>
+              <a:buChar char="○"/>
+              <a:defRPr sz="1900" b="0" i="0" u="none" strike="noStrike" cap="none">
+                <a:solidFill>
+                  <a:srgbClr val="434343"/>
+                </a:solidFill>
+                <a:latin typeface="Arial"/>
+                <a:ea typeface="Arial"/>
+                <a:cs typeface="Arial"/>
+                <a:sym typeface="Arial"/>
+              </a:defRPr>
+            </a:lvl2pPr>
+            <a:lvl3pPr marL="1371600" marR="0" lvl="2" indent="-349250" algn="l" rtl="0">
+              <a:lnSpc>
+                <a:spcPct val="115000"/>
+              </a:lnSpc>
+              <a:spcBef>
+                <a:spcPts val="2100"/>
+              </a:spcBef>
+              <a:spcAft>
+                <a:spcPts val="0"/>
+              </a:spcAft>
+              <a:buClr>
+                <a:srgbClr val="434343"/>
+              </a:buClr>
+              <a:buSzPts val="1900"/>
+              <a:buFont typeface="Arial"/>
+              <a:buChar char="■"/>
+              <a:defRPr sz="1900" b="0" i="0" u="none" strike="noStrike" cap="none">
+                <a:solidFill>
+                  <a:srgbClr val="434343"/>
+                </a:solidFill>
+                <a:latin typeface="Arial"/>
+                <a:ea typeface="Arial"/>
+                <a:cs typeface="Arial"/>
+                <a:sym typeface="Arial"/>
+              </a:defRPr>
+            </a:lvl3pPr>
+            <a:lvl4pPr marL="1828800" marR="0" lvl="3" indent="-349250" algn="l" rtl="0">
+              <a:lnSpc>
+                <a:spcPct val="115000"/>
+              </a:lnSpc>
+              <a:spcBef>
+                <a:spcPts val="2100"/>
+              </a:spcBef>
+              <a:spcAft>
+                <a:spcPts val="0"/>
+              </a:spcAft>
+              <a:buClr>
+                <a:srgbClr val="434343"/>
+              </a:buClr>
+              <a:buSzPts val="1900"/>
+              <a:buFont typeface="Arial"/>
+              <a:buChar char="●"/>
+              <a:defRPr sz="1900" b="0" i="0" u="none" strike="noStrike" cap="none">
+                <a:solidFill>
+                  <a:srgbClr val="434343"/>
+                </a:solidFill>
+                <a:latin typeface="Arial"/>
+                <a:ea typeface="Arial"/>
+                <a:cs typeface="Arial"/>
+                <a:sym typeface="Arial"/>
+              </a:defRPr>
+            </a:lvl4pPr>
+            <a:lvl5pPr marL="2286000" marR="0" lvl="4" indent="-349250" algn="l" rtl="0">
+              <a:lnSpc>
+                <a:spcPct val="115000"/>
+              </a:lnSpc>
+              <a:spcBef>
+                <a:spcPts val="2100"/>
+              </a:spcBef>
+              <a:spcAft>
+                <a:spcPts val="0"/>
+              </a:spcAft>
+              <a:buClr>
+                <a:srgbClr val="434343"/>
+              </a:buClr>
+              <a:buSzPts val="1900"/>
+              <a:buFont typeface="Arial"/>
+              <a:buChar char="○"/>
+              <a:defRPr sz="1900" b="0" i="0" u="none" strike="noStrike" cap="none">
+                <a:solidFill>
+                  <a:srgbClr val="434343"/>
+                </a:solidFill>
+                <a:latin typeface="Arial"/>
+                <a:ea typeface="Arial"/>
+                <a:cs typeface="Arial"/>
+                <a:sym typeface="Arial"/>
+              </a:defRPr>
+            </a:lvl5pPr>
+            <a:lvl6pPr marL="2743200" marR="0" lvl="5" indent="-349250" algn="l" rtl="0">
+              <a:lnSpc>
+                <a:spcPct val="115000"/>
+              </a:lnSpc>
+              <a:spcBef>
+                <a:spcPts val="2100"/>
+              </a:spcBef>
+              <a:spcAft>
+                <a:spcPts val="0"/>
+              </a:spcAft>
+              <a:buClr>
+                <a:srgbClr val="434343"/>
+              </a:buClr>
+              <a:buSzPts val="1900"/>
+              <a:buFont typeface="Arial"/>
+              <a:buChar char="■"/>
+              <a:defRPr sz="1900" b="0" i="0" u="none" strike="noStrike" cap="none">
+                <a:solidFill>
+                  <a:srgbClr val="434343"/>
+                </a:solidFill>
+                <a:latin typeface="Arial"/>
+                <a:ea typeface="Arial"/>
+                <a:cs typeface="Arial"/>
+                <a:sym typeface="Arial"/>
+              </a:defRPr>
+            </a:lvl6pPr>
+            <a:lvl7pPr marL="3200400" marR="0" lvl="6" indent="-349250" algn="l" rtl="0">
+              <a:lnSpc>
+                <a:spcPct val="115000"/>
+              </a:lnSpc>
+              <a:spcBef>
+                <a:spcPts val="2100"/>
+              </a:spcBef>
+              <a:spcAft>
+                <a:spcPts val="0"/>
+              </a:spcAft>
+              <a:buClr>
+                <a:srgbClr val="434343"/>
+              </a:buClr>
+              <a:buSzPts val="1900"/>
+              <a:buFont typeface="Arial"/>
+              <a:buChar char="●"/>
+              <a:defRPr sz="1900" b="0" i="0" u="none" strike="noStrike" cap="none">
+                <a:solidFill>
+                  <a:srgbClr val="434343"/>
+                </a:solidFill>
+                <a:latin typeface="Arial"/>
+                <a:ea typeface="Arial"/>
+                <a:cs typeface="Arial"/>
+                <a:sym typeface="Arial"/>
+              </a:defRPr>
+            </a:lvl7pPr>
+            <a:lvl8pPr marL="3657600" marR="0" lvl="7" indent="-349250" algn="l" rtl="0">
+              <a:lnSpc>
+                <a:spcPct val="115000"/>
+              </a:lnSpc>
+              <a:spcBef>
+                <a:spcPts val="2100"/>
+              </a:spcBef>
+              <a:spcAft>
+                <a:spcPts val="0"/>
+              </a:spcAft>
+              <a:buClr>
+                <a:srgbClr val="434343"/>
+              </a:buClr>
+              <a:buSzPts val="1900"/>
+              <a:buFont typeface="Arial"/>
+              <a:buChar char="○"/>
+              <a:defRPr sz="1900" b="0" i="0" u="none" strike="noStrike" cap="none">
+                <a:solidFill>
+                  <a:srgbClr val="434343"/>
+                </a:solidFill>
+                <a:latin typeface="Arial"/>
+                <a:ea typeface="Arial"/>
+                <a:cs typeface="Arial"/>
+                <a:sym typeface="Arial"/>
+              </a:defRPr>
+            </a:lvl8pPr>
+            <a:lvl9pPr marL="4114800" marR="0" lvl="8" indent="-349250" algn="l" rtl="0">
+              <a:lnSpc>
+                <a:spcPct val="115000"/>
+              </a:lnSpc>
+              <a:spcBef>
+                <a:spcPts val="2100"/>
+              </a:spcBef>
+              <a:spcAft>
+                <a:spcPts val="2100"/>
+              </a:spcAft>
+              <a:buClr>
+                <a:srgbClr val="434343"/>
+              </a:buClr>
+              <a:buSzPts val="1900"/>
+              <a:buFont typeface="Arial"/>
+              <a:buChar char="■"/>
+              <a:defRPr sz="1900" b="0" i="0" u="none" strike="noStrike" cap="none">
+                <a:solidFill>
+                  <a:srgbClr val="434343"/>
+                </a:solidFill>
+                <a:latin typeface="Arial"/>
+                <a:ea typeface="Arial"/>
+                <a:cs typeface="Arial"/>
+                <a:sym typeface="Arial"/>
+              </a:defRPr>
+            </a:lvl9pPr>
+          </a:lstStyle>
+          <a:p>
+            <a:pPr marL="76200" indent="0" algn="ctr">
+              <a:buNone/>
+            </a:pPr>
+            <a:r>
+              <a:rPr lang="en-US" sz="5400" b="1" dirty="0" err="1">
+                <a:solidFill>
+                  <a:srgbClr val="C00000"/>
+                </a:solidFill>
+              </a:rPr>
+              <a:t>slido.com</a:t>
+            </a:r>
+            <a:endParaRPr lang="en-US" sz="5400" b="1" dirty="0">
+              <a:solidFill>
+                <a:srgbClr val="C00000"/>
+              </a:solidFill>
+            </a:endParaRPr>
+          </a:p>
+          <a:p>
+            <a:pPr marL="76200" indent="0" algn="ctr">
+              <a:buNone/>
+            </a:pPr>
+            <a:r>
+              <a:rPr lang="en-US" sz="5400" b="1" dirty="0">
+                <a:solidFill>
+                  <a:srgbClr val="C00000"/>
+                </a:solidFill>
+              </a:rPr>
+              <a:t>#10718</a:t>
+            </a:r>
+          </a:p>
+        </p:txBody>
+      </p:sp>
+      <p:pic>
+        <p:nvPicPr>
+          <p:cNvPr id="6" name="Picture 5">
+            <a:extLst>
+              <a:ext uri="{FF2B5EF4-FFF2-40B4-BE49-F238E27FC236}">
+                <a16:creationId xmlns:a16="http://schemas.microsoft.com/office/drawing/2014/main" id="{D7FC459C-F9AE-2B45-953D-7B994BF536F7}"/>
+              </a:ext>
+            </a:extLst>
+          </p:cNvPr>
+          <p:cNvPicPr>
+            <a:picLocks noChangeAspect="1"/>
+          </p:cNvPicPr>
+          <p:nvPr/>
+        </p:nvPicPr>
+        <p:blipFill>
+          <a:blip r:embed="rId2"/>
+          <a:stretch>
+            <a:fillRect/>
+          </a:stretch>
+        </p:blipFill>
+        <p:spPr>
+          <a:xfrm>
+            <a:off x="55605" y="1964724"/>
+            <a:ext cx="12080790" cy="2499474"/>
+          </a:xfrm>
+          <a:prstGeom prst="rect">
+            <a:avLst/>
+          </a:prstGeom>
+        </p:spPr>
+      </p:pic>
+      <p:pic>
+        <p:nvPicPr>
+          <p:cNvPr id="7" name="Picture 6">
+            <a:extLst>
+              <a:ext uri="{FF2B5EF4-FFF2-40B4-BE49-F238E27FC236}">
+                <a16:creationId xmlns:a16="http://schemas.microsoft.com/office/drawing/2014/main" id="{5FEC3735-C1BB-E346-81D7-B98C6E1AFBBB}"/>
+              </a:ext>
+            </a:extLst>
+          </p:cNvPr>
+          <p:cNvPicPr>
+            <a:picLocks noChangeAspect="1"/>
+          </p:cNvPicPr>
+          <p:nvPr/>
+        </p:nvPicPr>
+        <p:blipFill>
+          <a:blip r:embed="rId3"/>
+          <a:stretch>
+            <a:fillRect/>
+          </a:stretch>
+        </p:blipFill>
+        <p:spPr>
+          <a:xfrm>
+            <a:off x="9575800" y="4241800"/>
+            <a:ext cx="2616200" cy="2616200"/>
+          </a:xfrm>
+          <a:prstGeom prst="rect">
+            <a:avLst/>
+          </a:prstGeom>
+        </p:spPr>
+      </p:pic>
+    </p:spTree>
+    <p:extLst>
+      <p:ext uri="{BB962C8B-B14F-4D97-AF65-F5344CB8AC3E}">
+        <p14:creationId xmlns:p14="http://schemas.microsoft.com/office/powerpoint/2010/main" val="2478099175"/>
+      </p:ext>
+    </p:extLst>
+  </p:cSld>
+  <p:clrMapOvr>
+    <a:masterClrMapping/>
+  </p:clrMapOvr>
+</p:sld>
+</file>
+
+<file path=ppt/slides/slide30.xml><?xml version="1.0" encoding="utf-8"?>
 <p:sld xmlns:a="http://schemas.openxmlformats.org/drawingml/2006/main" xmlns:r="http://schemas.openxmlformats.org/officeDocument/2006/relationships" xmlns:p="http://schemas.openxmlformats.org/presentationml/2006/main">
   <p:cSld>
     <p:spTree>
@@ -19243,7 +19830,1135 @@
 </p:sld>
 </file>
 
-<file path=ppt/slides/slide3.xml><?xml version="1.0" encoding="utf-8"?>
+<file path=ppt/slides/slide31.xml><?xml version="1.0" encoding="utf-8"?>
+<p:sld xmlns:a="http://schemas.openxmlformats.org/drawingml/2006/main" xmlns:r="http://schemas.openxmlformats.org/officeDocument/2006/relationships" xmlns:p="http://schemas.openxmlformats.org/presentationml/2006/main">
+  <p:cSld>
+    <p:spTree>
+      <p:nvGrpSpPr>
+        <p:cNvPr id="1" name="Shape 448"/>
+        <p:cNvGrpSpPr/>
+        <p:nvPr/>
+      </p:nvGrpSpPr>
+      <p:grpSpPr>
+        <a:xfrm>
+          <a:off x="0" y="0"/>
+          <a:ext cx="0" cy="0"/>
+          <a:chOff x="0" y="0"/>
+          <a:chExt cx="0" cy="0"/>
+        </a:xfrm>
+      </p:grpSpPr>
+      <p:sp>
+        <p:nvSpPr>
+          <p:cNvPr id="449" name="Google Shape;449;p42"/>
+          <p:cNvSpPr txBox="1">
+            <a:spLocks noGrp="1"/>
+          </p:cNvSpPr>
+          <p:nvPr>
+            <p:ph type="title"/>
+          </p:nvPr>
+        </p:nvSpPr>
+        <p:spPr>
+          <a:prstGeom prst="rect">
+            <a:avLst/>
+          </a:prstGeom>
+        </p:spPr>
+        <p:txBody>
+          <a:bodyPr spcFirstLastPara="1" wrap="square" lIns="121900" tIns="60933" rIns="121900" bIns="60933" anchor="ctr" anchorCtr="0">
+            <a:noAutofit/>
+          </a:bodyPr>
+          <a:lstStyle/>
+          <a:p>
+            <a:r>
+              <a:rPr lang="en" dirty="0"/>
+              <a:t>Model Selection</a:t>
+            </a:r>
+            <a:endParaRPr sz="4000" b="1" dirty="0">
+              <a:latin typeface="Roboto"/>
+              <a:ea typeface="Roboto"/>
+              <a:cs typeface="Roboto"/>
+              <a:sym typeface="Roboto"/>
+            </a:endParaRPr>
+          </a:p>
+        </p:txBody>
+      </p:sp>
+      <p:pic>
+        <p:nvPicPr>
+          <p:cNvPr id="5" name="Picture 4">
+            <a:extLst>
+              <a:ext uri="{FF2B5EF4-FFF2-40B4-BE49-F238E27FC236}">
+                <a16:creationId xmlns:a16="http://schemas.microsoft.com/office/drawing/2014/main" id="{53338CC3-6BEE-A749-BCD5-ABD29A667234}"/>
+              </a:ext>
+            </a:extLst>
+          </p:cNvPr>
+          <p:cNvPicPr>
+            <a:picLocks noChangeAspect="1"/>
+          </p:cNvPicPr>
+          <p:nvPr/>
+        </p:nvPicPr>
+        <p:blipFill>
+          <a:blip r:embed="rId3"/>
+          <a:stretch>
+            <a:fillRect/>
+          </a:stretch>
+        </p:blipFill>
+        <p:spPr>
+          <a:xfrm>
+            <a:off x="1479500" y="1244600"/>
+            <a:ext cx="9232900" cy="5130800"/>
+          </a:xfrm>
+          <a:prstGeom prst="rect">
+            <a:avLst/>
+          </a:prstGeom>
+        </p:spPr>
+      </p:pic>
+    </p:spTree>
+    <p:extLst>
+      <p:ext uri="{BB962C8B-B14F-4D97-AF65-F5344CB8AC3E}">
+        <p14:creationId xmlns:p14="http://schemas.microsoft.com/office/powerpoint/2010/main" val="639890484"/>
+      </p:ext>
+    </p:extLst>
+  </p:cSld>
+  <p:clrMapOvr>
+    <a:masterClrMapping/>
+  </p:clrMapOvr>
+</p:sld>
+</file>
+
+<file path=ppt/slides/slide32.xml><?xml version="1.0" encoding="utf-8"?>
+<p:sld xmlns:a="http://schemas.openxmlformats.org/drawingml/2006/main" xmlns:r="http://schemas.openxmlformats.org/officeDocument/2006/relationships" xmlns:p="http://schemas.openxmlformats.org/presentationml/2006/main">
+  <p:cSld>
+    <p:spTree>
+      <p:nvGrpSpPr>
+        <p:cNvPr id="1" name="Shape 448"/>
+        <p:cNvGrpSpPr/>
+        <p:nvPr/>
+      </p:nvGrpSpPr>
+      <p:grpSpPr>
+        <a:xfrm>
+          <a:off x="0" y="0"/>
+          <a:ext cx="0" cy="0"/>
+          <a:chOff x="0" y="0"/>
+          <a:chExt cx="0" cy="0"/>
+        </a:xfrm>
+      </p:grpSpPr>
+      <p:sp>
+        <p:nvSpPr>
+          <p:cNvPr id="449" name="Google Shape;449;p42"/>
+          <p:cNvSpPr txBox="1">
+            <a:spLocks noGrp="1"/>
+          </p:cNvSpPr>
+          <p:nvPr>
+            <p:ph type="title"/>
+          </p:nvPr>
+        </p:nvSpPr>
+        <p:spPr>
+          <a:prstGeom prst="rect">
+            <a:avLst/>
+          </a:prstGeom>
+        </p:spPr>
+        <p:txBody>
+          <a:bodyPr spcFirstLastPara="1" wrap="square" lIns="121900" tIns="60933" rIns="121900" bIns="60933" anchor="ctr" anchorCtr="0">
+            <a:noAutofit/>
+          </a:bodyPr>
+          <a:lstStyle/>
+          <a:p>
+            <a:r>
+              <a:rPr lang="en" dirty="0"/>
+              <a:t>Model Selection</a:t>
+            </a:r>
+            <a:endParaRPr sz="4000" b="1" dirty="0">
+              <a:latin typeface="Roboto"/>
+              <a:ea typeface="Roboto"/>
+              <a:cs typeface="Roboto"/>
+              <a:sym typeface="Roboto"/>
+            </a:endParaRPr>
+          </a:p>
+        </p:txBody>
+      </p:sp>
+      <p:pic>
+        <p:nvPicPr>
+          <p:cNvPr id="6" name="Picture 5">
+            <a:extLst>
+              <a:ext uri="{FF2B5EF4-FFF2-40B4-BE49-F238E27FC236}">
+                <a16:creationId xmlns:a16="http://schemas.microsoft.com/office/drawing/2014/main" id="{32C95DA2-D7F5-B749-BD59-C217AF31861D}"/>
+              </a:ext>
+            </a:extLst>
+          </p:cNvPr>
+          <p:cNvPicPr>
+            <a:picLocks noChangeAspect="1"/>
+          </p:cNvPicPr>
+          <p:nvPr/>
+        </p:nvPicPr>
+        <p:blipFill>
+          <a:blip r:embed="rId3"/>
+          <a:stretch>
+            <a:fillRect/>
+          </a:stretch>
+        </p:blipFill>
+        <p:spPr>
+          <a:xfrm>
+            <a:off x="3048000" y="1530928"/>
+            <a:ext cx="6096000" cy="4572000"/>
+          </a:xfrm>
+          <a:prstGeom prst="rect">
+            <a:avLst/>
+          </a:prstGeom>
+        </p:spPr>
+      </p:pic>
+    </p:spTree>
+    <p:extLst>
+      <p:ext uri="{BB962C8B-B14F-4D97-AF65-F5344CB8AC3E}">
+        <p14:creationId xmlns:p14="http://schemas.microsoft.com/office/powerpoint/2010/main" val="2635062933"/>
+      </p:ext>
+    </p:extLst>
+  </p:cSld>
+  <p:clrMapOvr>
+    <a:masterClrMapping/>
+  </p:clrMapOvr>
+</p:sld>
+</file>
+
+<file path=ppt/slides/slide33.xml><?xml version="1.0" encoding="utf-8"?>
+<p:sld xmlns:a="http://schemas.openxmlformats.org/drawingml/2006/main" xmlns:r="http://schemas.openxmlformats.org/officeDocument/2006/relationships" xmlns:p="http://schemas.openxmlformats.org/presentationml/2006/main">
+  <p:cSld>
+    <p:spTree>
+      <p:nvGrpSpPr>
+        <p:cNvPr id="1" name="Shape 448"/>
+        <p:cNvGrpSpPr/>
+        <p:nvPr/>
+      </p:nvGrpSpPr>
+      <p:grpSpPr>
+        <a:xfrm>
+          <a:off x="0" y="0"/>
+          <a:ext cx="0" cy="0"/>
+          <a:chOff x="0" y="0"/>
+          <a:chExt cx="0" cy="0"/>
+        </a:xfrm>
+      </p:grpSpPr>
+      <p:sp>
+        <p:nvSpPr>
+          <p:cNvPr id="449" name="Google Shape;449;p42"/>
+          <p:cNvSpPr txBox="1">
+            <a:spLocks noGrp="1"/>
+          </p:cNvSpPr>
+          <p:nvPr>
+            <p:ph type="title"/>
+          </p:nvPr>
+        </p:nvSpPr>
+        <p:spPr>
+          <a:prstGeom prst="rect">
+            <a:avLst/>
+          </a:prstGeom>
+        </p:spPr>
+        <p:txBody>
+          <a:bodyPr spcFirstLastPara="1" wrap="square" lIns="121900" tIns="60933" rIns="121900" bIns="60933" anchor="ctr" anchorCtr="0">
+            <a:noAutofit/>
+          </a:bodyPr>
+          <a:lstStyle/>
+          <a:p>
+            <a:r>
+              <a:rPr lang="en" dirty="0"/>
+              <a:t>Model Selection</a:t>
+            </a:r>
+            <a:endParaRPr sz="4000" b="1" dirty="0">
+              <a:latin typeface="Roboto"/>
+              <a:ea typeface="Roboto"/>
+              <a:cs typeface="Roboto"/>
+              <a:sym typeface="Roboto"/>
+            </a:endParaRPr>
+          </a:p>
+        </p:txBody>
+      </p:sp>
+      <p:pic>
+        <p:nvPicPr>
+          <p:cNvPr id="2" name="Picture 1">
+            <a:extLst>
+              <a:ext uri="{FF2B5EF4-FFF2-40B4-BE49-F238E27FC236}">
+                <a16:creationId xmlns:a16="http://schemas.microsoft.com/office/drawing/2014/main" id="{FFF52808-3577-AE47-8BC1-F03230A0569A}"/>
+              </a:ext>
+            </a:extLst>
+          </p:cNvPr>
+          <p:cNvPicPr>
+            <a:picLocks noChangeAspect="1"/>
+          </p:cNvPicPr>
+          <p:nvPr/>
+        </p:nvPicPr>
+        <p:blipFill>
+          <a:blip r:embed="rId3"/>
+          <a:stretch>
+            <a:fillRect/>
+          </a:stretch>
+        </p:blipFill>
+        <p:spPr>
+          <a:xfrm>
+            <a:off x="6791435" y="1579418"/>
+            <a:ext cx="4984865" cy="4895850"/>
+          </a:xfrm>
+          <a:prstGeom prst="rect">
+            <a:avLst/>
+          </a:prstGeom>
+        </p:spPr>
+      </p:pic>
+      <p:sp>
+        <p:nvSpPr>
+          <p:cNvPr id="7" name="Google Shape;456;p43">
+            <a:extLst>
+              <a:ext uri="{FF2B5EF4-FFF2-40B4-BE49-F238E27FC236}">
+                <a16:creationId xmlns:a16="http://schemas.microsoft.com/office/drawing/2014/main" id="{B4064D34-B361-0E4D-8737-66CD434AB320}"/>
+              </a:ext>
+            </a:extLst>
+          </p:cNvPr>
+          <p:cNvSpPr txBox="1">
+            <a:spLocks noGrp="1"/>
+          </p:cNvSpPr>
+          <p:nvPr>
+            <p:ph type="body" idx="1"/>
+          </p:nvPr>
+        </p:nvSpPr>
+        <p:spPr>
+          <a:xfrm>
+            <a:off x="415600" y="1260768"/>
+            <a:ext cx="6375835" cy="5174672"/>
+          </a:xfrm>
+          <a:prstGeom prst="rect">
+            <a:avLst/>
+          </a:prstGeom>
+        </p:spPr>
+        <p:txBody>
+          <a:bodyPr spcFirstLastPara="1" wrap="square" lIns="121900" tIns="60933" rIns="121900" bIns="60933" anchor="t" anchorCtr="0">
+            <a:noAutofit/>
+          </a:bodyPr>
+          <a:lstStyle/>
+          <a:p>
+            <a:pPr indent="-474121">
+              <a:buSzPts val="2000"/>
+            </a:pPr>
+            <a:r>
+              <a:rPr lang="en" sz="2667" dirty="0"/>
+              <a:t>May not be obvious which strategy / model specification is “best”</a:t>
+            </a:r>
+            <a:br>
+              <a:rPr lang="en" sz="2667" dirty="0"/>
+            </a:br>
+            <a:endParaRPr lang="en" sz="2667" dirty="0"/>
+          </a:p>
+          <a:p>
+            <a:pPr indent="-474121">
+              <a:buSzPts val="2000"/>
+            </a:pPr>
+            <a:r>
+              <a:rPr lang="en-US" sz="2667" dirty="0"/>
+              <a:t>Among good candidates, may be instructive to ask how similar or different the lists each strategy would produce are</a:t>
+            </a:r>
+            <a:br>
+              <a:rPr lang="en-US" sz="2667" dirty="0"/>
+            </a:br>
+            <a:endParaRPr lang="en-US" sz="2667" dirty="0"/>
+          </a:p>
+          <a:p>
+            <a:pPr indent="-474121">
+              <a:buSzPts val="2000"/>
+            </a:pPr>
+            <a:r>
+              <a:rPr lang="en-US" sz="2667" dirty="0"/>
+              <a:t>May ultimately want to deploy (or at least test) a strategy that combines across several specifications</a:t>
+            </a:r>
+            <a:endParaRPr sz="2667" dirty="0"/>
+          </a:p>
+        </p:txBody>
+      </p:sp>
+    </p:spTree>
+    <p:extLst>
+      <p:ext uri="{BB962C8B-B14F-4D97-AF65-F5344CB8AC3E}">
+        <p14:creationId xmlns:p14="http://schemas.microsoft.com/office/powerpoint/2010/main" val="1168641203"/>
+      </p:ext>
+    </p:extLst>
+  </p:cSld>
+  <p:clrMapOvr>
+    <a:masterClrMapping/>
+  </p:clrMapOvr>
+</p:sld>
+</file>
+
+<file path=ppt/slides/slide34.xml><?xml version="1.0" encoding="utf-8"?>
+<p:sld xmlns:a="http://schemas.openxmlformats.org/drawingml/2006/main" xmlns:r="http://schemas.openxmlformats.org/officeDocument/2006/relationships" xmlns:p="http://schemas.openxmlformats.org/presentationml/2006/main">
+  <p:cSld>
+    <p:spTree>
+      <p:nvGrpSpPr>
+        <p:cNvPr id="1" name=""/>
+        <p:cNvGrpSpPr/>
+        <p:nvPr/>
+      </p:nvGrpSpPr>
+      <p:grpSpPr>
+        <a:xfrm>
+          <a:off x="0" y="0"/>
+          <a:ext cx="0" cy="0"/>
+          <a:chOff x="0" y="0"/>
+          <a:chExt cx="0" cy="0"/>
+        </a:xfrm>
+      </p:grpSpPr>
+      <p:sp>
+        <p:nvSpPr>
+          <p:cNvPr id="3" name="Title 2">
+            <a:extLst>
+              <a:ext uri="{FF2B5EF4-FFF2-40B4-BE49-F238E27FC236}">
+                <a16:creationId xmlns:a16="http://schemas.microsoft.com/office/drawing/2014/main" id="{9323871C-7CA8-1448-8FFC-1AE6E1838941}"/>
+              </a:ext>
+            </a:extLst>
+          </p:cNvPr>
+          <p:cNvSpPr>
+            <a:spLocks noGrp="1"/>
+          </p:cNvSpPr>
+          <p:nvPr>
+            <p:ph type="title"/>
+          </p:nvPr>
+        </p:nvSpPr>
+        <p:spPr/>
+        <p:txBody>
+          <a:bodyPr/>
+          <a:lstStyle/>
+          <a:p>
+            <a:r>
+              <a:rPr lang="en-US" dirty="0"/>
+              <a:t>Some Open Research Questions</a:t>
+            </a:r>
+          </a:p>
+        </p:txBody>
+      </p:sp>
+      <p:sp>
+        <p:nvSpPr>
+          <p:cNvPr id="4" name="Text Placeholder 3">
+            <a:extLst>
+              <a:ext uri="{FF2B5EF4-FFF2-40B4-BE49-F238E27FC236}">
+                <a16:creationId xmlns:a16="http://schemas.microsoft.com/office/drawing/2014/main" id="{5E600BA7-FA45-884F-9820-9E5F2CB7AA48}"/>
+              </a:ext>
+            </a:extLst>
+          </p:cNvPr>
+          <p:cNvSpPr>
+            <a:spLocks noGrp="1"/>
+          </p:cNvSpPr>
+          <p:nvPr>
+            <p:ph type="body" idx="1"/>
+          </p:nvPr>
+        </p:nvSpPr>
+        <p:spPr/>
+        <p:txBody>
+          <a:bodyPr/>
+          <a:lstStyle/>
+          <a:p>
+            <a:r>
+              <a:rPr lang="en-US" dirty="0"/>
+              <a:t>What are the conditions under which temporal validation out-performs traditional cross-validation? By how much?</a:t>
+            </a:r>
+            <a:br>
+              <a:rPr lang="en-US" dirty="0"/>
+            </a:br>
+            <a:endParaRPr lang="en-US" dirty="0"/>
+          </a:p>
+          <a:p>
+            <a:r>
+              <a:rPr lang="en-US" dirty="0"/>
+              <a:t>Likewise, what can we learn about how well certain strategies perform in terms of regret under different real-world conditions?</a:t>
+            </a:r>
+            <a:br>
+              <a:rPr lang="en-US" dirty="0"/>
+            </a:br>
+            <a:endParaRPr lang="en-US" dirty="0"/>
+          </a:p>
+          <a:p>
+            <a:r>
+              <a:rPr lang="en-US" dirty="0"/>
+              <a:t>Many problems in policy settings involve resource constraints that require optimization at the top of the list, but few methods optimize for this directly.</a:t>
+            </a:r>
+          </a:p>
+          <a:p>
+            <a:pPr lvl="1"/>
+            <a:r>
+              <a:rPr lang="en-US" dirty="0"/>
+              <a:t>e.g., </a:t>
+            </a:r>
+            <a:r>
+              <a:rPr lang="en-US" dirty="0" err="1"/>
+              <a:t>Transductive</a:t>
+            </a:r>
+            <a:r>
+              <a:rPr lang="en-US" dirty="0"/>
+              <a:t> Top k</a:t>
+            </a:r>
+          </a:p>
+        </p:txBody>
+      </p:sp>
+    </p:spTree>
+    <p:extLst>
+      <p:ext uri="{BB962C8B-B14F-4D97-AF65-F5344CB8AC3E}">
+        <p14:creationId xmlns:p14="http://schemas.microsoft.com/office/powerpoint/2010/main" val="136932352"/>
+      </p:ext>
+    </p:extLst>
+  </p:cSld>
+  <p:clrMapOvr>
+    <a:masterClrMapping/>
+  </p:clrMapOvr>
+</p:sld>
+</file>
+
+<file path=ppt/slides/slide35.xml><?xml version="1.0" encoding="utf-8"?>
+<p:sld xmlns:a="http://schemas.openxmlformats.org/drawingml/2006/main" xmlns:r="http://schemas.openxmlformats.org/officeDocument/2006/relationships" xmlns:p="http://schemas.openxmlformats.org/presentationml/2006/main">
+  <p:cSld>
+    <p:spTree>
+      <p:nvGrpSpPr>
+        <p:cNvPr id="1" name=""/>
+        <p:cNvGrpSpPr/>
+        <p:nvPr/>
+      </p:nvGrpSpPr>
+      <p:grpSpPr>
+        <a:xfrm>
+          <a:off x="0" y="0"/>
+          <a:ext cx="0" cy="0"/>
+          <a:chOff x="0" y="0"/>
+          <a:chExt cx="0" cy="0"/>
+        </a:xfrm>
+      </p:grpSpPr>
+      <p:sp>
+        <p:nvSpPr>
+          <p:cNvPr id="3" name="Title 2">
+            <a:extLst>
+              <a:ext uri="{FF2B5EF4-FFF2-40B4-BE49-F238E27FC236}">
+                <a16:creationId xmlns:a16="http://schemas.microsoft.com/office/drawing/2014/main" id="{9323871C-7CA8-1448-8FFC-1AE6E1838941}"/>
+              </a:ext>
+            </a:extLst>
+          </p:cNvPr>
+          <p:cNvSpPr>
+            <a:spLocks noGrp="1"/>
+          </p:cNvSpPr>
+          <p:nvPr>
+            <p:ph type="title"/>
+          </p:nvPr>
+        </p:nvSpPr>
+        <p:spPr/>
+        <p:txBody>
+          <a:bodyPr/>
+          <a:lstStyle/>
+          <a:p>
+            <a:r>
+              <a:rPr lang="en-US" dirty="0"/>
+              <a:t>Some Open Research Questions</a:t>
+            </a:r>
+          </a:p>
+        </p:txBody>
+      </p:sp>
+      <p:pic>
+        <p:nvPicPr>
+          <p:cNvPr id="6" name="Picture 5">
+            <a:extLst>
+              <a:ext uri="{FF2B5EF4-FFF2-40B4-BE49-F238E27FC236}">
+                <a16:creationId xmlns:a16="http://schemas.microsoft.com/office/drawing/2014/main" id="{4B9B5C17-6333-3542-BF92-961541BDC881}"/>
+              </a:ext>
+            </a:extLst>
+          </p:cNvPr>
+          <p:cNvPicPr>
+            <a:picLocks noChangeAspect="1"/>
+          </p:cNvPicPr>
+          <p:nvPr/>
+        </p:nvPicPr>
+        <p:blipFill>
+          <a:blip r:embed="rId2"/>
+          <a:stretch>
+            <a:fillRect/>
+          </a:stretch>
+        </p:blipFill>
+        <p:spPr>
+          <a:xfrm>
+            <a:off x="1169439" y="1257300"/>
+            <a:ext cx="9853121" cy="5023746"/>
+          </a:xfrm>
+          <a:prstGeom prst="rect">
+            <a:avLst/>
+          </a:prstGeom>
+        </p:spPr>
+      </p:pic>
+    </p:spTree>
+    <p:extLst>
+      <p:ext uri="{BB962C8B-B14F-4D97-AF65-F5344CB8AC3E}">
+        <p14:creationId xmlns:p14="http://schemas.microsoft.com/office/powerpoint/2010/main" val="1478637945"/>
+      </p:ext>
+    </p:extLst>
+  </p:cSld>
+  <p:clrMapOvr>
+    <a:masterClrMapping/>
+  </p:clrMapOvr>
+</p:sld>
+</file>
+
+<file path=ppt/slides/slide36.xml><?xml version="1.0" encoding="utf-8"?>
+<p:sld xmlns:a="http://schemas.openxmlformats.org/drawingml/2006/main" xmlns:r="http://schemas.openxmlformats.org/officeDocument/2006/relationships" xmlns:p="http://schemas.openxmlformats.org/presentationml/2006/main">
+  <p:cSld>
+    <p:spTree>
+      <p:nvGrpSpPr>
+        <p:cNvPr id="1" name=""/>
+        <p:cNvGrpSpPr/>
+        <p:nvPr/>
+      </p:nvGrpSpPr>
+      <p:grpSpPr>
+        <a:xfrm>
+          <a:off x="0" y="0"/>
+          <a:ext cx="0" cy="0"/>
+          <a:chOff x="0" y="0"/>
+          <a:chExt cx="0" cy="0"/>
+        </a:xfrm>
+      </p:grpSpPr>
+      <p:sp>
+        <p:nvSpPr>
+          <p:cNvPr id="3" name="Title 2">
+            <a:extLst>
+              <a:ext uri="{FF2B5EF4-FFF2-40B4-BE49-F238E27FC236}">
+                <a16:creationId xmlns:a16="http://schemas.microsoft.com/office/drawing/2014/main" id="{9323871C-7CA8-1448-8FFC-1AE6E1838941}"/>
+              </a:ext>
+            </a:extLst>
+          </p:cNvPr>
+          <p:cNvSpPr>
+            <a:spLocks noGrp="1"/>
+          </p:cNvSpPr>
+          <p:nvPr>
+            <p:ph type="title"/>
+          </p:nvPr>
+        </p:nvSpPr>
+        <p:spPr/>
+        <p:txBody>
+          <a:bodyPr/>
+          <a:lstStyle/>
+          <a:p>
+            <a:r>
+              <a:rPr lang="en-US" dirty="0"/>
+              <a:t>Some Open Research Questions</a:t>
+            </a:r>
+          </a:p>
+        </p:txBody>
+      </p:sp>
+      <p:sp>
+        <p:nvSpPr>
+          <p:cNvPr id="4" name="Text Placeholder 3">
+            <a:extLst>
+              <a:ext uri="{FF2B5EF4-FFF2-40B4-BE49-F238E27FC236}">
+                <a16:creationId xmlns:a16="http://schemas.microsoft.com/office/drawing/2014/main" id="{5E600BA7-FA45-884F-9820-9E5F2CB7AA48}"/>
+              </a:ext>
+            </a:extLst>
+          </p:cNvPr>
+          <p:cNvSpPr>
+            <a:spLocks noGrp="1"/>
+          </p:cNvSpPr>
+          <p:nvPr>
+            <p:ph type="body" idx="1"/>
+          </p:nvPr>
+        </p:nvSpPr>
+        <p:spPr/>
+        <p:txBody>
+          <a:bodyPr/>
+          <a:lstStyle/>
+          <a:p>
+            <a:r>
+              <a:rPr lang="en-US" dirty="0"/>
+              <a:t>The SVM loss function will find the “best” separating hyperplane overall, but perhaps we could draw a better hyperplane to separate just </a:t>
+            </a:r>
+            <a:r>
+              <a:rPr lang="en-US" i="1" dirty="0"/>
+              <a:t>k</a:t>
+            </a:r>
+            <a:r>
+              <a:rPr lang="en-US" dirty="0"/>
+              <a:t> positive examples?</a:t>
+            </a:r>
+            <a:br>
+              <a:rPr lang="en-US" dirty="0"/>
+            </a:br>
+            <a:endParaRPr lang="en-US" dirty="0"/>
+          </a:p>
+          <a:p>
+            <a:r>
+              <a:rPr lang="en-US" i="1" dirty="0" err="1"/>
+              <a:t>Transductive</a:t>
+            </a:r>
+            <a:r>
+              <a:rPr lang="en-US" dirty="0"/>
+              <a:t> method: needs to be aware of the test set </a:t>
+            </a:r>
+            <a:r>
+              <a:rPr lang="en-US" b="1" dirty="0"/>
+              <a:t>without labels</a:t>
+            </a:r>
+            <a:r>
+              <a:rPr lang="en-US" dirty="0"/>
+              <a:t> to select just </a:t>
+            </a:r>
+            <a:r>
+              <a:rPr lang="en-US" i="1" dirty="0"/>
+              <a:t>k</a:t>
+            </a:r>
+            <a:r>
+              <a:rPr lang="en-US" dirty="0"/>
+              <a:t> test examples.</a:t>
+            </a:r>
+            <a:br>
+              <a:rPr lang="en-US" dirty="0"/>
+            </a:br>
+            <a:endParaRPr lang="en-US" dirty="0"/>
+          </a:p>
+          <a:p>
+            <a:r>
+              <a:rPr lang="en-US" dirty="0"/>
+              <a:t>Modified gradient descent procedure to project gradient direction for L2-regularized SVM loss onto a “feasible solution cone” such that </a:t>
+            </a:r>
+            <a:r>
+              <a:rPr lang="en-US" u="sng" dirty="0"/>
+              <a:t>no more than</a:t>
+            </a:r>
+            <a:r>
+              <a:rPr lang="en-US" dirty="0"/>
+              <a:t> </a:t>
+            </a:r>
+            <a:r>
+              <a:rPr lang="en-US" i="1" dirty="0"/>
+              <a:t>k</a:t>
+            </a:r>
+            <a:r>
+              <a:rPr lang="en-US" dirty="0"/>
+              <a:t> test examples will be predicted positive after the step.</a:t>
+            </a:r>
+          </a:p>
+        </p:txBody>
+      </p:sp>
+    </p:spTree>
+    <p:extLst>
+      <p:ext uri="{BB962C8B-B14F-4D97-AF65-F5344CB8AC3E}">
+        <p14:creationId xmlns:p14="http://schemas.microsoft.com/office/powerpoint/2010/main" val="94907443"/>
+      </p:ext>
+    </p:extLst>
+  </p:cSld>
+  <p:clrMapOvr>
+    <a:masterClrMapping/>
+  </p:clrMapOvr>
+</p:sld>
+</file>
+
+<file path=ppt/slides/slide37.xml><?xml version="1.0" encoding="utf-8"?>
+<p:sld xmlns:a="http://schemas.openxmlformats.org/drawingml/2006/main" xmlns:r="http://schemas.openxmlformats.org/officeDocument/2006/relationships" xmlns:p="http://schemas.openxmlformats.org/presentationml/2006/main">
+  <p:cSld>
+    <p:spTree>
+      <p:nvGrpSpPr>
+        <p:cNvPr id="1" name=""/>
+        <p:cNvGrpSpPr/>
+        <p:nvPr/>
+      </p:nvGrpSpPr>
+      <p:grpSpPr>
+        <a:xfrm>
+          <a:off x="0" y="0"/>
+          <a:ext cx="0" cy="0"/>
+          <a:chOff x="0" y="0"/>
+          <a:chExt cx="0" cy="0"/>
+        </a:xfrm>
+      </p:grpSpPr>
+      <p:sp>
+        <p:nvSpPr>
+          <p:cNvPr id="3" name="Title 2">
+            <a:extLst>
+              <a:ext uri="{FF2B5EF4-FFF2-40B4-BE49-F238E27FC236}">
+                <a16:creationId xmlns:a16="http://schemas.microsoft.com/office/drawing/2014/main" id="{9323871C-7CA8-1448-8FFC-1AE6E1838941}"/>
+              </a:ext>
+            </a:extLst>
+          </p:cNvPr>
+          <p:cNvSpPr>
+            <a:spLocks noGrp="1"/>
+          </p:cNvSpPr>
+          <p:nvPr>
+            <p:ph type="title"/>
+          </p:nvPr>
+        </p:nvSpPr>
+        <p:spPr/>
+        <p:txBody>
+          <a:bodyPr/>
+          <a:lstStyle/>
+          <a:p>
+            <a:r>
+              <a:rPr lang="en-US" dirty="0"/>
+              <a:t>Some Open Research Questions</a:t>
+            </a:r>
+          </a:p>
+        </p:txBody>
+      </p:sp>
+      <p:pic>
+        <p:nvPicPr>
+          <p:cNvPr id="2" name="Picture 1">
+            <a:extLst>
+              <a:ext uri="{FF2B5EF4-FFF2-40B4-BE49-F238E27FC236}">
+                <a16:creationId xmlns:a16="http://schemas.microsoft.com/office/drawing/2014/main" id="{23F8960D-806C-F441-9A23-1578C38467D8}"/>
+              </a:ext>
+            </a:extLst>
+          </p:cNvPr>
+          <p:cNvPicPr>
+            <a:picLocks noChangeAspect="1"/>
+          </p:cNvPicPr>
+          <p:nvPr/>
+        </p:nvPicPr>
+        <p:blipFill>
+          <a:blip r:embed="rId2"/>
+          <a:stretch>
+            <a:fillRect/>
+          </a:stretch>
+        </p:blipFill>
+        <p:spPr>
+          <a:xfrm>
+            <a:off x="2749550" y="1371600"/>
+            <a:ext cx="6692900" cy="4114800"/>
+          </a:xfrm>
+          <a:prstGeom prst="rect">
+            <a:avLst/>
+          </a:prstGeom>
+        </p:spPr>
+      </p:pic>
+    </p:spTree>
+    <p:extLst>
+      <p:ext uri="{BB962C8B-B14F-4D97-AF65-F5344CB8AC3E}">
+        <p14:creationId xmlns:p14="http://schemas.microsoft.com/office/powerpoint/2010/main" val="1715242992"/>
+      </p:ext>
+    </p:extLst>
+  </p:cSld>
+  <p:clrMapOvr>
+    <a:masterClrMapping/>
+  </p:clrMapOvr>
+</p:sld>
+</file>
+
+<file path=ppt/slides/slide38.xml><?xml version="1.0" encoding="utf-8"?>
+<p:sld xmlns:a="http://schemas.openxmlformats.org/drawingml/2006/main" xmlns:r="http://schemas.openxmlformats.org/officeDocument/2006/relationships" xmlns:p="http://schemas.openxmlformats.org/presentationml/2006/main">
+  <p:cSld>
+    <p:spTree>
+      <p:nvGrpSpPr>
+        <p:cNvPr id="1" name=""/>
+        <p:cNvGrpSpPr/>
+        <p:nvPr/>
+      </p:nvGrpSpPr>
+      <p:grpSpPr>
+        <a:xfrm>
+          <a:off x="0" y="0"/>
+          <a:ext cx="0" cy="0"/>
+          <a:chOff x="0" y="0"/>
+          <a:chExt cx="0" cy="0"/>
+        </a:xfrm>
+      </p:grpSpPr>
+      <p:sp>
+        <p:nvSpPr>
+          <p:cNvPr id="3" name="Title 2">
+            <a:extLst>
+              <a:ext uri="{FF2B5EF4-FFF2-40B4-BE49-F238E27FC236}">
+                <a16:creationId xmlns:a16="http://schemas.microsoft.com/office/drawing/2014/main" id="{9323871C-7CA8-1448-8FFC-1AE6E1838941}"/>
+              </a:ext>
+            </a:extLst>
+          </p:cNvPr>
+          <p:cNvSpPr>
+            <a:spLocks noGrp="1"/>
+          </p:cNvSpPr>
+          <p:nvPr>
+            <p:ph type="title"/>
+          </p:nvPr>
+        </p:nvSpPr>
+        <p:spPr/>
+        <p:txBody>
+          <a:bodyPr/>
+          <a:lstStyle/>
+          <a:p>
+            <a:r>
+              <a:rPr lang="en-US" dirty="0"/>
+              <a:t>Some Open Research Questions</a:t>
+            </a:r>
+          </a:p>
+        </p:txBody>
+      </p:sp>
+      <p:sp>
+        <p:nvSpPr>
+          <p:cNvPr id="4" name="Text Placeholder 3">
+            <a:extLst>
+              <a:ext uri="{FF2B5EF4-FFF2-40B4-BE49-F238E27FC236}">
+                <a16:creationId xmlns:a16="http://schemas.microsoft.com/office/drawing/2014/main" id="{5E600BA7-FA45-884F-9820-9E5F2CB7AA48}"/>
+              </a:ext>
+            </a:extLst>
+          </p:cNvPr>
+          <p:cNvSpPr>
+            <a:spLocks noGrp="1"/>
+          </p:cNvSpPr>
+          <p:nvPr>
+            <p:ph type="body" idx="1"/>
+          </p:nvPr>
+        </p:nvSpPr>
+        <p:spPr>
+          <a:xfrm>
+            <a:off x="415600" y="1219133"/>
+            <a:ext cx="11360700" cy="5234804"/>
+          </a:xfrm>
+        </p:spPr>
+        <p:txBody>
+          <a:bodyPr/>
+          <a:lstStyle/>
+          <a:p>
+            <a:pPr marL="76200" indent="0">
+              <a:buNone/>
+            </a:pPr>
+            <a:r>
+              <a:rPr lang="en-US" dirty="0"/>
+              <a:t>Paper shows improvements on synthetic examples and some “standard” datasets, but still more to investigate:</a:t>
+            </a:r>
+            <a:br>
+              <a:rPr lang="en-US" dirty="0"/>
+            </a:br>
+            <a:endParaRPr lang="en-US" dirty="0"/>
+          </a:p>
+          <a:p>
+            <a:r>
+              <a:rPr lang="en-US" dirty="0"/>
+              <a:t>Can be slow to converge on larger datasets</a:t>
+            </a:r>
+            <a:br>
+              <a:rPr lang="en-US" dirty="0"/>
+            </a:br>
+            <a:endParaRPr lang="en-US" dirty="0"/>
+          </a:p>
+          <a:p>
+            <a:r>
+              <a:rPr lang="en-US" dirty="0"/>
+              <a:t>“At most” </a:t>
+            </a:r>
+            <a:r>
+              <a:rPr lang="en-US" i="1" dirty="0"/>
+              <a:t>k</a:t>
+            </a:r>
+            <a:r>
+              <a:rPr lang="en-US" dirty="0"/>
+              <a:t> examples can yield many fewer than the desired </a:t>
+            </a:r>
+            <a:r>
+              <a:rPr lang="en-US" i="1" dirty="0"/>
+              <a:t>k</a:t>
+            </a:r>
+            <a:r>
+              <a:rPr lang="en-US" dirty="0"/>
+              <a:t>, particularly for rare events (why doesn’t the algorithm target </a:t>
+            </a:r>
+            <a:r>
+              <a:rPr lang="en-US" i="1" dirty="0"/>
+              <a:t>exactly k</a:t>
+            </a:r>
+            <a:r>
+              <a:rPr lang="en-US" dirty="0"/>
+              <a:t>?)</a:t>
+            </a:r>
+            <a:br>
+              <a:rPr lang="en-US" dirty="0"/>
+            </a:br>
+            <a:endParaRPr lang="en-US" dirty="0"/>
+          </a:p>
+          <a:p>
+            <a:r>
+              <a:rPr lang="en-US" dirty="0"/>
+              <a:t> Although creating a “top k” boundary, still penalizes false positives and false negatives equally during optimization</a:t>
+            </a:r>
+            <a:br>
+              <a:rPr lang="en-US" dirty="0"/>
+            </a:br>
+            <a:endParaRPr lang="en-US" dirty="0"/>
+          </a:p>
+          <a:p>
+            <a:r>
+              <a:rPr lang="en-US" dirty="0"/>
+              <a:t>Can we do better at the top, even if we don’t have access to the test list?</a:t>
+            </a:r>
+          </a:p>
+        </p:txBody>
+      </p:sp>
+    </p:spTree>
+    <p:extLst>
+      <p:ext uri="{BB962C8B-B14F-4D97-AF65-F5344CB8AC3E}">
+        <p14:creationId xmlns:p14="http://schemas.microsoft.com/office/powerpoint/2010/main" val="4118118316"/>
+      </p:ext>
+    </p:extLst>
+  </p:cSld>
+  <p:clrMapOvr>
+    <a:masterClrMapping/>
+  </p:clrMapOvr>
+</p:sld>
+</file>
+
+<file path=ppt/slides/slide39.xml><?xml version="1.0" encoding="utf-8"?>
+<p:sld xmlns:a="http://schemas.openxmlformats.org/drawingml/2006/main" xmlns:r="http://schemas.openxmlformats.org/officeDocument/2006/relationships" xmlns:p="http://schemas.openxmlformats.org/presentationml/2006/main" show="0">
+  <p:cSld>
+    <p:spTree>
+      <p:nvGrpSpPr>
+        <p:cNvPr id="1" name=""/>
+        <p:cNvGrpSpPr/>
+        <p:nvPr/>
+      </p:nvGrpSpPr>
+      <p:grpSpPr>
+        <a:xfrm>
+          <a:off x="0" y="0"/>
+          <a:ext cx="0" cy="0"/>
+          <a:chOff x="0" y="0"/>
+          <a:chExt cx="0" cy="0"/>
+        </a:xfrm>
+      </p:grpSpPr>
+      <p:sp>
+        <p:nvSpPr>
+          <p:cNvPr id="2" name="Content Placeholder 1"/>
+          <p:cNvSpPr>
+            <a:spLocks noGrp="1"/>
+          </p:cNvSpPr>
+          <p:nvPr>
+            <p:ph type="body" idx="1"/>
+          </p:nvPr>
+        </p:nvSpPr>
+        <p:spPr/>
+        <p:txBody>
+          <a:bodyPr/>
+          <a:lstStyle/>
+          <a:p>
+            <a:pPr marL="114300" indent="0">
+              <a:buNone/>
+            </a:pPr>
+            <a:endParaRPr lang="en-US" dirty="0">
+              <a:solidFill>
+                <a:schemeClr val="tx1"/>
+              </a:solidFill>
+            </a:endParaRPr>
+          </a:p>
+          <a:p>
+            <a:pPr marL="114300" indent="0">
+              <a:buNone/>
+            </a:pPr>
+            <a:r>
+              <a:rPr lang="en-US" b="1" dirty="0">
+                <a:solidFill>
+                  <a:schemeClr val="tx1"/>
+                </a:solidFill>
+              </a:rPr>
+              <a:t>Coming Up Next Week:</a:t>
+            </a:r>
+          </a:p>
+          <a:p>
+            <a:r>
+              <a:rPr lang="en-US" dirty="0">
+                <a:solidFill>
+                  <a:schemeClr val="tx1"/>
+                </a:solidFill>
+              </a:rPr>
+              <a:t>Monday: Modeling Results Update Assignment (posted on canvas)</a:t>
+            </a:r>
+          </a:p>
+          <a:p>
+            <a:r>
+              <a:rPr lang="en-US" dirty="0">
+                <a:solidFill>
+                  <a:schemeClr val="tx1"/>
+                </a:solidFill>
+              </a:rPr>
+              <a:t>Tuesday: Weekly Feedback Form and Readings</a:t>
+            </a:r>
+          </a:p>
+          <a:p>
+            <a:r>
+              <a:rPr lang="en-US" dirty="0">
+                <a:solidFill>
+                  <a:schemeClr val="tx1"/>
+                </a:solidFill>
+              </a:rPr>
+              <a:t>Midterm:</a:t>
+            </a:r>
+          </a:p>
+          <a:p>
+            <a:pPr lvl="1"/>
+            <a:r>
+              <a:rPr lang="en-US" sz="2200" dirty="0">
+                <a:solidFill>
+                  <a:schemeClr val="tx1"/>
+                </a:solidFill>
+              </a:rPr>
+              <a:t>Take Home</a:t>
+            </a:r>
+          </a:p>
+          <a:p>
+            <a:pPr lvl="1"/>
+            <a:r>
+              <a:rPr lang="en-US" sz="2200" dirty="0">
+                <a:solidFill>
+                  <a:schemeClr val="tx1"/>
+                </a:solidFill>
+              </a:rPr>
+              <a:t>No class on Thursday</a:t>
+            </a:r>
+          </a:p>
+          <a:p>
+            <a:pPr lvl="1"/>
+            <a:r>
+              <a:rPr lang="en-US" sz="2200" dirty="0">
+                <a:solidFill>
+                  <a:schemeClr val="tx1"/>
+                </a:solidFill>
+              </a:rPr>
+              <a:t>Due Friday (Canvas)</a:t>
+            </a:r>
+            <a:br>
+              <a:rPr lang="en-US" dirty="0"/>
+            </a:br>
+            <a:endParaRPr lang="en-US" dirty="0"/>
+          </a:p>
+          <a:p>
+            <a:pPr marL="114300" indent="0">
+              <a:buNone/>
+            </a:pPr>
+            <a:endParaRPr lang="en-US" dirty="0"/>
+          </a:p>
+        </p:txBody>
+      </p:sp>
+      <p:sp>
+        <p:nvSpPr>
+          <p:cNvPr id="3" name="Title 2"/>
+          <p:cNvSpPr>
+            <a:spLocks noGrp="1"/>
+          </p:cNvSpPr>
+          <p:nvPr>
+            <p:ph type="title"/>
+          </p:nvPr>
+        </p:nvSpPr>
+        <p:spPr>
+          <a:xfrm>
+            <a:off x="0" y="325028"/>
+            <a:ext cx="12192000" cy="1143000"/>
+          </a:xfrm>
+        </p:spPr>
+        <p:txBody>
+          <a:bodyPr/>
+          <a:lstStyle/>
+          <a:p>
+            <a:r>
+              <a:rPr lang="en-US" dirty="0">
+                <a:solidFill>
+                  <a:schemeClr val="bg1"/>
+                </a:solidFill>
+              </a:rPr>
+              <a:t>Things to remember</a:t>
+            </a:r>
+          </a:p>
+        </p:txBody>
+      </p:sp>
+    </p:spTree>
+    <p:extLst>
+      <p:ext uri="{BB962C8B-B14F-4D97-AF65-F5344CB8AC3E}">
+        <p14:creationId xmlns:p14="http://schemas.microsoft.com/office/powerpoint/2010/main" val="410149578"/>
+      </p:ext>
+    </p:extLst>
+  </p:cSld>
+  <p:clrMapOvr>
+    <a:masterClrMapping/>
+  </p:clrMapOvr>
+</p:sld>
+</file>
+
+<file path=ppt/slides/slide4.xml><?xml version="1.0" encoding="utf-8"?>
 <p:sld xmlns:a="http://schemas.openxmlformats.org/drawingml/2006/main" xmlns:r="http://schemas.openxmlformats.org/officeDocument/2006/relationships" xmlns:p="http://schemas.openxmlformats.org/presentationml/2006/main">
   <p:cSld>
     <p:spTree>
@@ -19372,1135 +21087,7 @@
 </p:sld>
 </file>
 
-<file path=ppt/slides/slide30.xml><?xml version="1.0" encoding="utf-8"?>
-<p:sld xmlns:a="http://schemas.openxmlformats.org/drawingml/2006/main" xmlns:r="http://schemas.openxmlformats.org/officeDocument/2006/relationships" xmlns:p="http://schemas.openxmlformats.org/presentationml/2006/main">
-  <p:cSld>
-    <p:spTree>
-      <p:nvGrpSpPr>
-        <p:cNvPr id="1" name="Shape 448"/>
-        <p:cNvGrpSpPr/>
-        <p:nvPr/>
-      </p:nvGrpSpPr>
-      <p:grpSpPr>
-        <a:xfrm>
-          <a:off x="0" y="0"/>
-          <a:ext cx="0" cy="0"/>
-          <a:chOff x="0" y="0"/>
-          <a:chExt cx="0" cy="0"/>
-        </a:xfrm>
-      </p:grpSpPr>
-      <p:sp>
-        <p:nvSpPr>
-          <p:cNvPr id="449" name="Google Shape;449;p42"/>
-          <p:cNvSpPr txBox="1">
-            <a:spLocks noGrp="1"/>
-          </p:cNvSpPr>
-          <p:nvPr>
-            <p:ph type="title"/>
-          </p:nvPr>
-        </p:nvSpPr>
-        <p:spPr>
-          <a:prstGeom prst="rect">
-            <a:avLst/>
-          </a:prstGeom>
-        </p:spPr>
-        <p:txBody>
-          <a:bodyPr spcFirstLastPara="1" wrap="square" lIns="121900" tIns="60933" rIns="121900" bIns="60933" anchor="ctr" anchorCtr="0">
-            <a:noAutofit/>
-          </a:bodyPr>
-          <a:lstStyle/>
-          <a:p>
-            <a:r>
-              <a:rPr lang="en" dirty="0"/>
-              <a:t>Model Selection</a:t>
-            </a:r>
-            <a:endParaRPr sz="4000" b="1" dirty="0">
-              <a:latin typeface="Roboto"/>
-              <a:ea typeface="Roboto"/>
-              <a:cs typeface="Roboto"/>
-              <a:sym typeface="Roboto"/>
-            </a:endParaRPr>
-          </a:p>
-        </p:txBody>
-      </p:sp>
-      <p:pic>
-        <p:nvPicPr>
-          <p:cNvPr id="5" name="Picture 4">
-            <a:extLst>
-              <a:ext uri="{FF2B5EF4-FFF2-40B4-BE49-F238E27FC236}">
-                <a16:creationId xmlns:a16="http://schemas.microsoft.com/office/drawing/2014/main" id="{53338CC3-6BEE-A749-BCD5-ABD29A667234}"/>
-              </a:ext>
-            </a:extLst>
-          </p:cNvPr>
-          <p:cNvPicPr>
-            <a:picLocks noChangeAspect="1"/>
-          </p:cNvPicPr>
-          <p:nvPr/>
-        </p:nvPicPr>
-        <p:blipFill>
-          <a:blip r:embed="rId3"/>
-          <a:stretch>
-            <a:fillRect/>
-          </a:stretch>
-        </p:blipFill>
-        <p:spPr>
-          <a:xfrm>
-            <a:off x="1479500" y="1244600"/>
-            <a:ext cx="9232900" cy="5130800"/>
-          </a:xfrm>
-          <a:prstGeom prst="rect">
-            <a:avLst/>
-          </a:prstGeom>
-        </p:spPr>
-      </p:pic>
-    </p:spTree>
-    <p:extLst>
-      <p:ext uri="{BB962C8B-B14F-4D97-AF65-F5344CB8AC3E}">
-        <p14:creationId xmlns:p14="http://schemas.microsoft.com/office/powerpoint/2010/main" val="639890484"/>
-      </p:ext>
-    </p:extLst>
-  </p:cSld>
-  <p:clrMapOvr>
-    <a:masterClrMapping/>
-  </p:clrMapOvr>
-</p:sld>
-</file>
-
-<file path=ppt/slides/slide31.xml><?xml version="1.0" encoding="utf-8"?>
-<p:sld xmlns:a="http://schemas.openxmlformats.org/drawingml/2006/main" xmlns:r="http://schemas.openxmlformats.org/officeDocument/2006/relationships" xmlns:p="http://schemas.openxmlformats.org/presentationml/2006/main">
-  <p:cSld>
-    <p:spTree>
-      <p:nvGrpSpPr>
-        <p:cNvPr id="1" name="Shape 448"/>
-        <p:cNvGrpSpPr/>
-        <p:nvPr/>
-      </p:nvGrpSpPr>
-      <p:grpSpPr>
-        <a:xfrm>
-          <a:off x="0" y="0"/>
-          <a:ext cx="0" cy="0"/>
-          <a:chOff x="0" y="0"/>
-          <a:chExt cx="0" cy="0"/>
-        </a:xfrm>
-      </p:grpSpPr>
-      <p:sp>
-        <p:nvSpPr>
-          <p:cNvPr id="449" name="Google Shape;449;p42"/>
-          <p:cNvSpPr txBox="1">
-            <a:spLocks noGrp="1"/>
-          </p:cNvSpPr>
-          <p:nvPr>
-            <p:ph type="title"/>
-          </p:nvPr>
-        </p:nvSpPr>
-        <p:spPr>
-          <a:prstGeom prst="rect">
-            <a:avLst/>
-          </a:prstGeom>
-        </p:spPr>
-        <p:txBody>
-          <a:bodyPr spcFirstLastPara="1" wrap="square" lIns="121900" tIns="60933" rIns="121900" bIns="60933" anchor="ctr" anchorCtr="0">
-            <a:noAutofit/>
-          </a:bodyPr>
-          <a:lstStyle/>
-          <a:p>
-            <a:r>
-              <a:rPr lang="en" dirty="0"/>
-              <a:t>Model Selection</a:t>
-            </a:r>
-            <a:endParaRPr sz="4000" b="1" dirty="0">
-              <a:latin typeface="Roboto"/>
-              <a:ea typeface="Roboto"/>
-              <a:cs typeface="Roboto"/>
-              <a:sym typeface="Roboto"/>
-            </a:endParaRPr>
-          </a:p>
-        </p:txBody>
-      </p:sp>
-      <p:pic>
-        <p:nvPicPr>
-          <p:cNvPr id="6" name="Picture 5">
-            <a:extLst>
-              <a:ext uri="{FF2B5EF4-FFF2-40B4-BE49-F238E27FC236}">
-                <a16:creationId xmlns:a16="http://schemas.microsoft.com/office/drawing/2014/main" id="{32C95DA2-D7F5-B749-BD59-C217AF31861D}"/>
-              </a:ext>
-            </a:extLst>
-          </p:cNvPr>
-          <p:cNvPicPr>
-            <a:picLocks noChangeAspect="1"/>
-          </p:cNvPicPr>
-          <p:nvPr/>
-        </p:nvPicPr>
-        <p:blipFill>
-          <a:blip r:embed="rId3"/>
-          <a:stretch>
-            <a:fillRect/>
-          </a:stretch>
-        </p:blipFill>
-        <p:spPr>
-          <a:xfrm>
-            <a:off x="3048000" y="1530928"/>
-            <a:ext cx="6096000" cy="4572000"/>
-          </a:xfrm>
-          <a:prstGeom prst="rect">
-            <a:avLst/>
-          </a:prstGeom>
-        </p:spPr>
-      </p:pic>
-    </p:spTree>
-    <p:extLst>
-      <p:ext uri="{BB962C8B-B14F-4D97-AF65-F5344CB8AC3E}">
-        <p14:creationId xmlns:p14="http://schemas.microsoft.com/office/powerpoint/2010/main" val="2635062933"/>
-      </p:ext>
-    </p:extLst>
-  </p:cSld>
-  <p:clrMapOvr>
-    <a:masterClrMapping/>
-  </p:clrMapOvr>
-</p:sld>
-</file>
-
-<file path=ppt/slides/slide32.xml><?xml version="1.0" encoding="utf-8"?>
-<p:sld xmlns:a="http://schemas.openxmlformats.org/drawingml/2006/main" xmlns:r="http://schemas.openxmlformats.org/officeDocument/2006/relationships" xmlns:p="http://schemas.openxmlformats.org/presentationml/2006/main">
-  <p:cSld>
-    <p:spTree>
-      <p:nvGrpSpPr>
-        <p:cNvPr id="1" name="Shape 448"/>
-        <p:cNvGrpSpPr/>
-        <p:nvPr/>
-      </p:nvGrpSpPr>
-      <p:grpSpPr>
-        <a:xfrm>
-          <a:off x="0" y="0"/>
-          <a:ext cx="0" cy="0"/>
-          <a:chOff x="0" y="0"/>
-          <a:chExt cx="0" cy="0"/>
-        </a:xfrm>
-      </p:grpSpPr>
-      <p:sp>
-        <p:nvSpPr>
-          <p:cNvPr id="449" name="Google Shape;449;p42"/>
-          <p:cNvSpPr txBox="1">
-            <a:spLocks noGrp="1"/>
-          </p:cNvSpPr>
-          <p:nvPr>
-            <p:ph type="title"/>
-          </p:nvPr>
-        </p:nvSpPr>
-        <p:spPr>
-          <a:prstGeom prst="rect">
-            <a:avLst/>
-          </a:prstGeom>
-        </p:spPr>
-        <p:txBody>
-          <a:bodyPr spcFirstLastPara="1" wrap="square" lIns="121900" tIns="60933" rIns="121900" bIns="60933" anchor="ctr" anchorCtr="0">
-            <a:noAutofit/>
-          </a:bodyPr>
-          <a:lstStyle/>
-          <a:p>
-            <a:r>
-              <a:rPr lang="en" dirty="0"/>
-              <a:t>Model Selection</a:t>
-            </a:r>
-            <a:endParaRPr sz="4000" b="1" dirty="0">
-              <a:latin typeface="Roboto"/>
-              <a:ea typeface="Roboto"/>
-              <a:cs typeface="Roboto"/>
-              <a:sym typeface="Roboto"/>
-            </a:endParaRPr>
-          </a:p>
-        </p:txBody>
-      </p:sp>
-      <p:pic>
-        <p:nvPicPr>
-          <p:cNvPr id="2" name="Picture 1">
-            <a:extLst>
-              <a:ext uri="{FF2B5EF4-FFF2-40B4-BE49-F238E27FC236}">
-                <a16:creationId xmlns:a16="http://schemas.microsoft.com/office/drawing/2014/main" id="{FFF52808-3577-AE47-8BC1-F03230A0569A}"/>
-              </a:ext>
-            </a:extLst>
-          </p:cNvPr>
-          <p:cNvPicPr>
-            <a:picLocks noChangeAspect="1"/>
-          </p:cNvPicPr>
-          <p:nvPr/>
-        </p:nvPicPr>
-        <p:blipFill>
-          <a:blip r:embed="rId3"/>
-          <a:stretch>
-            <a:fillRect/>
-          </a:stretch>
-        </p:blipFill>
-        <p:spPr>
-          <a:xfrm>
-            <a:off x="6791435" y="1579418"/>
-            <a:ext cx="4984865" cy="4895850"/>
-          </a:xfrm>
-          <a:prstGeom prst="rect">
-            <a:avLst/>
-          </a:prstGeom>
-        </p:spPr>
-      </p:pic>
-      <p:sp>
-        <p:nvSpPr>
-          <p:cNvPr id="7" name="Google Shape;456;p43">
-            <a:extLst>
-              <a:ext uri="{FF2B5EF4-FFF2-40B4-BE49-F238E27FC236}">
-                <a16:creationId xmlns:a16="http://schemas.microsoft.com/office/drawing/2014/main" id="{B4064D34-B361-0E4D-8737-66CD434AB320}"/>
-              </a:ext>
-            </a:extLst>
-          </p:cNvPr>
-          <p:cNvSpPr txBox="1">
-            <a:spLocks noGrp="1"/>
-          </p:cNvSpPr>
-          <p:nvPr>
-            <p:ph type="body" idx="1"/>
-          </p:nvPr>
-        </p:nvSpPr>
-        <p:spPr>
-          <a:xfrm>
-            <a:off x="415600" y="1260768"/>
-            <a:ext cx="6375835" cy="5174672"/>
-          </a:xfrm>
-          <a:prstGeom prst="rect">
-            <a:avLst/>
-          </a:prstGeom>
-        </p:spPr>
-        <p:txBody>
-          <a:bodyPr spcFirstLastPara="1" wrap="square" lIns="121900" tIns="60933" rIns="121900" bIns="60933" anchor="t" anchorCtr="0">
-            <a:noAutofit/>
-          </a:bodyPr>
-          <a:lstStyle/>
-          <a:p>
-            <a:pPr indent="-474121">
-              <a:buSzPts val="2000"/>
-            </a:pPr>
-            <a:r>
-              <a:rPr lang="en" sz="2667" dirty="0"/>
-              <a:t>May not be obvious which strategy / model specification is “best”</a:t>
-            </a:r>
-            <a:br>
-              <a:rPr lang="en" sz="2667" dirty="0"/>
-            </a:br>
-            <a:endParaRPr lang="en" sz="2667" dirty="0"/>
-          </a:p>
-          <a:p>
-            <a:pPr indent="-474121">
-              <a:buSzPts val="2000"/>
-            </a:pPr>
-            <a:r>
-              <a:rPr lang="en-US" sz="2667" dirty="0"/>
-              <a:t>Among good candidates, may be instructive to ask how similar or different the lists each strategy would produce are</a:t>
-            </a:r>
-            <a:br>
-              <a:rPr lang="en-US" sz="2667" dirty="0"/>
-            </a:br>
-            <a:endParaRPr lang="en-US" sz="2667" dirty="0"/>
-          </a:p>
-          <a:p>
-            <a:pPr indent="-474121">
-              <a:buSzPts val="2000"/>
-            </a:pPr>
-            <a:r>
-              <a:rPr lang="en-US" sz="2667" dirty="0"/>
-              <a:t>May ultimately want to deploy (or at least test) a strategy that combines across several specifications</a:t>
-            </a:r>
-            <a:endParaRPr sz="2667" dirty="0"/>
-          </a:p>
-        </p:txBody>
-      </p:sp>
-    </p:spTree>
-    <p:extLst>
-      <p:ext uri="{BB962C8B-B14F-4D97-AF65-F5344CB8AC3E}">
-        <p14:creationId xmlns:p14="http://schemas.microsoft.com/office/powerpoint/2010/main" val="1168641203"/>
-      </p:ext>
-    </p:extLst>
-  </p:cSld>
-  <p:clrMapOvr>
-    <a:masterClrMapping/>
-  </p:clrMapOvr>
-</p:sld>
-</file>
-
-<file path=ppt/slides/slide33.xml><?xml version="1.0" encoding="utf-8"?>
-<p:sld xmlns:a="http://schemas.openxmlformats.org/drawingml/2006/main" xmlns:r="http://schemas.openxmlformats.org/officeDocument/2006/relationships" xmlns:p="http://schemas.openxmlformats.org/presentationml/2006/main">
-  <p:cSld>
-    <p:spTree>
-      <p:nvGrpSpPr>
-        <p:cNvPr id="1" name=""/>
-        <p:cNvGrpSpPr/>
-        <p:nvPr/>
-      </p:nvGrpSpPr>
-      <p:grpSpPr>
-        <a:xfrm>
-          <a:off x="0" y="0"/>
-          <a:ext cx="0" cy="0"/>
-          <a:chOff x="0" y="0"/>
-          <a:chExt cx="0" cy="0"/>
-        </a:xfrm>
-      </p:grpSpPr>
-      <p:sp>
-        <p:nvSpPr>
-          <p:cNvPr id="3" name="Title 2">
-            <a:extLst>
-              <a:ext uri="{FF2B5EF4-FFF2-40B4-BE49-F238E27FC236}">
-                <a16:creationId xmlns:a16="http://schemas.microsoft.com/office/drawing/2014/main" id="{9323871C-7CA8-1448-8FFC-1AE6E1838941}"/>
-              </a:ext>
-            </a:extLst>
-          </p:cNvPr>
-          <p:cNvSpPr>
-            <a:spLocks noGrp="1"/>
-          </p:cNvSpPr>
-          <p:nvPr>
-            <p:ph type="title"/>
-          </p:nvPr>
-        </p:nvSpPr>
-        <p:spPr/>
-        <p:txBody>
-          <a:bodyPr/>
-          <a:lstStyle/>
-          <a:p>
-            <a:r>
-              <a:rPr lang="en-US" dirty="0"/>
-              <a:t>Some Open Research Questions</a:t>
-            </a:r>
-          </a:p>
-        </p:txBody>
-      </p:sp>
-      <p:sp>
-        <p:nvSpPr>
-          <p:cNvPr id="4" name="Text Placeholder 3">
-            <a:extLst>
-              <a:ext uri="{FF2B5EF4-FFF2-40B4-BE49-F238E27FC236}">
-                <a16:creationId xmlns:a16="http://schemas.microsoft.com/office/drawing/2014/main" id="{5E600BA7-FA45-884F-9820-9E5F2CB7AA48}"/>
-              </a:ext>
-            </a:extLst>
-          </p:cNvPr>
-          <p:cNvSpPr>
-            <a:spLocks noGrp="1"/>
-          </p:cNvSpPr>
-          <p:nvPr>
-            <p:ph type="body" idx="1"/>
-          </p:nvPr>
-        </p:nvSpPr>
-        <p:spPr/>
-        <p:txBody>
-          <a:bodyPr/>
-          <a:lstStyle/>
-          <a:p>
-            <a:r>
-              <a:rPr lang="en-US" dirty="0"/>
-              <a:t>What are the conditions under which temporal validation out-performs traditional cross-validation? By how much?</a:t>
-            </a:r>
-            <a:br>
-              <a:rPr lang="en-US" dirty="0"/>
-            </a:br>
-            <a:endParaRPr lang="en-US" dirty="0"/>
-          </a:p>
-          <a:p>
-            <a:r>
-              <a:rPr lang="en-US" dirty="0"/>
-              <a:t>Likewise, what can we learn about how well certain strategies perform in terms of regret under different real-world conditions?</a:t>
-            </a:r>
-            <a:br>
-              <a:rPr lang="en-US" dirty="0"/>
-            </a:br>
-            <a:endParaRPr lang="en-US" dirty="0"/>
-          </a:p>
-          <a:p>
-            <a:r>
-              <a:rPr lang="en-US" dirty="0"/>
-              <a:t>Many problems in policy settings involve resource constraints that require optimization at the top of the list, but few methods optimize for this directly.</a:t>
-            </a:r>
-          </a:p>
-          <a:p>
-            <a:pPr lvl="1"/>
-            <a:r>
-              <a:rPr lang="en-US" dirty="0"/>
-              <a:t>e.g., </a:t>
-            </a:r>
-            <a:r>
-              <a:rPr lang="en-US" dirty="0" err="1"/>
-              <a:t>Transductive</a:t>
-            </a:r>
-            <a:r>
-              <a:rPr lang="en-US" dirty="0"/>
-              <a:t> Top k</a:t>
-            </a:r>
-          </a:p>
-        </p:txBody>
-      </p:sp>
-    </p:spTree>
-    <p:extLst>
-      <p:ext uri="{BB962C8B-B14F-4D97-AF65-F5344CB8AC3E}">
-        <p14:creationId xmlns:p14="http://schemas.microsoft.com/office/powerpoint/2010/main" val="136932352"/>
-      </p:ext>
-    </p:extLst>
-  </p:cSld>
-  <p:clrMapOvr>
-    <a:masterClrMapping/>
-  </p:clrMapOvr>
-</p:sld>
-</file>
-
-<file path=ppt/slides/slide34.xml><?xml version="1.0" encoding="utf-8"?>
-<p:sld xmlns:a="http://schemas.openxmlformats.org/drawingml/2006/main" xmlns:r="http://schemas.openxmlformats.org/officeDocument/2006/relationships" xmlns:p="http://schemas.openxmlformats.org/presentationml/2006/main">
-  <p:cSld>
-    <p:spTree>
-      <p:nvGrpSpPr>
-        <p:cNvPr id="1" name=""/>
-        <p:cNvGrpSpPr/>
-        <p:nvPr/>
-      </p:nvGrpSpPr>
-      <p:grpSpPr>
-        <a:xfrm>
-          <a:off x="0" y="0"/>
-          <a:ext cx="0" cy="0"/>
-          <a:chOff x="0" y="0"/>
-          <a:chExt cx="0" cy="0"/>
-        </a:xfrm>
-      </p:grpSpPr>
-      <p:sp>
-        <p:nvSpPr>
-          <p:cNvPr id="3" name="Title 2">
-            <a:extLst>
-              <a:ext uri="{FF2B5EF4-FFF2-40B4-BE49-F238E27FC236}">
-                <a16:creationId xmlns:a16="http://schemas.microsoft.com/office/drawing/2014/main" id="{9323871C-7CA8-1448-8FFC-1AE6E1838941}"/>
-              </a:ext>
-            </a:extLst>
-          </p:cNvPr>
-          <p:cNvSpPr>
-            <a:spLocks noGrp="1"/>
-          </p:cNvSpPr>
-          <p:nvPr>
-            <p:ph type="title"/>
-          </p:nvPr>
-        </p:nvSpPr>
-        <p:spPr/>
-        <p:txBody>
-          <a:bodyPr/>
-          <a:lstStyle/>
-          <a:p>
-            <a:r>
-              <a:rPr lang="en-US" dirty="0"/>
-              <a:t>Some Open Research Questions</a:t>
-            </a:r>
-          </a:p>
-        </p:txBody>
-      </p:sp>
-      <p:pic>
-        <p:nvPicPr>
-          <p:cNvPr id="6" name="Picture 5">
-            <a:extLst>
-              <a:ext uri="{FF2B5EF4-FFF2-40B4-BE49-F238E27FC236}">
-                <a16:creationId xmlns:a16="http://schemas.microsoft.com/office/drawing/2014/main" id="{4B9B5C17-6333-3542-BF92-961541BDC881}"/>
-              </a:ext>
-            </a:extLst>
-          </p:cNvPr>
-          <p:cNvPicPr>
-            <a:picLocks noChangeAspect="1"/>
-          </p:cNvPicPr>
-          <p:nvPr/>
-        </p:nvPicPr>
-        <p:blipFill>
-          <a:blip r:embed="rId2"/>
-          <a:stretch>
-            <a:fillRect/>
-          </a:stretch>
-        </p:blipFill>
-        <p:spPr>
-          <a:xfrm>
-            <a:off x="1169439" y="1257300"/>
-            <a:ext cx="9853121" cy="5023746"/>
-          </a:xfrm>
-          <a:prstGeom prst="rect">
-            <a:avLst/>
-          </a:prstGeom>
-        </p:spPr>
-      </p:pic>
-    </p:spTree>
-    <p:extLst>
-      <p:ext uri="{BB962C8B-B14F-4D97-AF65-F5344CB8AC3E}">
-        <p14:creationId xmlns:p14="http://schemas.microsoft.com/office/powerpoint/2010/main" val="1478637945"/>
-      </p:ext>
-    </p:extLst>
-  </p:cSld>
-  <p:clrMapOvr>
-    <a:masterClrMapping/>
-  </p:clrMapOvr>
-</p:sld>
-</file>
-
-<file path=ppt/slides/slide35.xml><?xml version="1.0" encoding="utf-8"?>
-<p:sld xmlns:a="http://schemas.openxmlformats.org/drawingml/2006/main" xmlns:r="http://schemas.openxmlformats.org/officeDocument/2006/relationships" xmlns:p="http://schemas.openxmlformats.org/presentationml/2006/main">
-  <p:cSld>
-    <p:spTree>
-      <p:nvGrpSpPr>
-        <p:cNvPr id="1" name=""/>
-        <p:cNvGrpSpPr/>
-        <p:nvPr/>
-      </p:nvGrpSpPr>
-      <p:grpSpPr>
-        <a:xfrm>
-          <a:off x="0" y="0"/>
-          <a:ext cx="0" cy="0"/>
-          <a:chOff x="0" y="0"/>
-          <a:chExt cx="0" cy="0"/>
-        </a:xfrm>
-      </p:grpSpPr>
-      <p:sp>
-        <p:nvSpPr>
-          <p:cNvPr id="3" name="Title 2">
-            <a:extLst>
-              <a:ext uri="{FF2B5EF4-FFF2-40B4-BE49-F238E27FC236}">
-                <a16:creationId xmlns:a16="http://schemas.microsoft.com/office/drawing/2014/main" id="{9323871C-7CA8-1448-8FFC-1AE6E1838941}"/>
-              </a:ext>
-            </a:extLst>
-          </p:cNvPr>
-          <p:cNvSpPr>
-            <a:spLocks noGrp="1"/>
-          </p:cNvSpPr>
-          <p:nvPr>
-            <p:ph type="title"/>
-          </p:nvPr>
-        </p:nvSpPr>
-        <p:spPr/>
-        <p:txBody>
-          <a:bodyPr/>
-          <a:lstStyle/>
-          <a:p>
-            <a:r>
-              <a:rPr lang="en-US" dirty="0"/>
-              <a:t>Some Open Research Questions</a:t>
-            </a:r>
-          </a:p>
-        </p:txBody>
-      </p:sp>
-      <p:sp>
-        <p:nvSpPr>
-          <p:cNvPr id="4" name="Text Placeholder 3">
-            <a:extLst>
-              <a:ext uri="{FF2B5EF4-FFF2-40B4-BE49-F238E27FC236}">
-                <a16:creationId xmlns:a16="http://schemas.microsoft.com/office/drawing/2014/main" id="{5E600BA7-FA45-884F-9820-9E5F2CB7AA48}"/>
-              </a:ext>
-            </a:extLst>
-          </p:cNvPr>
-          <p:cNvSpPr>
-            <a:spLocks noGrp="1"/>
-          </p:cNvSpPr>
-          <p:nvPr>
-            <p:ph type="body" idx="1"/>
-          </p:nvPr>
-        </p:nvSpPr>
-        <p:spPr/>
-        <p:txBody>
-          <a:bodyPr/>
-          <a:lstStyle/>
-          <a:p>
-            <a:r>
-              <a:rPr lang="en-US" dirty="0"/>
-              <a:t>The SVM loss function will find the “best” separating hyperplane overall, but perhaps we could draw a better hyperplane to separate just </a:t>
-            </a:r>
-            <a:r>
-              <a:rPr lang="en-US" i="1" dirty="0"/>
-              <a:t>k</a:t>
-            </a:r>
-            <a:r>
-              <a:rPr lang="en-US" dirty="0"/>
-              <a:t> positive examples?</a:t>
-            </a:r>
-            <a:br>
-              <a:rPr lang="en-US" dirty="0"/>
-            </a:br>
-            <a:endParaRPr lang="en-US" dirty="0"/>
-          </a:p>
-          <a:p>
-            <a:r>
-              <a:rPr lang="en-US" i="1" dirty="0" err="1"/>
-              <a:t>Transductive</a:t>
-            </a:r>
-            <a:r>
-              <a:rPr lang="en-US" dirty="0"/>
-              <a:t> method: needs to be aware of the test set </a:t>
-            </a:r>
-            <a:r>
-              <a:rPr lang="en-US" b="1" dirty="0"/>
-              <a:t>without labels</a:t>
-            </a:r>
-            <a:r>
-              <a:rPr lang="en-US" dirty="0"/>
-              <a:t> to select just </a:t>
-            </a:r>
-            <a:r>
-              <a:rPr lang="en-US" i="1" dirty="0"/>
-              <a:t>k</a:t>
-            </a:r>
-            <a:r>
-              <a:rPr lang="en-US" dirty="0"/>
-              <a:t> test examples.</a:t>
-            </a:r>
-            <a:br>
-              <a:rPr lang="en-US" dirty="0"/>
-            </a:br>
-            <a:endParaRPr lang="en-US" dirty="0"/>
-          </a:p>
-          <a:p>
-            <a:r>
-              <a:rPr lang="en-US" dirty="0"/>
-              <a:t>Modified gradient descent procedure to project gradient direction for L2-regularized SVM loss onto a “feasible solution cone” such that </a:t>
-            </a:r>
-            <a:r>
-              <a:rPr lang="en-US" u="sng" dirty="0"/>
-              <a:t>no more than</a:t>
-            </a:r>
-            <a:r>
-              <a:rPr lang="en-US" dirty="0"/>
-              <a:t> </a:t>
-            </a:r>
-            <a:r>
-              <a:rPr lang="en-US" i="1" dirty="0"/>
-              <a:t>k</a:t>
-            </a:r>
-            <a:r>
-              <a:rPr lang="en-US" dirty="0"/>
-              <a:t> test examples will be predicted positive after the step.</a:t>
-            </a:r>
-          </a:p>
-        </p:txBody>
-      </p:sp>
-    </p:spTree>
-    <p:extLst>
-      <p:ext uri="{BB962C8B-B14F-4D97-AF65-F5344CB8AC3E}">
-        <p14:creationId xmlns:p14="http://schemas.microsoft.com/office/powerpoint/2010/main" val="94907443"/>
-      </p:ext>
-    </p:extLst>
-  </p:cSld>
-  <p:clrMapOvr>
-    <a:masterClrMapping/>
-  </p:clrMapOvr>
-</p:sld>
-</file>
-
-<file path=ppt/slides/slide36.xml><?xml version="1.0" encoding="utf-8"?>
-<p:sld xmlns:a="http://schemas.openxmlformats.org/drawingml/2006/main" xmlns:r="http://schemas.openxmlformats.org/officeDocument/2006/relationships" xmlns:p="http://schemas.openxmlformats.org/presentationml/2006/main">
-  <p:cSld>
-    <p:spTree>
-      <p:nvGrpSpPr>
-        <p:cNvPr id="1" name=""/>
-        <p:cNvGrpSpPr/>
-        <p:nvPr/>
-      </p:nvGrpSpPr>
-      <p:grpSpPr>
-        <a:xfrm>
-          <a:off x="0" y="0"/>
-          <a:ext cx="0" cy="0"/>
-          <a:chOff x="0" y="0"/>
-          <a:chExt cx="0" cy="0"/>
-        </a:xfrm>
-      </p:grpSpPr>
-      <p:sp>
-        <p:nvSpPr>
-          <p:cNvPr id="3" name="Title 2">
-            <a:extLst>
-              <a:ext uri="{FF2B5EF4-FFF2-40B4-BE49-F238E27FC236}">
-                <a16:creationId xmlns:a16="http://schemas.microsoft.com/office/drawing/2014/main" id="{9323871C-7CA8-1448-8FFC-1AE6E1838941}"/>
-              </a:ext>
-            </a:extLst>
-          </p:cNvPr>
-          <p:cNvSpPr>
-            <a:spLocks noGrp="1"/>
-          </p:cNvSpPr>
-          <p:nvPr>
-            <p:ph type="title"/>
-          </p:nvPr>
-        </p:nvSpPr>
-        <p:spPr/>
-        <p:txBody>
-          <a:bodyPr/>
-          <a:lstStyle/>
-          <a:p>
-            <a:r>
-              <a:rPr lang="en-US" dirty="0"/>
-              <a:t>Some Open Research Questions</a:t>
-            </a:r>
-          </a:p>
-        </p:txBody>
-      </p:sp>
-      <p:pic>
-        <p:nvPicPr>
-          <p:cNvPr id="2" name="Picture 1">
-            <a:extLst>
-              <a:ext uri="{FF2B5EF4-FFF2-40B4-BE49-F238E27FC236}">
-                <a16:creationId xmlns:a16="http://schemas.microsoft.com/office/drawing/2014/main" id="{23F8960D-806C-F441-9A23-1578C38467D8}"/>
-              </a:ext>
-            </a:extLst>
-          </p:cNvPr>
-          <p:cNvPicPr>
-            <a:picLocks noChangeAspect="1"/>
-          </p:cNvPicPr>
-          <p:nvPr/>
-        </p:nvPicPr>
-        <p:blipFill>
-          <a:blip r:embed="rId2"/>
-          <a:stretch>
-            <a:fillRect/>
-          </a:stretch>
-        </p:blipFill>
-        <p:spPr>
-          <a:xfrm>
-            <a:off x="2749550" y="1371600"/>
-            <a:ext cx="6692900" cy="4114800"/>
-          </a:xfrm>
-          <a:prstGeom prst="rect">
-            <a:avLst/>
-          </a:prstGeom>
-        </p:spPr>
-      </p:pic>
-    </p:spTree>
-    <p:extLst>
-      <p:ext uri="{BB962C8B-B14F-4D97-AF65-F5344CB8AC3E}">
-        <p14:creationId xmlns:p14="http://schemas.microsoft.com/office/powerpoint/2010/main" val="1715242992"/>
-      </p:ext>
-    </p:extLst>
-  </p:cSld>
-  <p:clrMapOvr>
-    <a:masterClrMapping/>
-  </p:clrMapOvr>
-</p:sld>
-</file>
-
-<file path=ppt/slides/slide37.xml><?xml version="1.0" encoding="utf-8"?>
-<p:sld xmlns:a="http://schemas.openxmlformats.org/drawingml/2006/main" xmlns:r="http://schemas.openxmlformats.org/officeDocument/2006/relationships" xmlns:p="http://schemas.openxmlformats.org/presentationml/2006/main">
-  <p:cSld>
-    <p:spTree>
-      <p:nvGrpSpPr>
-        <p:cNvPr id="1" name=""/>
-        <p:cNvGrpSpPr/>
-        <p:nvPr/>
-      </p:nvGrpSpPr>
-      <p:grpSpPr>
-        <a:xfrm>
-          <a:off x="0" y="0"/>
-          <a:ext cx="0" cy="0"/>
-          <a:chOff x="0" y="0"/>
-          <a:chExt cx="0" cy="0"/>
-        </a:xfrm>
-      </p:grpSpPr>
-      <p:sp>
-        <p:nvSpPr>
-          <p:cNvPr id="3" name="Title 2">
-            <a:extLst>
-              <a:ext uri="{FF2B5EF4-FFF2-40B4-BE49-F238E27FC236}">
-                <a16:creationId xmlns:a16="http://schemas.microsoft.com/office/drawing/2014/main" id="{9323871C-7CA8-1448-8FFC-1AE6E1838941}"/>
-              </a:ext>
-            </a:extLst>
-          </p:cNvPr>
-          <p:cNvSpPr>
-            <a:spLocks noGrp="1"/>
-          </p:cNvSpPr>
-          <p:nvPr>
-            <p:ph type="title"/>
-          </p:nvPr>
-        </p:nvSpPr>
-        <p:spPr/>
-        <p:txBody>
-          <a:bodyPr/>
-          <a:lstStyle/>
-          <a:p>
-            <a:r>
-              <a:rPr lang="en-US" dirty="0"/>
-              <a:t>Some Open Research Questions</a:t>
-            </a:r>
-          </a:p>
-        </p:txBody>
-      </p:sp>
-      <p:sp>
-        <p:nvSpPr>
-          <p:cNvPr id="4" name="Text Placeholder 3">
-            <a:extLst>
-              <a:ext uri="{FF2B5EF4-FFF2-40B4-BE49-F238E27FC236}">
-                <a16:creationId xmlns:a16="http://schemas.microsoft.com/office/drawing/2014/main" id="{5E600BA7-FA45-884F-9820-9E5F2CB7AA48}"/>
-              </a:ext>
-            </a:extLst>
-          </p:cNvPr>
-          <p:cNvSpPr>
-            <a:spLocks noGrp="1"/>
-          </p:cNvSpPr>
-          <p:nvPr>
-            <p:ph type="body" idx="1"/>
-          </p:nvPr>
-        </p:nvSpPr>
-        <p:spPr>
-          <a:xfrm>
-            <a:off x="415600" y="1219133"/>
-            <a:ext cx="11360700" cy="5234804"/>
-          </a:xfrm>
-        </p:spPr>
-        <p:txBody>
-          <a:bodyPr/>
-          <a:lstStyle/>
-          <a:p>
-            <a:pPr marL="76200" indent="0">
-              <a:buNone/>
-            </a:pPr>
-            <a:r>
-              <a:rPr lang="en-US" dirty="0"/>
-              <a:t>Paper shows improvements on synthetic examples and some “standard” datasets, but still more to investigate:</a:t>
-            </a:r>
-            <a:br>
-              <a:rPr lang="en-US" dirty="0"/>
-            </a:br>
-            <a:endParaRPr lang="en-US" dirty="0"/>
-          </a:p>
-          <a:p>
-            <a:r>
-              <a:rPr lang="en-US" dirty="0"/>
-              <a:t>Can be slow to converge on larger datasets</a:t>
-            </a:r>
-            <a:br>
-              <a:rPr lang="en-US" dirty="0"/>
-            </a:br>
-            <a:endParaRPr lang="en-US" dirty="0"/>
-          </a:p>
-          <a:p>
-            <a:r>
-              <a:rPr lang="en-US" dirty="0"/>
-              <a:t>“At most” </a:t>
-            </a:r>
-            <a:r>
-              <a:rPr lang="en-US" i="1" dirty="0"/>
-              <a:t>k</a:t>
-            </a:r>
-            <a:r>
-              <a:rPr lang="en-US" dirty="0"/>
-              <a:t> examples can yield many fewer than the desired </a:t>
-            </a:r>
-            <a:r>
-              <a:rPr lang="en-US" i="1" dirty="0"/>
-              <a:t>k</a:t>
-            </a:r>
-            <a:r>
-              <a:rPr lang="en-US" dirty="0"/>
-              <a:t>, particularly for rare events (why doesn’t the algorithm target </a:t>
-            </a:r>
-            <a:r>
-              <a:rPr lang="en-US" i="1" dirty="0"/>
-              <a:t>exactly k</a:t>
-            </a:r>
-            <a:r>
-              <a:rPr lang="en-US" dirty="0"/>
-              <a:t>?)</a:t>
-            </a:r>
-            <a:br>
-              <a:rPr lang="en-US" dirty="0"/>
-            </a:br>
-            <a:endParaRPr lang="en-US" dirty="0"/>
-          </a:p>
-          <a:p>
-            <a:r>
-              <a:rPr lang="en-US" dirty="0"/>
-              <a:t> Although creating a “top k” boundary, still penalizes false positives and false negatives equally during optimization</a:t>
-            </a:r>
-            <a:br>
-              <a:rPr lang="en-US" dirty="0"/>
-            </a:br>
-            <a:endParaRPr lang="en-US" dirty="0"/>
-          </a:p>
-          <a:p>
-            <a:r>
-              <a:rPr lang="en-US" dirty="0"/>
-              <a:t>Can we do better at the top, even if we don’t have access to the test list?</a:t>
-            </a:r>
-          </a:p>
-        </p:txBody>
-      </p:sp>
-    </p:spTree>
-    <p:extLst>
-      <p:ext uri="{BB962C8B-B14F-4D97-AF65-F5344CB8AC3E}">
-        <p14:creationId xmlns:p14="http://schemas.microsoft.com/office/powerpoint/2010/main" val="4118118316"/>
-      </p:ext>
-    </p:extLst>
-  </p:cSld>
-  <p:clrMapOvr>
-    <a:masterClrMapping/>
-  </p:clrMapOvr>
-</p:sld>
-</file>
-
-<file path=ppt/slides/slide38.xml><?xml version="1.0" encoding="utf-8"?>
-<p:sld xmlns:a="http://schemas.openxmlformats.org/drawingml/2006/main" xmlns:r="http://schemas.openxmlformats.org/officeDocument/2006/relationships" xmlns:p="http://schemas.openxmlformats.org/presentationml/2006/main">
-  <p:cSld>
-    <p:spTree>
-      <p:nvGrpSpPr>
-        <p:cNvPr id="1" name=""/>
-        <p:cNvGrpSpPr/>
-        <p:nvPr/>
-      </p:nvGrpSpPr>
-      <p:grpSpPr>
-        <a:xfrm>
-          <a:off x="0" y="0"/>
-          <a:ext cx="0" cy="0"/>
-          <a:chOff x="0" y="0"/>
-          <a:chExt cx="0" cy="0"/>
-        </a:xfrm>
-      </p:grpSpPr>
-      <p:sp>
-        <p:nvSpPr>
-          <p:cNvPr id="2" name="Content Placeholder 1"/>
-          <p:cNvSpPr>
-            <a:spLocks noGrp="1"/>
-          </p:cNvSpPr>
-          <p:nvPr>
-            <p:ph type="body" idx="1"/>
-          </p:nvPr>
-        </p:nvSpPr>
-        <p:spPr/>
-        <p:txBody>
-          <a:bodyPr/>
-          <a:lstStyle/>
-          <a:p>
-            <a:pPr marL="114300" indent="0">
-              <a:buNone/>
-            </a:pPr>
-            <a:endParaRPr lang="en-US" dirty="0">
-              <a:solidFill>
-                <a:schemeClr val="tx1"/>
-              </a:solidFill>
-            </a:endParaRPr>
-          </a:p>
-          <a:p>
-            <a:pPr marL="114300" indent="0">
-              <a:buNone/>
-            </a:pPr>
-            <a:r>
-              <a:rPr lang="en-US" b="1" dirty="0">
-                <a:solidFill>
-                  <a:schemeClr val="tx1"/>
-                </a:solidFill>
-              </a:rPr>
-              <a:t>Coming Up Next Week:</a:t>
-            </a:r>
-          </a:p>
-          <a:p>
-            <a:r>
-              <a:rPr lang="en-US" dirty="0">
-                <a:solidFill>
-                  <a:schemeClr val="tx1"/>
-                </a:solidFill>
-              </a:rPr>
-              <a:t>Monday: Modeling Results Update Assignment (posted on canvas)</a:t>
-            </a:r>
-          </a:p>
-          <a:p>
-            <a:r>
-              <a:rPr lang="en-US" dirty="0">
-                <a:solidFill>
-                  <a:schemeClr val="tx1"/>
-                </a:solidFill>
-              </a:rPr>
-              <a:t>Tuesday: Weekly Feedback Form and Readings</a:t>
-            </a:r>
-          </a:p>
-          <a:p>
-            <a:r>
-              <a:rPr lang="en-US" dirty="0">
-                <a:solidFill>
-                  <a:schemeClr val="tx1"/>
-                </a:solidFill>
-              </a:rPr>
-              <a:t>Midterm:</a:t>
-            </a:r>
-          </a:p>
-          <a:p>
-            <a:pPr lvl="1"/>
-            <a:r>
-              <a:rPr lang="en-US" sz="2200" dirty="0">
-                <a:solidFill>
-                  <a:schemeClr val="tx1"/>
-                </a:solidFill>
-              </a:rPr>
-              <a:t>Take Home</a:t>
-            </a:r>
-          </a:p>
-          <a:p>
-            <a:pPr lvl="1"/>
-            <a:r>
-              <a:rPr lang="en-US" sz="2200" dirty="0">
-                <a:solidFill>
-                  <a:schemeClr val="tx1"/>
-                </a:solidFill>
-              </a:rPr>
-              <a:t>No class on Thursday</a:t>
-            </a:r>
-          </a:p>
-          <a:p>
-            <a:pPr lvl="1"/>
-            <a:r>
-              <a:rPr lang="en-US" sz="2200" dirty="0">
-                <a:solidFill>
-                  <a:schemeClr val="tx1"/>
-                </a:solidFill>
-              </a:rPr>
-              <a:t>Due Friday (Canvas)</a:t>
-            </a:r>
-            <a:br>
-              <a:rPr lang="en-US" dirty="0"/>
-            </a:br>
-            <a:endParaRPr lang="en-US" dirty="0"/>
-          </a:p>
-          <a:p>
-            <a:pPr marL="114300" indent="0">
-              <a:buNone/>
-            </a:pPr>
-            <a:endParaRPr lang="en-US" dirty="0"/>
-          </a:p>
-        </p:txBody>
-      </p:sp>
-      <p:sp>
-        <p:nvSpPr>
-          <p:cNvPr id="3" name="Title 2"/>
-          <p:cNvSpPr>
-            <a:spLocks noGrp="1"/>
-          </p:cNvSpPr>
-          <p:nvPr>
-            <p:ph type="title"/>
-          </p:nvPr>
-        </p:nvSpPr>
-        <p:spPr>
-          <a:xfrm>
-            <a:off x="0" y="325028"/>
-            <a:ext cx="12192000" cy="1143000"/>
-          </a:xfrm>
-        </p:spPr>
-        <p:txBody>
-          <a:bodyPr/>
-          <a:lstStyle/>
-          <a:p>
-            <a:r>
-              <a:rPr lang="en-US" dirty="0">
-                <a:solidFill>
-                  <a:schemeClr val="bg1"/>
-                </a:solidFill>
-              </a:rPr>
-              <a:t>Things to remember</a:t>
-            </a:r>
-          </a:p>
-        </p:txBody>
-      </p:sp>
-    </p:spTree>
-    <p:extLst>
-      <p:ext uri="{BB962C8B-B14F-4D97-AF65-F5344CB8AC3E}">
-        <p14:creationId xmlns:p14="http://schemas.microsoft.com/office/powerpoint/2010/main" val="410149578"/>
-      </p:ext>
-    </p:extLst>
-  </p:cSld>
-  <p:clrMapOvr>
-    <a:masterClrMapping/>
-  </p:clrMapOvr>
-</p:sld>
-</file>
-
-<file path=ppt/slides/slide4.xml><?xml version="1.0" encoding="utf-8"?>
+<file path=ppt/slides/slide5.xml><?xml version="1.0" encoding="utf-8"?>
 <p:sld xmlns:a="http://schemas.openxmlformats.org/drawingml/2006/main" xmlns:r="http://schemas.openxmlformats.org/officeDocument/2006/relationships" xmlns:p="http://schemas.openxmlformats.org/presentationml/2006/main">
   <p:cSld>
     <p:spTree>
@@ -20791,10 +21378,10 @@
         </p:nvGrpSpPr>
         <p:grpSpPr>
           <a:xfrm>
-            <a:off x="1836283" y="5550212"/>
-            <a:ext cx="7221578" cy="369332"/>
-            <a:chOff x="312283" y="5550212"/>
-            <a:chExt cx="7221578" cy="369332"/>
+            <a:off x="1807707" y="5550212"/>
+            <a:ext cx="7250154" cy="369332"/>
+            <a:chOff x="283707" y="5550212"/>
+            <a:chExt cx="7250154" cy="369332"/>
           </a:xfrm>
         </p:grpSpPr>
         <p:cxnSp>
@@ -20852,8 +21439,8 @@
           </p:nvSpPr>
           <p:spPr>
             <a:xfrm>
-              <a:off x="312283" y="5550212"/>
-              <a:ext cx="986167" cy="369332"/>
+              <a:off x="283707" y="5550212"/>
+              <a:ext cx="1069139" cy="369332"/>
             </a:xfrm>
             <a:prstGeom prst="rect">
               <a:avLst/>
@@ -20878,7 +21465,7 @@
                   <a:ea typeface="+mn-ea"/>
                   <a:cs typeface="+mn-cs"/>
                 </a:rPr>
-                <a:t>Baseline</a:t>
+                <a:t>Base rate</a:t>
               </a:r>
             </a:p>
           </p:txBody>
@@ -20893,14 +21480,15 @@
               </a:extLst>
             </p:cNvPr>
             <p:cNvCxnSpPr>
+              <a:cxnSpLocks/>
               <a:stCxn id="12" idx="3"/>
             </p:cNvCxnSpPr>
             <p:nvPr/>
           </p:nvCxnSpPr>
           <p:spPr>
             <a:xfrm>
-              <a:off x="1298450" y="5734878"/>
-              <a:ext cx="281872" cy="0"/>
+              <a:off x="1352846" y="5734878"/>
+              <a:ext cx="270340" cy="0"/>
             </a:xfrm>
             <a:prstGeom prst="straightConnector1">
               <a:avLst/>
@@ -21066,7 +21654,7 @@
 </p:sld>
 </file>
 
-<file path=ppt/slides/slide5.xml><?xml version="1.0" encoding="utf-8"?>
+<file path=ppt/slides/slide6.xml><?xml version="1.0" encoding="utf-8"?>
 <p:sld xmlns:a="http://schemas.openxmlformats.org/drawingml/2006/main" xmlns:r="http://schemas.openxmlformats.org/officeDocument/2006/relationships" xmlns:p="http://schemas.openxmlformats.org/presentationml/2006/main">
   <p:cSld>
     <p:spTree>
@@ -21176,7 +21764,7 @@
 </p:sld>
 </file>
 
-<file path=ppt/slides/slide6.xml><?xml version="1.0" encoding="utf-8"?>
+<file path=ppt/slides/slide7.xml><?xml version="1.0" encoding="utf-8"?>
 <p:sld xmlns:a="http://schemas.openxmlformats.org/drawingml/2006/main" xmlns:r="http://schemas.openxmlformats.org/officeDocument/2006/relationships" xmlns:p="http://schemas.openxmlformats.org/presentationml/2006/main" show="0">
   <p:cSld>
     <p:spTree>
@@ -21308,14 +21896,14 @@
           </a:ln>
           <a:extLst>
             <a:ext uri="{909E8E84-426E-40dd-AFC4-6F175D3DCCD1}">
-              <a14:hiddenFill xmlns="" xmlns:a14="http://schemas.microsoft.com/office/drawing/2010/main">
+              <a14:hiddenFill xmlns:a14="http://schemas.microsoft.com/office/drawing/2010/main" xmlns="">
                 <a:solidFill>
                   <a:srgbClr val="FFFFFF"/>
                 </a:solidFill>
               </a14:hiddenFill>
             </a:ext>
             <a:ext uri="{91240B29-F687-4f45-9708-019B960494DF}">
-              <a14:hiddenLine xmlns="" xmlns:a14="http://schemas.microsoft.com/office/drawing/2010/main" w="9525">
+              <a14:hiddenLine xmlns:a14="http://schemas.microsoft.com/office/drawing/2010/main" xmlns="" w="9525">
                 <a:solidFill>
                   <a:srgbClr val="000000"/>
                 </a:solidFill>
@@ -21542,14 +22130,14 @@
             </a:ln>
             <a:extLst>
               <a:ext uri="{909E8E84-426E-40dd-AFC4-6F175D3DCCD1}">
-                <a14:hiddenFill xmlns="" xmlns:a14="http://schemas.microsoft.com/office/drawing/2010/main">
+                <a14:hiddenFill xmlns:a14="http://schemas.microsoft.com/office/drawing/2010/main" xmlns="">
                   <a:solidFill>
                     <a:srgbClr val="FFFFFF"/>
                   </a:solidFill>
                 </a14:hiddenFill>
               </a:ext>
               <a:ext uri="{91240B29-F687-4f45-9708-019B960494DF}">
-                <a14:hiddenLine xmlns="" xmlns:a14="http://schemas.microsoft.com/office/drawing/2010/main" w="9525">
+                <a14:hiddenLine xmlns:a14="http://schemas.microsoft.com/office/drawing/2010/main" xmlns="" w="9525">
                   <a:solidFill>
                     <a:srgbClr val="000000"/>
                   </a:solidFill>
@@ -22038,14 +22626,14 @@
           </a:ln>
           <a:extLst>
             <a:ext uri="{909E8E84-426E-40dd-AFC4-6F175D3DCCD1}">
-              <a14:hiddenFill xmlns="" xmlns:a14="http://schemas.microsoft.com/office/drawing/2010/main">
+              <a14:hiddenFill xmlns:a14="http://schemas.microsoft.com/office/drawing/2010/main" xmlns="">
                 <a:solidFill>
                   <a:srgbClr val="FFFFFF"/>
                 </a:solidFill>
               </a14:hiddenFill>
             </a:ext>
             <a:ext uri="{91240B29-F687-4f45-9708-019B960494DF}">
-              <a14:hiddenLine xmlns="" xmlns:a14="http://schemas.microsoft.com/office/drawing/2010/main" w="9525">
+              <a14:hiddenLine xmlns:a14="http://schemas.microsoft.com/office/drawing/2010/main" xmlns="" w="9525">
                 <a:solidFill>
                   <a:srgbClr val="000000"/>
                 </a:solidFill>
@@ -22209,14 +22797,14 @@
             </a:ln>
             <a:extLst>
               <a:ext uri="{909E8E84-426E-40dd-AFC4-6F175D3DCCD1}">
-                <a14:hiddenFill xmlns="" xmlns:a14="http://schemas.microsoft.com/office/drawing/2010/main">
+                <a14:hiddenFill xmlns:a14="http://schemas.microsoft.com/office/drawing/2010/main" xmlns="">
                   <a:solidFill>
                     <a:srgbClr val="FFFFFF"/>
                   </a:solidFill>
                 </a14:hiddenFill>
               </a:ext>
               <a:ext uri="{91240B29-F687-4f45-9708-019B960494DF}">
-                <a14:hiddenLine xmlns="" xmlns:a14="http://schemas.microsoft.com/office/drawing/2010/main" w="9525">
+                <a14:hiddenLine xmlns:a14="http://schemas.microsoft.com/office/drawing/2010/main" xmlns="" w="9525">
                   <a:solidFill>
                     <a:srgbClr val="000000"/>
                   </a:solidFill>
@@ -22810,7 +23398,7 @@
 </p:sld>
 </file>
 
-<file path=ppt/slides/slide7.xml><?xml version="1.0" encoding="utf-8"?>
+<file path=ppt/slides/slide8.xml><?xml version="1.0" encoding="utf-8"?>
 <p:sld xmlns:a="http://schemas.openxmlformats.org/drawingml/2006/main" xmlns:r="http://schemas.openxmlformats.org/officeDocument/2006/relationships" xmlns:p="http://schemas.openxmlformats.org/presentationml/2006/main">
   <p:cSld>
     <p:spTree>
@@ -22910,7 +23498,7 @@
 </p:sld>
 </file>
 
-<file path=ppt/slides/slide8.xml><?xml version="1.0" encoding="utf-8"?>
+<file path=ppt/slides/slide9.xml><?xml version="1.0" encoding="utf-8"?>
 <p:sld xmlns:a="http://schemas.openxmlformats.org/drawingml/2006/main" xmlns:r="http://schemas.openxmlformats.org/officeDocument/2006/relationships" xmlns:p="http://schemas.openxmlformats.org/presentationml/2006/main" show="0">
   <p:cSld>
     <p:spTree>
@@ -23004,134 +23592,6 @@
   <p:clrMapOvr>
     <a:masterClrMapping/>
   </p:clrMapOvr>
-</p:sld>
-</file>
-
-<file path=ppt/slides/slide9.xml><?xml version="1.0" encoding="utf-8"?>
-<p:sld xmlns:a="http://schemas.openxmlformats.org/drawingml/2006/main" xmlns:r="http://schemas.openxmlformats.org/officeDocument/2006/relationships" xmlns:p="http://schemas.openxmlformats.org/presentationml/2006/main" show="0">
-  <p:cSld>
-    <p:spTree>
-      <p:nvGrpSpPr>
-        <p:cNvPr id="1" name=""/>
-        <p:cNvGrpSpPr/>
-        <p:nvPr/>
-      </p:nvGrpSpPr>
-      <p:grpSpPr>
-        <a:xfrm>
-          <a:off x="0" y="0"/>
-          <a:ext cx="0" cy="0"/>
-          <a:chOff x="0" y="0"/>
-          <a:chExt cx="0" cy="0"/>
-        </a:xfrm>
-      </p:grpSpPr>
-      <p:sp>
-        <p:nvSpPr>
-          <p:cNvPr id="4" name="Title 3">
-            <a:extLst>
-              <a:ext uri="{FF2B5EF4-FFF2-40B4-BE49-F238E27FC236}">
-                <a16:creationId xmlns:a16="http://schemas.microsoft.com/office/drawing/2014/main" id="{30C2C959-72F2-EF4D-80DA-F48A29D0F3C4}"/>
-              </a:ext>
-            </a:extLst>
-          </p:cNvPr>
-          <p:cNvSpPr>
-            <a:spLocks noGrp="1"/>
-          </p:cNvSpPr>
-          <p:nvPr>
-            <p:ph type="title"/>
-          </p:nvPr>
-        </p:nvSpPr>
-        <p:spPr/>
-        <p:txBody>
-          <a:bodyPr/>
-          <a:lstStyle/>
-          <a:p>
-            <a:r>
-              <a:rPr lang="en-US" dirty="0"/>
-              <a:t>What do we need our selected model to do?</a:t>
-            </a:r>
-          </a:p>
-        </p:txBody>
-      </p:sp>
-      <p:sp>
-        <p:nvSpPr>
-          <p:cNvPr id="5" name="Text Placeholder 4">
-            <a:extLst>
-              <a:ext uri="{FF2B5EF4-FFF2-40B4-BE49-F238E27FC236}">
-                <a16:creationId xmlns:a16="http://schemas.microsoft.com/office/drawing/2014/main" id="{24A75FF1-9EFE-0F41-92F5-3E749CFB2EB5}"/>
-              </a:ext>
-            </a:extLst>
-          </p:cNvPr>
-          <p:cNvSpPr>
-            <a:spLocks noGrp="1"/>
-          </p:cNvSpPr>
-          <p:nvPr>
-            <p:ph type="body" idx="1"/>
-          </p:nvPr>
-        </p:nvSpPr>
-        <p:spPr/>
-        <p:txBody>
-          <a:bodyPr/>
-          <a:lstStyle/>
-          <a:p>
-            <a:r>
-              <a:rPr lang="en-US" dirty="0"/>
-              <a:t>Perform well</a:t>
-            </a:r>
-          </a:p>
-          <a:p>
-            <a:pPr lvl="1"/>
-            <a:r>
-              <a:rPr lang="en-US" dirty="0"/>
-              <a:t>What metric?</a:t>
-            </a:r>
-          </a:p>
-          <a:p>
-            <a:pPr lvl="1"/>
-            <a:r>
-              <a:rPr lang="en-US" dirty="0"/>
-              <a:t>Compared to what?</a:t>
-            </a:r>
-          </a:p>
-          <a:p>
-            <a:endParaRPr lang="en-US" dirty="0"/>
-          </a:p>
-          <a:p>
-            <a:r>
-              <a:rPr lang="en-US" dirty="0"/>
-              <a:t>Generalize</a:t>
-            </a:r>
-          </a:p>
-          <a:p>
-            <a:pPr lvl="1"/>
-            <a:r>
-              <a:rPr lang="en-US" dirty="0"/>
-              <a:t>Over what dimension?</a:t>
-            </a:r>
-          </a:p>
-        </p:txBody>
-      </p:sp>
-    </p:spTree>
-    <p:extLst>
-      <p:ext uri="{BB962C8B-B14F-4D97-AF65-F5344CB8AC3E}">
-        <p14:creationId xmlns:p14="http://schemas.microsoft.com/office/powerpoint/2010/main" val="2958666708"/>
-      </p:ext>
-    </p:extLst>
-  </p:cSld>
-  <p:clrMapOvr>
-    <a:masterClrMapping/>
-  </p:clrMapOvr>
-  <mc:AlternateContent xmlns:mc="http://schemas.openxmlformats.org/markup-compatibility/2006" xmlns:p14="http://schemas.microsoft.com/office/powerpoint/2010/main">
-    <mc:Choice Requires="p14">
-      <p:transition spd="med" p14:dur="700">
-        <p:fade/>
-      </p:transition>
-    </mc:Choice>
-    <mc:Fallback xmlns="">
-      <p:transition spd="med">
-        <p:fade/>
-      </p:transition>
-    </mc:Fallback>
-  </mc:AlternateContent>
 </p:sld>
 </file>
 

--- a/Lectures/Lecture10-ModelSelection2.pptx
+++ b/Lectures/Lecture10-ModelSelection2.pptx
@@ -284,7 +284,7 @@
       <p15:sldGuideLst xmlns:p15="http://schemas.microsoft.com/office/powerpoint/2012/main"/>
     </p:ext>
     <p:ext uri="http://customooxmlschemas.google.com/">
-      <go:slidesCustomData xmlns="" xmlns:mc="http://schemas.openxmlformats.org/markup-compatibility/2006" xmlns:mv="urn:schemas-microsoft-com:mac:vml" xmlns:c="http://schemas.openxmlformats.org/drawingml/2006/chart" xmlns:dgm="http://schemas.openxmlformats.org/drawingml/2006/diagram" xmlns:o="urn:schemas-microsoft-com:office:office" xmlns:v="urn:schemas-microsoft-com:vml" xmlns:pvml="urn:schemas-microsoft-com:office:powerpoint" xmlns:com="http://schemas.openxmlformats.org/drawingml/2006/compatibility" xmlns:p14="http://schemas.microsoft.com/office/powerpoint/2010/main" xmlns:p15="http://schemas.microsoft.com/office/powerpoint/2012/main" xmlns:go="http://customooxmlschemas.google.com/" r:id="rId54" roundtripDataSignature="AMtx7mjFyVUGRZWio+dc9dxzYsimUxNJbg=="/>
+      <go:slidesCustomData xmlns:go="http://customooxmlschemas.google.com/" xmlns:p15="http://schemas.microsoft.com/office/powerpoint/2012/main" xmlns:p14="http://schemas.microsoft.com/office/powerpoint/2010/main" xmlns:com="http://schemas.openxmlformats.org/drawingml/2006/compatibility" xmlns:pvml="urn:schemas-microsoft-com:office:powerpoint" xmlns:v="urn:schemas-microsoft-com:vml" xmlns:o="urn:schemas-microsoft-com:office:office" xmlns:dgm="http://schemas.openxmlformats.org/drawingml/2006/diagram" xmlns:c="http://schemas.openxmlformats.org/drawingml/2006/chart" xmlns:mv="urn:schemas-microsoft-com:mac:vml" xmlns:mc="http://schemas.openxmlformats.org/markup-compatibility/2006" xmlns="" r:id="rId54" roundtripDataSignature="AMtx7mjFyVUGRZWio+dc9dxzYsimUxNJbg=="/>
     </p:ext>
   </p:extLst>
 </p:presentation>
@@ -7761,10 +7761,10 @@
           </a:ln>
           <a:extLst>
             <a:ext uri="{FAA26D3D-D897-4be2-8F04-BA451C77F1D7}">
-              <ma14:placeholderFlag xmlns="" xmlns:ma14="http://schemas.microsoft.com/office/mac/drawingml/2011/main" val="1"/>
+              <ma14:placeholderFlag xmlns:ma14="http://schemas.microsoft.com/office/mac/drawingml/2011/main" xmlns="" val="1"/>
             </a:ext>
             <a:ext uri="{909E8E84-426E-40dd-AFC4-6F175D3DCCD1}">
-              <a14:hiddenFill xmlns:a14="http://schemas.microsoft.com/office/drawing/2010/main" xmlns="">
+              <a14:hiddenFill xmlns="" xmlns:a14="http://schemas.microsoft.com/office/drawing/2010/main">
                 <a:solidFill>
                   <a:srgbClr val="FFFFFF"/>
                 </a:solidFill>
@@ -7787,17 +7787,17 @@
           <a:noFill/>
           <a:extLst>
             <a:ext uri="{FAA26D3D-D897-4be2-8F04-BA451C77F1D7}">
-              <ma14:placeholderFlag xmlns="" xmlns:ma14="http://schemas.microsoft.com/office/mac/drawingml/2011/main" val="1"/>
+              <ma14:placeholderFlag xmlns:ma14="http://schemas.microsoft.com/office/mac/drawingml/2011/main" xmlns="" val="1"/>
             </a:ext>
             <a:ext uri="{909E8E84-426E-40dd-AFC4-6F175D3DCCD1}">
-              <a14:hiddenFill xmlns:a14="http://schemas.microsoft.com/office/drawing/2010/main" xmlns="">
+              <a14:hiddenFill xmlns="" xmlns:a14="http://schemas.microsoft.com/office/drawing/2010/main">
                 <a:solidFill>
                   <a:srgbClr val="FFFFFF"/>
                 </a:solidFill>
               </a14:hiddenFill>
             </a:ext>
             <a:ext uri="{91240B29-F687-4f45-9708-019B960494DF}">
-              <a14:hiddenLine xmlns:a14="http://schemas.microsoft.com/office/drawing/2010/main" xmlns="" w="9525">
+              <a14:hiddenLine xmlns="" xmlns:a14="http://schemas.microsoft.com/office/drawing/2010/main" w="9525">
                 <a:solidFill>
                   <a:srgbClr val="000000"/>
                 </a:solidFill>
@@ -12694,9 +12694,9 @@
                   <a:srgbClr val="595959"/>
                 </a:solidFill>
               </a:rPr>
-              <a:t>Rayid Ghani and Kit Rodolfa</a:t>
-            </a:r>
-            <a:endParaRPr sz="2800">
+              <a:t>Rayid Ghani</a:t>
+            </a:r>
+            <a:endParaRPr sz="2800" dirty="0">
               <a:solidFill>
                 <a:srgbClr val="595959"/>
               </a:solidFill>
@@ -21896,14 +21896,14 @@
           </a:ln>
           <a:extLst>
             <a:ext uri="{909E8E84-426E-40dd-AFC4-6F175D3DCCD1}">
-              <a14:hiddenFill xmlns:a14="http://schemas.microsoft.com/office/drawing/2010/main" xmlns="">
+              <a14:hiddenFill xmlns="" xmlns:a14="http://schemas.microsoft.com/office/drawing/2010/main">
                 <a:solidFill>
                   <a:srgbClr val="FFFFFF"/>
                 </a:solidFill>
               </a14:hiddenFill>
             </a:ext>
             <a:ext uri="{91240B29-F687-4f45-9708-019B960494DF}">
-              <a14:hiddenLine xmlns:a14="http://schemas.microsoft.com/office/drawing/2010/main" xmlns="" w="9525">
+              <a14:hiddenLine xmlns="" xmlns:a14="http://schemas.microsoft.com/office/drawing/2010/main" w="9525">
                 <a:solidFill>
                   <a:srgbClr val="000000"/>
                 </a:solidFill>
@@ -22130,14 +22130,14 @@
             </a:ln>
             <a:extLst>
               <a:ext uri="{909E8E84-426E-40dd-AFC4-6F175D3DCCD1}">
-                <a14:hiddenFill xmlns:a14="http://schemas.microsoft.com/office/drawing/2010/main" xmlns="">
+                <a14:hiddenFill xmlns="" xmlns:a14="http://schemas.microsoft.com/office/drawing/2010/main">
                   <a:solidFill>
                     <a:srgbClr val="FFFFFF"/>
                   </a:solidFill>
                 </a14:hiddenFill>
               </a:ext>
               <a:ext uri="{91240B29-F687-4f45-9708-019B960494DF}">
-                <a14:hiddenLine xmlns:a14="http://schemas.microsoft.com/office/drawing/2010/main" xmlns="" w="9525">
+                <a14:hiddenLine xmlns="" xmlns:a14="http://schemas.microsoft.com/office/drawing/2010/main" w="9525">
                   <a:solidFill>
                     <a:srgbClr val="000000"/>
                   </a:solidFill>
@@ -22626,14 +22626,14 @@
           </a:ln>
           <a:extLst>
             <a:ext uri="{909E8E84-426E-40dd-AFC4-6F175D3DCCD1}">
-              <a14:hiddenFill xmlns:a14="http://schemas.microsoft.com/office/drawing/2010/main" xmlns="">
+              <a14:hiddenFill xmlns="" xmlns:a14="http://schemas.microsoft.com/office/drawing/2010/main">
                 <a:solidFill>
                   <a:srgbClr val="FFFFFF"/>
                 </a:solidFill>
               </a14:hiddenFill>
             </a:ext>
             <a:ext uri="{91240B29-F687-4f45-9708-019B960494DF}">
-              <a14:hiddenLine xmlns:a14="http://schemas.microsoft.com/office/drawing/2010/main" xmlns="" w="9525">
+              <a14:hiddenLine xmlns="" xmlns:a14="http://schemas.microsoft.com/office/drawing/2010/main" w="9525">
                 <a:solidFill>
                   <a:srgbClr val="000000"/>
                 </a:solidFill>
@@ -22797,14 +22797,14 @@
             </a:ln>
             <a:extLst>
               <a:ext uri="{909E8E84-426E-40dd-AFC4-6F175D3DCCD1}">
-                <a14:hiddenFill xmlns:a14="http://schemas.microsoft.com/office/drawing/2010/main" xmlns="">
+                <a14:hiddenFill xmlns="" xmlns:a14="http://schemas.microsoft.com/office/drawing/2010/main">
                   <a:solidFill>
                     <a:srgbClr val="FFFFFF"/>
                   </a:solidFill>
                 </a14:hiddenFill>
               </a:ext>
               <a:ext uri="{91240B29-F687-4f45-9708-019B960494DF}">
-                <a14:hiddenLine xmlns:a14="http://schemas.microsoft.com/office/drawing/2010/main" xmlns="" w="9525">
+                <a14:hiddenLine xmlns="" xmlns:a14="http://schemas.microsoft.com/office/drawing/2010/main" w="9525">
                   <a:solidFill>
                     <a:srgbClr val="000000"/>
                   </a:solidFill>

--- a/Lectures/Lecture10-ModelSelection2.pptx
+++ b/Lectures/Lecture10-ModelSelection2.pptx
@@ -5,7 +5,7 @@
     <p:sldMasterId id="2147483648" r:id="rId1"/>
   </p:sldMasterIdLst>
   <p:notesMasterIdLst>
-    <p:notesMasterId r:id="rId41"/>
+    <p:notesMasterId r:id="rId37"/>
   </p:notesMasterIdLst>
   <p:sldIdLst>
     <p:sldId id="256" r:id="rId2"/>
@@ -43,10 +43,6 @@
     <p:sldId id="496" r:id="rId34"/>
     <p:sldId id="473" r:id="rId35"/>
     <p:sldId id="479" r:id="rId36"/>
-    <p:sldId id="481" r:id="rId37"/>
-    <p:sldId id="480" r:id="rId38"/>
-    <p:sldId id="482" r:id="rId39"/>
-    <p:sldId id="501" r:id="rId40"/>
   </p:sldIdLst>
   <p:sldSz cx="12192000" cy="6858000"/>
   <p:notesSz cx="6858000" cy="9144000"/>
@@ -6695,7 +6691,7 @@
     </p:spTree>
     <p:extLst>
       <p:ext uri="{BB962C8B-B14F-4D97-AF65-F5344CB8AC3E}">
-        <p14:creationId xmlns:p14="http://schemas.microsoft.com/office/powerpoint/2010/main" val="3909258676"/>
+        <p14:creationId xmlns:p14="http://schemas.microsoft.com/office/powerpoint/2010/main" val="793181311"/>
       </p:ext>
     </p:extLst>
   </p:cSld>
@@ -6808,7 +6804,7 @@
     </p:spTree>
     <p:extLst>
       <p:ext uri="{BB962C8B-B14F-4D97-AF65-F5344CB8AC3E}">
-        <p14:creationId xmlns:p14="http://schemas.microsoft.com/office/powerpoint/2010/main" val="2505574144"/>
+        <p14:creationId xmlns:p14="http://schemas.microsoft.com/office/powerpoint/2010/main" val="3909258676"/>
       </p:ext>
     </p:extLst>
   </p:cSld>
@@ -6921,7 +6917,7 @@
     </p:spTree>
     <p:extLst>
       <p:ext uri="{BB962C8B-B14F-4D97-AF65-F5344CB8AC3E}">
-        <p14:creationId xmlns:p14="http://schemas.microsoft.com/office/powerpoint/2010/main" val="2947266871"/>
+        <p14:creationId xmlns:p14="http://schemas.microsoft.com/office/powerpoint/2010/main" val="2505574144"/>
       </p:ext>
     </p:extLst>
   </p:cSld>
@@ -7034,7 +7030,7 @@
     </p:spTree>
     <p:extLst>
       <p:ext uri="{BB962C8B-B14F-4D97-AF65-F5344CB8AC3E}">
-        <p14:creationId xmlns:p14="http://schemas.microsoft.com/office/powerpoint/2010/main" val="1327049931"/>
+        <p14:creationId xmlns:p14="http://schemas.microsoft.com/office/powerpoint/2010/main" val="2947266871"/>
       </p:ext>
     </p:extLst>
   </p:cSld>
@@ -7147,7 +7143,7 @@
     </p:spTree>
     <p:extLst>
       <p:ext uri="{BB962C8B-B14F-4D97-AF65-F5344CB8AC3E}">
-        <p14:creationId xmlns:p14="http://schemas.microsoft.com/office/powerpoint/2010/main" val="3332753690"/>
+        <p14:creationId xmlns:p14="http://schemas.microsoft.com/office/powerpoint/2010/main" val="1327049931"/>
       </p:ext>
     </p:extLst>
   </p:cSld>
@@ -7260,7 +7256,7 @@
     </p:spTree>
     <p:extLst>
       <p:ext uri="{BB962C8B-B14F-4D97-AF65-F5344CB8AC3E}">
-        <p14:creationId xmlns:p14="http://schemas.microsoft.com/office/powerpoint/2010/main" val="2197021366"/>
+        <p14:creationId xmlns:p14="http://schemas.microsoft.com/office/powerpoint/2010/main" val="3332753690"/>
       </p:ext>
     </p:extLst>
   </p:cSld>
@@ -7373,7 +7369,7 @@
     </p:spTree>
     <p:extLst>
       <p:ext uri="{BB962C8B-B14F-4D97-AF65-F5344CB8AC3E}">
-        <p14:creationId xmlns:p14="http://schemas.microsoft.com/office/powerpoint/2010/main" val="395007553"/>
+        <p14:creationId xmlns:p14="http://schemas.microsoft.com/office/powerpoint/2010/main" val="2197021366"/>
       </p:ext>
     </p:extLst>
   </p:cSld>
@@ -7486,7 +7482,7 @@
     </p:spTree>
     <p:extLst>
       <p:ext uri="{BB962C8B-B14F-4D97-AF65-F5344CB8AC3E}">
-        <p14:creationId xmlns:p14="http://schemas.microsoft.com/office/powerpoint/2010/main" val="2549840639"/>
+        <p14:creationId xmlns:p14="http://schemas.microsoft.com/office/powerpoint/2010/main" val="395007553"/>
       </p:ext>
     </p:extLst>
   </p:cSld>
@@ -7599,7 +7595,7 @@
     </p:spTree>
     <p:extLst>
       <p:ext uri="{BB962C8B-B14F-4D97-AF65-F5344CB8AC3E}">
-        <p14:creationId xmlns:p14="http://schemas.microsoft.com/office/powerpoint/2010/main" val="2629196040"/>
+        <p14:creationId xmlns:p14="http://schemas.microsoft.com/office/powerpoint/2010/main" val="2549840639"/>
       </p:ext>
     </p:extLst>
   </p:cSld>
@@ -7712,6 +7708,228 @@
     </p:spTree>
     <p:extLst>
       <p:ext uri="{BB962C8B-B14F-4D97-AF65-F5344CB8AC3E}">
+        <p14:creationId xmlns:p14="http://schemas.microsoft.com/office/powerpoint/2010/main" val="2629196040"/>
+      </p:ext>
+    </p:extLst>
+  </p:cSld>
+  <p:clrMapOvr>
+    <a:masterClrMapping/>
+  </p:clrMapOvr>
+</p:notes>
+</file>
+
+<file path=ppt/notesSlides/notesSlide2.xml><?xml version="1.0" encoding="utf-8"?>
+<p:notes xmlns:a="http://schemas.openxmlformats.org/drawingml/2006/main" xmlns:r="http://schemas.openxmlformats.org/officeDocument/2006/relationships" xmlns:p="http://schemas.openxmlformats.org/presentationml/2006/main">
+  <p:cSld>
+    <p:spTree>
+      <p:nvGrpSpPr>
+        <p:cNvPr id="1" name=""/>
+        <p:cNvGrpSpPr/>
+        <p:nvPr/>
+      </p:nvGrpSpPr>
+      <p:grpSpPr>
+        <a:xfrm>
+          <a:off x="0" y="0"/>
+          <a:ext cx="0" cy="0"/>
+          <a:chOff x="0" y="0"/>
+          <a:chExt cx="0" cy="0"/>
+        </a:xfrm>
+      </p:grpSpPr>
+      <p:sp>
+        <p:nvSpPr>
+          <p:cNvPr id="2" name="Slide Image Placeholder 1"/>
+          <p:cNvSpPr>
+            <a:spLocks noGrp="1" noRot="1" noChangeAspect="1"/>
+          </p:cNvSpPr>
+          <p:nvPr>
+            <p:ph type="sldImg"/>
+          </p:nvPr>
+        </p:nvSpPr>
+        <p:spPr/>
+      </p:sp>
+      <p:sp>
+        <p:nvSpPr>
+          <p:cNvPr id="3" name="Notes Placeholder 2"/>
+          <p:cNvSpPr>
+            <a:spLocks noGrp="1"/>
+          </p:cNvSpPr>
+          <p:nvPr>
+            <p:ph type="body" idx="1"/>
+          </p:nvPr>
+        </p:nvSpPr>
+        <p:spPr/>
+        <p:txBody>
+          <a:bodyPr/>
+          <a:lstStyle/>
+          <a:p>
+            <a:endParaRPr lang="en-US" dirty="0"/>
+          </a:p>
+        </p:txBody>
+      </p:sp>
+      <p:sp>
+        <p:nvSpPr>
+          <p:cNvPr id="4" name="Slide Number Placeholder 3"/>
+          <p:cNvSpPr>
+            <a:spLocks noGrp="1"/>
+          </p:cNvSpPr>
+          <p:nvPr>
+            <p:ph type="sldNum" idx="12"/>
+          </p:nvPr>
+        </p:nvSpPr>
+        <p:spPr/>
+        <p:txBody>
+          <a:bodyPr/>
+          <a:lstStyle/>
+          <a:p>
+            <a:pPr marL="0" marR="0" lvl="0" indent="0" algn="r" rtl="0">
+              <a:spcBef>
+                <a:spcPts val="0"/>
+              </a:spcBef>
+              <a:spcAft>
+                <a:spcPts val="0"/>
+              </a:spcAft>
+              <a:buNone/>
+            </a:pPr>
+            <a:fld id="{00000000-1234-1234-1234-123412341234}" type="slidenum">
+              <a:rPr lang="en-US" sz="1200" b="0" i="0" u="none" strike="noStrike" cap="none" smtClean="0">
+                <a:solidFill>
+                  <a:schemeClr val="dk1"/>
+                </a:solidFill>
+                <a:latin typeface="Calibri"/>
+                <a:ea typeface="Calibri"/>
+                <a:cs typeface="Calibri"/>
+                <a:sym typeface="Calibri"/>
+              </a:rPr>
+              <a:t>3</a:t>
+            </a:fld>
+            <a:endParaRPr lang="en-US" sz="1200" b="0" i="0" u="none" strike="noStrike" cap="none">
+              <a:solidFill>
+                <a:schemeClr val="dk1"/>
+              </a:solidFill>
+              <a:latin typeface="Calibri"/>
+              <a:ea typeface="Calibri"/>
+              <a:cs typeface="Calibri"/>
+              <a:sym typeface="Calibri"/>
+            </a:endParaRPr>
+          </a:p>
+        </p:txBody>
+      </p:sp>
+    </p:spTree>
+    <p:extLst>
+      <p:ext uri="{BB962C8B-B14F-4D97-AF65-F5344CB8AC3E}">
+        <p14:creationId xmlns:p14="http://schemas.microsoft.com/office/powerpoint/2010/main" val="548265575"/>
+      </p:ext>
+    </p:extLst>
+  </p:cSld>
+  <p:clrMapOvr>
+    <a:masterClrMapping/>
+  </p:clrMapOvr>
+</p:notes>
+</file>
+
+<file path=ppt/notesSlides/notesSlide20.xml><?xml version="1.0" encoding="utf-8"?>
+<p:notes xmlns:a="http://schemas.openxmlformats.org/drawingml/2006/main" xmlns:r="http://schemas.openxmlformats.org/officeDocument/2006/relationships" xmlns:p="http://schemas.openxmlformats.org/presentationml/2006/main" showMasterSp="0" showMasterPhAnim="0">
+  <p:cSld>
+    <p:spTree>
+      <p:nvGrpSpPr>
+        <p:cNvPr id="1" name="Shape 445"/>
+        <p:cNvGrpSpPr/>
+        <p:nvPr/>
+      </p:nvGrpSpPr>
+      <p:grpSpPr>
+        <a:xfrm>
+          <a:off x="0" y="0"/>
+          <a:ext cx="0" cy="0"/>
+          <a:chOff x="0" y="0"/>
+          <a:chExt cx="0" cy="0"/>
+        </a:xfrm>
+      </p:grpSpPr>
+      <p:sp>
+        <p:nvSpPr>
+          <p:cNvPr id="446" name="Google Shape;446;g6cb360dd4a_1_188:notes"/>
+          <p:cNvSpPr>
+            <a:spLocks noGrp="1" noRot="1" noChangeAspect="1"/>
+          </p:cNvSpPr>
+          <p:nvPr>
+            <p:ph type="sldImg" idx="2"/>
+          </p:nvPr>
+        </p:nvSpPr>
+        <p:spPr>
+          <a:xfrm>
+            <a:off x="381000" y="685800"/>
+            <a:ext cx="6096000" cy="3429000"/>
+          </a:xfrm>
+          <a:custGeom>
+            <a:avLst/>
+            <a:gdLst/>
+            <a:ahLst/>
+            <a:cxnLst/>
+            <a:rect l="l" t="t" r="r" b="b"/>
+            <a:pathLst>
+              <a:path w="120000" h="120000" extrusionOk="0">
+                <a:moveTo>
+                  <a:pt x="0" y="0"/>
+                </a:moveTo>
+                <a:lnTo>
+                  <a:pt x="120000" y="0"/>
+                </a:lnTo>
+                <a:lnTo>
+                  <a:pt x="120000" y="120000"/>
+                </a:lnTo>
+                <a:lnTo>
+                  <a:pt x="0" y="120000"/>
+                </a:lnTo>
+                <a:close/>
+              </a:path>
+            </a:pathLst>
+          </a:custGeom>
+        </p:spPr>
+      </p:sp>
+      <p:sp>
+        <p:nvSpPr>
+          <p:cNvPr id="447" name="Google Shape;447;g6cb360dd4a_1_188:notes"/>
+          <p:cNvSpPr txBox="1">
+            <a:spLocks noGrp="1"/>
+          </p:cNvSpPr>
+          <p:nvPr>
+            <p:ph type="body" idx="1"/>
+          </p:nvPr>
+        </p:nvSpPr>
+        <p:spPr>
+          <a:xfrm>
+            <a:off x="685800" y="4343400"/>
+            <a:ext cx="5486400" cy="4114800"/>
+          </a:xfrm>
+          <a:prstGeom prst="rect">
+            <a:avLst/>
+          </a:prstGeom>
+        </p:spPr>
+        <p:txBody>
+          <a:bodyPr spcFirstLastPara="1" wrap="square" lIns="91425" tIns="91425" rIns="91425" bIns="91425" anchor="t" anchorCtr="0">
+            <a:noAutofit/>
+          </a:bodyPr>
+          <a:lstStyle/>
+          <a:p>
+            <a:pPr marL="0" lvl="0" indent="0" algn="l" rtl="0">
+              <a:spcBef>
+                <a:spcPts val="0"/>
+              </a:spcBef>
+              <a:spcAft>
+                <a:spcPts val="0"/>
+              </a:spcAft>
+              <a:buNone/>
+            </a:pPr>
+            <a:r>
+              <a:rPr lang="en"/>
+              <a:t>Jane</a:t>
+            </a:r>
+            <a:endParaRPr/>
+          </a:p>
+        </p:txBody>
+      </p:sp>
+    </p:spTree>
+    <p:extLst>
+      <p:ext uri="{BB962C8B-B14F-4D97-AF65-F5344CB8AC3E}">
         <p14:creationId xmlns:p14="http://schemas.microsoft.com/office/powerpoint/2010/main" val="1836285091"/>
       </p:ext>
     </p:extLst>
@@ -7722,7 +7940,120 @@
 </p:notes>
 </file>
 
-<file path=ppt/notesSlides/notesSlide2.xml><?xml version="1.0" encoding="utf-8"?>
+<file path=ppt/notesSlides/notesSlide21.xml><?xml version="1.0" encoding="utf-8"?>
+<p:notes xmlns:a="http://schemas.openxmlformats.org/drawingml/2006/main" xmlns:r="http://schemas.openxmlformats.org/officeDocument/2006/relationships" xmlns:p="http://schemas.openxmlformats.org/presentationml/2006/main" showMasterSp="0" showMasterPhAnim="0">
+  <p:cSld>
+    <p:spTree>
+      <p:nvGrpSpPr>
+        <p:cNvPr id="1" name="Shape 445"/>
+        <p:cNvGrpSpPr/>
+        <p:nvPr/>
+      </p:nvGrpSpPr>
+      <p:grpSpPr>
+        <a:xfrm>
+          <a:off x="0" y="0"/>
+          <a:ext cx="0" cy="0"/>
+          <a:chOff x="0" y="0"/>
+          <a:chExt cx="0" cy="0"/>
+        </a:xfrm>
+      </p:grpSpPr>
+      <p:sp>
+        <p:nvSpPr>
+          <p:cNvPr id="446" name="Google Shape;446;g6cb360dd4a_1_188:notes"/>
+          <p:cNvSpPr>
+            <a:spLocks noGrp="1" noRot="1" noChangeAspect="1"/>
+          </p:cNvSpPr>
+          <p:nvPr>
+            <p:ph type="sldImg" idx="2"/>
+          </p:nvPr>
+        </p:nvSpPr>
+        <p:spPr>
+          <a:xfrm>
+            <a:off x="381000" y="685800"/>
+            <a:ext cx="6096000" cy="3429000"/>
+          </a:xfrm>
+          <a:custGeom>
+            <a:avLst/>
+            <a:gdLst/>
+            <a:ahLst/>
+            <a:cxnLst/>
+            <a:rect l="l" t="t" r="r" b="b"/>
+            <a:pathLst>
+              <a:path w="120000" h="120000" extrusionOk="0">
+                <a:moveTo>
+                  <a:pt x="0" y="0"/>
+                </a:moveTo>
+                <a:lnTo>
+                  <a:pt x="120000" y="0"/>
+                </a:lnTo>
+                <a:lnTo>
+                  <a:pt x="120000" y="120000"/>
+                </a:lnTo>
+                <a:lnTo>
+                  <a:pt x="0" y="120000"/>
+                </a:lnTo>
+                <a:close/>
+              </a:path>
+            </a:pathLst>
+          </a:custGeom>
+        </p:spPr>
+      </p:sp>
+      <p:sp>
+        <p:nvSpPr>
+          <p:cNvPr id="447" name="Google Shape;447;g6cb360dd4a_1_188:notes"/>
+          <p:cNvSpPr txBox="1">
+            <a:spLocks noGrp="1"/>
+          </p:cNvSpPr>
+          <p:nvPr>
+            <p:ph type="body" idx="1"/>
+          </p:nvPr>
+        </p:nvSpPr>
+        <p:spPr>
+          <a:xfrm>
+            <a:off x="685800" y="4343400"/>
+            <a:ext cx="5486400" cy="4114800"/>
+          </a:xfrm>
+          <a:prstGeom prst="rect">
+            <a:avLst/>
+          </a:prstGeom>
+        </p:spPr>
+        <p:txBody>
+          <a:bodyPr spcFirstLastPara="1" wrap="square" lIns="91425" tIns="91425" rIns="91425" bIns="91425" anchor="t" anchorCtr="0">
+            <a:noAutofit/>
+          </a:bodyPr>
+          <a:lstStyle/>
+          <a:p>
+            <a:pPr marL="0" lvl="0" indent="0" algn="l" rtl="0">
+              <a:spcBef>
+                <a:spcPts val="0"/>
+              </a:spcBef>
+              <a:spcAft>
+                <a:spcPts val="0"/>
+              </a:spcAft>
+              <a:buNone/>
+            </a:pPr>
+            <a:r>
+              <a:rPr lang="en"/>
+              <a:t>Jane</a:t>
+            </a:r>
+            <a:endParaRPr/>
+          </a:p>
+        </p:txBody>
+      </p:sp>
+    </p:spTree>
+    <p:extLst>
+      <p:ext uri="{BB962C8B-B14F-4D97-AF65-F5344CB8AC3E}">
+        <p14:creationId xmlns:p14="http://schemas.microsoft.com/office/powerpoint/2010/main" val="3342926653"/>
+      </p:ext>
+    </p:extLst>
+  </p:cSld>
+  <p:clrMapOvr>
+    <a:masterClrMapping/>
+  </p:clrMapOvr>
+</p:notes>
+</file>
+
+<file path=ppt/notesSlides/notesSlide3.xml><?xml version="1.0" encoding="utf-8"?>
 <p:notes xmlns:a="http://schemas.openxmlformats.org/drawingml/2006/main" xmlns:r="http://schemas.openxmlformats.org/officeDocument/2006/relationships" xmlns:p="http://schemas.openxmlformats.org/presentationml/2006/main">
   <p:cSld>
     <p:spTree>
@@ -8033,7 +8364,346 @@
 </p:notes>
 </file>
 
-<file path=ppt/notesSlides/notesSlide20.xml><?xml version="1.0" encoding="utf-8"?>
+<file path=ppt/notesSlides/notesSlide4.xml><?xml version="1.0" encoding="utf-8"?>
+<p:notes xmlns:a="http://schemas.openxmlformats.org/drawingml/2006/main" xmlns:r="http://schemas.openxmlformats.org/officeDocument/2006/relationships" xmlns:p="http://schemas.openxmlformats.org/presentationml/2006/main" showMasterSp="0" showMasterPhAnim="0">
+  <p:cSld>
+    <p:spTree>
+      <p:nvGrpSpPr>
+        <p:cNvPr id="1" name="Shape 427"/>
+        <p:cNvGrpSpPr/>
+        <p:nvPr/>
+      </p:nvGrpSpPr>
+      <p:grpSpPr>
+        <a:xfrm>
+          <a:off x="0" y="0"/>
+          <a:ext cx="0" cy="0"/>
+          <a:chOff x="0" y="0"/>
+          <a:chExt cx="0" cy="0"/>
+        </a:xfrm>
+      </p:grpSpPr>
+      <p:sp>
+        <p:nvSpPr>
+          <p:cNvPr id="428" name="Google Shape;428;g6cb360dd4a_1_74:notes"/>
+          <p:cNvSpPr>
+            <a:spLocks noGrp="1" noRot="1" noChangeAspect="1"/>
+          </p:cNvSpPr>
+          <p:nvPr>
+            <p:ph type="sldImg" idx="2"/>
+          </p:nvPr>
+        </p:nvSpPr>
+        <p:spPr>
+          <a:xfrm>
+            <a:off x="381000" y="685800"/>
+            <a:ext cx="6096000" cy="3429000"/>
+          </a:xfrm>
+          <a:custGeom>
+            <a:avLst/>
+            <a:gdLst/>
+            <a:ahLst/>
+            <a:cxnLst/>
+            <a:rect l="l" t="t" r="r" b="b"/>
+            <a:pathLst>
+              <a:path w="120000" h="120000" extrusionOk="0">
+                <a:moveTo>
+                  <a:pt x="0" y="0"/>
+                </a:moveTo>
+                <a:lnTo>
+                  <a:pt x="120000" y="0"/>
+                </a:lnTo>
+                <a:lnTo>
+                  <a:pt x="120000" y="120000"/>
+                </a:lnTo>
+                <a:lnTo>
+                  <a:pt x="0" y="120000"/>
+                </a:lnTo>
+                <a:close/>
+              </a:path>
+            </a:pathLst>
+          </a:custGeom>
+        </p:spPr>
+      </p:sp>
+      <p:sp>
+        <p:nvSpPr>
+          <p:cNvPr id="429" name="Google Shape;429;g6cb360dd4a_1_74:notes"/>
+          <p:cNvSpPr txBox="1">
+            <a:spLocks noGrp="1"/>
+          </p:cNvSpPr>
+          <p:nvPr>
+            <p:ph type="body" idx="1"/>
+          </p:nvPr>
+        </p:nvSpPr>
+        <p:spPr>
+          <a:xfrm>
+            <a:off x="685800" y="4343400"/>
+            <a:ext cx="5486400" cy="4114800"/>
+          </a:xfrm>
+          <a:prstGeom prst="rect">
+            <a:avLst/>
+          </a:prstGeom>
+        </p:spPr>
+        <p:txBody>
+          <a:bodyPr spcFirstLastPara="1" wrap="square" lIns="91425" tIns="91425" rIns="91425" bIns="91425" anchor="t" anchorCtr="0">
+            <a:noAutofit/>
+          </a:bodyPr>
+          <a:lstStyle/>
+          <a:p>
+            <a:pPr marL="0" lvl="0" indent="0" algn="l" rtl="0">
+              <a:spcBef>
+                <a:spcPts val="0"/>
+              </a:spcBef>
+              <a:spcAft>
+                <a:spcPts val="0"/>
+              </a:spcAft>
+              <a:buNone/>
+            </a:pPr>
+            <a:r>
+              <a:rPr lang="en"/>
+              <a:t>Jane</a:t>
+            </a:r>
+            <a:endParaRPr/>
+          </a:p>
+        </p:txBody>
+      </p:sp>
+    </p:spTree>
+    <p:extLst>
+      <p:ext uri="{BB962C8B-B14F-4D97-AF65-F5344CB8AC3E}">
+        <p14:creationId xmlns:p14="http://schemas.microsoft.com/office/powerpoint/2010/main" val="2152037198"/>
+      </p:ext>
+    </p:extLst>
+  </p:cSld>
+  <p:clrMapOvr>
+    <a:masterClrMapping/>
+  </p:clrMapOvr>
+</p:notes>
+</file>
+
+<file path=ppt/notesSlides/notesSlide5.xml><?xml version="1.0" encoding="utf-8"?>
+<p:notes xmlns:a="http://schemas.openxmlformats.org/drawingml/2006/main" xmlns:r="http://schemas.openxmlformats.org/officeDocument/2006/relationships" xmlns:p="http://schemas.openxmlformats.org/presentationml/2006/main" showMasterSp="0" showMasterPhAnim="0">
+  <p:cSld>
+    <p:spTree>
+      <p:nvGrpSpPr>
+        <p:cNvPr id="1" name="Shape 433"/>
+        <p:cNvGrpSpPr/>
+        <p:nvPr/>
+      </p:nvGrpSpPr>
+      <p:grpSpPr>
+        <a:xfrm>
+          <a:off x="0" y="0"/>
+          <a:ext cx="0" cy="0"/>
+          <a:chOff x="0" y="0"/>
+          <a:chExt cx="0" cy="0"/>
+        </a:xfrm>
+      </p:grpSpPr>
+      <p:sp>
+        <p:nvSpPr>
+          <p:cNvPr id="434" name="Google Shape;434;g6cb360dd4a_1_79:notes"/>
+          <p:cNvSpPr>
+            <a:spLocks noGrp="1" noRot="1" noChangeAspect="1"/>
+          </p:cNvSpPr>
+          <p:nvPr>
+            <p:ph type="sldImg" idx="2"/>
+          </p:nvPr>
+        </p:nvSpPr>
+        <p:spPr>
+          <a:xfrm>
+            <a:off x="381000" y="685800"/>
+            <a:ext cx="6096000" cy="3429000"/>
+          </a:xfrm>
+          <a:custGeom>
+            <a:avLst/>
+            <a:gdLst/>
+            <a:ahLst/>
+            <a:cxnLst/>
+            <a:rect l="l" t="t" r="r" b="b"/>
+            <a:pathLst>
+              <a:path w="120000" h="120000" extrusionOk="0">
+                <a:moveTo>
+                  <a:pt x="0" y="0"/>
+                </a:moveTo>
+                <a:lnTo>
+                  <a:pt x="120000" y="0"/>
+                </a:lnTo>
+                <a:lnTo>
+                  <a:pt x="120000" y="120000"/>
+                </a:lnTo>
+                <a:lnTo>
+                  <a:pt x="0" y="120000"/>
+                </a:lnTo>
+                <a:close/>
+              </a:path>
+            </a:pathLst>
+          </a:custGeom>
+        </p:spPr>
+      </p:sp>
+      <p:sp>
+        <p:nvSpPr>
+          <p:cNvPr id="435" name="Google Shape;435;g6cb360dd4a_1_79:notes"/>
+          <p:cNvSpPr txBox="1">
+            <a:spLocks noGrp="1"/>
+          </p:cNvSpPr>
+          <p:nvPr>
+            <p:ph type="body" idx="1"/>
+          </p:nvPr>
+        </p:nvSpPr>
+        <p:spPr>
+          <a:xfrm>
+            <a:off x="685800" y="4343400"/>
+            <a:ext cx="5486400" cy="4114800"/>
+          </a:xfrm>
+          <a:prstGeom prst="rect">
+            <a:avLst/>
+          </a:prstGeom>
+        </p:spPr>
+        <p:txBody>
+          <a:bodyPr spcFirstLastPara="1" wrap="square" lIns="91425" tIns="91425" rIns="91425" bIns="91425" anchor="t" anchorCtr="0">
+            <a:noAutofit/>
+          </a:bodyPr>
+          <a:lstStyle/>
+          <a:p>
+            <a:pPr marL="0" lvl="0" indent="0" algn="l" rtl="0">
+              <a:spcBef>
+                <a:spcPts val="0"/>
+              </a:spcBef>
+              <a:spcAft>
+                <a:spcPts val="0"/>
+              </a:spcAft>
+              <a:buNone/>
+            </a:pPr>
+            <a:r>
+              <a:rPr lang="en"/>
+              <a:t>Jane</a:t>
+            </a:r>
+            <a:endParaRPr/>
+          </a:p>
+        </p:txBody>
+      </p:sp>
+    </p:spTree>
+    <p:extLst>
+      <p:ext uri="{BB962C8B-B14F-4D97-AF65-F5344CB8AC3E}">
+        <p14:creationId xmlns:p14="http://schemas.microsoft.com/office/powerpoint/2010/main" val="642418632"/>
+      </p:ext>
+    </p:extLst>
+  </p:cSld>
+  <p:clrMapOvr>
+    <a:masterClrMapping/>
+  </p:clrMapOvr>
+</p:notes>
+</file>
+
+<file path=ppt/notesSlides/notesSlide6.xml><?xml version="1.0" encoding="utf-8"?>
+<p:notes xmlns:a="http://schemas.openxmlformats.org/drawingml/2006/main" xmlns:r="http://schemas.openxmlformats.org/officeDocument/2006/relationships" xmlns:p="http://schemas.openxmlformats.org/presentationml/2006/main" showMasterSp="0" showMasterPhAnim="0">
+  <p:cSld>
+    <p:spTree>
+      <p:nvGrpSpPr>
+        <p:cNvPr id="1" name="Shape 439"/>
+        <p:cNvGrpSpPr/>
+        <p:nvPr/>
+      </p:nvGrpSpPr>
+      <p:grpSpPr>
+        <a:xfrm>
+          <a:off x="0" y="0"/>
+          <a:ext cx="0" cy="0"/>
+          <a:chOff x="0" y="0"/>
+          <a:chExt cx="0" cy="0"/>
+        </a:xfrm>
+      </p:grpSpPr>
+      <p:sp>
+        <p:nvSpPr>
+          <p:cNvPr id="440" name="Google Shape;440;g6cb360dd4a_1_84:notes"/>
+          <p:cNvSpPr>
+            <a:spLocks noGrp="1" noRot="1" noChangeAspect="1"/>
+          </p:cNvSpPr>
+          <p:nvPr>
+            <p:ph type="sldImg" idx="2"/>
+          </p:nvPr>
+        </p:nvSpPr>
+        <p:spPr>
+          <a:xfrm>
+            <a:off x="381000" y="685800"/>
+            <a:ext cx="6096000" cy="3429000"/>
+          </a:xfrm>
+          <a:custGeom>
+            <a:avLst/>
+            <a:gdLst/>
+            <a:ahLst/>
+            <a:cxnLst/>
+            <a:rect l="l" t="t" r="r" b="b"/>
+            <a:pathLst>
+              <a:path w="120000" h="120000" extrusionOk="0">
+                <a:moveTo>
+                  <a:pt x="0" y="0"/>
+                </a:moveTo>
+                <a:lnTo>
+                  <a:pt x="120000" y="0"/>
+                </a:lnTo>
+                <a:lnTo>
+                  <a:pt x="120000" y="120000"/>
+                </a:lnTo>
+                <a:lnTo>
+                  <a:pt x="0" y="120000"/>
+                </a:lnTo>
+                <a:close/>
+              </a:path>
+            </a:pathLst>
+          </a:custGeom>
+        </p:spPr>
+      </p:sp>
+      <p:sp>
+        <p:nvSpPr>
+          <p:cNvPr id="441" name="Google Shape;441;g6cb360dd4a_1_84:notes"/>
+          <p:cNvSpPr txBox="1">
+            <a:spLocks noGrp="1"/>
+          </p:cNvSpPr>
+          <p:nvPr>
+            <p:ph type="body" idx="1"/>
+          </p:nvPr>
+        </p:nvSpPr>
+        <p:spPr>
+          <a:xfrm>
+            <a:off x="685800" y="4343400"/>
+            <a:ext cx="5486400" cy="4114800"/>
+          </a:xfrm>
+          <a:prstGeom prst="rect">
+            <a:avLst/>
+          </a:prstGeom>
+        </p:spPr>
+        <p:txBody>
+          <a:bodyPr spcFirstLastPara="1" wrap="square" lIns="91425" tIns="91425" rIns="91425" bIns="91425" anchor="t" anchorCtr="0">
+            <a:noAutofit/>
+          </a:bodyPr>
+          <a:lstStyle/>
+          <a:p>
+            <a:pPr marL="0" lvl="0" indent="0" algn="l" rtl="0">
+              <a:spcBef>
+                <a:spcPts val="0"/>
+              </a:spcBef>
+              <a:spcAft>
+                <a:spcPts val="0"/>
+              </a:spcAft>
+              <a:buNone/>
+            </a:pPr>
+            <a:r>
+              <a:rPr lang="en"/>
+              <a:t>Jane</a:t>
+            </a:r>
+            <a:endParaRPr/>
+          </a:p>
+        </p:txBody>
+      </p:sp>
+    </p:spTree>
+    <p:extLst>
+      <p:ext uri="{BB962C8B-B14F-4D97-AF65-F5344CB8AC3E}">
+        <p14:creationId xmlns:p14="http://schemas.microsoft.com/office/powerpoint/2010/main" val="975102583"/>
+      </p:ext>
+    </p:extLst>
+  </p:cSld>
+  <p:clrMapOvr>
+    <a:masterClrMapping/>
+  </p:clrMapOvr>
+</p:notes>
+</file>
+
+<file path=ppt/notesSlides/notesSlide7.xml><?xml version="1.0" encoding="utf-8"?>
 <p:notes xmlns:a="http://schemas.openxmlformats.org/drawingml/2006/main" xmlns:r="http://schemas.openxmlformats.org/officeDocument/2006/relationships" xmlns:p="http://schemas.openxmlformats.org/presentationml/2006/main" showMasterSp="0" showMasterPhAnim="0">
   <p:cSld>
     <p:spTree>
@@ -8136,572 +8806,7 @@
     </p:spTree>
     <p:extLst>
       <p:ext uri="{BB962C8B-B14F-4D97-AF65-F5344CB8AC3E}">
-        <p14:creationId xmlns:p14="http://schemas.microsoft.com/office/powerpoint/2010/main" val="3342926653"/>
-      </p:ext>
-    </p:extLst>
-  </p:cSld>
-  <p:clrMapOvr>
-    <a:masterClrMapping/>
-  </p:clrMapOvr>
-</p:notes>
-</file>
-
-<file path=ppt/notesSlides/notesSlide3.xml><?xml version="1.0" encoding="utf-8"?>
-<p:notes xmlns:a="http://schemas.openxmlformats.org/drawingml/2006/main" xmlns:r="http://schemas.openxmlformats.org/officeDocument/2006/relationships" xmlns:p="http://schemas.openxmlformats.org/presentationml/2006/main" showMasterSp="0" showMasterPhAnim="0">
-  <p:cSld>
-    <p:spTree>
-      <p:nvGrpSpPr>
-        <p:cNvPr id="1" name="Shape 427"/>
-        <p:cNvGrpSpPr/>
-        <p:nvPr/>
-      </p:nvGrpSpPr>
-      <p:grpSpPr>
-        <a:xfrm>
-          <a:off x="0" y="0"/>
-          <a:ext cx="0" cy="0"/>
-          <a:chOff x="0" y="0"/>
-          <a:chExt cx="0" cy="0"/>
-        </a:xfrm>
-      </p:grpSpPr>
-      <p:sp>
-        <p:nvSpPr>
-          <p:cNvPr id="428" name="Google Shape;428;g6cb360dd4a_1_74:notes"/>
-          <p:cNvSpPr>
-            <a:spLocks noGrp="1" noRot="1" noChangeAspect="1"/>
-          </p:cNvSpPr>
-          <p:nvPr>
-            <p:ph type="sldImg" idx="2"/>
-          </p:nvPr>
-        </p:nvSpPr>
-        <p:spPr>
-          <a:xfrm>
-            <a:off x="381000" y="685800"/>
-            <a:ext cx="6096000" cy="3429000"/>
-          </a:xfrm>
-          <a:custGeom>
-            <a:avLst/>
-            <a:gdLst/>
-            <a:ahLst/>
-            <a:cxnLst/>
-            <a:rect l="l" t="t" r="r" b="b"/>
-            <a:pathLst>
-              <a:path w="120000" h="120000" extrusionOk="0">
-                <a:moveTo>
-                  <a:pt x="0" y="0"/>
-                </a:moveTo>
-                <a:lnTo>
-                  <a:pt x="120000" y="0"/>
-                </a:lnTo>
-                <a:lnTo>
-                  <a:pt x="120000" y="120000"/>
-                </a:lnTo>
-                <a:lnTo>
-                  <a:pt x="0" y="120000"/>
-                </a:lnTo>
-                <a:close/>
-              </a:path>
-            </a:pathLst>
-          </a:custGeom>
-        </p:spPr>
-      </p:sp>
-      <p:sp>
-        <p:nvSpPr>
-          <p:cNvPr id="429" name="Google Shape;429;g6cb360dd4a_1_74:notes"/>
-          <p:cNvSpPr txBox="1">
-            <a:spLocks noGrp="1"/>
-          </p:cNvSpPr>
-          <p:nvPr>
-            <p:ph type="body" idx="1"/>
-          </p:nvPr>
-        </p:nvSpPr>
-        <p:spPr>
-          <a:xfrm>
-            <a:off x="685800" y="4343400"/>
-            <a:ext cx="5486400" cy="4114800"/>
-          </a:xfrm>
-          <a:prstGeom prst="rect">
-            <a:avLst/>
-          </a:prstGeom>
-        </p:spPr>
-        <p:txBody>
-          <a:bodyPr spcFirstLastPara="1" wrap="square" lIns="91425" tIns="91425" rIns="91425" bIns="91425" anchor="t" anchorCtr="0">
-            <a:noAutofit/>
-          </a:bodyPr>
-          <a:lstStyle/>
-          <a:p>
-            <a:pPr marL="0" lvl="0" indent="0" algn="l" rtl="0">
-              <a:spcBef>
-                <a:spcPts val="0"/>
-              </a:spcBef>
-              <a:spcAft>
-                <a:spcPts val="0"/>
-              </a:spcAft>
-              <a:buNone/>
-            </a:pPr>
-            <a:r>
-              <a:rPr lang="en"/>
-              <a:t>Jane</a:t>
-            </a:r>
-            <a:endParaRPr/>
-          </a:p>
-        </p:txBody>
-      </p:sp>
-    </p:spTree>
-    <p:extLst>
-      <p:ext uri="{BB962C8B-B14F-4D97-AF65-F5344CB8AC3E}">
-        <p14:creationId xmlns:p14="http://schemas.microsoft.com/office/powerpoint/2010/main" val="2152037198"/>
-      </p:ext>
-    </p:extLst>
-  </p:cSld>
-  <p:clrMapOvr>
-    <a:masterClrMapping/>
-  </p:clrMapOvr>
-</p:notes>
-</file>
-
-<file path=ppt/notesSlides/notesSlide4.xml><?xml version="1.0" encoding="utf-8"?>
-<p:notes xmlns:a="http://schemas.openxmlformats.org/drawingml/2006/main" xmlns:r="http://schemas.openxmlformats.org/officeDocument/2006/relationships" xmlns:p="http://schemas.openxmlformats.org/presentationml/2006/main" showMasterSp="0" showMasterPhAnim="0">
-  <p:cSld>
-    <p:spTree>
-      <p:nvGrpSpPr>
-        <p:cNvPr id="1" name="Shape 433"/>
-        <p:cNvGrpSpPr/>
-        <p:nvPr/>
-      </p:nvGrpSpPr>
-      <p:grpSpPr>
-        <a:xfrm>
-          <a:off x="0" y="0"/>
-          <a:ext cx="0" cy="0"/>
-          <a:chOff x="0" y="0"/>
-          <a:chExt cx="0" cy="0"/>
-        </a:xfrm>
-      </p:grpSpPr>
-      <p:sp>
-        <p:nvSpPr>
-          <p:cNvPr id="434" name="Google Shape;434;g6cb360dd4a_1_79:notes"/>
-          <p:cNvSpPr>
-            <a:spLocks noGrp="1" noRot="1" noChangeAspect="1"/>
-          </p:cNvSpPr>
-          <p:nvPr>
-            <p:ph type="sldImg" idx="2"/>
-          </p:nvPr>
-        </p:nvSpPr>
-        <p:spPr>
-          <a:xfrm>
-            <a:off x="381000" y="685800"/>
-            <a:ext cx="6096000" cy="3429000"/>
-          </a:xfrm>
-          <a:custGeom>
-            <a:avLst/>
-            <a:gdLst/>
-            <a:ahLst/>
-            <a:cxnLst/>
-            <a:rect l="l" t="t" r="r" b="b"/>
-            <a:pathLst>
-              <a:path w="120000" h="120000" extrusionOk="0">
-                <a:moveTo>
-                  <a:pt x="0" y="0"/>
-                </a:moveTo>
-                <a:lnTo>
-                  <a:pt x="120000" y="0"/>
-                </a:lnTo>
-                <a:lnTo>
-                  <a:pt x="120000" y="120000"/>
-                </a:lnTo>
-                <a:lnTo>
-                  <a:pt x="0" y="120000"/>
-                </a:lnTo>
-                <a:close/>
-              </a:path>
-            </a:pathLst>
-          </a:custGeom>
-        </p:spPr>
-      </p:sp>
-      <p:sp>
-        <p:nvSpPr>
-          <p:cNvPr id="435" name="Google Shape;435;g6cb360dd4a_1_79:notes"/>
-          <p:cNvSpPr txBox="1">
-            <a:spLocks noGrp="1"/>
-          </p:cNvSpPr>
-          <p:nvPr>
-            <p:ph type="body" idx="1"/>
-          </p:nvPr>
-        </p:nvSpPr>
-        <p:spPr>
-          <a:xfrm>
-            <a:off x="685800" y="4343400"/>
-            <a:ext cx="5486400" cy="4114800"/>
-          </a:xfrm>
-          <a:prstGeom prst="rect">
-            <a:avLst/>
-          </a:prstGeom>
-        </p:spPr>
-        <p:txBody>
-          <a:bodyPr spcFirstLastPara="1" wrap="square" lIns="91425" tIns="91425" rIns="91425" bIns="91425" anchor="t" anchorCtr="0">
-            <a:noAutofit/>
-          </a:bodyPr>
-          <a:lstStyle/>
-          <a:p>
-            <a:pPr marL="0" lvl="0" indent="0" algn="l" rtl="0">
-              <a:spcBef>
-                <a:spcPts val="0"/>
-              </a:spcBef>
-              <a:spcAft>
-                <a:spcPts val="0"/>
-              </a:spcAft>
-              <a:buNone/>
-            </a:pPr>
-            <a:r>
-              <a:rPr lang="en"/>
-              <a:t>Jane</a:t>
-            </a:r>
-            <a:endParaRPr/>
-          </a:p>
-        </p:txBody>
-      </p:sp>
-    </p:spTree>
-    <p:extLst>
-      <p:ext uri="{BB962C8B-B14F-4D97-AF65-F5344CB8AC3E}">
-        <p14:creationId xmlns:p14="http://schemas.microsoft.com/office/powerpoint/2010/main" val="642418632"/>
-      </p:ext>
-    </p:extLst>
-  </p:cSld>
-  <p:clrMapOvr>
-    <a:masterClrMapping/>
-  </p:clrMapOvr>
-</p:notes>
-</file>
-
-<file path=ppt/notesSlides/notesSlide5.xml><?xml version="1.0" encoding="utf-8"?>
-<p:notes xmlns:a="http://schemas.openxmlformats.org/drawingml/2006/main" xmlns:r="http://schemas.openxmlformats.org/officeDocument/2006/relationships" xmlns:p="http://schemas.openxmlformats.org/presentationml/2006/main" showMasterSp="0" showMasterPhAnim="0">
-  <p:cSld>
-    <p:spTree>
-      <p:nvGrpSpPr>
-        <p:cNvPr id="1" name="Shape 439"/>
-        <p:cNvGrpSpPr/>
-        <p:nvPr/>
-      </p:nvGrpSpPr>
-      <p:grpSpPr>
-        <a:xfrm>
-          <a:off x="0" y="0"/>
-          <a:ext cx="0" cy="0"/>
-          <a:chOff x="0" y="0"/>
-          <a:chExt cx="0" cy="0"/>
-        </a:xfrm>
-      </p:grpSpPr>
-      <p:sp>
-        <p:nvSpPr>
-          <p:cNvPr id="440" name="Google Shape;440;g6cb360dd4a_1_84:notes"/>
-          <p:cNvSpPr>
-            <a:spLocks noGrp="1" noRot="1" noChangeAspect="1"/>
-          </p:cNvSpPr>
-          <p:nvPr>
-            <p:ph type="sldImg" idx="2"/>
-          </p:nvPr>
-        </p:nvSpPr>
-        <p:spPr>
-          <a:xfrm>
-            <a:off x="381000" y="685800"/>
-            <a:ext cx="6096000" cy="3429000"/>
-          </a:xfrm>
-          <a:custGeom>
-            <a:avLst/>
-            <a:gdLst/>
-            <a:ahLst/>
-            <a:cxnLst/>
-            <a:rect l="l" t="t" r="r" b="b"/>
-            <a:pathLst>
-              <a:path w="120000" h="120000" extrusionOk="0">
-                <a:moveTo>
-                  <a:pt x="0" y="0"/>
-                </a:moveTo>
-                <a:lnTo>
-                  <a:pt x="120000" y="0"/>
-                </a:lnTo>
-                <a:lnTo>
-                  <a:pt x="120000" y="120000"/>
-                </a:lnTo>
-                <a:lnTo>
-                  <a:pt x="0" y="120000"/>
-                </a:lnTo>
-                <a:close/>
-              </a:path>
-            </a:pathLst>
-          </a:custGeom>
-        </p:spPr>
-      </p:sp>
-      <p:sp>
-        <p:nvSpPr>
-          <p:cNvPr id="441" name="Google Shape;441;g6cb360dd4a_1_84:notes"/>
-          <p:cNvSpPr txBox="1">
-            <a:spLocks noGrp="1"/>
-          </p:cNvSpPr>
-          <p:nvPr>
-            <p:ph type="body" idx="1"/>
-          </p:nvPr>
-        </p:nvSpPr>
-        <p:spPr>
-          <a:xfrm>
-            <a:off x="685800" y="4343400"/>
-            <a:ext cx="5486400" cy="4114800"/>
-          </a:xfrm>
-          <a:prstGeom prst="rect">
-            <a:avLst/>
-          </a:prstGeom>
-        </p:spPr>
-        <p:txBody>
-          <a:bodyPr spcFirstLastPara="1" wrap="square" lIns="91425" tIns="91425" rIns="91425" bIns="91425" anchor="t" anchorCtr="0">
-            <a:noAutofit/>
-          </a:bodyPr>
-          <a:lstStyle/>
-          <a:p>
-            <a:pPr marL="0" lvl="0" indent="0" algn="l" rtl="0">
-              <a:spcBef>
-                <a:spcPts val="0"/>
-              </a:spcBef>
-              <a:spcAft>
-                <a:spcPts val="0"/>
-              </a:spcAft>
-              <a:buNone/>
-            </a:pPr>
-            <a:r>
-              <a:rPr lang="en"/>
-              <a:t>Jane</a:t>
-            </a:r>
-            <a:endParaRPr/>
-          </a:p>
-        </p:txBody>
-      </p:sp>
-    </p:spTree>
-    <p:extLst>
-      <p:ext uri="{BB962C8B-B14F-4D97-AF65-F5344CB8AC3E}">
-        <p14:creationId xmlns:p14="http://schemas.microsoft.com/office/powerpoint/2010/main" val="975102583"/>
-      </p:ext>
-    </p:extLst>
-  </p:cSld>
-  <p:clrMapOvr>
-    <a:masterClrMapping/>
-  </p:clrMapOvr>
-</p:notes>
-</file>
-
-<file path=ppt/notesSlides/notesSlide6.xml><?xml version="1.0" encoding="utf-8"?>
-<p:notes xmlns:a="http://schemas.openxmlformats.org/drawingml/2006/main" xmlns:r="http://schemas.openxmlformats.org/officeDocument/2006/relationships" xmlns:p="http://schemas.openxmlformats.org/presentationml/2006/main" showMasterSp="0" showMasterPhAnim="0">
-  <p:cSld>
-    <p:spTree>
-      <p:nvGrpSpPr>
-        <p:cNvPr id="1" name="Shape 445"/>
-        <p:cNvGrpSpPr/>
-        <p:nvPr/>
-      </p:nvGrpSpPr>
-      <p:grpSpPr>
-        <a:xfrm>
-          <a:off x="0" y="0"/>
-          <a:ext cx="0" cy="0"/>
-          <a:chOff x="0" y="0"/>
-          <a:chExt cx="0" cy="0"/>
-        </a:xfrm>
-      </p:grpSpPr>
-      <p:sp>
-        <p:nvSpPr>
-          <p:cNvPr id="446" name="Google Shape;446;g6cb360dd4a_1_188:notes"/>
-          <p:cNvSpPr>
-            <a:spLocks noGrp="1" noRot="1" noChangeAspect="1"/>
-          </p:cNvSpPr>
-          <p:nvPr>
-            <p:ph type="sldImg" idx="2"/>
-          </p:nvPr>
-        </p:nvSpPr>
-        <p:spPr>
-          <a:xfrm>
-            <a:off x="381000" y="685800"/>
-            <a:ext cx="6096000" cy="3429000"/>
-          </a:xfrm>
-          <a:custGeom>
-            <a:avLst/>
-            <a:gdLst/>
-            <a:ahLst/>
-            <a:cxnLst/>
-            <a:rect l="l" t="t" r="r" b="b"/>
-            <a:pathLst>
-              <a:path w="120000" h="120000" extrusionOk="0">
-                <a:moveTo>
-                  <a:pt x="0" y="0"/>
-                </a:moveTo>
-                <a:lnTo>
-                  <a:pt x="120000" y="0"/>
-                </a:lnTo>
-                <a:lnTo>
-                  <a:pt x="120000" y="120000"/>
-                </a:lnTo>
-                <a:lnTo>
-                  <a:pt x="0" y="120000"/>
-                </a:lnTo>
-                <a:close/>
-              </a:path>
-            </a:pathLst>
-          </a:custGeom>
-        </p:spPr>
-      </p:sp>
-      <p:sp>
-        <p:nvSpPr>
-          <p:cNvPr id="447" name="Google Shape;447;g6cb360dd4a_1_188:notes"/>
-          <p:cNvSpPr txBox="1">
-            <a:spLocks noGrp="1"/>
-          </p:cNvSpPr>
-          <p:nvPr>
-            <p:ph type="body" idx="1"/>
-          </p:nvPr>
-        </p:nvSpPr>
-        <p:spPr>
-          <a:xfrm>
-            <a:off x="685800" y="4343400"/>
-            <a:ext cx="5486400" cy="4114800"/>
-          </a:xfrm>
-          <a:prstGeom prst="rect">
-            <a:avLst/>
-          </a:prstGeom>
-        </p:spPr>
-        <p:txBody>
-          <a:bodyPr spcFirstLastPara="1" wrap="square" lIns="91425" tIns="91425" rIns="91425" bIns="91425" anchor="t" anchorCtr="0">
-            <a:noAutofit/>
-          </a:bodyPr>
-          <a:lstStyle/>
-          <a:p>
-            <a:pPr marL="0" lvl="0" indent="0" algn="l" rtl="0">
-              <a:spcBef>
-                <a:spcPts val="0"/>
-              </a:spcBef>
-              <a:spcAft>
-                <a:spcPts val="0"/>
-              </a:spcAft>
-              <a:buNone/>
-            </a:pPr>
-            <a:r>
-              <a:rPr lang="en"/>
-              <a:t>Jane</a:t>
-            </a:r>
-            <a:endParaRPr/>
-          </a:p>
-        </p:txBody>
-      </p:sp>
-    </p:spTree>
-    <p:extLst>
-      <p:ext uri="{BB962C8B-B14F-4D97-AF65-F5344CB8AC3E}">
         <p14:creationId xmlns:p14="http://schemas.microsoft.com/office/powerpoint/2010/main" val="760768281"/>
-      </p:ext>
-    </p:extLst>
-  </p:cSld>
-  <p:clrMapOvr>
-    <a:masterClrMapping/>
-  </p:clrMapOvr>
-</p:notes>
-</file>
-
-<file path=ppt/notesSlides/notesSlide7.xml><?xml version="1.0" encoding="utf-8"?>
-<p:notes xmlns:a="http://schemas.openxmlformats.org/drawingml/2006/main" xmlns:r="http://schemas.openxmlformats.org/officeDocument/2006/relationships" xmlns:p="http://schemas.openxmlformats.org/presentationml/2006/main" showMasterSp="0" showMasterPhAnim="0">
-  <p:cSld>
-    <p:spTree>
-      <p:nvGrpSpPr>
-        <p:cNvPr id="1" name="Shape 451"/>
-        <p:cNvGrpSpPr/>
-        <p:nvPr/>
-      </p:nvGrpSpPr>
-      <p:grpSpPr>
-        <a:xfrm>
-          <a:off x="0" y="0"/>
-          <a:ext cx="0" cy="0"/>
-          <a:chOff x="0" y="0"/>
-          <a:chExt cx="0" cy="0"/>
-        </a:xfrm>
-      </p:grpSpPr>
-      <p:sp>
-        <p:nvSpPr>
-          <p:cNvPr id="452" name="Google Shape;452;g6cb360dd4a_1_194:notes"/>
-          <p:cNvSpPr>
-            <a:spLocks noGrp="1" noRot="1" noChangeAspect="1"/>
-          </p:cNvSpPr>
-          <p:nvPr>
-            <p:ph type="sldImg" idx="2"/>
-          </p:nvPr>
-        </p:nvSpPr>
-        <p:spPr>
-          <a:xfrm>
-            <a:off x="381000" y="685800"/>
-            <a:ext cx="6096000" cy="3429000"/>
-          </a:xfrm>
-          <a:custGeom>
-            <a:avLst/>
-            <a:gdLst/>
-            <a:ahLst/>
-            <a:cxnLst/>
-            <a:rect l="l" t="t" r="r" b="b"/>
-            <a:pathLst>
-              <a:path w="120000" h="120000" extrusionOk="0">
-                <a:moveTo>
-                  <a:pt x="0" y="0"/>
-                </a:moveTo>
-                <a:lnTo>
-                  <a:pt x="120000" y="0"/>
-                </a:lnTo>
-                <a:lnTo>
-                  <a:pt x="120000" y="120000"/>
-                </a:lnTo>
-                <a:lnTo>
-                  <a:pt x="0" y="120000"/>
-                </a:lnTo>
-                <a:close/>
-              </a:path>
-            </a:pathLst>
-          </a:custGeom>
-        </p:spPr>
-      </p:sp>
-      <p:sp>
-        <p:nvSpPr>
-          <p:cNvPr id="453" name="Google Shape;453;g6cb360dd4a_1_194:notes"/>
-          <p:cNvSpPr txBox="1">
-            <a:spLocks noGrp="1"/>
-          </p:cNvSpPr>
-          <p:nvPr>
-            <p:ph type="body" idx="1"/>
-          </p:nvPr>
-        </p:nvSpPr>
-        <p:spPr>
-          <a:xfrm>
-            <a:off x="685800" y="4343400"/>
-            <a:ext cx="5486400" cy="4114800"/>
-          </a:xfrm>
-          <a:prstGeom prst="rect">
-            <a:avLst/>
-          </a:prstGeom>
-        </p:spPr>
-        <p:txBody>
-          <a:bodyPr spcFirstLastPara="1" wrap="square" lIns="91425" tIns="91425" rIns="91425" bIns="91425" anchor="t" anchorCtr="0">
-            <a:noAutofit/>
-          </a:bodyPr>
-          <a:lstStyle/>
-          <a:p>
-            <a:pPr marL="0" lvl="0" indent="0" algn="l" rtl="0">
-              <a:spcBef>
-                <a:spcPts val="0"/>
-              </a:spcBef>
-              <a:spcAft>
-                <a:spcPts val="0"/>
-              </a:spcAft>
-              <a:buNone/>
-            </a:pPr>
-            <a:r>
-              <a:rPr lang="en"/>
-              <a:t>Jane</a:t>
-            </a:r>
-            <a:endParaRPr/>
-          </a:p>
-        </p:txBody>
-      </p:sp>
-    </p:spTree>
-    <p:extLst>
-      <p:ext uri="{BB962C8B-B14F-4D97-AF65-F5344CB8AC3E}">
-        <p14:creationId xmlns:p14="http://schemas.microsoft.com/office/powerpoint/2010/main" val="1763146821"/>
       </p:ext>
     </p:extLst>
   </p:cSld>
@@ -8814,7 +8919,7 @@
     </p:spTree>
     <p:extLst>
       <p:ext uri="{BB962C8B-B14F-4D97-AF65-F5344CB8AC3E}">
-        <p14:creationId xmlns:p14="http://schemas.microsoft.com/office/powerpoint/2010/main" val="929926121"/>
+        <p14:creationId xmlns:p14="http://schemas.microsoft.com/office/powerpoint/2010/main" val="1763146821"/>
       </p:ext>
     </p:extLst>
   </p:cSld>
@@ -8829,7 +8934,7 @@
   <p:cSld>
     <p:spTree>
       <p:nvGrpSpPr>
-        <p:cNvPr id="1" name="Shape 445"/>
+        <p:cNvPr id="1" name="Shape 451"/>
         <p:cNvGrpSpPr/>
         <p:nvPr/>
       </p:nvGrpSpPr>
@@ -8843,7 +8948,7 @@
       </p:grpSpPr>
       <p:sp>
         <p:nvSpPr>
-          <p:cNvPr id="446" name="Google Shape;446;g6cb360dd4a_1_188:notes"/>
+          <p:cNvPr id="452" name="Google Shape;452;g6cb360dd4a_1_194:notes"/>
           <p:cNvSpPr>
             <a:spLocks noGrp="1" noRot="1" noChangeAspect="1"/>
           </p:cNvSpPr>
@@ -8884,7 +8989,7 @@
       </p:sp>
       <p:sp>
         <p:nvSpPr>
-          <p:cNvPr id="447" name="Google Shape;447;g6cb360dd4a_1_188:notes"/>
+          <p:cNvPr id="453" name="Google Shape;453;g6cb360dd4a_1_194:notes"/>
           <p:cNvSpPr txBox="1">
             <a:spLocks noGrp="1"/>
           </p:cNvSpPr>
@@ -8927,7 +9032,7 @@
     </p:spTree>
     <p:extLst>
       <p:ext uri="{BB962C8B-B14F-4D97-AF65-F5344CB8AC3E}">
-        <p14:creationId xmlns:p14="http://schemas.microsoft.com/office/powerpoint/2010/main" val="793181311"/>
+        <p14:creationId xmlns:p14="http://schemas.microsoft.com/office/powerpoint/2010/main" val="929926121"/>
       </p:ext>
     </p:extLst>
   </p:cSld>
@@ -12689,7 +12794,7 @@
               <a:buNone/>
             </a:pPr>
             <a:r>
-              <a:rPr lang="en-US" sz="2800">
+              <a:rPr lang="en-US" sz="2800" dirty="0">
                 <a:solidFill>
                   <a:srgbClr val="595959"/>
                 </a:solidFill>
@@ -13067,14 +13172,14 @@
             <p:ph idx="4294967295"/>
             <p:extLst>
               <p:ext uri="{D42A27DB-BD31-4B8C-83A1-F6EECF244321}">
-                <p14:modId xmlns:p14="http://schemas.microsoft.com/office/powerpoint/2010/main" val="3574533399"/>
+                <p14:modId xmlns:p14="http://schemas.microsoft.com/office/powerpoint/2010/main" val="3479782204"/>
               </p:ext>
             </p:extLst>
           </p:nvPr>
         </p:nvGraphicFramePr>
         <p:xfrm>
           <a:off x="1428096" y="1655352"/>
-          <a:ext cx="9684551" cy="4564016"/>
+          <a:ext cx="8318636" cy="4564016"/>
         </p:xfrm>
         <a:graphic>
           <a:graphicData uri="http://schemas.openxmlformats.org/drawingml/2006/table">
@@ -13115,13 +13220,6 @@
                   <a:extLst>
                     <a:ext uri="{9D8B030D-6E8A-4147-A177-3AD203B41FA5}">
                       <a16:colId xmlns:a16="http://schemas.microsoft.com/office/drawing/2014/main" val="20004"/>
-                    </a:ext>
-                  </a:extLst>
-                </a:gridCol>
-                <a:gridCol w="1365915">
-                  <a:extLst>
-                    <a:ext uri="{9D8B030D-6E8A-4147-A177-3AD203B41FA5}">
-                      <a16:colId xmlns:a16="http://schemas.microsoft.com/office/drawing/2014/main" val="20005"/>
                     </a:ext>
                   </a:extLst>
                 </a:gridCol>
@@ -13222,25 +13320,12 @@
                     <a:lstStyle/>
                     <a:p>
                       <a:r>
-                        <a:rPr lang="en-US" dirty="0"/>
-                        <a:t>Accuracy</a:t>
-                      </a:r>
-                    </a:p>
-                  </a:txBody>
-                  <a:tcPr/>
-                </a:tc>
-                <a:tc>
-                  <a:txBody>
-                    <a:bodyPr/>
-                    <a:lstStyle/>
-                    <a:p>
-                      <a:r>
                         <a:rPr lang="en-US" dirty="0" err="1"/>
                         <a:t>Prec</a:t>
                       </a:r>
                       <a:r>
                         <a:rPr lang="en-US" dirty="0"/>
-                        <a:t> @ 1%</a:t>
+                        <a:t> @ 1%, 2% etc.</a:t>
                       </a:r>
                     </a:p>
                   </a:txBody>
@@ -13266,16 +13351,6 @@
                 </a:extLst>
               </a:tr>
               <a:tr h="344454">
-                <a:tc>
-                  <a:txBody>
-                    <a:bodyPr/>
-                    <a:lstStyle/>
-                    <a:p>
-                      <a:endParaRPr lang="en-US"/>
-                    </a:p>
-                  </a:txBody>
-                  <a:tcPr/>
-                </a:tc>
                 <a:tc>
                   <a:txBody>
                     <a:bodyPr/>
@@ -13423,16 +13498,6 @@
                   </a:txBody>
                   <a:tcPr/>
                 </a:tc>
-                <a:tc>
-                  <a:txBody>
-                    <a:bodyPr/>
-                    <a:lstStyle/>
-                    <a:p>
-                      <a:endParaRPr lang="en-US"/>
-                    </a:p>
-                  </a:txBody>
-                  <a:tcPr/>
-                </a:tc>
                 <a:extLst>
                   <a:ext uri="{0D108BD9-81ED-4DB2-BD59-A6C34878D82A}">
                     <a16:rowId xmlns:a16="http://schemas.microsoft.com/office/drawing/2014/main" val="10002"/>
@@ -13505,17 +13570,7 @@
                     <a:bodyPr/>
                     <a:lstStyle/>
                     <a:p>
-                      <a:endParaRPr lang="en-US"/>
-                    </a:p>
-                  </a:txBody>
-                  <a:tcPr/>
-                </a:tc>
-                <a:tc>
-                  <a:txBody>
-                    <a:bodyPr/>
-                    <a:lstStyle/>
-                    <a:p>
-                      <a:endParaRPr lang="en-US"/>
+                      <a:endParaRPr lang="en-US" dirty="0"/>
                     </a:p>
                   </a:txBody>
                   <a:tcPr/>
@@ -13527,16 +13582,6 @@
                 </a:extLst>
               </a:tr>
               <a:tr h="344454">
-                <a:tc>
-                  <a:txBody>
-                    <a:bodyPr/>
-                    <a:lstStyle/>
-                    <a:p>
-                      <a:endParaRPr lang="en-US"/>
-                    </a:p>
-                  </a:txBody>
-                  <a:tcPr/>
-                </a:tc>
                 <a:tc>
                   <a:txBody>
                     <a:bodyPr/>
@@ -13684,16 +13729,6 @@
                   </a:txBody>
                   <a:tcPr/>
                 </a:tc>
-                <a:tc>
-                  <a:txBody>
-                    <a:bodyPr/>
-                    <a:lstStyle/>
-                    <a:p>
-                      <a:endParaRPr lang="en-US"/>
-                    </a:p>
-                  </a:txBody>
-                  <a:tcPr/>
-                </a:tc>
                 <a:extLst>
                   <a:ext uri="{0D108BD9-81ED-4DB2-BD59-A6C34878D82A}">
                     <a16:rowId xmlns:a16="http://schemas.microsoft.com/office/drawing/2014/main" val="10005"/>
@@ -13701,16 +13736,6 @@
                 </a:extLst>
               </a:tr>
               <a:tr h="344454">
-                <a:tc>
-                  <a:txBody>
-                    <a:bodyPr/>
-                    <a:lstStyle/>
-                    <a:p>
-                      <a:endParaRPr lang="en-US"/>
-                    </a:p>
-                  </a:txBody>
-                  <a:tcPr/>
-                </a:tc>
                 <a:tc>
                   <a:txBody>
                     <a:bodyPr/>
@@ -13858,16 +13883,6 @@
                   </a:txBody>
                   <a:tcPr/>
                 </a:tc>
-                <a:tc>
-                  <a:txBody>
-                    <a:bodyPr/>
-                    <a:lstStyle/>
-                    <a:p>
-                      <a:endParaRPr lang="en-US"/>
-                    </a:p>
-                  </a:txBody>
-                  <a:tcPr/>
-                </a:tc>
                 <a:extLst>
                   <a:ext uri="{0D108BD9-81ED-4DB2-BD59-A6C34878D82A}">
                     <a16:rowId xmlns:a16="http://schemas.microsoft.com/office/drawing/2014/main" val="10007"/>
@@ -13875,16 +13890,6 @@
                 </a:extLst>
               </a:tr>
               <a:tr h="344454">
-                <a:tc>
-                  <a:txBody>
-                    <a:bodyPr/>
-                    <a:lstStyle/>
-                    <a:p>
-                      <a:endParaRPr lang="en-US"/>
-                    </a:p>
-                  </a:txBody>
-                  <a:tcPr/>
-                </a:tc>
                 <a:tc>
                   <a:txBody>
                     <a:bodyPr/>
@@ -14032,16 +14037,6 @@
                   </a:txBody>
                   <a:tcPr/>
                 </a:tc>
-                <a:tc>
-                  <a:txBody>
-                    <a:bodyPr/>
-                    <a:lstStyle/>
-                    <a:p>
-                      <a:endParaRPr lang="en-US"/>
-                    </a:p>
-                  </a:txBody>
-                  <a:tcPr/>
-                </a:tc>
                 <a:extLst>
                   <a:ext uri="{0D108BD9-81ED-4DB2-BD59-A6C34878D82A}">
                     <a16:rowId xmlns:a16="http://schemas.microsoft.com/office/drawing/2014/main" val="10009"/>
@@ -14055,16 +14050,6 @@
                     <a:lstStyle/>
                     <a:p>
                       <a:endParaRPr lang="en-US" dirty="0"/>
-                    </a:p>
-                  </a:txBody>
-                  <a:tcPr/>
-                </a:tc>
-                <a:tc>
-                  <a:txBody>
-                    <a:bodyPr/>
-                    <a:lstStyle/>
-                    <a:p>
-                      <a:endParaRPr lang="en-US"/>
                     </a:p>
                   </a:txBody>
                   <a:tcPr/>
@@ -19240,7 +19225,7 @@
           <p:nvPr/>
         </p:nvPicPr>
         <p:blipFill>
-          <a:blip r:embed="rId2"/>
+          <a:blip r:embed="rId3"/>
           <a:stretch>
             <a:fillRect/>
           </a:stretch>
@@ -19270,7 +19255,7 @@
           <p:nvPr/>
         </p:nvPicPr>
         <p:blipFill>
-          <a:blip r:embed="rId3"/>
+          <a:blip r:embed="rId4"/>
           <a:stretch>
             <a:fillRect/>
           </a:stretch>
@@ -19361,7 +19346,13 @@
           <p:cNvGraphicFramePr>
             <a:graphicFrameLocks noGrp="1"/>
           </p:cNvGraphicFramePr>
-          <p:nvPr/>
+          <p:nvPr>
+            <p:extLst>
+              <p:ext uri="{D42A27DB-BD31-4B8C-83A1-F6EECF244321}">
+                <p14:modId xmlns:p14="http://schemas.microsoft.com/office/powerpoint/2010/main" val="1072334144"/>
+              </p:ext>
+            </p:extLst>
+          </p:nvPr>
         </p:nvGraphicFramePr>
         <p:xfrm>
           <a:off x="1600150" y="2331720"/>
@@ -20380,575 +20371,6 @@
     <p:extLst>
       <p:ext uri="{BB962C8B-B14F-4D97-AF65-F5344CB8AC3E}">
         <p14:creationId xmlns:p14="http://schemas.microsoft.com/office/powerpoint/2010/main" val="1478637945"/>
-      </p:ext>
-    </p:extLst>
-  </p:cSld>
-  <p:clrMapOvr>
-    <a:masterClrMapping/>
-  </p:clrMapOvr>
-</p:sld>
-</file>
-
-<file path=ppt/slides/slide36.xml><?xml version="1.0" encoding="utf-8"?>
-<p:sld xmlns:a="http://schemas.openxmlformats.org/drawingml/2006/main" xmlns:r="http://schemas.openxmlformats.org/officeDocument/2006/relationships" xmlns:p="http://schemas.openxmlformats.org/presentationml/2006/main">
-  <p:cSld>
-    <p:spTree>
-      <p:nvGrpSpPr>
-        <p:cNvPr id="1" name=""/>
-        <p:cNvGrpSpPr/>
-        <p:nvPr/>
-      </p:nvGrpSpPr>
-      <p:grpSpPr>
-        <a:xfrm>
-          <a:off x="0" y="0"/>
-          <a:ext cx="0" cy="0"/>
-          <a:chOff x="0" y="0"/>
-          <a:chExt cx="0" cy="0"/>
-        </a:xfrm>
-      </p:grpSpPr>
-      <p:sp>
-        <p:nvSpPr>
-          <p:cNvPr id="3" name="Title 2">
-            <a:extLst>
-              <a:ext uri="{FF2B5EF4-FFF2-40B4-BE49-F238E27FC236}">
-                <a16:creationId xmlns:a16="http://schemas.microsoft.com/office/drawing/2014/main" id="{9323871C-7CA8-1448-8FFC-1AE6E1838941}"/>
-              </a:ext>
-            </a:extLst>
-          </p:cNvPr>
-          <p:cNvSpPr>
-            <a:spLocks noGrp="1"/>
-          </p:cNvSpPr>
-          <p:nvPr>
-            <p:ph type="title"/>
-          </p:nvPr>
-        </p:nvSpPr>
-        <p:spPr/>
-        <p:txBody>
-          <a:bodyPr/>
-          <a:lstStyle/>
-          <a:p>
-            <a:r>
-              <a:rPr lang="en-US" dirty="0"/>
-              <a:t>Some Open Research Questions</a:t>
-            </a:r>
-          </a:p>
-        </p:txBody>
-      </p:sp>
-      <p:sp>
-        <p:nvSpPr>
-          <p:cNvPr id="4" name="Text Placeholder 3">
-            <a:extLst>
-              <a:ext uri="{FF2B5EF4-FFF2-40B4-BE49-F238E27FC236}">
-                <a16:creationId xmlns:a16="http://schemas.microsoft.com/office/drawing/2014/main" id="{5E600BA7-FA45-884F-9820-9E5F2CB7AA48}"/>
-              </a:ext>
-            </a:extLst>
-          </p:cNvPr>
-          <p:cNvSpPr>
-            <a:spLocks noGrp="1"/>
-          </p:cNvSpPr>
-          <p:nvPr>
-            <p:ph type="body" idx="1"/>
-          </p:nvPr>
-        </p:nvSpPr>
-        <p:spPr/>
-        <p:txBody>
-          <a:bodyPr/>
-          <a:lstStyle/>
-          <a:p>
-            <a:r>
-              <a:rPr lang="en-US" dirty="0"/>
-              <a:t>The SVM loss function will find the “best” separating hyperplane overall, but perhaps we could draw a better hyperplane to separate just </a:t>
-            </a:r>
-            <a:r>
-              <a:rPr lang="en-US" i="1" dirty="0"/>
-              <a:t>k</a:t>
-            </a:r>
-            <a:r>
-              <a:rPr lang="en-US" dirty="0"/>
-              <a:t> positive examples?</a:t>
-            </a:r>
-            <a:br>
-              <a:rPr lang="en-US" dirty="0"/>
-            </a:br>
-            <a:endParaRPr lang="en-US" dirty="0"/>
-          </a:p>
-          <a:p>
-            <a:r>
-              <a:rPr lang="en-US" i="1" dirty="0" err="1"/>
-              <a:t>Transductive</a:t>
-            </a:r>
-            <a:r>
-              <a:rPr lang="en-US" dirty="0"/>
-              <a:t> method: needs to be aware of the test set </a:t>
-            </a:r>
-            <a:r>
-              <a:rPr lang="en-US" b="1" dirty="0"/>
-              <a:t>without labels</a:t>
-            </a:r>
-            <a:r>
-              <a:rPr lang="en-US" dirty="0"/>
-              <a:t> to select just </a:t>
-            </a:r>
-            <a:r>
-              <a:rPr lang="en-US" i="1" dirty="0"/>
-              <a:t>k</a:t>
-            </a:r>
-            <a:r>
-              <a:rPr lang="en-US" dirty="0"/>
-              <a:t> test examples.</a:t>
-            </a:r>
-            <a:br>
-              <a:rPr lang="en-US" dirty="0"/>
-            </a:br>
-            <a:endParaRPr lang="en-US" dirty="0"/>
-          </a:p>
-          <a:p>
-            <a:r>
-              <a:rPr lang="en-US" dirty="0"/>
-              <a:t>Modified gradient descent procedure to project gradient direction for L2-regularized SVM loss onto a “feasible solution cone” such that </a:t>
-            </a:r>
-            <a:r>
-              <a:rPr lang="en-US" u="sng" dirty="0"/>
-              <a:t>no more than</a:t>
-            </a:r>
-            <a:r>
-              <a:rPr lang="en-US" dirty="0"/>
-              <a:t> </a:t>
-            </a:r>
-            <a:r>
-              <a:rPr lang="en-US" i="1" dirty="0"/>
-              <a:t>k</a:t>
-            </a:r>
-            <a:r>
-              <a:rPr lang="en-US" dirty="0"/>
-              <a:t> test examples will be predicted positive after the step.</a:t>
-            </a:r>
-          </a:p>
-        </p:txBody>
-      </p:sp>
-    </p:spTree>
-    <p:extLst>
-      <p:ext uri="{BB962C8B-B14F-4D97-AF65-F5344CB8AC3E}">
-        <p14:creationId xmlns:p14="http://schemas.microsoft.com/office/powerpoint/2010/main" val="94907443"/>
-      </p:ext>
-    </p:extLst>
-  </p:cSld>
-  <p:clrMapOvr>
-    <a:masterClrMapping/>
-  </p:clrMapOvr>
-</p:sld>
-</file>
-
-<file path=ppt/slides/slide37.xml><?xml version="1.0" encoding="utf-8"?>
-<p:sld xmlns:a="http://schemas.openxmlformats.org/drawingml/2006/main" xmlns:r="http://schemas.openxmlformats.org/officeDocument/2006/relationships" xmlns:p="http://schemas.openxmlformats.org/presentationml/2006/main">
-  <p:cSld>
-    <p:spTree>
-      <p:nvGrpSpPr>
-        <p:cNvPr id="1" name=""/>
-        <p:cNvGrpSpPr/>
-        <p:nvPr/>
-      </p:nvGrpSpPr>
-      <p:grpSpPr>
-        <a:xfrm>
-          <a:off x="0" y="0"/>
-          <a:ext cx="0" cy="0"/>
-          <a:chOff x="0" y="0"/>
-          <a:chExt cx="0" cy="0"/>
-        </a:xfrm>
-      </p:grpSpPr>
-      <p:sp>
-        <p:nvSpPr>
-          <p:cNvPr id="3" name="Title 2">
-            <a:extLst>
-              <a:ext uri="{FF2B5EF4-FFF2-40B4-BE49-F238E27FC236}">
-                <a16:creationId xmlns:a16="http://schemas.microsoft.com/office/drawing/2014/main" id="{9323871C-7CA8-1448-8FFC-1AE6E1838941}"/>
-              </a:ext>
-            </a:extLst>
-          </p:cNvPr>
-          <p:cNvSpPr>
-            <a:spLocks noGrp="1"/>
-          </p:cNvSpPr>
-          <p:nvPr>
-            <p:ph type="title"/>
-          </p:nvPr>
-        </p:nvSpPr>
-        <p:spPr/>
-        <p:txBody>
-          <a:bodyPr/>
-          <a:lstStyle/>
-          <a:p>
-            <a:r>
-              <a:rPr lang="en-US" dirty="0"/>
-              <a:t>Some Open Research Questions</a:t>
-            </a:r>
-          </a:p>
-        </p:txBody>
-      </p:sp>
-      <p:pic>
-        <p:nvPicPr>
-          <p:cNvPr id="2" name="Picture 1">
-            <a:extLst>
-              <a:ext uri="{FF2B5EF4-FFF2-40B4-BE49-F238E27FC236}">
-                <a16:creationId xmlns:a16="http://schemas.microsoft.com/office/drawing/2014/main" id="{23F8960D-806C-F441-9A23-1578C38467D8}"/>
-              </a:ext>
-            </a:extLst>
-          </p:cNvPr>
-          <p:cNvPicPr>
-            <a:picLocks noChangeAspect="1"/>
-          </p:cNvPicPr>
-          <p:nvPr/>
-        </p:nvPicPr>
-        <p:blipFill>
-          <a:blip r:embed="rId2"/>
-          <a:stretch>
-            <a:fillRect/>
-          </a:stretch>
-        </p:blipFill>
-        <p:spPr>
-          <a:xfrm>
-            <a:off x="2749550" y="1371600"/>
-            <a:ext cx="6692900" cy="4114800"/>
-          </a:xfrm>
-          <a:prstGeom prst="rect">
-            <a:avLst/>
-          </a:prstGeom>
-        </p:spPr>
-      </p:pic>
-    </p:spTree>
-    <p:extLst>
-      <p:ext uri="{BB962C8B-B14F-4D97-AF65-F5344CB8AC3E}">
-        <p14:creationId xmlns:p14="http://schemas.microsoft.com/office/powerpoint/2010/main" val="1715242992"/>
-      </p:ext>
-    </p:extLst>
-  </p:cSld>
-  <p:clrMapOvr>
-    <a:masterClrMapping/>
-  </p:clrMapOvr>
-</p:sld>
-</file>
-
-<file path=ppt/slides/slide38.xml><?xml version="1.0" encoding="utf-8"?>
-<p:sld xmlns:a="http://schemas.openxmlformats.org/drawingml/2006/main" xmlns:r="http://schemas.openxmlformats.org/officeDocument/2006/relationships" xmlns:p="http://schemas.openxmlformats.org/presentationml/2006/main">
-  <p:cSld>
-    <p:spTree>
-      <p:nvGrpSpPr>
-        <p:cNvPr id="1" name=""/>
-        <p:cNvGrpSpPr/>
-        <p:nvPr/>
-      </p:nvGrpSpPr>
-      <p:grpSpPr>
-        <a:xfrm>
-          <a:off x="0" y="0"/>
-          <a:ext cx="0" cy="0"/>
-          <a:chOff x="0" y="0"/>
-          <a:chExt cx="0" cy="0"/>
-        </a:xfrm>
-      </p:grpSpPr>
-      <p:sp>
-        <p:nvSpPr>
-          <p:cNvPr id="3" name="Title 2">
-            <a:extLst>
-              <a:ext uri="{FF2B5EF4-FFF2-40B4-BE49-F238E27FC236}">
-                <a16:creationId xmlns:a16="http://schemas.microsoft.com/office/drawing/2014/main" id="{9323871C-7CA8-1448-8FFC-1AE6E1838941}"/>
-              </a:ext>
-            </a:extLst>
-          </p:cNvPr>
-          <p:cNvSpPr>
-            <a:spLocks noGrp="1"/>
-          </p:cNvSpPr>
-          <p:nvPr>
-            <p:ph type="title"/>
-          </p:nvPr>
-        </p:nvSpPr>
-        <p:spPr/>
-        <p:txBody>
-          <a:bodyPr/>
-          <a:lstStyle/>
-          <a:p>
-            <a:r>
-              <a:rPr lang="en-US" dirty="0"/>
-              <a:t>Some Open Research Questions</a:t>
-            </a:r>
-          </a:p>
-        </p:txBody>
-      </p:sp>
-      <p:sp>
-        <p:nvSpPr>
-          <p:cNvPr id="4" name="Text Placeholder 3">
-            <a:extLst>
-              <a:ext uri="{FF2B5EF4-FFF2-40B4-BE49-F238E27FC236}">
-                <a16:creationId xmlns:a16="http://schemas.microsoft.com/office/drawing/2014/main" id="{5E600BA7-FA45-884F-9820-9E5F2CB7AA48}"/>
-              </a:ext>
-            </a:extLst>
-          </p:cNvPr>
-          <p:cNvSpPr>
-            <a:spLocks noGrp="1"/>
-          </p:cNvSpPr>
-          <p:nvPr>
-            <p:ph type="body" idx="1"/>
-          </p:nvPr>
-        </p:nvSpPr>
-        <p:spPr>
-          <a:xfrm>
-            <a:off x="415600" y="1219133"/>
-            <a:ext cx="11360700" cy="5234804"/>
-          </a:xfrm>
-        </p:spPr>
-        <p:txBody>
-          <a:bodyPr/>
-          <a:lstStyle/>
-          <a:p>
-            <a:pPr marL="76200" indent="0">
-              <a:buNone/>
-            </a:pPr>
-            <a:r>
-              <a:rPr lang="en-US" dirty="0"/>
-              <a:t>Paper shows improvements on synthetic examples and some “standard” datasets, but still more to investigate:</a:t>
-            </a:r>
-            <a:br>
-              <a:rPr lang="en-US" dirty="0"/>
-            </a:br>
-            <a:endParaRPr lang="en-US" dirty="0"/>
-          </a:p>
-          <a:p>
-            <a:r>
-              <a:rPr lang="en-US" dirty="0"/>
-              <a:t>Can be slow to converge on larger datasets</a:t>
-            </a:r>
-            <a:br>
-              <a:rPr lang="en-US" dirty="0"/>
-            </a:br>
-            <a:endParaRPr lang="en-US" dirty="0"/>
-          </a:p>
-          <a:p>
-            <a:r>
-              <a:rPr lang="en-US" dirty="0"/>
-              <a:t>“At most” </a:t>
-            </a:r>
-            <a:r>
-              <a:rPr lang="en-US" i="1" dirty="0"/>
-              <a:t>k</a:t>
-            </a:r>
-            <a:r>
-              <a:rPr lang="en-US" dirty="0"/>
-              <a:t> examples can yield many fewer than the desired </a:t>
-            </a:r>
-            <a:r>
-              <a:rPr lang="en-US" i="1" dirty="0"/>
-              <a:t>k</a:t>
-            </a:r>
-            <a:r>
-              <a:rPr lang="en-US" dirty="0"/>
-              <a:t>, particularly for rare events (why doesn’t the algorithm target </a:t>
-            </a:r>
-            <a:r>
-              <a:rPr lang="en-US" i="1" dirty="0"/>
-              <a:t>exactly k</a:t>
-            </a:r>
-            <a:r>
-              <a:rPr lang="en-US" dirty="0"/>
-              <a:t>?)</a:t>
-            </a:r>
-            <a:br>
-              <a:rPr lang="en-US" dirty="0"/>
-            </a:br>
-            <a:endParaRPr lang="en-US" dirty="0"/>
-          </a:p>
-          <a:p>
-            <a:r>
-              <a:rPr lang="en-US" dirty="0"/>
-              <a:t> Although creating a “top k” boundary, still penalizes false positives and false negatives equally during optimization</a:t>
-            </a:r>
-            <a:br>
-              <a:rPr lang="en-US" dirty="0"/>
-            </a:br>
-            <a:endParaRPr lang="en-US" dirty="0"/>
-          </a:p>
-          <a:p>
-            <a:r>
-              <a:rPr lang="en-US" dirty="0"/>
-              <a:t>Can we do better at the top, even if we don’t have access to the test list?</a:t>
-            </a:r>
-          </a:p>
-        </p:txBody>
-      </p:sp>
-    </p:spTree>
-    <p:extLst>
-      <p:ext uri="{BB962C8B-B14F-4D97-AF65-F5344CB8AC3E}">
-        <p14:creationId xmlns:p14="http://schemas.microsoft.com/office/powerpoint/2010/main" val="4118118316"/>
-      </p:ext>
-    </p:extLst>
-  </p:cSld>
-  <p:clrMapOvr>
-    <a:masterClrMapping/>
-  </p:clrMapOvr>
-</p:sld>
-</file>
-
-<file path=ppt/slides/slide39.xml><?xml version="1.0" encoding="utf-8"?>
-<p:sld xmlns:a="http://schemas.openxmlformats.org/drawingml/2006/main" xmlns:r="http://schemas.openxmlformats.org/officeDocument/2006/relationships" xmlns:p="http://schemas.openxmlformats.org/presentationml/2006/main" show="0">
-  <p:cSld>
-    <p:spTree>
-      <p:nvGrpSpPr>
-        <p:cNvPr id="1" name=""/>
-        <p:cNvGrpSpPr/>
-        <p:nvPr/>
-      </p:nvGrpSpPr>
-      <p:grpSpPr>
-        <a:xfrm>
-          <a:off x="0" y="0"/>
-          <a:ext cx="0" cy="0"/>
-          <a:chOff x="0" y="0"/>
-          <a:chExt cx="0" cy="0"/>
-        </a:xfrm>
-      </p:grpSpPr>
-      <p:sp>
-        <p:nvSpPr>
-          <p:cNvPr id="2" name="Content Placeholder 1"/>
-          <p:cNvSpPr>
-            <a:spLocks noGrp="1"/>
-          </p:cNvSpPr>
-          <p:nvPr>
-            <p:ph type="body" idx="1"/>
-          </p:nvPr>
-        </p:nvSpPr>
-        <p:spPr/>
-        <p:txBody>
-          <a:bodyPr/>
-          <a:lstStyle/>
-          <a:p>
-            <a:pPr marL="114300" indent="0">
-              <a:buNone/>
-            </a:pPr>
-            <a:endParaRPr lang="en-US" dirty="0">
-              <a:solidFill>
-                <a:schemeClr val="tx1"/>
-              </a:solidFill>
-            </a:endParaRPr>
-          </a:p>
-          <a:p>
-            <a:pPr marL="114300" indent="0">
-              <a:buNone/>
-            </a:pPr>
-            <a:r>
-              <a:rPr lang="en-US" b="1" dirty="0">
-                <a:solidFill>
-                  <a:schemeClr val="tx1"/>
-                </a:solidFill>
-              </a:rPr>
-              <a:t>Coming Up Next Week:</a:t>
-            </a:r>
-          </a:p>
-          <a:p>
-            <a:r>
-              <a:rPr lang="en-US" dirty="0">
-                <a:solidFill>
-                  <a:schemeClr val="tx1"/>
-                </a:solidFill>
-              </a:rPr>
-              <a:t>Monday: Modeling Results Update Assignment (posted on canvas)</a:t>
-            </a:r>
-          </a:p>
-          <a:p>
-            <a:r>
-              <a:rPr lang="en-US" dirty="0">
-                <a:solidFill>
-                  <a:schemeClr val="tx1"/>
-                </a:solidFill>
-              </a:rPr>
-              <a:t>Tuesday: Weekly Feedback Form and Readings</a:t>
-            </a:r>
-          </a:p>
-          <a:p>
-            <a:r>
-              <a:rPr lang="en-US" dirty="0">
-                <a:solidFill>
-                  <a:schemeClr val="tx1"/>
-                </a:solidFill>
-              </a:rPr>
-              <a:t>Midterm:</a:t>
-            </a:r>
-          </a:p>
-          <a:p>
-            <a:pPr lvl="1"/>
-            <a:r>
-              <a:rPr lang="en-US" sz="2200" dirty="0">
-                <a:solidFill>
-                  <a:schemeClr val="tx1"/>
-                </a:solidFill>
-              </a:rPr>
-              <a:t>Take Home</a:t>
-            </a:r>
-          </a:p>
-          <a:p>
-            <a:pPr lvl="1"/>
-            <a:r>
-              <a:rPr lang="en-US" sz="2200" dirty="0">
-                <a:solidFill>
-                  <a:schemeClr val="tx1"/>
-                </a:solidFill>
-              </a:rPr>
-              <a:t>No class on Thursday</a:t>
-            </a:r>
-          </a:p>
-          <a:p>
-            <a:pPr lvl="1"/>
-            <a:r>
-              <a:rPr lang="en-US" sz="2200" dirty="0">
-                <a:solidFill>
-                  <a:schemeClr val="tx1"/>
-                </a:solidFill>
-              </a:rPr>
-              <a:t>Due Friday (Canvas)</a:t>
-            </a:r>
-            <a:br>
-              <a:rPr lang="en-US" dirty="0"/>
-            </a:br>
-            <a:endParaRPr lang="en-US" dirty="0"/>
-          </a:p>
-          <a:p>
-            <a:pPr marL="114300" indent="0">
-              <a:buNone/>
-            </a:pPr>
-            <a:endParaRPr lang="en-US" dirty="0"/>
-          </a:p>
-        </p:txBody>
-      </p:sp>
-      <p:sp>
-        <p:nvSpPr>
-          <p:cNvPr id="3" name="Title 2"/>
-          <p:cNvSpPr>
-            <a:spLocks noGrp="1"/>
-          </p:cNvSpPr>
-          <p:nvPr>
-            <p:ph type="title"/>
-          </p:nvPr>
-        </p:nvSpPr>
-        <p:spPr>
-          <a:xfrm>
-            <a:off x="0" y="325028"/>
-            <a:ext cx="12192000" cy="1143000"/>
-          </a:xfrm>
-        </p:spPr>
-        <p:txBody>
-          <a:bodyPr/>
-          <a:lstStyle/>
-          <a:p>
-            <a:r>
-              <a:rPr lang="en-US" dirty="0">
-                <a:solidFill>
-                  <a:schemeClr val="bg1"/>
-                </a:solidFill>
-              </a:rPr>
-              <a:t>Things to remember</a:t>
-            </a:r>
-          </a:p>
-        </p:txBody>
-      </p:sp>
-    </p:spTree>
-    <p:extLst>
-      <p:ext uri="{BB962C8B-B14F-4D97-AF65-F5344CB8AC3E}">
-        <p14:creationId xmlns:p14="http://schemas.microsoft.com/office/powerpoint/2010/main" val="410149578"/>
       </p:ext>
     </p:extLst>
   </p:cSld>
